--- a/service_images/startuppitch/myservicenned_pitch.pptx
+++ b/service_images/startuppitch/myservicenned_pitch.pptx
@@ -8,13 +8,11 @@
     <p:sldId id="256" r:id="rId2"/>
     <p:sldId id="257" r:id="rId3"/>
     <p:sldId id="258" r:id="rId4"/>
-    <p:sldId id="259" r:id="rId5"/>
-    <p:sldId id="260" r:id="rId6"/>
-    <p:sldId id="261" r:id="rId7"/>
-    <p:sldId id="262" r:id="rId8"/>
-    <p:sldId id="263" r:id="rId9"/>
-    <p:sldId id="264" r:id="rId10"/>
-    <p:sldId id="265" r:id="rId11"/>
+    <p:sldId id="260" r:id="rId5"/>
+    <p:sldId id="261" r:id="rId6"/>
+    <p:sldId id="262" r:id="rId7"/>
+    <p:sldId id="264" r:id="rId8"/>
+    <p:sldId id="265" r:id="rId9"/>
   </p:sldIdLst>
   <p:sldSz cx="9144000" cy="6858000" type="screen4x3"/>
   <p:notesSz cx="9144000" cy="6858000"/>
@@ -115,7 +113,7 @@
   </p:defaultTextStyle>
   <p:extLst>
     <p:ext uri="{EFAFB233-063F-42B5-8137-9DF3F51BA10A}">
-      <p15:sldGuideLst xmlns:p15="http://schemas.microsoft.com/office/powerpoint/2012/main">
+      <p15:sldGuideLst xmlns="" xmlns:p15="http://schemas.microsoft.com/office/powerpoint/2012/main">
         <p15:guide id="1" orient="horz" pos="2880">
           <p15:clr>
             <a:srgbClr val="A4A3A4"/>
@@ -1114,12 +1112,9 @@
 <p:sldMaster xmlns:a="http://schemas.openxmlformats.org/drawingml/2006/main" xmlns:r="http://schemas.openxmlformats.org/officeDocument/2006/relationships" xmlns:p="http://schemas.openxmlformats.org/presentationml/2006/main">
   <p:cSld>
     <p:bg>
-      <p:bgPr>
-        <a:solidFill>
-          <a:schemeClr val="bg1"/>
-        </a:solidFill>
-        <a:effectLst/>
-      </p:bgPr>
+      <p:bgRef idx="1001">
+        <a:schemeClr val="bg1"/>
+      </p:bgRef>
     </p:bg>
     <p:spTree>
       <p:nvGrpSpPr>
@@ -1920,1519 +1915,6 @@
 </p:sld>
 </file>
 
-<file path=ppt/slides/slide10.xml><?xml version="1.0" encoding="utf-8"?>
-<p:sld xmlns:a="http://schemas.openxmlformats.org/drawingml/2006/main" xmlns:r="http://schemas.openxmlformats.org/officeDocument/2006/relationships" xmlns:p="http://schemas.openxmlformats.org/presentationml/2006/main" showMasterSp="0">
-  <p:cSld>
-    <p:spTree>
-      <p:nvGrpSpPr>
-        <p:cNvPr id="1" name=""/>
-        <p:cNvGrpSpPr/>
-        <p:nvPr/>
-      </p:nvGrpSpPr>
-      <p:grpSpPr>
-        <a:xfrm>
-          <a:off x="0" y="0"/>
-          <a:ext cx="0" cy="0"/>
-          <a:chOff x="0" y="0"/>
-          <a:chExt cx="0" cy="0"/>
-        </a:xfrm>
-      </p:grpSpPr>
-      <p:sp>
-        <p:nvSpPr>
-          <p:cNvPr id="16" name="object 16"/>
-          <p:cNvSpPr txBox="1">
-            <a:spLocks noGrp="1"/>
-          </p:cNvSpPr>
-          <p:nvPr>
-            <p:ph type="ftr" sz="quarter" idx="5"/>
-          </p:nvPr>
-        </p:nvSpPr>
-        <p:spPr>
-          <a:prstGeom prst="rect">
-            <a:avLst/>
-          </a:prstGeom>
-        </p:spPr>
-        <p:txBody>
-          <a:bodyPr vert="horz" wrap="square" lIns="0" tIns="0" rIns="0" bIns="0" rtlCol="0">
-            <a:spAutoFit/>
-          </a:bodyPr>
-          <a:lstStyle/>
-          <a:p>
-            <a:pPr marL="12700">
-              <a:lnSpc>
-                <a:spcPts val="1150"/>
-              </a:lnSpc>
-            </a:pPr>
-            <a:r>
-              <a:rPr dirty="0"/>
-              <a:t>Template </a:t>
-            </a:r>
-            <a:r>
-              <a:rPr spc="-5" dirty="0"/>
-              <a:t>by</a:t>
-            </a:r>
-            <a:r>
-              <a:rPr spc="-50" dirty="0"/>
-              <a:t> </a:t>
-            </a:r>
-            <a:r>
-              <a:rPr b="1" spc="-5" dirty="0">
-                <a:latin typeface="Calibri"/>
-                <a:cs typeface="Calibri"/>
-              </a:rPr>
-              <a:t>PitchDeckCoach</a:t>
-            </a:r>
-            <a:r>
-              <a:rPr spc="-5" dirty="0"/>
-              <a:t>.com</a:t>
-            </a:r>
-          </a:p>
-        </p:txBody>
-      </p:sp>
-      <p:sp>
-        <p:nvSpPr>
-          <p:cNvPr id="2" name="object 2"/>
-          <p:cNvSpPr txBox="1">
-            <a:spLocks noGrp="1"/>
-          </p:cNvSpPr>
-          <p:nvPr>
-            <p:ph type="title"/>
-          </p:nvPr>
-        </p:nvSpPr>
-        <p:spPr>
-          <a:prstGeom prst="rect">
-            <a:avLst/>
-          </a:prstGeom>
-        </p:spPr>
-        <p:txBody>
-          <a:bodyPr vert="horz" wrap="square" lIns="0" tIns="0" rIns="0" bIns="0" rtlCol="0">
-            <a:spAutoFit/>
-          </a:bodyPr>
-          <a:lstStyle/>
-          <a:p>
-            <a:pPr marL="12700">
-              <a:lnSpc>
-                <a:spcPct val="100000"/>
-              </a:lnSpc>
-            </a:pPr>
-            <a:r>
-              <a:rPr spc="-5" dirty="0"/>
-              <a:t>Competitive</a:t>
-            </a:r>
-            <a:r>
-              <a:rPr spc="-140" dirty="0"/>
-              <a:t> </a:t>
-            </a:r>
-            <a:r>
-              <a:rPr spc="-25" dirty="0"/>
-              <a:t>Advantages</a:t>
-            </a:r>
-          </a:p>
-        </p:txBody>
-      </p:sp>
-      <p:sp>
-        <p:nvSpPr>
-          <p:cNvPr id="3" name="object 3"/>
-          <p:cNvSpPr txBox="1"/>
-          <p:nvPr/>
-        </p:nvSpPr>
-        <p:spPr>
-          <a:xfrm>
-            <a:off x="8392159" y="165227"/>
-            <a:ext cx="568325" cy="553720"/>
-          </a:xfrm>
-          <a:prstGeom prst="rect">
-            <a:avLst/>
-          </a:prstGeom>
-        </p:spPr>
-        <p:txBody>
-          <a:bodyPr vert="horz" wrap="square" lIns="0" tIns="0" rIns="0" bIns="0" rtlCol="0">
-            <a:spAutoFit/>
-          </a:bodyPr>
-          <a:lstStyle/>
-          <a:p>
-            <a:pPr marL="12700">
-              <a:lnSpc>
-                <a:spcPct val="100000"/>
-              </a:lnSpc>
-            </a:pPr>
-            <a:r>
-              <a:rPr sz="3600" spc="-5" dirty="0">
-                <a:solidFill>
-                  <a:srgbClr val="129CEB"/>
-                </a:solidFill>
-                <a:latin typeface="Arial Rounded MT Bold"/>
-                <a:cs typeface="Arial Rounded MT Bold"/>
-              </a:rPr>
-              <a:t>10</a:t>
-            </a:r>
-            <a:endParaRPr sz="3600">
-              <a:latin typeface="Arial Rounded MT Bold"/>
-              <a:cs typeface="Arial Rounded MT Bold"/>
-            </a:endParaRPr>
-          </a:p>
-        </p:txBody>
-      </p:sp>
-      <p:sp>
-        <p:nvSpPr>
-          <p:cNvPr id="4" name="object 4"/>
-          <p:cNvSpPr txBox="1"/>
-          <p:nvPr/>
-        </p:nvSpPr>
-        <p:spPr>
-          <a:xfrm>
-            <a:off x="516636" y="1542288"/>
-            <a:ext cx="2407920" cy="678180"/>
-          </a:xfrm>
-          <a:prstGeom prst="rect">
-            <a:avLst/>
-          </a:prstGeom>
-          <a:solidFill>
-            <a:srgbClr val="129CEB"/>
-          </a:solidFill>
-        </p:spPr>
-        <p:txBody>
-          <a:bodyPr vert="horz" wrap="square" lIns="0" tIns="36830" rIns="0" bIns="0" rtlCol="0">
-            <a:spAutoFit/>
-          </a:bodyPr>
-          <a:lstStyle/>
-          <a:p>
-            <a:pPr marL="419100">
-              <a:lnSpc>
-                <a:spcPct val="100000"/>
-              </a:lnSpc>
-              <a:spcBef>
-                <a:spcPts val="290"/>
-              </a:spcBef>
-            </a:pPr>
-            <a:r>
-              <a:rPr sz="2000" b="1" dirty="0">
-                <a:solidFill>
-                  <a:srgbClr val="FFFFFF"/>
-                </a:solidFill>
-                <a:latin typeface="Calibri"/>
-                <a:cs typeface="Calibri"/>
-              </a:rPr>
-              <a:t>1</a:t>
-            </a:r>
-            <a:r>
-              <a:rPr sz="1950" b="1" baseline="25641" dirty="0">
-                <a:solidFill>
-                  <a:srgbClr val="FFFFFF"/>
-                </a:solidFill>
-                <a:latin typeface="Calibri"/>
-                <a:cs typeface="Calibri"/>
-              </a:rPr>
-              <a:t>st </a:t>
-            </a:r>
-            <a:r>
-              <a:rPr sz="2000" b="1" spc="-25" dirty="0">
-                <a:solidFill>
-                  <a:srgbClr val="FFFFFF"/>
-                </a:solidFill>
-                <a:latin typeface="Calibri"/>
-                <a:cs typeface="Calibri"/>
-              </a:rPr>
-              <a:t>TO</a:t>
-            </a:r>
-            <a:r>
-              <a:rPr sz="2000" b="1" spc="50" dirty="0">
-                <a:solidFill>
-                  <a:srgbClr val="FFFFFF"/>
-                </a:solidFill>
-                <a:latin typeface="Calibri"/>
-                <a:cs typeface="Calibri"/>
-              </a:rPr>
-              <a:t> </a:t>
-            </a:r>
-            <a:r>
-              <a:rPr sz="2000" b="1" dirty="0">
-                <a:solidFill>
-                  <a:srgbClr val="FFFFFF"/>
-                </a:solidFill>
-                <a:latin typeface="Calibri"/>
-                <a:cs typeface="Calibri"/>
-              </a:rPr>
-              <a:t>MARKET</a:t>
-            </a:r>
-            <a:endParaRPr sz="2000">
-              <a:latin typeface="Calibri"/>
-              <a:cs typeface="Calibri"/>
-            </a:endParaRPr>
-          </a:p>
-        </p:txBody>
-      </p:sp>
-      <p:sp>
-        <p:nvSpPr>
-          <p:cNvPr id="5" name="object 5"/>
-          <p:cNvSpPr txBox="1"/>
-          <p:nvPr/>
-        </p:nvSpPr>
-        <p:spPr>
-          <a:xfrm>
-            <a:off x="3363467" y="1542288"/>
-            <a:ext cx="2407920" cy="678180"/>
-          </a:xfrm>
-          <a:prstGeom prst="rect">
-            <a:avLst/>
-          </a:prstGeom>
-          <a:solidFill>
-            <a:srgbClr val="129CEB"/>
-          </a:solidFill>
-        </p:spPr>
-        <p:txBody>
-          <a:bodyPr vert="horz" wrap="square" lIns="0" tIns="36830" rIns="0" bIns="0" rtlCol="0">
-            <a:spAutoFit/>
-          </a:bodyPr>
-          <a:lstStyle/>
-          <a:p>
-            <a:pPr marL="322580">
-              <a:lnSpc>
-                <a:spcPct val="100000"/>
-              </a:lnSpc>
-              <a:spcBef>
-                <a:spcPts val="290"/>
-              </a:spcBef>
-            </a:pPr>
-            <a:r>
-              <a:rPr sz="2000" b="1" spc="-10" dirty="0">
-                <a:solidFill>
-                  <a:srgbClr val="FFFFFF"/>
-                </a:solidFill>
-                <a:latin typeface="Calibri"/>
-                <a:cs typeface="Calibri"/>
-              </a:rPr>
-              <a:t>HOST</a:t>
-            </a:r>
-            <a:r>
-              <a:rPr sz="2000" b="1" spc="-40" dirty="0">
-                <a:solidFill>
-                  <a:srgbClr val="FFFFFF"/>
-                </a:solidFill>
-                <a:latin typeface="Calibri"/>
-                <a:cs typeface="Calibri"/>
-              </a:rPr>
-              <a:t> </a:t>
-            </a:r>
-            <a:r>
-              <a:rPr sz="2000" b="1" spc="-5" dirty="0">
-                <a:solidFill>
-                  <a:srgbClr val="FFFFFF"/>
-                </a:solidFill>
-                <a:latin typeface="Calibri"/>
-                <a:cs typeface="Calibri"/>
-              </a:rPr>
-              <a:t>INCENTIVE</a:t>
-            </a:r>
-            <a:endParaRPr sz="2000">
-              <a:latin typeface="Calibri"/>
-              <a:cs typeface="Calibri"/>
-            </a:endParaRPr>
-          </a:p>
-        </p:txBody>
-      </p:sp>
-      <p:sp>
-        <p:nvSpPr>
-          <p:cNvPr id="6" name="object 6"/>
-          <p:cNvSpPr txBox="1"/>
-          <p:nvPr/>
-        </p:nvSpPr>
-        <p:spPr>
-          <a:xfrm>
-            <a:off x="620369" y="2253996"/>
-            <a:ext cx="2199640" cy="937260"/>
-          </a:xfrm>
-          <a:prstGeom prst="rect">
-            <a:avLst/>
-          </a:prstGeom>
-        </p:spPr>
-        <p:txBody>
-          <a:bodyPr vert="horz" wrap="square" lIns="0" tIns="0" rIns="0" bIns="0" rtlCol="0">
-            <a:spAutoFit/>
-          </a:bodyPr>
-          <a:lstStyle/>
-          <a:p>
-            <a:pPr marL="12700" marR="5080" algn="ctr">
-              <a:lnSpc>
-                <a:spcPct val="100000"/>
-              </a:lnSpc>
-            </a:pPr>
-            <a:r>
-              <a:rPr sz="1500" spc="-5" dirty="0">
-                <a:solidFill>
-                  <a:srgbClr val="A6A6A6"/>
-                </a:solidFill>
-                <a:latin typeface="Calibri"/>
-                <a:cs typeface="Calibri"/>
-              </a:rPr>
-              <a:t>Lorem </a:t>
-            </a:r>
-            <a:r>
-              <a:rPr sz="1500" dirty="0">
-                <a:solidFill>
-                  <a:srgbClr val="A6A6A6"/>
-                </a:solidFill>
-                <a:latin typeface="Calibri"/>
-                <a:cs typeface="Calibri"/>
-              </a:rPr>
-              <a:t>ipsum </a:t>
-            </a:r>
-            <a:r>
-              <a:rPr sz="1500" spc="-5" dirty="0">
-                <a:solidFill>
-                  <a:srgbClr val="A6A6A6"/>
-                </a:solidFill>
-                <a:latin typeface="Calibri"/>
-                <a:cs typeface="Calibri"/>
-              </a:rPr>
-              <a:t>dolor sit</a:t>
-            </a:r>
-            <a:r>
-              <a:rPr sz="1500" spc="-90" dirty="0">
-                <a:solidFill>
-                  <a:srgbClr val="A6A6A6"/>
-                </a:solidFill>
-                <a:latin typeface="Calibri"/>
-                <a:cs typeface="Calibri"/>
-              </a:rPr>
-              <a:t> </a:t>
-            </a:r>
-            <a:r>
-              <a:rPr sz="1500" spc="-5" dirty="0">
-                <a:solidFill>
-                  <a:srgbClr val="A6A6A6"/>
-                </a:solidFill>
-                <a:latin typeface="Calibri"/>
-                <a:cs typeface="Calibri"/>
-              </a:rPr>
-              <a:t>amet,  </a:t>
-            </a:r>
-            <a:r>
-              <a:rPr sz="1500" spc="-10" dirty="0">
-                <a:solidFill>
-                  <a:srgbClr val="A6A6A6"/>
-                </a:solidFill>
-                <a:latin typeface="Calibri"/>
-                <a:cs typeface="Calibri"/>
-              </a:rPr>
-              <a:t>consectetur </a:t>
-            </a:r>
-            <a:r>
-              <a:rPr sz="1500" dirty="0">
-                <a:solidFill>
-                  <a:srgbClr val="A6A6A6"/>
-                </a:solidFill>
-                <a:latin typeface="Calibri"/>
-                <a:cs typeface="Calibri"/>
-              </a:rPr>
-              <a:t>adipiscing elit.  </a:t>
-            </a:r>
-            <a:r>
-              <a:rPr sz="1500" spc="-10" dirty="0">
-                <a:solidFill>
-                  <a:srgbClr val="A6A6A6"/>
-                </a:solidFill>
-                <a:latin typeface="Calibri"/>
-                <a:cs typeface="Calibri"/>
-              </a:rPr>
-              <a:t>Integer </a:t>
-            </a:r>
-            <a:r>
-              <a:rPr sz="1500" dirty="0">
-                <a:solidFill>
-                  <a:srgbClr val="A6A6A6"/>
-                </a:solidFill>
-                <a:latin typeface="Calibri"/>
-                <a:cs typeface="Calibri"/>
-              </a:rPr>
-              <a:t>nec </a:t>
-            </a:r>
-            <a:r>
-              <a:rPr sz="1500" spc="-5" dirty="0">
-                <a:solidFill>
-                  <a:srgbClr val="A6A6A6"/>
-                </a:solidFill>
-                <a:latin typeface="Calibri"/>
-                <a:cs typeface="Calibri"/>
-              </a:rPr>
-              <a:t>odio. </a:t>
-            </a:r>
-            <a:r>
-              <a:rPr sz="1500" spc="-10" dirty="0">
-                <a:solidFill>
-                  <a:srgbClr val="A6A6A6"/>
-                </a:solidFill>
-                <a:latin typeface="Calibri"/>
-                <a:cs typeface="Calibri"/>
-              </a:rPr>
-              <a:t>Praesent  </a:t>
-            </a:r>
-            <a:r>
-              <a:rPr sz="1500" spc="-5" dirty="0">
-                <a:solidFill>
-                  <a:srgbClr val="A6A6A6"/>
-                </a:solidFill>
-                <a:latin typeface="Calibri"/>
-                <a:cs typeface="Calibri"/>
-              </a:rPr>
-              <a:t>libero.</a:t>
-            </a:r>
-            <a:endParaRPr sz="1500">
-              <a:latin typeface="Calibri"/>
-              <a:cs typeface="Calibri"/>
-            </a:endParaRPr>
-          </a:p>
-        </p:txBody>
-      </p:sp>
-      <p:sp>
-        <p:nvSpPr>
-          <p:cNvPr id="7" name="object 7"/>
-          <p:cNvSpPr txBox="1"/>
-          <p:nvPr/>
-        </p:nvSpPr>
-        <p:spPr>
-          <a:xfrm>
-            <a:off x="3463290" y="2253996"/>
-            <a:ext cx="2199640" cy="937260"/>
-          </a:xfrm>
-          <a:prstGeom prst="rect">
-            <a:avLst/>
-          </a:prstGeom>
-        </p:spPr>
-        <p:txBody>
-          <a:bodyPr vert="horz" wrap="square" lIns="0" tIns="0" rIns="0" bIns="0" rtlCol="0">
-            <a:spAutoFit/>
-          </a:bodyPr>
-          <a:lstStyle/>
-          <a:p>
-            <a:pPr marL="12065" marR="5080" algn="ctr">
-              <a:lnSpc>
-                <a:spcPct val="100000"/>
-              </a:lnSpc>
-            </a:pPr>
-            <a:r>
-              <a:rPr sz="1500" spc="-5" dirty="0">
-                <a:solidFill>
-                  <a:srgbClr val="A6A6A6"/>
-                </a:solidFill>
-                <a:latin typeface="Calibri"/>
-                <a:cs typeface="Calibri"/>
-              </a:rPr>
-              <a:t>Lorem </a:t>
-            </a:r>
-            <a:r>
-              <a:rPr sz="1500" dirty="0">
-                <a:solidFill>
-                  <a:srgbClr val="A6A6A6"/>
-                </a:solidFill>
-                <a:latin typeface="Calibri"/>
-                <a:cs typeface="Calibri"/>
-              </a:rPr>
-              <a:t>ipsum </a:t>
-            </a:r>
-            <a:r>
-              <a:rPr sz="1500" spc="-5" dirty="0">
-                <a:solidFill>
-                  <a:srgbClr val="A6A6A6"/>
-                </a:solidFill>
-                <a:latin typeface="Calibri"/>
-                <a:cs typeface="Calibri"/>
-              </a:rPr>
-              <a:t>dolor sit</a:t>
-            </a:r>
-            <a:r>
-              <a:rPr sz="1500" spc="-90" dirty="0">
-                <a:solidFill>
-                  <a:srgbClr val="A6A6A6"/>
-                </a:solidFill>
-                <a:latin typeface="Calibri"/>
-                <a:cs typeface="Calibri"/>
-              </a:rPr>
-              <a:t> </a:t>
-            </a:r>
-            <a:r>
-              <a:rPr sz="1500" spc="-5" dirty="0">
-                <a:solidFill>
-                  <a:srgbClr val="A6A6A6"/>
-                </a:solidFill>
-                <a:latin typeface="Calibri"/>
-                <a:cs typeface="Calibri"/>
-              </a:rPr>
-              <a:t>amet,  </a:t>
-            </a:r>
-            <a:r>
-              <a:rPr sz="1500" spc="-10" dirty="0">
-                <a:solidFill>
-                  <a:srgbClr val="A6A6A6"/>
-                </a:solidFill>
-                <a:latin typeface="Calibri"/>
-                <a:cs typeface="Calibri"/>
-              </a:rPr>
-              <a:t>consectetur </a:t>
-            </a:r>
-            <a:r>
-              <a:rPr sz="1500" dirty="0">
-                <a:solidFill>
-                  <a:srgbClr val="A6A6A6"/>
-                </a:solidFill>
-                <a:latin typeface="Calibri"/>
-                <a:cs typeface="Calibri"/>
-              </a:rPr>
-              <a:t>adipiscing elit.  </a:t>
-            </a:r>
-            <a:r>
-              <a:rPr sz="1500" spc="-10" dirty="0">
-                <a:solidFill>
-                  <a:srgbClr val="A6A6A6"/>
-                </a:solidFill>
-                <a:latin typeface="Calibri"/>
-                <a:cs typeface="Calibri"/>
-              </a:rPr>
-              <a:t>Integer </a:t>
-            </a:r>
-            <a:r>
-              <a:rPr sz="1500" dirty="0">
-                <a:solidFill>
-                  <a:srgbClr val="A6A6A6"/>
-                </a:solidFill>
-                <a:latin typeface="Calibri"/>
-                <a:cs typeface="Calibri"/>
-              </a:rPr>
-              <a:t>nec </a:t>
-            </a:r>
-            <a:r>
-              <a:rPr sz="1500" spc="-5" dirty="0">
-                <a:solidFill>
-                  <a:srgbClr val="A6A6A6"/>
-                </a:solidFill>
-                <a:latin typeface="Calibri"/>
-                <a:cs typeface="Calibri"/>
-              </a:rPr>
-              <a:t>odio. </a:t>
-            </a:r>
-            <a:r>
-              <a:rPr sz="1500" spc="-10" dirty="0">
-                <a:solidFill>
-                  <a:srgbClr val="A6A6A6"/>
-                </a:solidFill>
-                <a:latin typeface="Calibri"/>
-                <a:cs typeface="Calibri"/>
-              </a:rPr>
-              <a:t>Praesent  </a:t>
-            </a:r>
-            <a:r>
-              <a:rPr sz="1500" spc="-5" dirty="0">
-                <a:solidFill>
-                  <a:srgbClr val="A6A6A6"/>
-                </a:solidFill>
-                <a:latin typeface="Calibri"/>
-                <a:cs typeface="Calibri"/>
-              </a:rPr>
-              <a:t>libero.</a:t>
-            </a:r>
-            <a:endParaRPr sz="1500">
-              <a:latin typeface="Calibri"/>
-              <a:cs typeface="Calibri"/>
-            </a:endParaRPr>
-          </a:p>
-        </p:txBody>
-      </p:sp>
-      <p:sp>
-        <p:nvSpPr>
-          <p:cNvPr id="8" name="object 8"/>
-          <p:cNvSpPr txBox="1"/>
-          <p:nvPr/>
-        </p:nvSpPr>
-        <p:spPr>
-          <a:xfrm>
-            <a:off x="6322821" y="2253996"/>
-            <a:ext cx="2199640" cy="937260"/>
-          </a:xfrm>
-          <a:prstGeom prst="rect">
-            <a:avLst/>
-          </a:prstGeom>
-        </p:spPr>
-        <p:txBody>
-          <a:bodyPr vert="horz" wrap="square" lIns="0" tIns="0" rIns="0" bIns="0" rtlCol="0">
-            <a:spAutoFit/>
-          </a:bodyPr>
-          <a:lstStyle/>
-          <a:p>
-            <a:pPr marL="12700" marR="5080" algn="ctr">
-              <a:lnSpc>
-                <a:spcPct val="100000"/>
-              </a:lnSpc>
-            </a:pPr>
-            <a:r>
-              <a:rPr sz="1500" spc="-5" dirty="0">
-                <a:solidFill>
-                  <a:srgbClr val="A6A6A6"/>
-                </a:solidFill>
-                <a:latin typeface="Calibri"/>
-                <a:cs typeface="Calibri"/>
-              </a:rPr>
-              <a:t>Lorem </a:t>
-            </a:r>
-            <a:r>
-              <a:rPr sz="1500" dirty="0">
-                <a:solidFill>
-                  <a:srgbClr val="A6A6A6"/>
-                </a:solidFill>
-                <a:latin typeface="Calibri"/>
-                <a:cs typeface="Calibri"/>
-              </a:rPr>
-              <a:t>ipsum </a:t>
-            </a:r>
-            <a:r>
-              <a:rPr sz="1500" spc="-5" dirty="0">
-                <a:solidFill>
-                  <a:srgbClr val="A6A6A6"/>
-                </a:solidFill>
-                <a:latin typeface="Calibri"/>
-                <a:cs typeface="Calibri"/>
-              </a:rPr>
-              <a:t>dolor sit</a:t>
-            </a:r>
-            <a:r>
-              <a:rPr sz="1500" spc="-90" dirty="0">
-                <a:solidFill>
-                  <a:srgbClr val="A6A6A6"/>
-                </a:solidFill>
-                <a:latin typeface="Calibri"/>
-                <a:cs typeface="Calibri"/>
-              </a:rPr>
-              <a:t> </a:t>
-            </a:r>
-            <a:r>
-              <a:rPr sz="1500" spc="-5" dirty="0">
-                <a:solidFill>
-                  <a:srgbClr val="A6A6A6"/>
-                </a:solidFill>
-                <a:latin typeface="Calibri"/>
-                <a:cs typeface="Calibri"/>
-              </a:rPr>
-              <a:t>amet,  </a:t>
-            </a:r>
-            <a:r>
-              <a:rPr sz="1500" spc="-10" dirty="0">
-                <a:solidFill>
-                  <a:srgbClr val="A6A6A6"/>
-                </a:solidFill>
-                <a:latin typeface="Calibri"/>
-                <a:cs typeface="Calibri"/>
-              </a:rPr>
-              <a:t>consectetur </a:t>
-            </a:r>
-            <a:r>
-              <a:rPr sz="1500" dirty="0">
-                <a:solidFill>
-                  <a:srgbClr val="A6A6A6"/>
-                </a:solidFill>
-                <a:latin typeface="Calibri"/>
-                <a:cs typeface="Calibri"/>
-              </a:rPr>
-              <a:t>adipiscing elit.  </a:t>
-            </a:r>
-            <a:r>
-              <a:rPr sz="1500" spc="-10" dirty="0">
-                <a:solidFill>
-                  <a:srgbClr val="A6A6A6"/>
-                </a:solidFill>
-                <a:latin typeface="Calibri"/>
-                <a:cs typeface="Calibri"/>
-              </a:rPr>
-              <a:t>Integer </a:t>
-            </a:r>
-            <a:r>
-              <a:rPr sz="1500" dirty="0">
-                <a:solidFill>
-                  <a:srgbClr val="A6A6A6"/>
-                </a:solidFill>
-                <a:latin typeface="Calibri"/>
-                <a:cs typeface="Calibri"/>
-              </a:rPr>
-              <a:t>nec </a:t>
-            </a:r>
-            <a:r>
-              <a:rPr sz="1500" spc="-5" dirty="0">
-                <a:solidFill>
-                  <a:srgbClr val="A6A6A6"/>
-                </a:solidFill>
-                <a:latin typeface="Calibri"/>
-                <a:cs typeface="Calibri"/>
-              </a:rPr>
-              <a:t>odio. </a:t>
-            </a:r>
-            <a:r>
-              <a:rPr sz="1500" spc="-10" dirty="0">
-                <a:solidFill>
-                  <a:srgbClr val="A6A6A6"/>
-                </a:solidFill>
-                <a:latin typeface="Calibri"/>
-                <a:cs typeface="Calibri"/>
-              </a:rPr>
-              <a:t>Praesent  </a:t>
-            </a:r>
-            <a:r>
-              <a:rPr sz="1500" spc="-5" dirty="0">
-                <a:solidFill>
-                  <a:srgbClr val="A6A6A6"/>
-                </a:solidFill>
-                <a:latin typeface="Calibri"/>
-                <a:cs typeface="Calibri"/>
-              </a:rPr>
-              <a:t>libero.</a:t>
-            </a:r>
-            <a:endParaRPr sz="1500">
-              <a:latin typeface="Calibri"/>
-              <a:cs typeface="Calibri"/>
-            </a:endParaRPr>
-          </a:p>
-        </p:txBody>
-      </p:sp>
-      <p:sp>
-        <p:nvSpPr>
-          <p:cNvPr id="9" name="object 9"/>
-          <p:cNvSpPr txBox="1"/>
-          <p:nvPr/>
-        </p:nvSpPr>
-        <p:spPr>
-          <a:xfrm>
-            <a:off x="6220967" y="1542288"/>
-            <a:ext cx="2407920" cy="678180"/>
-          </a:xfrm>
-          <a:prstGeom prst="rect">
-            <a:avLst/>
-          </a:prstGeom>
-          <a:solidFill>
-            <a:srgbClr val="129CEB"/>
-          </a:solidFill>
-        </p:spPr>
-        <p:txBody>
-          <a:bodyPr vert="horz" wrap="square" lIns="0" tIns="36830" rIns="0" bIns="0" rtlCol="0">
-            <a:spAutoFit/>
-          </a:bodyPr>
-          <a:lstStyle/>
-          <a:p>
-            <a:pPr marL="667385">
-              <a:lnSpc>
-                <a:spcPct val="100000"/>
-              </a:lnSpc>
-              <a:spcBef>
-                <a:spcPts val="290"/>
-              </a:spcBef>
-            </a:pPr>
-            <a:r>
-              <a:rPr sz="2000" b="1" spc="-5" dirty="0">
-                <a:solidFill>
-                  <a:srgbClr val="FFFFFF"/>
-                </a:solidFill>
-                <a:latin typeface="Calibri"/>
-                <a:cs typeface="Calibri"/>
-              </a:rPr>
-              <a:t>LIST</a:t>
-            </a:r>
-            <a:r>
-              <a:rPr sz="2000" b="1" spc="-85" dirty="0">
-                <a:solidFill>
-                  <a:srgbClr val="FFFFFF"/>
-                </a:solidFill>
-                <a:latin typeface="Calibri"/>
-                <a:cs typeface="Calibri"/>
-              </a:rPr>
-              <a:t> </a:t>
-            </a:r>
-            <a:r>
-              <a:rPr sz="2000" b="1" spc="-5" dirty="0">
-                <a:solidFill>
-                  <a:srgbClr val="FFFFFF"/>
-                </a:solidFill>
-                <a:latin typeface="Calibri"/>
-                <a:cs typeface="Calibri"/>
-              </a:rPr>
-              <a:t>ONCE</a:t>
-            </a:r>
-            <a:endParaRPr sz="2000">
-              <a:latin typeface="Calibri"/>
-              <a:cs typeface="Calibri"/>
-            </a:endParaRPr>
-          </a:p>
-        </p:txBody>
-      </p:sp>
-      <p:sp>
-        <p:nvSpPr>
-          <p:cNvPr id="10" name="object 10"/>
-          <p:cNvSpPr txBox="1"/>
-          <p:nvPr/>
-        </p:nvSpPr>
-        <p:spPr>
-          <a:xfrm>
-            <a:off x="516636" y="3941064"/>
-            <a:ext cx="2407920" cy="678180"/>
-          </a:xfrm>
-          <a:prstGeom prst="rect">
-            <a:avLst/>
-          </a:prstGeom>
-          <a:solidFill>
-            <a:srgbClr val="129CEB"/>
-          </a:solidFill>
-        </p:spPr>
-        <p:txBody>
-          <a:bodyPr vert="horz" wrap="square" lIns="0" tIns="36830" rIns="0" bIns="0" rtlCol="0">
-            <a:spAutoFit/>
-          </a:bodyPr>
-          <a:lstStyle/>
-          <a:p>
-            <a:pPr marL="538480">
-              <a:lnSpc>
-                <a:spcPct val="100000"/>
-              </a:lnSpc>
-              <a:spcBef>
-                <a:spcPts val="290"/>
-              </a:spcBef>
-            </a:pPr>
-            <a:r>
-              <a:rPr sz="2000" b="1" spc="-10" dirty="0">
-                <a:solidFill>
-                  <a:srgbClr val="FFFFFF"/>
-                </a:solidFill>
-                <a:latin typeface="Calibri"/>
-                <a:cs typeface="Calibri"/>
-              </a:rPr>
-              <a:t>EASE </a:t>
-            </a:r>
-            <a:r>
-              <a:rPr sz="2000" b="1" spc="-5" dirty="0">
-                <a:solidFill>
-                  <a:srgbClr val="FFFFFF"/>
-                </a:solidFill>
-                <a:latin typeface="Calibri"/>
-                <a:cs typeface="Calibri"/>
-              </a:rPr>
-              <a:t>OF</a:t>
-            </a:r>
-            <a:r>
-              <a:rPr sz="2000" b="1" spc="-85" dirty="0">
-                <a:solidFill>
-                  <a:srgbClr val="FFFFFF"/>
-                </a:solidFill>
-                <a:latin typeface="Calibri"/>
-                <a:cs typeface="Calibri"/>
-              </a:rPr>
-              <a:t> </a:t>
-            </a:r>
-            <a:r>
-              <a:rPr sz="2000" b="1" dirty="0">
-                <a:solidFill>
-                  <a:srgbClr val="FFFFFF"/>
-                </a:solidFill>
-                <a:latin typeface="Calibri"/>
-                <a:cs typeface="Calibri"/>
-              </a:rPr>
-              <a:t>USE</a:t>
-            </a:r>
-            <a:endParaRPr sz="2000">
-              <a:latin typeface="Calibri"/>
-              <a:cs typeface="Calibri"/>
-            </a:endParaRPr>
-          </a:p>
-        </p:txBody>
-      </p:sp>
-      <p:sp>
-        <p:nvSpPr>
-          <p:cNvPr id="11" name="object 11"/>
-          <p:cNvSpPr txBox="1"/>
-          <p:nvPr/>
-        </p:nvSpPr>
-        <p:spPr>
-          <a:xfrm>
-            <a:off x="3363467" y="3941064"/>
-            <a:ext cx="2407920" cy="678180"/>
-          </a:xfrm>
-          <a:prstGeom prst="rect">
-            <a:avLst/>
-          </a:prstGeom>
-          <a:solidFill>
-            <a:srgbClr val="129CEB"/>
-          </a:solidFill>
-        </p:spPr>
-        <p:txBody>
-          <a:bodyPr vert="horz" wrap="square" lIns="0" tIns="36830" rIns="0" bIns="0" rtlCol="0">
-            <a:spAutoFit/>
-          </a:bodyPr>
-          <a:lstStyle/>
-          <a:p>
-            <a:pPr marL="712470">
-              <a:lnSpc>
-                <a:spcPct val="100000"/>
-              </a:lnSpc>
-              <a:spcBef>
-                <a:spcPts val="290"/>
-              </a:spcBef>
-            </a:pPr>
-            <a:r>
-              <a:rPr sz="2000" b="1" spc="-10" dirty="0">
-                <a:solidFill>
-                  <a:srgbClr val="FFFFFF"/>
-                </a:solidFill>
-                <a:latin typeface="Calibri"/>
-                <a:cs typeface="Calibri"/>
-              </a:rPr>
-              <a:t>PROFILES</a:t>
-            </a:r>
-            <a:endParaRPr sz="2000">
-              <a:latin typeface="Calibri"/>
-              <a:cs typeface="Calibri"/>
-            </a:endParaRPr>
-          </a:p>
-        </p:txBody>
-      </p:sp>
-      <p:sp>
-        <p:nvSpPr>
-          <p:cNvPr id="12" name="object 12"/>
-          <p:cNvSpPr txBox="1"/>
-          <p:nvPr/>
-        </p:nvSpPr>
-        <p:spPr>
-          <a:xfrm>
-            <a:off x="620369" y="4653026"/>
-            <a:ext cx="2199640" cy="937260"/>
-          </a:xfrm>
-          <a:prstGeom prst="rect">
-            <a:avLst/>
-          </a:prstGeom>
-        </p:spPr>
-        <p:txBody>
-          <a:bodyPr vert="horz" wrap="square" lIns="0" tIns="0" rIns="0" bIns="0" rtlCol="0">
-            <a:spAutoFit/>
-          </a:bodyPr>
-          <a:lstStyle/>
-          <a:p>
-            <a:pPr marL="12700" marR="5080" algn="ctr">
-              <a:lnSpc>
-                <a:spcPct val="100000"/>
-              </a:lnSpc>
-            </a:pPr>
-            <a:r>
-              <a:rPr sz="1500" spc="-5" dirty="0">
-                <a:solidFill>
-                  <a:srgbClr val="A6A6A6"/>
-                </a:solidFill>
-                <a:latin typeface="Calibri"/>
-                <a:cs typeface="Calibri"/>
-              </a:rPr>
-              <a:t>Lorem </a:t>
-            </a:r>
-            <a:r>
-              <a:rPr sz="1500" dirty="0">
-                <a:solidFill>
-                  <a:srgbClr val="A6A6A6"/>
-                </a:solidFill>
-                <a:latin typeface="Calibri"/>
-                <a:cs typeface="Calibri"/>
-              </a:rPr>
-              <a:t>ipsum </a:t>
-            </a:r>
-            <a:r>
-              <a:rPr sz="1500" spc="-5" dirty="0">
-                <a:solidFill>
-                  <a:srgbClr val="A6A6A6"/>
-                </a:solidFill>
-                <a:latin typeface="Calibri"/>
-                <a:cs typeface="Calibri"/>
-              </a:rPr>
-              <a:t>dolor sit</a:t>
-            </a:r>
-            <a:r>
-              <a:rPr sz="1500" spc="-90" dirty="0">
-                <a:solidFill>
-                  <a:srgbClr val="A6A6A6"/>
-                </a:solidFill>
-                <a:latin typeface="Calibri"/>
-                <a:cs typeface="Calibri"/>
-              </a:rPr>
-              <a:t> </a:t>
-            </a:r>
-            <a:r>
-              <a:rPr sz="1500" spc="-5" dirty="0">
-                <a:solidFill>
-                  <a:srgbClr val="A6A6A6"/>
-                </a:solidFill>
-                <a:latin typeface="Calibri"/>
-                <a:cs typeface="Calibri"/>
-              </a:rPr>
-              <a:t>amet,  </a:t>
-            </a:r>
-            <a:r>
-              <a:rPr sz="1500" spc="-10" dirty="0">
-                <a:solidFill>
-                  <a:srgbClr val="A6A6A6"/>
-                </a:solidFill>
-                <a:latin typeface="Calibri"/>
-                <a:cs typeface="Calibri"/>
-              </a:rPr>
-              <a:t>consectetur </a:t>
-            </a:r>
-            <a:r>
-              <a:rPr sz="1500" dirty="0">
-                <a:solidFill>
-                  <a:srgbClr val="A6A6A6"/>
-                </a:solidFill>
-                <a:latin typeface="Calibri"/>
-                <a:cs typeface="Calibri"/>
-              </a:rPr>
-              <a:t>adipiscing elit.  </a:t>
-            </a:r>
-            <a:r>
-              <a:rPr sz="1500" spc="-10" dirty="0">
-                <a:solidFill>
-                  <a:srgbClr val="A6A6A6"/>
-                </a:solidFill>
-                <a:latin typeface="Calibri"/>
-                <a:cs typeface="Calibri"/>
-              </a:rPr>
-              <a:t>Integer </a:t>
-            </a:r>
-            <a:r>
-              <a:rPr sz="1500" dirty="0">
-                <a:solidFill>
-                  <a:srgbClr val="A6A6A6"/>
-                </a:solidFill>
-                <a:latin typeface="Calibri"/>
-                <a:cs typeface="Calibri"/>
-              </a:rPr>
-              <a:t>nec </a:t>
-            </a:r>
-            <a:r>
-              <a:rPr sz="1500" spc="-5" dirty="0">
-                <a:solidFill>
-                  <a:srgbClr val="A6A6A6"/>
-                </a:solidFill>
-                <a:latin typeface="Calibri"/>
-                <a:cs typeface="Calibri"/>
-              </a:rPr>
-              <a:t>odio. </a:t>
-            </a:r>
-            <a:r>
-              <a:rPr sz="1500" spc="-10" dirty="0">
-                <a:solidFill>
-                  <a:srgbClr val="A6A6A6"/>
-                </a:solidFill>
-                <a:latin typeface="Calibri"/>
-                <a:cs typeface="Calibri"/>
-              </a:rPr>
-              <a:t>Praesent  </a:t>
-            </a:r>
-            <a:r>
-              <a:rPr sz="1500" spc="-5" dirty="0">
-                <a:solidFill>
-                  <a:srgbClr val="A6A6A6"/>
-                </a:solidFill>
-                <a:latin typeface="Calibri"/>
-                <a:cs typeface="Calibri"/>
-              </a:rPr>
-              <a:t>libero.</a:t>
-            </a:r>
-            <a:endParaRPr sz="1500">
-              <a:latin typeface="Calibri"/>
-              <a:cs typeface="Calibri"/>
-            </a:endParaRPr>
-          </a:p>
-        </p:txBody>
-      </p:sp>
-      <p:sp>
-        <p:nvSpPr>
-          <p:cNvPr id="13" name="object 13"/>
-          <p:cNvSpPr txBox="1"/>
-          <p:nvPr/>
-        </p:nvSpPr>
-        <p:spPr>
-          <a:xfrm>
-            <a:off x="3463290" y="4653026"/>
-            <a:ext cx="2199640" cy="937260"/>
-          </a:xfrm>
-          <a:prstGeom prst="rect">
-            <a:avLst/>
-          </a:prstGeom>
-        </p:spPr>
-        <p:txBody>
-          <a:bodyPr vert="horz" wrap="square" lIns="0" tIns="0" rIns="0" bIns="0" rtlCol="0">
-            <a:spAutoFit/>
-          </a:bodyPr>
-          <a:lstStyle/>
-          <a:p>
-            <a:pPr marL="12065" marR="5080" algn="ctr">
-              <a:lnSpc>
-                <a:spcPct val="100000"/>
-              </a:lnSpc>
-            </a:pPr>
-            <a:r>
-              <a:rPr sz="1500" spc="-5" dirty="0">
-                <a:solidFill>
-                  <a:srgbClr val="A6A6A6"/>
-                </a:solidFill>
-                <a:latin typeface="Calibri"/>
-                <a:cs typeface="Calibri"/>
-              </a:rPr>
-              <a:t>Lorem </a:t>
-            </a:r>
-            <a:r>
-              <a:rPr sz="1500" dirty="0">
-                <a:solidFill>
-                  <a:srgbClr val="A6A6A6"/>
-                </a:solidFill>
-                <a:latin typeface="Calibri"/>
-                <a:cs typeface="Calibri"/>
-              </a:rPr>
-              <a:t>ipsum </a:t>
-            </a:r>
-            <a:r>
-              <a:rPr sz="1500" spc="-5" dirty="0">
-                <a:solidFill>
-                  <a:srgbClr val="A6A6A6"/>
-                </a:solidFill>
-                <a:latin typeface="Calibri"/>
-                <a:cs typeface="Calibri"/>
-              </a:rPr>
-              <a:t>dolor sit</a:t>
-            </a:r>
-            <a:r>
-              <a:rPr sz="1500" spc="-90" dirty="0">
-                <a:solidFill>
-                  <a:srgbClr val="A6A6A6"/>
-                </a:solidFill>
-                <a:latin typeface="Calibri"/>
-                <a:cs typeface="Calibri"/>
-              </a:rPr>
-              <a:t> </a:t>
-            </a:r>
-            <a:r>
-              <a:rPr sz="1500" spc="-5" dirty="0">
-                <a:solidFill>
-                  <a:srgbClr val="A6A6A6"/>
-                </a:solidFill>
-                <a:latin typeface="Calibri"/>
-                <a:cs typeface="Calibri"/>
-              </a:rPr>
-              <a:t>amet,  </a:t>
-            </a:r>
-            <a:r>
-              <a:rPr sz="1500" spc="-10" dirty="0">
-                <a:solidFill>
-                  <a:srgbClr val="A6A6A6"/>
-                </a:solidFill>
-                <a:latin typeface="Calibri"/>
-                <a:cs typeface="Calibri"/>
-              </a:rPr>
-              <a:t>consectetur </a:t>
-            </a:r>
-            <a:r>
-              <a:rPr sz="1500" dirty="0">
-                <a:solidFill>
-                  <a:srgbClr val="A6A6A6"/>
-                </a:solidFill>
-                <a:latin typeface="Calibri"/>
-                <a:cs typeface="Calibri"/>
-              </a:rPr>
-              <a:t>adipiscing elit.  </a:t>
-            </a:r>
-            <a:r>
-              <a:rPr sz="1500" spc="-10" dirty="0">
-                <a:solidFill>
-                  <a:srgbClr val="A6A6A6"/>
-                </a:solidFill>
-                <a:latin typeface="Calibri"/>
-                <a:cs typeface="Calibri"/>
-              </a:rPr>
-              <a:t>Integer </a:t>
-            </a:r>
-            <a:r>
-              <a:rPr sz="1500" dirty="0">
-                <a:solidFill>
-                  <a:srgbClr val="A6A6A6"/>
-                </a:solidFill>
-                <a:latin typeface="Calibri"/>
-                <a:cs typeface="Calibri"/>
-              </a:rPr>
-              <a:t>nec </a:t>
-            </a:r>
-            <a:r>
-              <a:rPr sz="1500" spc="-5" dirty="0">
-                <a:solidFill>
-                  <a:srgbClr val="A6A6A6"/>
-                </a:solidFill>
-                <a:latin typeface="Calibri"/>
-                <a:cs typeface="Calibri"/>
-              </a:rPr>
-              <a:t>odio. </a:t>
-            </a:r>
-            <a:r>
-              <a:rPr sz="1500" spc="-10" dirty="0">
-                <a:solidFill>
-                  <a:srgbClr val="A6A6A6"/>
-                </a:solidFill>
-                <a:latin typeface="Calibri"/>
-                <a:cs typeface="Calibri"/>
-              </a:rPr>
-              <a:t>Praesent  </a:t>
-            </a:r>
-            <a:r>
-              <a:rPr sz="1500" spc="-5" dirty="0">
-                <a:solidFill>
-                  <a:srgbClr val="A6A6A6"/>
-                </a:solidFill>
-                <a:latin typeface="Calibri"/>
-                <a:cs typeface="Calibri"/>
-              </a:rPr>
-              <a:t>libero.</a:t>
-            </a:r>
-            <a:endParaRPr sz="1500">
-              <a:latin typeface="Calibri"/>
-              <a:cs typeface="Calibri"/>
-            </a:endParaRPr>
-          </a:p>
-        </p:txBody>
-      </p:sp>
-      <p:sp>
-        <p:nvSpPr>
-          <p:cNvPr id="14" name="object 14"/>
-          <p:cNvSpPr txBox="1"/>
-          <p:nvPr/>
-        </p:nvSpPr>
-        <p:spPr>
-          <a:xfrm>
-            <a:off x="6322821" y="4653026"/>
-            <a:ext cx="2199640" cy="937260"/>
-          </a:xfrm>
-          <a:prstGeom prst="rect">
-            <a:avLst/>
-          </a:prstGeom>
-        </p:spPr>
-        <p:txBody>
-          <a:bodyPr vert="horz" wrap="square" lIns="0" tIns="0" rIns="0" bIns="0" rtlCol="0">
-            <a:spAutoFit/>
-          </a:bodyPr>
-          <a:lstStyle/>
-          <a:p>
-            <a:pPr marL="12700" marR="5080" algn="ctr">
-              <a:lnSpc>
-                <a:spcPct val="100000"/>
-              </a:lnSpc>
-            </a:pPr>
-            <a:r>
-              <a:rPr sz="1500" spc="-5" dirty="0">
-                <a:solidFill>
-                  <a:srgbClr val="A6A6A6"/>
-                </a:solidFill>
-                <a:latin typeface="Calibri"/>
-                <a:cs typeface="Calibri"/>
-              </a:rPr>
-              <a:t>Lorem </a:t>
-            </a:r>
-            <a:r>
-              <a:rPr sz="1500" dirty="0">
-                <a:solidFill>
-                  <a:srgbClr val="A6A6A6"/>
-                </a:solidFill>
-                <a:latin typeface="Calibri"/>
-                <a:cs typeface="Calibri"/>
-              </a:rPr>
-              <a:t>ipsum </a:t>
-            </a:r>
-            <a:r>
-              <a:rPr sz="1500" spc="-5" dirty="0">
-                <a:solidFill>
-                  <a:srgbClr val="A6A6A6"/>
-                </a:solidFill>
-                <a:latin typeface="Calibri"/>
-                <a:cs typeface="Calibri"/>
-              </a:rPr>
-              <a:t>dolor sit</a:t>
-            </a:r>
-            <a:r>
-              <a:rPr sz="1500" spc="-90" dirty="0">
-                <a:solidFill>
-                  <a:srgbClr val="A6A6A6"/>
-                </a:solidFill>
-                <a:latin typeface="Calibri"/>
-                <a:cs typeface="Calibri"/>
-              </a:rPr>
-              <a:t> </a:t>
-            </a:r>
-            <a:r>
-              <a:rPr sz="1500" spc="-5" dirty="0">
-                <a:solidFill>
-                  <a:srgbClr val="A6A6A6"/>
-                </a:solidFill>
-                <a:latin typeface="Calibri"/>
-                <a:cs typeface="Calibri"/>
-              </a:rPr>
-              <a:t>amet,  </a:t>
-            </a:r>
-            <a:r>
-              <a:rPr sz="1500" spc="-10" dirty="0">
-                <a:solidFill>
-                  <a:srgbClr val="A6A6A6"/>
-                </a:solidFill>
-                <a:latin typeface="Calibri"/>
-                <a:cs typeface="Calibri"/>
-              </a:rPr>
-              <a:t>consectetur </a:t>
-            </a:r>
-            <a:r>
-              <a:rPr sz="1500" dirty="0">
-                <a:solidFill>
-                  <a:srgbClr val="A6A6A6"/>
-                </a:solidFill>
-                <a:latin typeface="Calibri"/>
-                <a:cs typeface="Calibri"/>
-              </a:rPr>
-              <a:t>adipiscing elit.  </a:t>
-            </a:r>
-            <a:r>
-              <a:rPr sz="1500" spc="-10" dirty="0">
-                <a:solidFill>
-                  <a:srgbClr val="A6A6A6"/>
-                </a:solidFill>
-                <a:latin typeface="Calibri"/>
-                <a:cs typeface="Calibri"/>
-              </a:rPr>
-              <a:t>Integer </a:t>
-            </a:r>
-            <a:r>
-              <a:rPr sz="1500" dirty="0">
-                <a:solidFill>
-                  <a:srgbClr val="A6A6A6"/>
-                </a:solidFill>
-                <a:latin typeface="Calibri"/>
-                <a:cs typeface="Calibri"/>
-              </a:rPr>
-              <a:t>nec </a:t>
-            </a:r>
-            <a:r>
-              <a:rPr sz="1500" spc="-5" dirty="0">
-                <a:solidFill>
-                  <a:srgbClr val="A6A6A6"/>
-                </a:solidFill>
-                <a:latin typeface="Calibri"/>
-                <a:cs typeface="Calibri"/>
-              </a:rPr>
-              <a:t>odio. </a:t>
-            </a:r>
-            <a:r>
-              <a:rPr sz="1500" spc="-10" dirty="0">
-                <a:solidFill>
-                  <a:srgbClr val="A6A6A6"/>
-                </a:solidFill>
-                <a:latin typeface="Calibri"/>
-                <a:cs typeface="Calibri"/>
-              </a:rPr>
-              <a:t>Praesent  </a:t>
-            </a:r>
-            <a:r>
-              <a:rPr sz="1500" spc="-5" dirty="0">
-                <a:solidFill>
-                  <a:srgbClr val="A6A6A6"/>
-                </a:solidFill>
-                <a:latin typeface="Calibri"/>
-                <a:cs typeface="Calibri"/>
-              </a:rPr>
-              <a:t>libero.</a:t>
-            </a:r>
-            <a:endParaRPr sz="1500">
-              <a:latin typeface="Calibri"/>
-              <a:cs typeface="Calibri"/>
-            </a:endParaRPr>
-          </a:p>
-        </p:txBody>
-      </p:sp>
-      <p:sp>
-        <p:nvSpPr>
-          <p:cNvPr id="15" name="object 15"/>
-          <p:cNvSpPr txBox="1"/>
-          <p:nvPr/>
-        </p:nvSpPr>
-        <p:spPr>
-          <a:xfrm>
-            <a:off x="6220967" y="3941064"/>
-            <a:ext cx="2407920" cy="678180"/>
-          </a:xfrm>
-          <a:prstGeom prst="rect">
-            <a:avLst/>
-          </a:prstGeom>
-          <a:solidFill>
-            <a:srgbClr val="129CEB"/>
-          </a:solidFill>
-        </p:spPr>
-        <p:txBody>
-          <a:bodyPr vert="horz" wrap="square" lIns="0" tIns="36830" rIns="0" bIns="0" rtlCol="0">
-            <a:spAutoFit/>
-          </a:bodyPr>
-          <a:lstStyle/>
-          <a:p>
-            <a:pPr marL="274320">
-              <a:lnSpc>
-                <a:spcPct val="100000"/>
-              </a:lnSpc>
-              <a:spcBef>
-                <a:spcPts val="290"/>
-              </a:spcBef>
-            </a:pPr>
-            <a:r>
-              <a:rPr sz="2000" b="1" spc="-5" dirty="0">
-                <a:solidFill>
-                  <a:srgbClr val="FFFFFF"/>
-                </a:solidFill>
-                <a:latin typeface="Calibri"/>
-                <a:cs typeface="Calibri"/>
-              </a:rPr>
-              <a:t>DESIGN </a:t>
-            </a:r>
-            <a:r>
-              <a:rPr sz="2000" b="1" dirty="0">
-                <a:solidFill>
-                  <a:srgbClr val="FFFFFF"/>
-                </a:solidFill>
-                <a:latin typeface="Calibri"/>
-                <a:cs typeface="Calibri"/>
-              </a:rPr>
-              <a:t>&amp;</a:t>
-            </a:r>
-            <a:r>
-              <a:rPr sz="2000" b="1" spc="-90" dirty="0">
-                <a:solidFill>
-                  <a:srgbClr val="FFFFFF"/>
-                </a:solidFill>
-                <a:latin typeface="Calibri"/>
-                <a:cs typeface="Calibri"/>
-              </a:rPr>
-              <a:t> </a:t>
-            </a:r>
-            <a:r>
-              <a:rPr sz="2000" b="1" dirty="0">
-                <a:solidFill>
-                  <a:srgbClr val="FFFFFF"/>
-                </a:solidFill>
-                <a:latin typeface="Calibri"/>
-                <a:cs typeface="Calibri"/>
-              </a:rPr>
-              <a:t>BRAND</a:t>
-            </a:r>
-            <a:endParaRPr sz="2000">
-              <a:latin typeface="Calibri"/>
-              <a:cs typeface="Calibri"/>
-            </a:endParaRPr>
-          </a:p>
-        </p:txBody>
-      </p:sp>
-    </p:spTree>
-  </p:cSld>
-  <p:clrMapOvr>
-    <a:masterClrMapping/>
-  </p:clrMapOvr>
-</p:sld>
-</file>
-
 <file path=ppt/slides/slide2.xml><?xml version="1.0" encoding="utf-8"?>
 <p:sld xmlns:a="http://schemas.openxmlformats.org/drawingml/2006/main" xmlns:r="http://schemas.openxmlformats.org/officeDocument/2006/relationships" xmlns:p="http://schemas.openxmlformats.org/presentationml/2006/main" showMasterSp="0">
   <p:cSld>
@@ -4564,411 +3046,6 @@
       </p:grpSpPr>
       <p:sp>
         <p:nvSpPr>
-          <p:cNvPr id="6" name="object 6"/>
-          <p:cNvSpPr txBox="1">
-            <a:spLocks noGrp="1"/>
-          </p:cNvSpPr>
-          <p:nvPr>
-            <p:ph type="ftr" sz="quarter" idx="5"/>
-          </p:nvPr>
-        </p:nvSpPr>
-        <p:spPr>
-          <a:prstGeom prst="rect">
-            <a:avLst/>
-          </a:prstGeom>
-        </p:spPr>
-        <p:txBody>
-          <a:bodyPr vert="horz" wrap="square" lIns="0" tIns="0" rIns="0" bIns="0" rtlCol="0">
-            <a:spAutoFit/>
-          </a:bodyPr>
-          <a:lstStyle/>
-          <a:p>
-            <a:pPr marL="12700">
-              <a:lnSpc>
-                <a:spcPts val="1150"/>
-              </a:lnSpc>
-            </a:pPr>
-            <a:r>
-              <a:rPr dirty="0"/>
-              <a:t>Template </a:t>
-            </a:r>
-            <a:r>
-              <a:rPr spc="-5" dirty="0"/>
-              <a:t>by</a:t>
-            </a:r>
-            <a:r>
-              <a:rPr spc="-50" dirty="0"/>
-              <a:t> </a:t>
-            </a:r>
-            <a:r>
-              <a:rPr b="1" spc="-5" dirty="0">
-                <a:latin typeface="Calibri"/>
-                <a:cs typeface="Calibri"/>
-              </a:rPr>
-              <a:t>PitchDeckCoach</a:t>
-            </a:r>
-            <a:r>
-              <a:rPr spc="-5" dirty="0"/>
-              <a:t>.com</a:t>
-            </a:r>
-          </a:p>
-        </p:txBody>
-      </p:sp>
-      <p:sp>
-        <p:nvSpPr>
-          <p:cNvPr id="2" name="object 2"/>
-          <p:cNvSpPr txBox="1">
-            <a:spLocks noGrp="1"/>
-          </p:cNvSpPr>
-          <p:nvPr>
-            <p:ph type="title"/>
-          </p:nvPr>
-        </p:nvSpPr>
-        <p:spPr>
-          <a:prstGeom prst="rect">
-            <a:avLst/>
-          </a:prstGeom>
-        </p:spPr>
-        <p:txBody>
-          <a:bodyPr vert="horz" wrap="square" lIns="0" tIns="0" rIns="0" bIns="0" rtlCol="0">
-            <a:spAutoFit/>
-          </a:bodyPr>
-          <a:lstStyle/>
-          <a:p>
-            <a:pPr marL="12700">
-              <a:lnSpc>
-                <a:spcPct val="100000"/>
-              </a:lnSpc>
-            </a:pPr>
-            <a:r>
-              <a:rPr spc="-40" dirty="0"/>
-              <a:t>Market</a:t>
-            </a:r>
-            <a:r>
-              <a:rPr spc="-90" dirty="0"/>
-              <a:t> </a:t>
-            </a:r>
-            <a:r>
-              <a:rPr spc="-30" dirty="0"/>
-              <a:t>Validation</a:t>
-            </a:r>
-          </a:p>
-        </p:txBody>
-      </p:sp>
-      <p:sp>
-        <p:nvSpPr>
-          <p:cNvPr id="3" name="object 3"/>
-          <p:cNvSpPr txBox="1"/>
-          <p:nvPr/>
-        </p:nvSpPr>
-        <p:spPr>
-          <a:xfrm>
-            <a:off x="8663431" y="165227"/>
-            <a:ext cx="297815" cy="553720"/>
-          </a:xfrm>
-          <a:prstGeom prst="rect">
-            <a:avLst/>
-          </a:prstGeom>
-        </p:spPr>
-        <p:txBody>
-          <a:bodyPr vert="horz" wrap="square" lIns="0" tIns="0" rIns="0" bIns="0" rtlCol="0">
-            <a:spAutoFit/>
-          </a:bodyPr>
-          <a:lstStyle/>
-          <a:p>
-            <a:pPr marL="12700">
-              <a:lnSpc>
-                <a:spcPct val="100000"/>
-              </a:lnSpc>
-            </a:pPr>
-            <a:r>
-              <a:rPr sz="3600" dirty="0">
-                <a:solidFill>
-                  <a:srgbClr val="129CEB"/>
-                </a:solidFill>
-                <a:latin typeface="Arial Rounded MT Bold"/>
-                <a:cs typeface="Arial Rounded MT Bold"/>
-              </a:rPr>
-              <a:t>4</a:t>
-            </a:r>
-            <a:endParaRPr sz="3600">
-              <a:latin typeface="Arial Rounded MT Bold"/>
-              <a:cs typeface="Arial Rounded MT Bold"/>
-            </a:endParaRPr>
-          </a:p>
-        </p:txBody>
-      </p:sp>
-      <p:sp>
-        <p:nvSpPr>
-          <p:cNvPr id="4" name="object 4"/>
-          <p:cNvSpPr txBox="1"/>
-          <p:nvPr/>
-        </p:nvSpPr>
-        <p:spPr>
-          <a:xfrm>
-            <a:off x="677062" y="2168525"/>
-            <a:ext cx="3369945" cy="2007235"/>
-          </a:xfrm>
-          <a:prstGeom prst="rect">
-            <a:avLst/>
-          </a:prstGeom>
-        </p:spPr>
-        <p:txBody>
-          <a:bodyPr vert="horz" wrap="square" lIns="0" tIns="0" rIns="0" bIns="0" rtlCol="0">
-            <a:spAutoFit/>
-          </a:bodyPr>
-          <a:lstStyle/>
-          <a:p>
-            <a:pPr algn="ctr">
-              <a:lnSpc>
-                <a:spcPct val="100000"/>
-              </a:lnSpc>
-            </a:pPr>
-            <a:r>
-              <a:rPr sz="8000" spc="-5" dirty="0">
-                <a:solidFill>
-                  <a:srgbClr val="129CEB"/>
-                </a:solidFill>
-                <a:latin typeface="Calibri"/>
-                <a:cs typeface="Calibri"/>
-              </a:rPr>
-              <a:t>630,000</a:t>
-            </a:r>
-            <a:endParaRPr sz="8000">
-              <a:latin typeface="Calibri"/>
-              <a:cs typeface="Calibri"/>
-            </a:endParaRPr>
-          </a:p>
-          <a:p>
-            <a:pPr marL="463550" marR="459740" algn="ctr">
-              <a:lnSpc>
-                <a:spcPts val="1939"/>
-              </a:lnSpc>
-              <a:spcBef>
-                <a:spcPts val="2155"/>
-              </a:spcBef>
-            </a:pPr>
-            <a:r>
-              <a:rPr sz="1800" spc="-5" dirty="0">
-                <a:solidFill>
-                  <a:srgbClr val="7E7E7E"/>
-                </a:solidFill>
-                <a:latin typeface="Calibri"/>
-                <a:cs typeface="Calibri"/>
-              </a:rPr>
-              <a:t>on </a:t>
-            </a:r>
-            <a:r>
-              <a:rPr sz="1800" spc="-10" dirty="0">
-                <a:solidFill>
-                  <a:srgbClr val="7E7E7E"/>
-                </a:solidFill>
-                <a:latin typeface="Calibri"/>
-                <a:cs typeface="Calibri"/>
-              </a:rPr>
-              <a:t>temporary </a:t>
-            </a:r>
-            <a:r>
-              <a:rPr sz="1800" spc="-5" dirty="0">
-                <a:solidFill>
-                  <a:srgbClr val="7E7E7E"/>
-                </a:solidFill>
-                <a:latin typeface="Calibri"/>
-                <a:cs typeface="Calibri"/>
-              </a:rPr>
-              <a:t>housing </a:t>
-            </a:r>
-            <a:r>
-              <a:rPr sz="1800" spc="-10" dirty="0">
-                <a:solidFill>
-                  <a:srgbClr val="7E7E7E"/>
-                </a:solidFill>
-                <a:latin typeface="Calibri"/>
-                <a:cs typeface="Calibri"/>
-              </a:rPr>
-              <a:t>site  </a:t>
-            </a:r>
-            <a:r>
-              <a:rPr sz="1800" spc="-5" dirty="0">
-                <a:solidFill>
-                  <a:srgbClr val="7E7E7E"/>
-                </a:solidFill>
-                <a:latin typeface="Calibri"/>
-                <a:cs typeface="Calibri"/>
-              </a:rPr>
-              <a:t>couchsurfing.com</a:t>
-            </a:r>
-            <a:endParaRPr sz="1800">
-              <a:latin typeface="Calibri"/>
-              <a:cs typeface="Calibri"/>
-            </a:endParaRPr>
-          </a:p>
-        </p:txBody>
-      </p:sp>
-      <p:sp>
-        <p:nvSpPr>
-          <p:cNvPr id="5" name="object 5"/>
-          <p:cNvSpPr txBox="1"/>
-          <p:nvPr/>
-        </p:nvSpPr>
-        <p:spPr>
-          <a:xfrm>
-            <a:off x="5106161" y="2168525"/>
-            <a:ext cx="3359150" cy="2007235"/>
-          </a:xfrm>
-          <a:prstGeom prst="rect">
-            <a:avLst/>
-          </a:prstGeom>
-        </p:spPr>
-        <p:txBody>
-          <a:bodyPr vert="horz" wrap="square" lIns="0" tIns="0" rIns="0" bIns="0" rtlCol="0">
-            <a:spAutoFit/>
-          </a:bodyPr>
-          <a:lstStyle/>
-          <a:p>
-            <a:pPr marL="265430">
-              <a:lnSpc>
-                <a:spcPct val="100000"/>
-              </a:lnSpc>
-            </a:pPr>
-            <a:r>
-              <a:rPr sz="8000" dirty="0">
-                <a:solidFill>
-                  <a:srgbClr val="129CEB"/>
-                </a:solidFill>
-                <a:latin typeface="Calibri"/>
-                <a:cs typeface="Calibri"/>
-              </a:rPr>
-              <a:t>17,000</a:t>
-            </a:r>
-            <a:endParaRPr sz="8000">
-              <a:latin typeface="Calibri"/>
-              <a:cs typeface="Calibri"/>
-            </a:endParaRPr>
-          </a:p>
-          <a:p>
-            <a:pPr marL="12700" marR="5080" indent="161290">
-              <a:lnSpc>
-                <a:spcPts val="1939"/>
-              </a:lnSpc>
-              <a:spcBef>
-                <a:spcPts val="2155"/>
-              </a:spcBef>
-            </a:pPr>
-            <a:r>
-              <a:rPr sz="1800" spc="-10" dirty="0">
-                <a:solidFill>
-                  <a:srgbClr val="7E7E7E"/>
-                </a:solidFill>
-                <a:latin typeface="Calibri"/>
-                <a:cs typeface="Calibri"/>
-              </a:rPr>
-              <a:t>temporary </a:t>
-            </a:r>
-            <a:r>
-              <a:rPr sz="1800" spc="-5" dirty="0">
-                <a:solidFill>
-                  <a:srgbClr val="7E7E7E"/>
-                </a:solidFill>
-                <a:latin typeface="Calibri"/>
-                <a:cs typeface="Calibri"/>
-              </a:rPr>
-              <a:t>housing listings on SF  </a:t>
-            </a:r>
-            <a:r>
-              <a:rPr sz="1800" dirty="0">
-                <a:solidFill>
-                  <a:srgbClr val="7E7E7E"/>
-                </a:solidFill>
-                <a:latin typeface="Calibri"/>
-                <a:cs typeface="Calibri"/>
-              </a:rPr>
-              <a:t>&amp; </a:t>
-            </a:r>
-            <a:r>
-              <a:rPr sz="1800" spc="-25" dirty="0">
-                <a:solidFill>
-                  <a:srgbClr val="7E7E7E"/>
-                </a:solidFill>
-                <a:latin typeface="Calibri"/>
-                <a:cs typeface="Calibri"/>
-              </a:rPr>
-              <a:t>NYC </a:t>
-            </a:r>
-            <a:r>
-              <a:rPr sz="1800" spc="-10" dirty="0">
-                <a:solidFill>
-                  <a:srgbClr val="7E7E7E"/>
-                </a:solidFill>
-                <a:latin typeface="Calibri"/>
-                <a:cs typeface="Calibri"/>
-              </a:rPr>
-              <a:t>Craigslist from </a:t>
-            </a:r>
-            <a:r>
-              <a:rPr sz="1800" dirty="0">
-                <a:solidFill>
-                  <a:srgbClr val="7E7E7E"/>
-                </a:solidFill>
-                <a:latin typeface="Calibri"/>
-                <a:cs typeface="Calibri"/>
-              </a:rPr>
-              <a:t>07/09 –</a:t>
-            </a:r>
-            <a:r>
-              <a:rPr sz="1800" spc="5" dirty="0">
-                <a:solidFill>
-                  <a:srgbClr val="7E7E7E"/>
-                </a:solidFill>
-                <a:latin typeface="Calibri"/>
-                <a:cs typeface="Calibri"/>
-              </a:rPr>
-              <a:t> </a:t>
-            </a:r>
-            <a:r>
-              <a:rPr sz="1800" dirty="0">
-                <a:solidFill>
-                  <a:srgbClr val="7E7E7E"/>
-                </a:solidFill>
-                <a:latin typeface="Calibri"/>
-                <a:cs typeface="Calibri"/>
-              </a:rPr>
-              <a:t>07/16</a:t>
-            </a:r>
-            <a:endParaRPr sz="1800">
-              <a:latin typeface="Calibri"/>
-              <a:cs typeface="Calibri"/>
-            </a:endParaRPr>
-          </a:p>
-        </p:txBody>
-      </p:sp>
-    </p:spTree>
-  </p:cSld>
-  <p:clrMapOvr>
-    <a:masterClrMapping/>
-  </p:clrMapOvr>
-</p:sld>
-</file>
-
-<file path=ppt/slides/slide5.xml><?xml version="1.0" encoding="utf-8"?>
-<p:sld xmlns:a="http://schemas.openxmlformats.org/drawingml/2006/main" xmlns:r="http://schemas.openxmlformats.org/officeDocument/2006/relationships" xmlns:p="http://schemas.openxmlformats.org/presentationml/2006/main" showMasterSp="0">
-  <p:cSld>
-    <p:spTree>
-      <p:nvGrpSpPr>
-        <p:cNvPr id="1" name=""/>
-        <p:cNvGrpSpPr/>
-        <p:nvPr/>
-      </p:nvGrpSpPr>
-      <p:grpSpPr>
-        <a:xfrm>
-          <a:off x="0" y="0"/>
-          <a:ext cx="0" cy="0"/>
-          <a:chOff x="0" y="0"/>
-          <a:chExt cx="0" cy="0"/>
-        </a:xfrm>
-      </p:grpSpPr>
-      <p:sp>
-        <p:nvSpPr>
           <p:cNvPr id="2" name="object 2"/>
           <p:cNvSpPr txBox="1">
             <a:spLocks noGrp="1"/>
@@ -7137,8 +5214,8 @@
         </p:nvSpPr>
         <p:spPr>
           <a:xfrm>
-            <a:off x="7177785" y="4879720"/>
-            <a:ext cx="1623060" cy="584775"/>
+            <a:off x="7177784" y="4879720"/>
+            <a:ext cx="1966215" cy="892552"/>
           </a:xfrm>
           <a:prstGeom prst="rect">
             <a:avLst/>
@@ -7175,15 +5252,29 @@
               </a:rPr>
               <a:t> </a:t>
             </a:r>
-            <a:r>
-              <a:rPr lang="en-US" sz="2000" b="1" spc="-15" dirty="0">
+            <a:endParaRPr lang="en-US" sz="2000" b="1" spc="-85" dirty="0" smtClean="0">
+              <a:solidFill>
+                <a:srgbClr val="444748"/>
+              </a:solidFill>
+              <a:latin typeface="Calibri"/>
+              <a:cs typeface="Calibri"/>
+            </a:endParaRPr>
+          </a:p>
+          <a:p>
+            <a:pPr algn="ctr">
+              <a:lnSpc>
+                <a:spcPct val="100000"/>
+              </a:lnSpc>
+            </a:pPr>
+            <a:r>
+              <a:rPr lang="en-US" sz="2000" b="1" spc="-15" dirty="0" err="1" smtClean="0">
                 <a:solidFill>
                   <a:srgbClr val="444748"/>
                 </a:solidFill>
                 <a:latin typeface="Calibri"/>
                 <a:cs typeface="Calibri"/>
               </a:rPr>
-              <a:t>MSN</a:t>
+              <a:t>MyServiceNeed</a:t>
             </a:r>
             <a:endParaRPr sz="2000" dirty="0">
               <a:latin typeface="Calibri"/>
@@ -7244,7 +5335,7 @@
 </p:sld>
 </file>
 
-<file path=ppt/slides/slide6.xml><?xml version="1.0" encoding="utf-8"?>
+<file path=ppt/slides/slide5.xml><?xml version="1.0" encoding="utf-8"?>
 <p:sld xmlns:a="http://schemas.openxmlformats.org/drawingml/2006/main" xmlns:r="http://schemas.openxmlformats.org/officeDocument/2006/relationships" xmlns:p="http://schemas.openxmlformats.org/presentationml/2006/main" showMasterSp="0">
   <p:cSld>
     <p:spTree>
@@ -8371,6 +6462,1386 @@
 </p:sld>
 </file>
 
+<file path=ppt/slides/slide6.xml><?xml version="1.0" encoding="utf-8"?>
+<p:sld xmlns:a="http://schemas.openxmlformats.org/drawingml/2006/main" xmlns:r="http://schemas.openxmlformats.org/officeDocument/2006/relationships" xmlns:p="http://schemas.openxmlformats.org/presentationml/2006/main" showMasterSp="0">
+  <p:cSld>
+    <p:spTree>
+      <p:nvGrpSpPr>
+        <p:cNvPr id="1" name=""/>
+        <p:cNvGrpSpPr/>
+        <p:nvPr/>
+      </p:nvGrpSpPr>
+      <p:grpSpPr>
+        <a:xfrm>
+          <a:off x="0" y="0"/>
+          <a:ext cx="0" cy="0"/>
+          <a:chOff x="0" y="0"/>
+          <a:chExt cx="0" cy="0"/>
+        </a:xfrm>
+      </p:grpSpPr>
+      <p:sp>
+        <p:nvSpPr>
+          <p:cNvPr id="2" name="object 2"/>
+          <p:cNvSpPr txBox="1">
+            <a:spLocks noGrp="1"/>
+          </p:cNvSpPr>
+          <p:nvPr>
+            <p:ph type="title"/>
+          </p:nvPr>
+        </p:nvSpPr>
+        <p:spPr>
+          <a:prstGeom prst="rect">
+            <a:avLst/>
+          </a:prstGeom>
+        </p:spPr>
+        <p:txBody>
+          <a:bodyPr vert="horz" wrap="square" lIns="0" tIns="0" rIns="0" bIns="0" rtlCol="0">
+            <a:spAutoFit/>
+          </a:bodyPr>
+          <a:lstStyle/>
+          <a:p>
+            <a:pPr marL="12700">
+              <a:lnSpc>
+                <a:spcPct val="100000"/>
+              </a:lnSpc>
+            </a:pPr>
+            <a:r>
+              <a:rPr dirty="0"/>
+              <a:t>Business</a:t>
+            </a:r>
+            <a:r>
+              <a:rPr spc="-120" dirty="0"/>
+              <a:t> </a:t>
+            </a:r>
+            <a:r>
+              <a:rPr dirty="0"/>
+              <a:t>Model</a:t>
+            </a:r>
+          </a:p>
+        </p:txBody>
+      </p:sp>
+      <p:sp>
+        <p:nvSpPr>
+          <p:cNvPr id="3" name="object 3"/>
+          <p:cNvSpPr txBox="1"/>
+          <p:nvPr/>
+        </p:nvSpPr>
+        <p:spPr>
+          <a:xfrm>
+            <a:off x="8663431" y="165227"/>
+            <a:ext cx="297815" cy="553720"/>
+          </a:xfrm>
+          <a:prstGeom prst="rect">
+            <a:avLst/>
+          </a:prstGeom>
+        </p:spPr>
+        <p:txBody>
+          <a:bodyPr vert="horz" wrap="square" lIns="0" tIns="0" rIns="0" bIns="0" rtlCol="0">
+            <a:spAutoFit/>
+          </a:bodyPr>
+          <a:lstStyle/>
+          <a:p>
+            <a:pPr marL="12700">
+              <a:lnSpc>
+                <a:spcPct val="100000"/>
+              </a:lnSpc>
+            </a:pPr>
+            <a:r>
+              <a:rPr sz="3600" dirty="0">
+                <a:solidFill>
+                  <a:srgbClr val="129CEB"/>
+                </a:solidFill>
+                <a:latin typeface="Arial Rounded MT Bold"/>
+                <a:cs typeface="Arial Rounded MT Bold"/>
+              </a:rPr>
+              <a:t>7</a:t>
+            </a:r>
+            <a:endParaRPr sz="3600">
+              <a:latin typeface="Arial Rounded MT Bold"/>
+              <a:cs typeface="Arial Rounded MT Bold"/>
+            </a:endParaRPr>
+          </a:p>
+        </p:txBody>
+      </p:sp>
+      <p:sp>
+        <p:nvSpPr>
+          <p:cNvPr id="4" name="object 4"/>
+          <p:cNvSpPr txBox="1"/>
+          <p:nvPr/>
+        </p:nvSpPr>
+        <p:spPr>
+          <a:xfrm>
+            <a:off x="912367" y="1444625"/>
+            <a:ext cx="7175500" cy="800219"/>
+          </a:xfrm>
+          <a:prstGeom prst="rect">
+            <a:avLst/>
+          </a:prstGeom>
+        </p:spPr>
+        <p:txBody>
+          <a:bodyPr vert="horz" wrap="square" lIns="0" tIns="0" rIns="0" bIns="0" rtlCol="0">
+            <a:spAutoFit/>
+          </a:bodyPr>
+          <a:lstStyle/>
+          <a:p>
+            <a:pPr marL="12700">
+              <a:lnSpc>
+                <a:spcPct val="100000"/>
+              </a:lnSpc>
+            </a:pPr>
+            <a:r>
+              <a:rPr sz="2600" dirty="0">
+                <a:solidFill>
+                  <a:srgbClr val="7E7E7E"/>
+                </a:solidFill>
+                <a:latin typeface="Arial"/>
+                <a:cs typeface="Arial"/>
+              </a:rPr>
+              <a:t>We </a:t>
+            </a:r>
+            <a:r>
+              <a:rPr lang="en-US" sz="2600" dirty="0">
+                <a:solidFill>
+                  <a:srgbClr val="7E7E7E"/>
+                </a:solidFill>
+                <a:latin typeface="Arial"/>
+                <a:cs typeface="Arial"/>
+              </a:rPr>
+              <a:t>charge from user who view more than 10 service needs per a Day.</a:t>
+            </a:r>
+            <a:endParaRPr sz="2600" dirty="0">
+              <a:latin typeface="Arial"/>
+              <a:cs typeface="Arial"/>
+            </a:endParaRPr>
+          </a:p>
+        </p:txBody>
+      </p:sp>
+      <p:sp>
+        <p:nvSpPr>
+          <p:cNvPr id="5" name="object 5"/>
+          <p:cNvSpPr txBox="1"/>
+          <p:nvPr/>
+        </p:nvSpPr>
+        <p:spPr>
+          <a:xfrm>
+            <a:off x="803554" y="4480814"/>
+            <a:ext cx="1798675" cy="636072"/>
+          </a:xfrm>
+          <a:prstGeom prst="rect">
+            <a:avLst/>
+          </a:prstGeom>
+        </p:spPr>
+        <p:txBody>
+          <a:bodyPr vert="horz" wrap="square" lIns="0" tIns="0" rIns="0" bIns="0" rtlCol="0">
+            <a:spAutoFit/>
+          </a:bodyPr>
+          <a:lstStyle/>
+          <a:p>
+            <a:pPr marL="12700">
+              <a:lnSpc>
+                <a:spcPct val="100000"/>
+              </a:lnSpc>
+            </a:pPr>
+            <a:r>
+              <a:rPr lang="en-US" sz="2000" b="1" spc="-5" dirty="0" err="1">
+                <a:solidFill>
+                  <a:srgbClr val="444748"/>
+                </a:solidFill>
+                <a:latin typeface="Calibri"/>
+                <a:cs typeface="Calibri"/>
+              </a:rPr>
+              <a:t>MyServiceNeed</a:t>
+            </a:r>
+            <a:endParaRPr sz="2000" dirty="0">
+              <a:latin typeface="Calibri"/>
+              <a:cs typeface="Calibri"/>
+            </a:endParaRPr>
+          </a:p>
+          <a:p>
+            <a:pPr marL="65405">
+              <a:lnSpc>
+                <a:spcPct val="100000"/>
+              </a:lnSpc>
+              <a:spcBef>
+                <a:spcPts val="365"/>
+              </a:spcBef>
+            </a:pPr>
+            <a:r>
+              <a:rPr sz="1800" spc="-10" dirty="0">
+                <a:solidFill>
+                  <a:srgbClr val="7E7E7E"/>
+                </a:solidFill>
+                <a:latin typeface="Calibri"/>
+                <a:cs typeface="Calibri"/>
+              </a:rPr>
+              <a:t>Share </a:t>
+            </a:r>
+            <a:r>
+              <a:rPr sz="1800" spc="-5" dirty="0">
+                <a:solidFill>
+                  <a:srgbClr val="7E7E7E"/>
+                </a:solidFill>
+                <a:latin typeface="Calibri"/>
+                <a:cs typeface="Calibri"/>
+              </a:rPr>
+              <a:t>of</a:t>
+            </a:r>
+            <a:r>
+              <a:rPr sz="1800" spc="-45" dirty="0">
+                <a:solidFill>
+                  <a:srgbClr val="7E7E7E"/>
+                </a:solidFill>
+                <a:latin typeface="Calibri"/>
+                <a:cs typeface="Calibri"/>
+              </a:rPr>
+              <a:t> </a:t>
+            </a:r>
+            <a:r>
+              <a:rPr sz="1800" spc="-15" dirty="0">
+                <a:solidFill>
+                  <a:srgbClr val="7E7E7E"/>
+                </a:solidFill>
+                <a:latin typeface="Calibri"/>
+                <a:cs typeface="Calibri"/>
+              </a:rPr>
+              <a:t>Market</a:t>
+            </a:r>
+            <a:endParaRPr sz="1800" dirty="0">
+              <a:latin typeface="Calibri"/>
+              <a:cs typeface="Calibri"/>
+            </a:endParaRPr>
+          </a:p>
+        </p:txBody>
+      </p:sp>
+      <p:sp>
+        <p:nvSpPr>
+          <p:cNvPr id="6" name="object 6"/>
+          <p:cNvSpPr txBox="1"/>
+          <p:nvPr/>
+        </p:nvSpPr>
+        <p:spPr>
+          <a:xfrm>
+            <a:off x="3585464" y="4480814"/>
+            <a:ext cx="2205736" cy="861774"/>
+          </a:xfrm>
+          <a:prstGeom prst="rect">
+            <a:avLst/>
+          </a:prstGeom>
+        </p:spPr>
+        <p:txBody>
+          <a:bodyPr vert="horz" wrap="square" lIns="0" tIns="0" rIns="0" bIns="0" rtlCol="0">
+            <a:spAutoFit/>
+          </a:bodyPr>
+          <a:lstStyle/>
+          <a:p>
+            <a:pPr marL="1270" algn="ctr">
+              <a:lnSpc>
+                <a:spcPct val="100000"/>
+              </a:lnSpc>
+            </a:pPr>
+            <a:r>
+              <a:rPr sz="2000" b="1" spc="-50" dirty="0">
+                <a:solidFill>
+                  <a:srgbClr val="444748"/>
+                </a:solidFill>
+                <a:latin typeface="Calibri"/>
+                <a:cs typeface="Calibri"/>
+              </a:rPr>
+              <a:t>AVG</a:t>
+            </a:r>
+            <a:r>
+              <a:rPr sz="2000" b="1" spc="-90" dirty="0">
+                <a:solidFill>
+                  <a:srgbClr val="444748"/>
+                </a:solidFill>
+                <a:latin typeface="Calibri"/>
+                <a:cs typeface="Calibri"/>
+              </a:rPr>
+              <a:t> </a:t>
+            </a:r>
+            <a:r>
+              <a:rPr sz="2000" b="1" dirty="0">
+                <a:solidFill>
+                  <a:srgbClr val="444748"/>
+                </a:solidFill>
+                <a:latin typeface="Calibri"/>
+                <a:cs typeface="Calibri"/>
+              </a:rPr>
+              <a:t>FEE</a:t>
+            </a:r>
+            <a:endParaRPr sz="2000" dirty="0">
+              <a:latin typeface="Calibri"/>
+              <a:cs typeface="Calibri"/>
+            </a:endParaRPr>
+          </a:p>
+          <a:p>
+            <a:pPr algn="ctr">
+              <a:lnSpc>
+                <a:spcPct val="100000"/>
+              </a:lnSpc>
+              <a:spcBef>
+                <a:spcPts val="5"/>
+              </a:spcBef>
+            </a:pPr>
+            <a:r>
+              <a:rPr lang="en-US" spc="-5" dirty="0">
+                <a:solidFill>
+                  <a:srgbClr val="7E7E7E"/>
+                </a:solidFill>
+                <a:latin typeface="Calibri"/>
+                <a:cs typeface="Calibri"/>
+              </a:rPr>
+              <a:t>View 50 Needs with </a:t>
+            </a:r>
+            <a:r>
+              <a:rPr lang="en-US" spc="-5" dirty="0" smtClean="0">
+                <a:solidFill>
+                  <a:srgbClr val="7E7E7E"/>
+                </a:solidFill>
+                <a:latin typeface="Calibri"/>
+                <a:cs typeface="Calibri"/>
+              </a:rPr>
+              <a:t>Rs.10</a:t>
+            </a:r>
+            <a:endParaRPr sz="1800" dirty="0">
+              <a:latin typeface="Calibri"/>
+              <a:cs typeface="Calibri"/>
+            </a:endParaRPr>
+          </a:p>
+        </p:txBody>
+      </p:sp>
+      <p:sp>
+        <p:nvSpPr>
+          <p:cNvPr id="7" name="object 7"/>
+          <p:cNvSpPr txBox="1"/>
+          <p:nvPr/>
+        </p:nvSpPr>
+        <p:spPr>
+          <a:xfrm>
+            <a:off x="7024243" y="4480814"/>
+            <a:ext cx="1024890" cy="584775"/>
+          </a:xfrm>
+          <a:prstGeom prst="rect">
+            <a:avLst/>
+          </a:prstGeom>
+        </p:spPr>
+        <p:txBody>
+          <a:bodyPr vert="horz" wrap="square" lIns="0" tIns="0" rIns="0" bIns="0" rtlCol="0">
+            <a:spAutoFit/>
+          </a:bodyPr>
+          <a:lstStyle/>
+          <a:p>
+            <a:pPr marL="12700">
+              <a:lnSpc>
+                <a:spcPct val="100000"/>
+              </a:lnSpc>
+            </a:pPr>
+            <a:r>
+              <a:rPr sz="2000" b="1" spc="-5" dirty="0">
+                <a:solidFill>
+                  <a:srgbClr val="444748"/>
+                </a:solidFill>
+                <a:latin typeface="Calibri"/>
+                <a:cs typeface="Calibri"/>
+              </a:rPr>
+              <a:t>REVENUE</a:t>
+            </a:r>
+            <a:endParaRPr sz="2000" dirty="0">
+              <a:latin typeface="Calibri"/>
+              <a:cs typeface="Calibri"/>
+            </a:endParaRPr>
+          </a:p>
+          <a:p>
+            <a:pPr marL="12700">
+              <a:lnSpc>
+                <a:spcPct val="100000"/>
+              </a:lnSpc>
+              <a:spcBef>
+                <a:spcPts val="5"/>
+              </a:spcBef>
+            </a:pPr>
+            <a:r>
+              <a:rPr sz="1800" spc="-5" dirty="0">
+                <a:solidFill>
+                  <a:srgbClr val="7E7E7E"/>
+                </a:solidFill>
+                <a:latin typeface="Calibri"/>
+                <a:cs typeface="Calibri"/>
+              </a:rPr>
+              <a:t>20</a:t>
+            </a:r>
+            <a:r>
+              <a:rPr lang="en-US" sz="1800" spc="-5" dirty="0">
+                <a:solidFill>
+                  <a:srgbClr val="7E7E7E"/>
+                </a:solidFill>
+                <a:latin typeface="Calibri"/>
+                <a:cs typeface="Calibri"/>
+              </a:rPr>
+              <a:t>17-?</a:t>
+            </a:r>
+            <a:endParaRPr sz="1800" dirty="0">
+              <a:latin typeface="Calibri"/>
+              <a:cs typeface="Calibri"/>
+            </a:endParaRPr>
+          </a:p>
+        </p:txBody>
+      </p:sp>
+      <p:sp>
+        <p:nvSpPr>
+          <p:cNvPr id="8" name="object 8"/>
+          <p:cNvSpPr/>
+          <p:nvPr/>
+        </p:nvSpPr>
+        <p:spPr>
+          <a:xfrm>
+            <a:off x="697991" y="2561844"/>
+            <a:ext cx="1675130" cy="1675130"/>
+          </a:xfrm>
+          <a:custGeom>
+            <a:avLst/>
+            <a:gdLst/>
+            <a:ahLst/>
+            <a:cxnLst/>
+            <a:rect l="l" t="t" r="r" b="b"/>
+            <a:pathLst>
+              <a:path w="1675130" h="1675129">
+                <a:moveTo>
+                  <a:pt x="837438" y="0"/>
+                </a:moveTo>
+                <a:lnTo>
+                  <a:pt x="789916" y="1325"/>
+                </a:lnTo>
+                <a:lnTo>
+                  <a:pt x="743090" y="5255"/>
+                </a:lnTo>
+                <a:lnTo>
+                  <a:pt x="697030" y="11718"/>
+                </a:lnTo>
+                <a:lnTo>
+                  <a:pt x="651807" y="20643"/>
+                </a:lnTo>
+                <a:lnTo>
+                  <a:pt x="607492" y="31961"/>
+                </a:lnTo>
+                <a:lnTo>
+                  <a:pt x="564155" y="45600"/>
+                </a:lnTo>
+                <a:lnTo>
+                  <a:pt x="521867" y="61490"/>
+                </a:lnTo>
+                <a:lnTo>
+                  <a:pt x="480698" y="79559"/>
+                </a:lnTo>
+                <a:lnTo>
+                  <a:pt x="440720" y="99738"/>
+                </a:lnTo>
+                <a:lnTo>
+                  <a:pt x="402003" y="121956"/>
+                </a:lnTo>
+                <a:lnTo>
+                  <a:pt x="364618" y="146141"/>
+                </a:lnTo>
+                <a:lnTo>
+                  <a:pt x="328635" y="172224"/>
+                </a:lnTo>
+                <a:lnTo>
+                  <a:pt x="294126" y="200134"/>
+                </a:lnTo>
+                <a:lnTo>
+                  <a:pt x="261160" y="229799"/>
+                </a:lnTo>
+                <a:lnTo>
+                  <a:pt x="229808" y="261150"/>
+                </a:lnTo>
+                <a:lnTo>
+                  <a:pt x="200142" y="294115"/>
+                </a:lnTo>
+                <a:lnTo>
+                  <a:pt x="172232" y="328624"/>
+                </a:lnTo>
+                <a:lnTo>
+                  <a:pt x="146148" y="364607"/>
+                </a:lnTo>
+                <a:lnTo>
+                  <a:pt x="121962" y="401992"/>
+                </a:lnTo>
+                <a:lnTo>
+                  <a:pt x="99743" y="440709"/>
+                </a:lnTo>
+                <a:lnTo>
+                  <a:pt x="79563" y="480687"/>
+                </a:lnTo>
+                <a:lnTo>
+                  <a:pt x="61493" y="521856"/>
+                </a:lnTo>
+                <a:lnTo>
+                  <a:pt x="45602" y="564145"/>
+                </a:lnTo>
+                <a:lnTo>
+                  <a:pt x="31963" y="607483"/>
+                </a:lnTo>
+                <a:lnTo>
+                  <a:pt x="20645" y="651799"/>
+                </a:lnTo>
+                <a:lnTo>
+                  <a:pt x="11718" y="697024"/>
+                </a:lnTo>
+                <a:lnTo>
+                  <a:pt x="5255" y="743085"/>
+                </a:lnTo>
+                <a:lnTo>
+                  <a:pt x="1325" y="789914"/>
+                </a:lnTo>
+                <a:lnTo>
+                  <a:pt x="0" y="837438"/>
+                </a:lnTo>
+                <a:lnTo>
+                  <a:pt x="1325" y="884961"/>
+                </a:lnTo>
+                <a:lnTo>
+                  <a:pt x="5255" y="931790"/>
+                </a:lnTo>
+                <a:lnTo>
+                  <a:pt x="11718" y="977851"/>
+                </a:lnTo>
+                <a:lnTo>
+                  <a:pt x="20645" y="1023076"/>
+                </a:lnTo>
+                <a:lnTo>
+                  <a:pt x="31963" y="1067392"/>
+                </a:lnTo>
+                <a:lnTo>
+                  <a:pt x="45602" y="1110730"/>
+                </a:lnTo>
+                <a:lnTo>
+                  <a:pt x="61493" y="1153019"/>
+                </a:lnTo>
+                <a:lnTo>
+                  <a:pt x="79563" y="1194188"/>
+                </a:lnTo>
+                <a:lnTo>
+                  <a:pt x="99743" y="1234166"/>
+                </a:lnTo>
+                <a:lnTo>
+                  <a:pt x="121962" y="1272883"/>
+                </a:lnTo>
+                <a:lnTo>
+                  <a:pt x="146148" y="1310268"/>
+                </a:lnTo>
+                <a:lnTo>
+                  <a:pt x="172232" y="1346251"/>
+                </a:lnTo>
+                <a:lnTo>
+                  <a:pt x="200142" y="1380760"/>
+                </a:lnTo>
+                <a:lnTo>
+                  <a:pt x="229808" y="1413725"/>
+                </a:lnTo>
+                <a:lnTo>
+                  <a:pt x="261160" y="1445076"/>
+                </a:lnTo>
+                <a:lnTo>
+                  <a:pt x="294126" y="1474741"/>
+                </a:lnTo>
+                <a:lnTo>
+                  <a:pt x="328635" y="1502651"/>
+                </a:lnTo>
+                <a:lnTo>
+                  <a:pt x="364618" y="1528734"/>
+                </a:lnTo>
+                <a:lnTo>
+                  <a:pt x="402003" y="1552919"/>
+                </a:lnTo>
+                <a:lnTo>
+                  <a:pt x="440720" y="1575137"/>
+                </a:lnTo>
+                <a:lnTo>
+                  <a:pt x="480698" y="1595316"/>
+                </a:lnTo>
+                <a:lnTo>
+                  <a:pt x="521867" y="1613385"/>
+                </a:lnTo>
+                <a:lnTo>
+                  <a:pt x="564155" y="1629275"/>
+                </a:lnTo>
+                <a:lnTo>
+                  <a:pt x="607492" y="1642914"/>
+                </a:lnTo>
+                <a:lnTo>
+                  <a:pt x="651807" y="1654232"/>
+                </a:lnTo>
+                <a:lnTo>
+                  <a:pt x="697030" y="1663157"/>
+                </a:lnTo>
+                <a:lnTo>
+                  <a:pt x="743090" y="1669620"/>
+                </a:lnTo>
+                <a:lnTo>
+                  <a:pt x="789916" y="1673550"/>
+                </a:lnTo>
+                <a:lnTo>
+                  <a:pt x="837438" y="1674875"/>
+                </a:lnTo>
+                <a:lnTo>
+                  <a:pt x="884961" y="1673550"/>
+                </a:lnTo>
+                <a:lnTo>
+                  <a:pt x="931790" y="1669620"/>
+                </a:lnTo>
+                <a:lnTo>
+                  <a:pt x="977851" y="1663157"/>
+                </a:lnTo>
+                <a:lnTo>
+                  <a:pt x="1023076" y="1654232"/>
+                </a:lnTo>
+                <a:lnTo>
+                  <a:pt x="1067392" y="1642914"/>
+                </a:lnTo>
+                <a:lnTo>
+                  <a:pt x="1110730" y="1629275"/>
+                </a:lnTo>
+                <a:lnTo>
+                  <a:pt x="1153019" y="1613385"/>
+                </a:lnTo>
+                <a:lnTo>
+                  <a:pt x="1194188" y="1595316"/>
+                </a:lnTo>
+                <a:lnTo>
+                  <a:pt x="1234166" y="1575137"/>
+                </a:lnTo>
+                <a:lnTo>
+                  <a:pt x="1272883" y="1552919"/>
+                </a:lnTo>
+                <a:lnTo>
+                  <a:pt x="1310268" y="1528734"/>
+                </a:lnTo>
+                <a:lnTo>
+                  <a:pt x="1346251" y="1502651"/>
+                </a:lnTo>
+                <a:lnTo>
+                  <a:pt x="1380760" y="1474741"/>
+                </a:lnTo>
+                <a:lnTo>
+                  <a:pt x="1413725" y="1445076"/>
+                </a:lnTo>
+                <a:lnTo>
+                  <a:pt x="1445076" y="1413725"/>
+                </a:lnTo>
+                <a:lnTo>
+                  <a:pt x="1474741" y="1380760"/>
+                </a:lnTo>
+                <a:lnTo>
+                  <a:pt x="1502651" y="1346251"/>
+                </a:lnTo>
+                <a:lnTo>
+                  <a:pt x="1528734" y="1310268"/>
+                </a:lnTo>
+                <a:lnTo>
+                  <a:pt x="1552919" y="1272883"/>
+                </a:lnTo>
+                <a:lnTo>
+                  <a:pt x="1575137" y="1234166"/>
+                </a:lnTo>
+                <a:lnTo>
+                  <a:pt x="1595316" y="1194188"/>
+                </a:lnTo>
+                <a:lnTo>
+                  <a:pt x="1613385" y="1153019"/>
+                </a:lnTo>
+                <a:lnTo>
+                  <a:pt x="1629275" y="1110730"/>
+                </a:lnTo>
+                <a:lnTo>
+                  <a:pt x="1642914" y="1067392"/>
+                </a:lnTo>
+                <a:lnTo>
+                  <a:pt x="1654232" y="1023076"/>
+                </a:lnTo>
+                <a:lnTo>
+                  <a:pt x="1663157" y="977851"/>
+                </a:lnTo>
+                <a:lnTo>
+                  <a:pt x="1669620" y="931790"/>
+                </a:lnTo>
+                <a:lnTo>
+                  <a:pt x="1673550" y="884961"/>
+                </a:lnTo>
+                <a:lnTo>
+                  <a:pt x="1674876" y="837438"/>
+                </a:lnTo>
+                <a:lnTo>
+                  <a:pt x="1673550" y="789914"/>
+                </a:lnTo>
+                <a:lnTo>
+                  <a:pt x="1669620" y="743085"/>
+                </a:lnTo>
+                <a:lnTo>
+                  <a:pt x="1663157" y="697024"/>
+                </a:lnTo>
+                <a:lnTo>
+                  <a:pt x="1654232" y="651799"/>
+                </a:lnTo>
+                <a:lnTo>
+                  <a:pt x="1642914" y="607483"/>
+                </a:lnTo>
+                <a:lnTo>
+                  <a:pt x="1629275" y="564145"/>
+                </a:lnTo>
+                <a:lnTo>
+                  <a:pt x="1613385" y="521856"/>
+                </a:lnTo>
+                <a:lnTo>
+                  <a:pt x="1595316" y="480687"/>
+                </a:lnTo>
+                <a:lnTo>
+                  <a:pt x="1575137" y="440709"/>
+                </a:lnTo>
+                <a:lnTo>
+                  <a:pt x="1552919" y="401992"/>
+                </a:lnTo>
+                <a:lnTo>
+                  <a:pt x="1528734" y="364607"/>
+                </a:lnTo>
+                <a:lnTo>
+                  <a:pt x="1502651" y="328624"/>
+                </a:lnTo>
+                <a:lnTo>
+                  <a:pt x="1474741" y="294115"/>
+                </a:lnTo>
+                <a:lnTo>
+                  <a:pt x="1445076" y="261150"/>
+                </a:lnTo>
+                <a:lnTo>
+                  <a:pt x="1413725" y="229799"/>
+                </a:lnTo>
+                <a:lnTo>
+                  <a:pt x="1380760" y="200134"/>
+                </a:lnTo>
+                <a:lnTo>
+                  <a:pt x="1346251" y="172224"/>
+                </a:lnTo>
+                <a:lnTo>
+                  <a:pt x="1310268" y="146141"/>
+                </a:lnTo>
+                <a:lnTo>
+                  <a:pt x="1272883" y="121956"/>
+                </a:lnTo>
+                <a:lnTo>
+                  <a:pt x="1234166" y="99738"/>
+                </a:lnTo>
+                <a:lnTo>
+                  <a:pt x="1194188" y="79559"/>
+                </a:lnTo>
+                <a:lnTo>
+                  <a:pt x="1153019" y="61490"/>
+                </a:lnTo>
+                <a:lnTo>
+                  <a:pt x="1110730" y="45600"/>
+                </a:lnTo>
+                <a:lnTo>
+                  <a:pt x="1067392" y="31961"/>
+                </a:lnTo>
+                <a:lnTo>
+                  <a:pt x="1023076" y="20643"/>
+                </a:lnTo>
+                <a:lnTo>
+                  <a:pt x="977851" y="11718"/>
+                </a:lnTo>
+                <a:lnTo>
+                  <a:pt x="931790" y="5255"/>
+                </a:lnTo>
+                <a:lnTo>
+                  <a:pt x="884961" y="1325"/>
+                </a:lnTo>
+                <a:lnTo>
+                  <a:pt x="837438" y="0"/>
+                </a:lnTo>
+                <a:close/>
+              </a:path>
+            </a:pathLst>
+          </a:custGeom>
+          <a:solidFill>
+            <a:srgbClr val="129CEB"/>
+          </a:solidFill>
+        </p:spPr>
+        <p:txBody>
+          <a:bodyPr wrap="square" lIns="0" tIns="0" rIns="0" bIns="0" rtlCol="0"/>
+          <a:lstStyle/>
+          <a:p>
+            <a:endParaRPr/>
+          </a:p>
+        </p:txBody>
+      </p:sp>
+      <p:sp>
+        <p:nvSpPr>
+          <p:cNvPr id="9" name="object 9"/>
+          <p:cNvSpPr txBox="1"/>
+          <p:nvPr/>
+        </p:nvSpPr>
+        <p:spPr>
+          <a:xfrm>
+            <a:off x="1050137" y="3162680"/>
+            <a:ext cx="970280" cy="430887"/>
+          </a:xfrm>
+          <a:prstGeom prst="rect">
+            <a:avLst/>
+          </a:prstGeom>
+        </p:spPr>
+        <p:txBody>
+          <a:bodyPr vert="horz" wrap="square" lIns="0" tIns="0" rIns="0" bIns="0" rtlCol="0">
+            <a:spAutoFit/>
+          </a:bodyPr>
+          <a:lstStyle/>
+          <a:p>
+            <a:pPr marL="12700">
+              <a:lnSpc>
+                <a:spcPct val="100000"/>
+              </a:lnSpc>
+            </a:pPr>
+            <a:r>
+              <a:rPr lang="en-US" sz="2800" b="1" spc="-10" dirty="0">
+                <a:solidFill>
+                  <a:srgbClr val="FFFFFF"/>
+                </a:solidFill>
+                <a:latin typeface="Calibri"/>
+                <a:cs typeface="Calibri"/>
+              </a:rPr>
+              <a:t>     ?</a:t>
+            </a:r>
+            <a:endParaRPr sz="2800" dirty="0">
+              <a:latin typeface="Calibri"/>
+              <a:cs typeface="Calibri"/>
+            </a:endParaRPr>
+          </a:p>
+        </p:txBody>
+      </p:sp>
+      <p:sp>
+        <p:nvSpPr>
+          <p:cNvPr id="10" name="object 10"/>
+          <p:cNvSpPr txBox="1"/>
+          <p:nvPr/>
+        </p:nvSpPr>
+        <p:spPr>
+          <a:xfrm>
+            <a:off x="3810000" y="2989834"/>
+            <a:ext cx="1403223" cy="738664"/>
+          </a:xfrm>
+          <a:prstGeom prst="rect">
+            <a:avLst/>
+          </a:prstGeom>
+        </p:spPr>
+        <p:txBody>
+          <a:bodyPr vert="horz" wrap="square" lIns="0" tIns="0" rIns="0" bIns="0" rtlCol="0">
+            <a:spAutoFit/>
+          </a:bodyPr>
+          <a:lstStyle/>
+          <a:p>
+            <a:pPr marL="12700">
+              <a:lnSpc>
+                <a:spcPct val="100000"/>
+              </a:lnSpc>
+            </a:pPr>
+            <a:r>
+              <a:rPr lang="en-US" sz="4800" b="1" dirty="0" err="1">
+                <a:solidFill>
+                  <a:srgbClr val="129CEB"/>
+                </a:solidFill>
+                <a:latin typeface="Calibri"/>
+                <a:cs typeface="Calibri"/>
+              </a:rPr>
+              <a:t>Rs</a:t>
+            </a:r>
+            <a:r>
+              <a:rPr lang="en-US" sz="4800" b="1" dirty="0">
+                <a:solidFill>
+                  <a:srgbClr val="129CEB"/>
+                </a:solidFill>
+                <a:latin typeface="Calibri"/>
+                <a:cs typeface="Calibri"/>
+              </a:rPr>
+              <a:t> 10</a:t>
+            </a:r>
+            <a:endParaRPr sz="4800" dirty="0">
+              <a:latin typeface="Calibri"/>
+              <a:cs typeface="Calibri"/>
+            </a:endParaRPr>
+          </a:p>
+        </p:txBody>
+      </p:sp>
+      <p:sp>
+        <p:nvSpPr>
+          <p:cNvPr id="11" name="object 11"/>
+          <p:cNvSpPr txBox="1"/>
+          <p:nvPr/>
+        </p:nvSpPr>
+        <p:spPr>
+          <a:xfrm>
+            <a:off x="6628256" y="2999232"/>
+            <a:ext cx="1796414" cy="738664"/>
+          </a:xfrm>
+          <a:prstGeom prst="rect">
+            <a:avLst/>
+          </a:prstGeom>
+        </p:spPr>
+        <p:txBody>
+          <a:bodyPr vert="horz" wrap="square" lIns="0" tIns="0" rIns="0" bIns="0" rtlCol="0">
+            <a:spAutoFit/>
+          </a:bodyPr>
+          <a:lstStyle/>
+          <a:p>
+            <a:pPr marL="12700">
+              <a:lnSpc>
+                <a:spcPct val="100000"/>
+              </a:lnSpc>
+            </a:pPr>
+            <a:r>
+              <a:rPr lang="en-US" sz="4800" b="1" dirty="0">
+                <a:solidFill>
+                  <a:srgbClr val="129CEB"/>
+                </a:solidFill>
+                <a:latin typeface="Calibri"/>
+                <a:cs typeface="Calibri"/>
+              </a:rPr>
+              <a:t>     ?</a:t>
+            </a:r>
+            <a:endParaRPr sz="4800" dirty="0">
+              <a:latin typeface="Calibri"/>
+              <a:cs typeface="Calibri"/>
+            </a:endParaRPr>
+          </a:p>
+        </p:txBody>
+      </p:sp>
+      <p:sp>
+        <p:nvSpPr>
+          <p:cNvPr id="12" name="object 12"/>
+          <p:cNvSpPr/>
+          <p:nvPr/>
+        </p:nvSpPr>
+        <p:spPr>
+          <a:xfrm>
+            <a:off x="2602229" y="3384677"/>
+            <a:ext cx="1219835" cy="111760"/>
+          </a:xfrm>
+          <a:custGeom>
+            <a:avLst/>
+            <a:gdLst/>
+            <a:ahLst/>
+            <a:cxnLst/>
+            <a:rect l="l" t="t" r="r" b="b"/>
+            <a:pathLst>
+              <a:path w="1219835" h="111760">
+                <a:moveTo>
+                  <a:pt x="1180356" y="55752"/>
+                </a:moveTo>
+                <a:lnTo>
+                  <a:pt x="1118743" y="91694"/>
+                </a:lnTo>
+                <a:lnTo>
+                  <a:pt x="1114044" y="94361"/>
+                </a:lnTo>
+                <a:lnTo>
+                  <a:pt x="1112393" y="100457"/>
+                </a:lnTo>
+                <a:lnTo>
+                  <a:pt x="1115186" y="105156"/>
+                </a:lnTo>
+                <a:lnTo>
+                  <a:pt x="1117981" y="109982"/>
+                </a:lnTo>
+                <a:lnTo>
+                  <a:pt x="1123949" y="111506"/>
+                </a:lnTo>
+                <a:lnTo>
+                  <a:pt x="1202595" y="65659"/>
+                </a:lnTo>
+                <a:lnTo>
+                  <a:pt x="1199895" y="65659"/>
+                </a:lnTo>
+                <a:lnTo>
+                  <a:pt x="1199895" y="64262"/>
+                </a:lnTo>
+                <a:lnTo>
+                  <a:pt x="1194943" y="64262"/>
+                </a:lnTo>
+                <a:lnTo>
+                  <a:pt x="1180356" y="55752"/>
+                </a:lnTo>
+                <a:close/>
+              </a:path>
+              <a:path w="1219835" h="111760">
+                <a:moveTo>
+                  <a:pt x="1163374" y="45847"/>
+                </a:moveTo>
+                <a:lnTo>
+                  <a:pt x="0" y="45847"/>
+                </a:lnTo>
+                <a:lnTo>
+                  <a:pt x="0" y="65659"/>
+                </a:lnTo>
+                <a:lnTo>
+                  <a:pt x="1163374" y="65659"/>
+                </a:lnTo>
+                <a:lnTo>
+                  <a:pt x="1180356" y="55752"/>
+                </a:lnTo>
+                <a:lnTo>
+                  <a:pt x="1163374" y="45847"/>
+                </a:lnTo>
+                <a:close/>
+              </a:path>
+              <a:path w="1219835" h="111760">
+                <a:moveTo>
+                  <a:pt x="1202595" y="45847"/>
+                </a:moveTo>
+                <a:lnTo>
+                  <a:pt x="1199895" y="45847"/>
+                </a:lnTo>
+                <a:lnTo>
+                  <a:pt x="1199895" y="65659"/>
+                </a:lnTo>
+                <a:lnTo>
+                  <a:pt x="1202595" y="65659"/>
+                </a:lnTo>
+                <a:lnTo>
+                  <a:pt x="1219581" y="55752"/>
+                </a:lnTo>
+                <a:lnTo>
+                  <a:pt x="1202595" y="45847"/>
+                </a:lnTo>
+                <a:close/>
+              </a:path>
+              <a:path w="1219835" h="111760">
+                <a:moveTo>
+                  <a:pt x="1194943" y="47244"/>
+                </a:moveTo>
+                <a:lnTo>
+                  <a:pt x="1180356" y="55752"/>
+                </a:lnTo>
+                <a:lnTo>
+                  <a:pt x="1194943" y="64262"/>
+                </a:lnTo>
+                <a:lnTo>
+                  <a:pt x="1194943" y="47244"/>
+                </a:lnTo>
+                <a:close/>
+              </a:path>
+              <a:path w="1219835" h="111760">
+                <a:moveTo>
+                  <a:pt x="1199895" y="47244"/>
+                </a:moveTo>
+                <a:lnTo>
+                  <a:pt x="1194943" y="47244"/>
+                </a:lnTo>
+                <a:lnTo>
+                  <a:pt x="1194943" y="64262"/>
+                </a:lnTo>
+                <a:lnTo>
+                  <a:pt x="1199895" y="64262"/>
+                </a:lnTo>
+                <a:lnTo>
+                  <a:pt x="1199895" y="47244"/>
+                </a:lnTo>
+                <a:close/>
+              </a:path>
+              <a:path w="1219835" h="111760">
+                <a:moveTo>
+                  <a:pt x="1123949" y="0"/>
+                </a:moveTo>
+                <a:lnTo>
+                  <a:pt x="1117981" y="1524"/>
+                </a:lnTo>
+                <a:lnTo>
+                  <a:pt x="1115186" y="6350"/>
+                </a:lnTo>
+                <a:lnTo>
+                  <a:pt x="1112393" y="11049"/>
+                </a:lnTo>
+                <a:lnTo>
+                  <a:pt x="1114044" y="17145"/>
+                </a:lnTo>
+                <a:lnTo>
+                  <a:pt x="1118743" y="19812"/>
+                </a:lnTo>
+                <a:lnTo>
+                  <a:pt x="1180356" y="55752"/>
+                </a:lnTo>
+                <a:lnTo>
+                  <a:pt x="1194943" y="47244"/>
+                </a:lnTo>
+                <a:lnTo>
+                  <a:pt x="1199895" y="47244"/>
+                </a:lnTo>
+                <a:lnTo>
+                  <a:pt x="1199895" y="45847"/>
+                </a:lnTo>
+                <a:lnTo>
+                  <a:pt x="1202595" y="45847"/>
+                </a:lnTo>
+                <a:lnTo>
+                  <a:pt x="1123949" y="0"/>
+                </a:lnTo>
+                <a:close/>
+              </a:path>
+            </a:pathLst>
+          </a:custGeom>
+          <a:solidFill>
+            <a:srgbClr val="444748"/>
+          </a:solidFill>
+        </p:spPr>
+        <p:txBody>
+          <a:bodyPr wrap="square" lIns="0" tIns="0" rIns="0" bIns="0" rtlCol="0"/>
+          <a:lstStyle/>
+          <a:p>
+            <a:endParaRPr/>
+          </a:p>
+        </p:txBody>
+      </p:sp>
+      <p:sp>
+        <p:nvSpPr>
+          <p:cNvPr id="13" name="object 13"/>
+          <p:cNvSpPr/>
+          <p:nvPr/>
+        </p:nvSpPr>
+        <p:spPr>
+          <a:xfrm>
+            <a:off x="5223509" y="3386201"/>
+            <a:ext cx="1219835" cy="111760"/>
+          </a:xfrm>
+          <a:custGeom>
+            <a:avLst/>
+            <a:gdLst/>
+            <a:ahLst/>
+            <a:cxnLst/>
+            <a:rect l="l" t="t" r="r" b="b"/>
+            <a:pathLst>
+              <a:path w="1219835" h="111760">
+                <a:moveTo>
+                  <a:pt x="1180356" y="55752"/>
+                </a:moveTo>
+                <a:lnTo>
+                  <a:pt x="1118742" y="91694"/>
+                </a:lnTo>
+                <a:lnTo>
+                  <a:pt x="1114043" y="94361"/>
+                </a:lnTo>
+                <a:lnTo>
+                  <a:pt x="1112392" y="100457"/>
+                </a:lnTo>
+                <a:lnTo>
+                  <a:pt x="1115187" y="105156"/>
+                </a:lnTo>
+                <a:lnTo>
+                  <a:pt x="1117980" y="109982"/>
+                </a:lnTo>
+                <a:lnTo>
+                  <a:pt x="1123950" y="111506"/>
+                </a:lnTo>
+                <a:lnTo>
+                  <a:pt x="1202595" y="65659"/>
+                </a:lnTo>
+                <a:lnTo>
+                  <a:pt x="1199895" y="65659"/>
+                </a:lnTo>
+                <a:lnTo>
+                  <a:pt x="1199895" y="64262"/>
+                </a:lnTo>
+                <a:lnTo>
+                  <a:pt x="1194942" y="64262"/>
+                </a:lnTo>
+                <a:lnTo>
+                  <a:pt x="1180356" y="55752"/>
+                </a:lnTo>
+                <a:close/>
+              </a:path>
+              <a:path w="1219835" h="111760">
+                <a:moveTo>
+                  <a:pt x="1163374" y="45847"/>
+                </a:moveTo>
+                <a:lnTo>
+                  <a:pt x="0" y="45847"/>
+                </a:lnTo>
+                <a:lnTo>
+                  <a:pt x="0" y="65659"/>
+                </a:lnTo>
+                <a:lnTo>
+                  <a:pt x="1163374" y="65659"/>
+                </a:lnTo>
+                <a:lnTo>
+                  <a:pt x="1180356" y="55752"/>
+                </a:lnTo>
+                <a:lnTo>
+                  <a:pt x="1163374" y="45847"/>
+                </a:lnTo>
+                <a:close/>
+              </a:path>
+              <a:path w="1219835" h="111760">
+                <a:moveTo>
+                  <a:pt x="1202595" y="45847"/>
+                </a:moveTo>
+                <a:lnTo>
+                  <a:pt x="1199895" y="45847"/>
+                </a:lnTo>
+                <a:lnTo>
+                  <a:pt x="1199895" y="65659"/>
+                </a:lnTo>
+                <a:lnTo>
+                  <a:pt x="1202595" y="65659"/>
+                </a:lnTo>
+                <a:lnTo>
+                  <a:pt x="1219580" y="55752"/>
+                </a:lnTo>
+                <a:lnTo>
+                  <a:pt x="1202595" y="45847"/>
+                </a:lnTo>
+                <a:close/>
+              </a:path>
+              <a:path w="1219835" h="111760">
+                <a:moveTo>
+                  <a:pt x="1194942" y="47244"/>
+                </a:moveTo>
+                <a:lnTo>
+                  <a:pt x="1180356" y="55752"/>
+                </a:lnTo>
+                <a:lnTo>
+                  <a:pt x="1194942" y="64262"/>
+                </a:lnTo>
+                <a:lnTo>
+                  <a:pt x="1194942" y="47244"/>
+                </a:lnTo>
+                <a:close/>
+              </a:path>
+              <a:path w="1219835" h="111760">
+                <a:moveTo>
+                  <a:pt x="1199895" y="47244"/>
+                </a:moveTo>
+                <a:lnTo>
+                  <a:pt x="1194942" y="47244"/>
+                </a:lnTo>
+                <a:lnTo>
+                  <a:pt x="1194942" y="64262"/>
+                </a:lnTo>
+                <a:lnTo>
+                  <a:pt x="1199895" y="64262"/>
+                </a:lnTo>
+                <a:lnTo>
+                  <a:pt x="1199895" y="47244"/>
+                </a:lnTo>
+                <a:close/>
+              </a:path>
+              <a:path w="1219835" h="111760">
+                <a:moveTo>
+                  <a:pt x="1123950" y="0"/>
+                </a:moveTo>
+                <a:lnTo>
+                  <a:pt x="1117980" y="1524"/>
+                </a:lnTo>
+                <a:lnTo>
+                  <a:pt x="1115187" y="6350"/>
+                </a:lnTo>
+                <a:lnTo>
+                  <a:pt x="1112392" y="11049"/>
+                </a:lnTo>
+                <a:lnTo>
+                  <a:pt x="1114043" y="17145"/>
+                </a:lnTo>
+                <a:lnTo>
+                  <a:pt x="1118742" y="19812"/>
+                </a:lnTo>
+                <a:lnTo>
+                  <a:pt x="1180356" y="55752"/>
+                </a:lnTo>
+                <a:lnTo>
+                  <a:pt x="1194942" y="47244"/>
+                </a:lnTo>
+                <a:lnTo>
+                  <a:pt x="1199895" y="47244"/>
+                </a:lnTo>
+                <a:lnTo>
+                  <a:pt x="1199895" y="45847"/>
+                </a:lnTo>
+                <a:lnTo>
+                  <a:pt x="1202595" y="45847"/>
+                </a:lnTo>
+                <a:lnTo>
+                  <a:pt x="1123950" y="0"/>
+                </a:lnTo>
+                <a:close/>
+              </a:path>
+            </a:pathLst>
+          </a:custGeom>
+          <a:solidFill>
+            <a:srgbClr val="444748"/>
+          </a:solidFill>
+        </p:spPr>
+        <p:txBody>
+          <a:bodyPr wrap="square" lIns="0" tIns="0" rIns="0" bIns="0" rtlCol="0"/>
+          <a:lstStyle/>
+          <a:p>
+            <a:endParaRPr/>
+          </a:p>
+        </p:txBody>
+      </p:sp>
+      <p:sp>
+        <p:nvSpPr>
+          <p:cNvPr id="14" name="object 14"/>
+          <p:cNvSpPr txBox="1">
+            <a:spLocks noGrp="1"/>
+          </p:cNvSpPr>
+          <p:nvPr>
+            <p:ph type="ftr" sz="quarter" idx="5"/>
+          </p:nvPr>
+        </p:nvSpPr>
+        <p:spPr>
+          <a:prstGeom prst="rect">
+            <a:avLst/>
+          </a:prstGeom>
+        </p:spPr>
+        <p:txBody>
+          <a:bodyPr vert="horz" wrap="square" lIns="0" tIns="0" rIns="0" bIns="0" rtlCol="0">
+            <a:spAutoFit/>
+          </a:bodyPr>
+          <a:lstStyle/>
+          <a:p>
+            <a:pPr marL="12700">
+              <a:lnSpc>
+                <a:spcPts val="1150"/>
+              </a:lnSpc>
+            </a:pPr>
+            <a:r>
+              <a:rPr dirty="0"/>
+              <a:t>Template </a:t>
+            </a:r>
+            <a:r>
+              <a:rPr spc="-5" dirty="0"/>
+              <a:t>by</a:t>
+            </a:r>
+            <a:r>
+              <a:rPr spc="-50" dirty="0"/>
+              <a:t> </a:t>
+            </a:r>
+            <a:r>
+              <a:rPr b="1" spc="-5" dirty="0">
+                <a:latin typeface="Calibri"/>
+                <a:cs typeface="Calibri"/>
+              </a:rPr>
+              <a:t>PitchDeckCoach</a:t>
+            </a:r>
+            <a:r>
+              <a:rPr spc="-5" dirty="0"/>
+              <a:t>.com</a:t>
+            </a:r>
+          </a:p>
+        </p:txBody>
+      </p:sp>
+    </p:spTree>
+  </p:cSld>
+  <p:clrMapOvr>
+    <a:masterClrMapping/>
+  </p:clrMapOvr>
+</p:sld>
+</file>
+
 <file path=ppt/slides/slide7.xml><?xml version="1.0" encoding="utf-8"?>
 <p:sld xmlns:a="http://schemas.openxmlformats.org/drawingml/2006/main" xmlns:r="http://schemas.openxmlformats.org/officeDocument/2006/relationships" xmlns:p="http://schemas.openxmlformats.org/presentationml/2006/main" showMasterSp="0">
   <p:cSld>
@@ -8416,15 +7887,27 @@
             </a:pPr>
             <a:r>
               <a:rPr dirty="0"/>
-              <a:t>Business</a:t>
-            </a:r>
-            <a:r>
-              <a:rPr spc="-120" dirty="0"/>
-              <a:t> </a:t>
-            </a:r>
-            <a:r>
-              <a:rPr dirty="0"/>
-              <a:t>Model</a:t>
+              <a:t>C</a:t>
+            </a:r>
+            <a:r>
+              <a:rPr spc="-5" dirty="0"/>
+              <a:t>o</a:t>
+            </a:r>
+            <a:r>
+              <a:rPr spc="0" dirty="0"/>
+              <a:t>m</a:t>
+            </a:r>
+            <a:r>
+              <a:rPr spc="-5" dirty="0"/>
+              <a:t>pe</a:t>
+            </a:r>
+            <a:r>
+              <a:rPr spc="0" dirty="0"/>
+              <a:t>t</a:t>
+            </a:r>
+            <a:r>
+              <a:rPr spc="-5" dirty="0"/>
+              <a:t>ition</a:t>
             </a:r>
           </a:p>
         </p:txBody>
@@ -8463,7 +7946,7 @@
                 <a:latin typeface="Arial Rounded MT Bold"/>
                 <a:cs typeface="Arial Rounded MT Bold"/>
               </a:rPr>
-              <a:t>7</a:t>
+              <a:t>9</a:t>
             </a:r>
             <a:endParaRPr sz="3600">
               <a:latin typeface="Arial Rounded MT Bold"/>
@@ -8475,327 +7958,13 @@
       <p:sp>
         <p:nvSpPr>
           <p:cNvPr id="4" name="object 4"/>
-          <p:cNvSpPr txBox="1"/>
+          <p:cNvSpPr/>
           <p:nvPr/>
         </p:nvSpPr>
         <p:spPr>
           <a:xfrm>
-            <a:off x="912367" y="1444625"/>
-            <a:ext cx="7175500" cy="800219"/>
-          </a:xfrm>
-          <a:prstGeom prst="rect">
-            <a:avLst/>
-          </a:prstGeom>
-        </p:spPr>
-        <p:txBody>
-          <a:bodyPr vert="horz" wrap="square" lIns="0" tIns="0" rIns="0" bIns="0" rtlCol="0">
-            <a:spAutoFit/>
-          </a:bodyPr>
-          <a:lstStyle/>
-          <a:p>
-            <a:pPr marL="12700">
-              <a:lnSpc>
-                <a:spcPct val="100000"/>
-              </a:lnSpc>
-            </a:pPr>
-            <a:r>
-              <a:rPr sz="2600" dirty="0">
-                <a:solidFill>
-                  <a:srgbClr val="7E7E7E"/>
-                </a:solidFill>
-                <a:latin typeface="Arial"/>
-                <a:cs typeface="Arial"/>
-              </a:rPr>
-              <a:t>We </a:t>
-            </a:r>
-            <a:r>
-              <a:rPr lang="en-US" sz="2600" dirty="0">
-                <a:solidFill>
-                  <a:srgbClr val="7E7E7E"/>
-                </a:solidFill>
-                <a:latin typeface="Arial"/>
-                <a:cs typeface="Arial"/>
-              </a:rPr>
-              <a:t>charge from user who view more than 10 service needs per a Day.</a:t>
-            </a:r>
-            <a:endParaRPr sz="2600" dirty="0">
-              <a:latin typeface="Arial"/>
-              <a:cs typeface="Arial"/>
-            </a:endParaRPr>
-          </a:p>
-        </p:txBody>
-      </p:sp>
-      <p:sp>
-        <p:nvSpPr>
-          <p:cNvPr id="5" name="object 5"/>
-          <p:cNvSpPr txBox="1"/>
-          <p:nvPr/>
-        </p:nvSpPr>
-        <p:spPr>
-          <a:xfrm>
-            <a:off x="803554" y="4480814"/>
-            <a:ext cx="1798675" cy="636072"/>
-          </a:xfrm>
-          <a:prstGeom prst="rect">
-            <a:avLst/>
-          </a:prstGeom>
-        </p:spPr>
-        <p:txBody>
-          <a:bodyPr vert="horz" wrap="square" lIns="0" tIns="0" rIns="0" bIns="0" rtlCol="0">
-            <a:spAutoFit/>
-          </a:bodyPr>
-          <a:lstStyle/>
-          <a:p>
-            <a:pPr marL="12700">
-              <a:lnSpc>
-                <a:spcPct val="100000"/>
-              </a:lnSpc>
-            </a:pPr>
-            <a:r>
-              <a:rPr lang="en-US" sz="2000" b="1" spc="-5" dirty="0" err="1">
-                <a:solidFill>
-                  <a:srgbClr val="444748"/>
-                </a:solidFill>
-                <a:latin typeface="Calibri"/>
-                <a:cs typeface="Calibri"/>
-              </a:rPr>
-              <a:t>MyServiceNeed</a:t>
-            </a:r>
-            <a:endParaRPr sz="2000" dirty="0">
-              <a:latin typeface="Calibri"/>
-              <a:cs typeface="Calibri"/>
-            </a:endParaRPr>
-          </a:p>
-          <a:p>
-            <a:pPr marL="65405">
-              <a:lnSpc>
-                <a:spcPct val="100000"/>
-              </a:lnSpc>
-              <a:spcBef>
-                <a:spcPts val="365"/>
-              </a:spcBef>
-            </a:pPr>
-            <a:r>
-              <a:rPr sz="1800" spc="-10" dirty="0">
-                <a:solidFill>
-                  <a:srgbClr val="7E7E7E"/>
-                </a:solidFill>
-                <a:latin typeface="Calibri"/>
-                <a:cs typeface="Calibri"/>
-              </a:rPr>
-              <a:t>Share </a:t>
-            </a:r>
-            <a:r>
-              <a:rPr sz="1800" spc="-5" dirty="0">
-                <a:solidFill>
-                  <a:srgbClr val="7E7E7E"/>
-                </a:solidFill>
-                <a:latin typeface="Calibri"/>
-                <a:cs typeface="Calibri"/>
-              </a:rPr>
-              <a:t>of</a:t>
-            </a:r>
-            <a:r>
-              <a:rPr sz="1800" spc="-45" dirty="0">
-                <a:solidFill>
-                  <a:srgbClr val="7E7E7E"/>
-                </a:solidFill>
-                <a:latin typeface="Calibri"/>
-                <a:cs typeface="Calibri"/>
-              </a:rPr>
-              <a:t> </a:t>
-            </a:r>
-            <a:r>
-              <a:rPr sz="1800" spc="-15" dirty="0">
-                <a:solidFill>
-                  <a:srgbClr val="7E7E7E"/>
-                </a:solidFill>
-                <a:latin typeface="Calibri"/>
-                <a:cs typeface="Calibri"/>
-              </a:rPr>
-              <a:t>Market</a:t>
-            </a:r>
-            <a:endParaRPr sz="1800" dirty="0">
-              <a:latin typeface="Calibri"/>
-              <a:cs typeface="Calibri"/>
-            </a:endParaRPr>
-          </a:p>
-        </p:txBody>
-      </p:sp>
-      <p:sp>
-        <p:nvSpPr>
-          <p:cNvPr id="6" name="object 6"/>
-          <p:cNvSpPr txBox="1"/>
-          <p:nvPr/>
-        </p:nvSpPr>
-        <p:spPr>
-          <a:xfrm>
-            <a:off x="3585464" y="4480814"/>
-            <a:ext cx="2205736" cy="861774"/>
-          </a:xfrm>
-          <a:prstGeom prst="rect">
-            <a:avLst/>
-          </a:prstGeom>
-        </p:spPr>
-        <p:txBody>
-          <a:bodyPr vert="horz" wrap="square" lIns="0" tIns="0" rIns="0" bIns="0" rtlCol="0">
-            <a:spAutoFit/>
-          </a:bodyPr>
-          <a:lstStyle/>
-          <a:p>
-            <a:pPr marL="1270" algn="ctr">
-              <a:lnSpc>
-                <a:spcPct val="100000"/>
-              </a:lnSpc>
-            </a:pPr>
-            <a:r>
-              <a:rPr sz="2000" b="1" spc="-50" dirty="0">
-                <a:solidFill>
-                  <a:srgbClr val="444748"/>
-                </a:solidFill>
-                <a:latin typeface="Calibri"/>
-                <a:cs typeface="Calibri"/>
-              </a:rPr>
-              <a:t>AVG</a:t>
-            </a:r>
-            <a:r>
-              <a:rPr sz="2000" b="1" spc="-90" dirty="0">
-                <a:solidFill>
-                  <a:srgbClr val="444748"/>
-                </a:solidFill>
-                <a:latin typeface="Calibri"/>
-                <a:cs typeface="Calibri"/>
-              </a:rPr>
-              <a:t> </a:t>
-            </a:r>
-            <a:r>
-              <a:rPr sz="2000" b="1" dirty="0">
-                <a:solidFill>
-                  <a:srgbClr val="444748"/>
-                </a:solidFill>
-                <a:latin typeface="Calibri"/>
-                <a:cs typeface="Calibri"/>
-              </a:rPr>
-              <a:t>FEE</a:t>
-            </a:r>
-            <a:endParaRPr sz="2000" dirty="0">
-              <a:latin typeface="Calibri"/>
-              <a:cs typeface="Calibri"/>
-            </a:endParaRPr>
-          </a:p>
-          <a:p>
-            <a:pPr algn="ctr">
-              <a:lnSpc>
-                <a:spcPct val="100000"/>
-              </a:lnSpc>
-              <a:spcBef>
-                <a:spcPts val="5"/>
-              </a:spcBef>
-            </a:pPr>
-            <a:r>
-              <a:rPr lang="en-US" spc="-5" dirty="0">
-                <a:solidFill>
-                  <a:srgbClr val="7E7E7E"/>
-                </a:solidFill>
-                <a:latin typeface="Calibri"/>
-                <a:cs typeface="Calibri"/>
-              </a:rPr>
-              <a:t>View 50 Needs with 10Rs</a:t>
-            </a:r>
-            <a:endParaRPr sz="1800" dirty="0">
-              <a:latin typeface="Calibri"/>
-              <a:cs typeface="Calibri"/>
-            </a:endParaRPr>
-          </a:p>
-        </p:txBody>
-      </p:sp>
-      <p:sp>
-        <p:nvSpPr>
-          <p:cNvPr id="7" name="object 7"/>
-          <p:cNvSpPr txBox="1"/>
-          <p:nvPr/>
-        </p:nvSpPr>
-        <p:spPr>
-          <a:xfrm>
-            <a:off x="7024243" y="4480814"/>
-            <a:ext cx="1024890" cy="584775"/>
-          </a:xfrm>
-          <a:prstGeom prst="rect">
-            <a:avLst/>
-          </a:prstGeom>
-        </p:spPr>
-        <p:txBody>
-          <a:bodyPr vert="horz" wrap="square" lIns="0" tIns="0" rIns="0" bIns="0" rtlCol="0">
-            <a:spAutoFit/>
-          </a:bodyPr>
-          <a:lstStyle/>
-          <a:p>
-            <a:pPr marL="12700">
-              <a:lnSpc>
-                <a:spcPct val="100000"/>
-              </a:lnSpc>
-            </a:pPr>
-            <a:r>
-              <a:rPr sz="2000" b="1" spc="-5" dirty="0">
-                <a:solidFill>
-                  <a:srgbClr val="444748"/>
-                </a:solidFill>
-                <a:latin typeface="Calibri"/>
-                <a:cs typeface="Calibri"/>
-              </a:rPr>
-              <a:t>REVENUE</a:t>
-            </a:r>
-            <a:endParaRPr sz="2000" dirty="0">
-              <a:latin typeface="Calibri"/>
-              <a:cs typeface="Calibri"/>
-            </a:endParaRPr>
-          </a:p>
-          <a:p>
-            <a:pPr marL="12700">
-              <a:lnSpc>
-                <a:spcPct val="100000"/>
-              </a:lnSpc>
-              <a:spcBef>
-                <a:spcPts val="5"/>
-              </a:spcBef>
-            </a:pPr>
-            <a:r>
-              <a:rPr sz="1800" spc="-5" dirty="0">
-                <a:solidFill>
-                  <a:srgbClr val="7E7E7E"/>
-                </a:solidFill>
-                <a:latin typeface="Calibri"/>
-                <a:cs typeface="Calibri"/>
-              </a:rPr>
-              <a:t>20</a:t>
-            </a:r>
-            <a:r>
-              <a:rPr lang="en-US" sz="1800" spc="-5" dirty="0">
-                <a:solidFill>
-                  <a:srgbClr val="7E7E7E"/>
-                </a:solidFill>
-                <a:latin typeface="Calibri"/>
-                <a:cs typeface="Calibri"/>
-              </a:rPr>
-              <a:t>17-?</a:t>
-            </a:r>
-            <a:endParaRPr sz="1800" dirty="0">
-              <a:latin typeface="Calibri"/>
-              <a:cs typeface="Calibri"/>
-            </a:endParaRPr>
-          </a:p>
-        </p:txBody>
-      </p:sp>
-      <p:sp>
-        <p:nvSpPr>
-          <p:cNvPr id="8" name="object 8"/>
-          <p:cNvSpPr/>
-          <p:nvPr/>
-        </p:nvSpPr>
-        <p:spPr>
-          <a:xfrm>
-            <a:off x="697991" y="2561844"/>
-            <a:ext cx="1675130" cy="1675130"/>
+            <a:off x="1102550" y="3383407"/>
+            <a:ext cx="6906259" cy="120650"/>
           </a:xfrm>
           <a:custGeom>
             <a:avLst/>
@@ -8804,357 +7973,285 @@
             <a:cxnLst/>
             <a:rect l="l" t="t" r="r" b="b"/>
             <a:pathLst>
-              <a:path w="1675130" h="1675129">
+              <a:path w="6906259" h="120650">
                 <a:moveTo>
-                  <a:pt x="837438" y="0"/>
+                  <a:pt x="103085" y="0"/>
                 </a:moveTo>
                 <a:lnTo>
-                  <a:pt x="789916" y="1325"/>
-                </a:lnTo>
-                <a:lnTo>
-                  <a:pt x="743090" y="5255"/>
-                </a:lnTo>
-                <a:lnTo>
-                  <a:pt x="697030" y="11718"/>
-                </a:lnTo>
-                <a:lnTo>
-                  <a:pt x="651807" y="20643"/>
-                </a:lnTo>
-                <a:lnTo>
-                  <a:pt x="607492" y="31961"/>
-                </a:lnTo>
-                <a:lnTo>
-                  <a:pt x="564155" y="45600"/>
-                </a:lnTo>
-                <a:lnTo>
-                  <a:pt x="521867" y="61490"/>
-                </a:lnTo>
-                <a:lnTo>
-                  <a:pt x="480698" y="79559"/>
-                </a:lnTo>
-                <a:lnTo>
-                  <a:pt x="440720" y="99738"/>
-                </a:lnTo>
-                <a:lnTo>
-                  <a:pt x="402003" y="121956"/>
-                </a:lnTo>
-                <a:lnTo>
-                  <a:pt x="364618" y="146141"/>
-                </a:lnTo>
-                <a:lnTo>
-                  <a:pt x="328635" y="172224"/>
-                </a:lnTo>
-                <a:lnTo>
-                  <a:pt x="294126" y="200134"/>
-                </a:lnTo>
-                <a:lnTo>
-                  <a:pt x="261160" y="229799"/>
-                </a:lnTo>
-                <a:lnTo>
-                  <a:pt x="229808" y="261150"/>
-                </a:lnTo>
-                <a:lnTo>
-                  <a:pt x="200142" y="294115"/>
-                </a:lnTo>
-                <a:lnTo>
-                  <a:pt x="172232" y="328624"/>
-                </a:lnTo>
-                <a:lnTo>
-                  <a:pt x="146148" y="364607"/>
-                </a:lnTo>
-                <a:lnTo>
-                  <a:pt x="121962" y="401992"/>
-                </a:lnTo>
-                <a:lnTo>
-                  <a:pt x="99743" y="440709"/>
-                </a:lnTo>
-                <a:lnTo>
-                  <a:pt x="79563" y="480687"/>
-                </a:lnTo>
-                <a:lnTo>
-                  <a:pt x="61493" y="521856"/>
-                </a:lnTo>
-                <a:lnTo>
-                  <a:pt x="45602" y="564145"/>
-                </a:lnTo>
-                <a:lnTo>
-                  <a:pt x="31963" y="607483"/>
-                </a:lnTo>
-                <a:lnTo>
-                  <a:pt x="20645" y="651799"/>
-                </a:lnTo>
-                <a:lnTo>
-                  <a:pt x="11718" y="697024"/>
-                </a:lnTo>
-                <a:lnTo>
-                  <a:pt x="5255" y="743085"/>
-                </a:lnTo>
-                <a:lnTo>
-                  <a:pt x="1325" y="789914"/>
-                </a:lnTo>
-                <a:lnTo>
-                  <a:pt x="0" y="837438"/>
-                </a:lnTo>
-                <a:lnTo>
-                  <a:pt x="1325" y="884961"/>
-                </a:lnTo>
-                <a:lnTo>
-                  <a:pt x="5255" y="931790"/>
-                </a:lnTo>
-                <a:lnTo>
-                  <a:pt x="11718" y="977851"/>
-                </a:lnTo>
-                <a:lnTo>
-                  <a:pt x="20645" y="1023076"/>
-                </a:lnTo>
-                <a:lnTo>
-                  <a:pt x="31963" y="1067392"/>
-                </a:lnTo>
-                <a:lnTo>
-                  <a:pt x="45602" y="1110730"/>
-                </a:lnTo>
-                <a:lnTo>
-                  <a:pt x="61493" y="1153019"/>
-                </a:lnTo>
-                <a:lnTo>
-                  <a:pt x="79563" y="1194188"/>
-                </a:lnTo>
-                <a:lnTo>
-                  <a:pt x="99743" y="1234166"/>
-                </a:lnTo>
-                <a:lnTo>
-                  <a:pt x="121962" y="1272883"/>
-                </a:lnTo>
-                <a:lnTo>
-                  <a:pt x="146148" y="1310268"/>
-                </a:lnTo>
-                <a:lnTo>
-                  <a:pt x="172232" y="1346251"/>
-                </a:lnTo>
-                <a:lnTo>
-                  <a:pt x="200142" y="1380760"/>
-                </a:lnTo>
-                <a:lnTo>
-                  <a:pt x="229808" y="1413725"/>
-                </a:lnTo>
-                <a:lnTo>
-                  <a:pt x="261160" y="1445076"/>
-                </a:lnTo>
-                <a:lnTo>
-                  <a:pt x="294126" y="1474741"/>
-                </a:lnTo>
-                <a:lnTo>
-                  <a:pt x="328635" y="1502651"/>
-                </a:lnTo>
-                <a:lnTo>
-                  <a:pt x="364618" y="1528734"/>
-                </a:lnTo>
-                <a:lnTo>
-                  <a:pt x="402003" y="1552919"/>
-                </a:lnTo>
-                <a:lnTo>
-                  <a:pt x="440720" y="1575137"/>
-                </a:lnTo>
-                <a:lnTo>
-                  <a:pt x="480698" y="1595316"/>
-                </a:lnTo>
-                <a:lnTo>
-                  <a:pt x="521867" y="1613385"/>
-                </a:lnTo>
-                <a:lnTo>
-                  <a:pt x="564155" y="1629275"/>
-                </a:lnTo>
-                <a:lnTo>
-                  <a:pt x="607492" y="1642914"/>
-                </a:lnTo>
-                <a:lnTo>
-                  <a:pt x="651807" y="1654232"/>
-                </a:lnTo>
-                <a:lnTo>
-                  <a:pt x="697030" y="1663157"/>
-                </a:lnTo>
-                <a:lnTo>
-                  <a:pt x="743090" y="1669620"/>
-                </a:lnTo>
-                <a:lnTo>
-                  <a:pt x="789916" y="1673550"/>
-                </a:lnTo>
-                <a:lnTo>
-                  <a:pt x="837438" y="1674875"/>
-                </a:lnTo>
-                <a:lnTo>
-                  <a:pt x="884961" y="1673550"/>
-                </a:lnTo>
-                <a:lnTo>
-                  <a:pt x="931790" y="1669620"/>
-                </a:lnTo>
-                <a:lnTo>
-                  <a:pt x="977851" y="1663157"/>
-                </a:lnTo>
-                <a:lnTo>
-                  <a:pt x="1023076" y="1654232"/>
-                </a:lnTo>
-                <a:lnTo>
-                  <a:pt x="1067392" y="1642914"/>
-                </a:lnTo>
-                <a:lnTo>
-                  <a:pt x="1110730" y="1629275"/>
-                </a:lnTo>
-                <a:lnTo>
-                  <a:pt x="1153019" y="1613385"/>
-                </a:lnTo>
-                <a:lnTo>
-                  <a:pt x="1194188" y="1595316"/>
-                </a:lnTo>
-                <a:lnTo>
-                  <a:pt x="1234166" y="1575137"/>
-                </a:lnTo>
-                <a:lnTo>
-                  <a:pt x="1272883" y="1552919"/>
-                </a:lnTo>
-                <a:lnTo>
-                  <a:pt x="1310268" y="1528734"/>
-                </a:lnTo>
-                <a:lnTo>
-                  <a:pt x="1346251" y="1502651"/>
-                </a:lnTo>
-                <a:lnTo>
-                  <a:pt x="1380760" y="1474741"/>
-                </a:lnTo>
-                <a:lnTo>
-                  <a:pt x="1413725" y="1445076"/>
-                </a:lnTo>
-                <a:lnTo>
-                  <a:pt x="1445076" y="1413725"/>
-                </a:lnTo>
-                <a:lnTo>
-                  <a:pt x="1474741" y="1380760"/>
-                </a:lnTo>
-                <a:lnTo>
-                  <a:pt x="1502651" y="1346251"/>
-                </a:lnTo>
-                <a:lnTo>
-                  <a:pt x="1528734" y="1310268"/>
-                </a:lnTo>
-                <a:lnTo>
-                  <a:pt x="1552919" y="1272883"/>
-                </a:lnTo>
-                <a:lnTo>
-                  <a:pt x="1575137" y="1234166"/>
-                </a:lnTo>
-                <a:lnTo>
-                  <a:pt x="1595316" y="1194188"/>
-                </a:lnTo>
-                <a:lnTo>
-                  <a:pt x="1613385" y="1153019"/>
-                </a:lnTo>
-                <a:lnTo>
-                  <a:pt x="1629275" y="1110730"/>
-                </a:lnTo>
-                <a:lnTo>
-                  <a:pt x="1642914" y="1067392"/>
-                </a:lnTo>
-                <a:lnTo>
-                  <a:pt x="1654232" y="1023076"/>
-                </a:lnTo>
-                <a:lnTo>
-                  <a:pt x="1663157" y="977851"/>
-                </a:lnTo>
-                <a:lnTo>
-                  <a:pt x="1669620" y="931790"/>
-                </a:lnTo>
-                <a:lnTo>
-                  <a:pt x="1673550" y="884961"/>
-                </a:lnTo>
-                <a:lnTo>
-                  <a:pt x="1674876" y="837438"/>
-                </a:lnTo>
-                <a:lnTo>
-                  <a:pt x="1673550" y="789914"/>
-                </a:lnTo>
-                <a:lnTo>
-                  <a:pt x="1669620" y="743085"/>
-                </a:lnTo>
-                <a:lnTo>
-                  <a:pt x="1663157" y="697024"/>
-                </a:lnTo>
-                <a:lnTo>
-                  <a:pt x="1654232" y="651799"/>
-                </a:lnTo>
-                <a:lnTo>
-                  <a:pt x="1642914" y="607483"/>
-                </a:lnTo>
-                <a:lnTo>
-                  <a:pt x="1629275" y="564145"/>
-                </a:lnTo>
-                <a:lnTo>
-                  <a:pt x="1613385" y="521856"/>
-                </a:lnTo>
-                <a:lnTo>
-                  <a:pt x="1595316" y="480687"/>
-                </a:lnTo>
-                <a:lnTo>
-                  <a:pt x="1575137" y="440709"/>
-                </a:lnTo>
-                <a:lnTo>
-                  <a:pt x="1552919" y="401992"/>
-                </a:lnTo>
-                <a:lnTo>
-                  <a:pt x="1528734" y="364607"/>
-                </a:lnTo>
-                <a:lnTo>
-                  <a:pt x="1502651" y="328624"/>
-                </a:lnTo>
-                <a:lnTo>
-                  <a:pt x="1474741" y="294115"/>
-                </a:lnTo>
-                <a:lnTo>
-                  <a:pt x="1445076" y="261150"/>
-                </a:lnTo>
-                <a:lnTo>
-                  <a:pt x="1413725" y="229799"/>
-                </a:lnTo>
-                <a:lnTo>
-                  <a:pt x="1380760" y="200134"/>
-                </a:lnTo>
-                <a:lnTo>
-                  <a:pt x="1346251" y="172224"/>
-                </a:lnTo>
-                <a:lnTo>
-                  <a:pt x="1310268" y="146141"/>
-                </a:lnTo>
-                <a:lnTo>
-                  <a:pt x="1272883" y="121956"/>
-                </a:lnTo>
-                <a:lnTo>
-                  <a:pt x="1234166" y="99738"/>
-                </a:lnTo>
-                <a:lnTo>
-                  <a:pt x="1194188" y="79559"/>
-                </a:lnTo>
-                <a:lnTo>
-                  <a:pt x="1153019" y="61490"/>
-                </a:lnTo>
-                <a:lnTo>
-                  <a:pt x="1110730" y="45600"/>
-                </a:lnTo>
-                <a:lnTo>
-                  <a:pt x="1067392" y="31961"/>
-                </a:lnTo>
-                <a:lnTo>
-                  <a:pt x="1023076" y="20643"/>
-                </a:lnTo>
-                <a:lnTo>
-                  <a:pt x="977851" y="11718"/>
-                </a:lnTo>
-                <a:lnTo>
-                  <a:pt x="931790" y="5255"/>
-                </a:lnTo>
-                <a:lnTo>
-                  <a:pt x="884961" y="1325"/>
-                </a:lnTo>
-                <a:lnTo>
-                  <a:pt x="837438" y="0"/>
+                  <a:pt x="0" y="60070"/>
+                </a:lnTo>
+                <a:lnTo>
+                  <a:pt x="103085" y="120141"/>
+                </a:lnTo>
+                <a:lnTo>
+                  <a:pt x="111023" y="118109"/>
+                </a:lnTo>
+                <a:lnTo>
+                  <a:pt x="114630" y="111887"/>
+                </a:lnTo>
+                <a:lnTo>
+                  <a:pt x="118224" y="105790"/>
+                </a:lnTo>
+                <a:lnTo>
+                  <a:pt x="116141" y="97789"/>
+                </a:lnTo>
+                <a:lnTo>
+                  <a:pt x="73611" y="73025"/>
+                </a:lnTo>
+                <a:lnTo>
+                  <a:pt x="25603" y="73025"/>
+                </a:lnTo>
+                <a:lnTo>
+                  <a:pt x="25603" y="47116"/>
+                </a:lnTo>
+                <a:lnTo>
+                  <a:pt x="73611" y="47116"/>
+                </a:lnTo>
+                <a:lnTo>
+                  <a:pt x="116141" y="22351"/>
+                </a:lnTo>
+                <a:lnTo>
+                  <a:pt x="118224" y="14350"/>
+                </a:lnTo>
+                <a:lnTo>
+                  <a:pt x="114630" y="8254"/>
+                </a:lnTo>
+                <a:lnTo>
+                  <a:pt x="111023" y="2031"/>
+                </a:lnTo>
+                <a:lnTo>
+                  <a:pt x="103085" y="0"/>
+                </a:lnTo>
+                <a:close/>
+              </a:path>
+              <a:path w="6906259" h="120650">
+                <a:moveTo>
+                  <a:pt x="6854652" y="60070"/>
+                </a:moveTo>
+                <a:lnTo>
+                  <a:pt x="6796087" y="94233"/>
+                </a:lnTo>
+                <a:lnTo>
+                  <a:pt x="6789864" y="97789"/>
+                </a:lnTo>
+                <a:lnTo>
+                  <a:pt x="6787832" y="105790"/>
+                </a:lnTo>
+                <a:lnTo>
+                  <a:pt x="6791388" y="111887"/>
+                </a:lnTo>
+                <a:lnTo>
+                  <a:pt x="6794944" y="118109"/>
+                </a:lnTo>
+                <a:lnTo>
+                  <a:pt x="6802945" y="120141"/>
+                </a:lnTo>
+                <a:lnTo>
+                  <a:pt x="6883731" y="73025"/>
+                </a:lnTo>
+                <a:lnTo>
+                  <a:pt x="6880288" y="73025"/>
+                </a:lnTo>
+                <a:lnTo>
+                  <a:pt x="6880288" y="71246"/>
+                </a:lnTo>
+                <a:lnTo>
+                  <a:pt x="6873811" y="71246"/>
+                </a:lnTo>
+                <a:lnTo>
+                  <a:pt x="6854652" y="60070"/>
+                </a:lnTo>
+                <a:close/>
+              </a:path>
+              <a:path w="6906259" h="120650">
+                <a:moveTo>
+                  <a:pt x="73611" y="47116"/>
+                </a:moveTo>
+                <a:lnTo>
+                  <a:pt x="25603" y="47116"/>
+                </a:lnTo>
+                <a:lnTo>
+                  <a:pt x="25603" y="73025"/>
+                </a:lnTo>
+                <a:lnTo>
+                  <a:pt x="73611" y="73025"/>
+                </a:lnTo>
+                <a:lnTo>
+                  <a:pt x="70563" y="71246"/>
+                </a:lnTo>
+                <a:lnTo>
+                  <a:pt x="32245" y="71246"/>
+                </a:lnTo>
+                <a:lnTo>
+                  <a:pt x="32245" y="48894"/>
+                </a:lnTo>
+                <a:lnTo>
+                  <a:pt x="70563" y="48894"/>
+                </a:lnTo>
+                <a:lnTo>
+                  <a:pt x="73611" y="47116"/>
+                </a:lnTo>
+                <a:close/>
+              </a:path>
+              <a:path w="6906259" h="120650">
+                <a:moveTo>
+                  <a:pt x="6832445" y="47116"/>
+                </a:moveTo>
+                <a:lnTo>
+                  <a:pt x="73611" y="47116"/>
+                </a:lnTo>
+                <a:lnTo>
+                  <a:pt x="51404" y="60070"/>
+                </a:lnTo>
+                <a:lnTo>
+                  <a:pt x="73611" y="73025"/>
+                </a:lnTo>
+                <a:lnTo>
+                  <a:pt x="6832445" y="73025"/>
+                </a:lnTo>
+                <a:lnTo>
+                  <a:pt x="6854652" y="60070"/>
+                </a:lnTo>
+                <a:lnTo>
+                  <a:pt x="6832445" y="47116"/>
+                </a:lnTo>
+                <a:close/>
+              </a:path>
+              <a:path w="6906259" h="120650">
+                <a:moveTo>
+                  <a:pt x="6883731" y="47116"/>
+                </a:moveTo>
+                <a:lnTo>
+                  <a:pt x="6880288" y="47116"/>
+                </a:lnTo>
+                <a:lnTo>
+                  <a:pt x="6880288" y="73025"/>
+                </a:lnTo>
+                <a:lnTo>
+                  <a:pt x="6883731" y="73025"/>
+                </a:lnTo>
+                <a:lnTo>
+                  <a:pt x="6905942" y="60070"/>
+                </a:lnTo>
+                <a:lnTo>
+                  <a:pt x="6883731" y="47116"/>
+                </a:lnTo>
+                <a:close/>
+              </a:path>
+              <a:path w="6906259" h="120650">
+                <a:moveTo>
+                  <a:pt x="32245" y="48894"/>
+                </a:moveTo>
+                <a:lnTo>
+                  <a:pt x="32245" y="71246"/>
+                </a:lnTo>
+                <a:lnTo>
+                  <a:pt x="51404" y="60070"/>
+                </a:lnTo>
+                <a:lnTo>
+                  <a:pt x="32245" y="48894"/>
+                </a:lnTo>
+                <a:close/>
+              </a:path>
+              <a:path w="6906259" h="120650">
+                <a:moveTo>
+                  <a:pt x="51404" y="60070"/>
+                </a:moveTo>
+                <a:lnTo>
+                  <a:pt x="32245" y="71246"/>
+                </a:lnTo>
+                <a:lnTo>
+                  <a:pt x="70563" y="71246"/>
+                </a:lnTo>
+                <a:lnTo>
+                  <a:pt x="51404" y="60070"/>
+                </a:lnTo>
+                <a:close/>
+              </a:path>
+              <a:path w="6906259" h="120650">
+                <a:moveTo>
+                  <a:pt x="6873811" y="48894"/>
+                </a:moveTo>
+                <a:lnTo>
+                  <a:pt x="6854652" y="60070"/>
+                </a:lnTo>
+                <a:lnTo>
+                  <a:pt x="6873811" y="71246"/>
+                </a:lnTo>
+                <a:lnTo>
+                  <a:pt x="6873811" y="48894"/>
+                </a:lnTo>
+                <a:close/>
+              </a:path>
+              <a:path w="6906259" h="120650">
+                <a:moveTo>
+                  <a:pt x="6880288" y="48894"/>
+                </a:moveTo>
+                <a:lnTo>
+                  <a:pt x="6873811" y="48894"/>
+                </a:lnTo>
+                <a:lnTo>
+                  <a:pt x="6873811" y="71246"/>
+                </a:lnTo>
+                <a:lnTo>
+                  <a:pt x="6880288" y="71246"/>
+                </a:lnTo>
+                <a:lnTo>
+                  <a:pt x="6880288" y="48894"/>
+                </a:lnTo>
+                <a:close/>
+              </a:path>
+              <a:path w="6906259" h="120650">
+                <a:moveTo>
+                  <a:pt x="70563" y="48894"/>
+                </a:moveTo>
+                <a:lnTo>
+                  <a:pt x="32245" y="48894"/>
+                </a:lnTo>
+                <a:lnTo>
+                  <a:pt x="51404" y="60070"/>
+                </a:lnTo>
+                <a:lnTo>
+                  <a:pt x="70563" y="48894"/>
+                </a:lnTo>
+                <a:close/>
+              </a:path>
+              <a:path w="6906259" h="120650">
+                <a:moveTo>
+                  <a:pt x="6802945" y="0"/>
+                </a:moveTo>
+                <a:lnTo>
+                  <a:pt x="6794944" y="2031"/>
+                </a:lnTo>
+                <a:lnTo>
+                  <a:pt x="6791388" y="8254"/>
+                </a:lnTo>
+                <a:lnTo>
+                  <a:pt x="6787832" y="14350"/>
+                </a:lnTo>
+                <a:lnTo>
+                  <a:pt x="6789864" y="22351"/>
+                </a:lnTo>
+                <a:lnTo>
+                  <a:pt x="6796087" y="25907"/>
+                </a:lnTo>
+                <a:lnTo>
+                  <a:pt x="6854652" y="60070"/>
+                </a:lnTo>
+                <a:lnTo>
+                  <a:pt x="6873811" y="48894"/>
+                </a:lnTo>
+                <a:lnTo>
+                  <a:pt x="6880288" y="48894"/>
+                </a:lnTo>
+                <a:lnTo>
+                  <a:pt x="6880288" y="47116"/>
+                </a:lnTo>
+                <a:lnTo>
+                  <a:pt x="6883731" y="47116"/>
+                </a:lnTo>
+                <a:lnTo>
+                  <a:pt x="6802945" y="0"/>
                 </a:lnTo>
                 <a:close/>
               </a:path>
@@ -9174,153 +8271,14 @@
       </p:sp>
       <p:sp>
         <p:nvSpPr>
-          <p:cNvPr id="9" name="object 9"/>
-          <p:cNvSpPr txBox="1"/>
+          <p:cNvPr id="5" name="object 5"/>
+          <p:cNvSpPr/>
           <p:nvPr/>
         </p:nvSpPr>
         <p:spPr>
           <a:xfrm>
-            <a:off x="1050137" y="3162680"/>
-            <a:ext cx="970280" cy="430887"/>
-          </a:xfrm>
-          <a:prstGeom prst="rect">
-            <a:avLst/>
-          </a:prstGeom>
-        </p:spPr>
-        <p:txBody>
-          <a:bodyPr vert="horz" wrap="square" lIns="0" tIns="0" rIns="0" bIns="0" rtlCol="0">
-            <a:spAutoFit/>
-          </a:bodyPr>
-          <a:lstStyle/>
-          <a:p>
-            <a:pPr marL="12700">
-              <a:lnSpc>
-                <a:spcPct val="100000"/>
-              </a:lnSpc>
-            </a:pPr>
-            <a:r>
-              <a:rPr lang="en-US" sz="2800" b="1" spc="-10" dirty="0">
-                <a:solidFill>
-                  <a:srgbClr val="FFFFFF"/>
-                </a:solidFill>
-                <a:latin typeface="Calibri"/>
-                <a:cs typeface="Calibri"/>
-              </a:rPr>
-              <a:t>     ?</a:t>
-            </a:r>
-            <a:endParaRPr sz="2800" dirty="0">
-              <a:latin typeface="Calibri"/>
-              <a:cs typeface="Calibri"/>
-            </a:endParaRPr>
-          </a:p>
-        </p:txBody>
-      </p:sp>
-      <p:sp>
-        <p:nvSpPr>
-          <p:cNvPr id="10" name="object 10"/>
-          <p:cNvSpPr txBox="1"/>
-          <p:nvPr/>
-        </p:nvSpPr>
-        <p:spPr>
-          <a:xfrm>
-            <a:off x="3810000" y="2989834"/>
-            <a:ext cx="1403223" cy="738664"/>
-          </a:xfrm>
-          <a:prstGeom prst="rect">
-            <a:avLst/>
-          </a:prstGeom>
-        </p:spPr>
-        <p:txBody>
-          <a:bodyPr vert="horz" wrap="square" lIns="0" tIns="0" rIns="0" bIns="0" rtlCol="0">
-            <a:spAutoFit/>
-          </a:bodyPr>
-          <a:lstStyle/>
-          <a:p>
-            <a:pPr marL="12700">
-              <a:lnSpc>
-                <a:spcPct val="100000"/>
-              </a:lnSpc>
-            </a:pPr>
-            <a:r>
-              <a:rPr lang="en-US" sz="4800" b="1" dirty="0" err="1">
-                <a:solidFill>
-                  <a:srgbClr val="129CEB"/>
-                </a:solidFill>
-                <a:latin typeface="Calibri"/>
-                <a:cs typeface="Calibri"/>
-              </a:rPr>
-              <a:t>Rs</a:t>
-            </a:r>
-            <a:r>
-              <a:rPr lang="en-US" sz="4800" b="1" dirty="0">
-                <a:solidFill>
-                  <a:srgbClr val="129CEB"/>
-                </a:solidFill>
-                <a:latin typeface="Calibri"/>
-                <a:cs typeface="Calibri"/>
-              </a:rPr>
-              <a:t> 10</a:t>
-            </a:r>
-            <a:endParaRPr sz="4800" dirty="0">
-              <a:latin typeface="Calibri"/>
-              <a:cs typeface="Calibri"/>
-            </a:endParaRPr>
-          </a:p>
-        </p:txBody>
-      </p:sp>
-      <p:sp>
-        <p:nvSpPr>
-          <p:cNvPr id="11" name="object 11"/>
-          <p:cNvSpPr txBox="1"/>
-          <p:nvPr/>
-        </p:nvSpPr>
-        <p:spPr>
-          <a:xfrm>
-            <a:off x="6628256" y="2999232"/>
-            <a:ext cx="1796414" cy="738664"/>
-          </a:xfrm>
-          <a:prstGeom prst="rect">
-            <a:avLst/>
-          </a:prstGeom>
-        </p:spPr>
-        <p:txBody>
-          <a:bodyPr vert="horz" wrap="square" lIns="0" tIns="0" rIns="0" bIns="0" rtlCol="0">
-            <a:spAutoFit/>
-          </a:bodyPr>
-          <a:lstStyle/>
-          <a:p>
-            <a:pPr marL="12700">
-              <a:lnSpc>
-                <a:spcPct val="100000"/>
-              </a:lnSpc>
-            </a:pPr>
-            <a:r>
-              <a:rPr lang="en-US" sz="4800" b="1" dirty="0">
-                <a:solidFill>
-                  <a:srgbClr val="129CEB"/>
-                </a:solidFill>
-                <a:latin typeface="Calibri"/>
-                <a:cs typeface="Calibri"/>
-              </a:rPr>
-              <a:t>     ?</a:t>
-            </a:r>
-            <a:endParaRPr sz="4800" dirty="0">
-              <a:latin typeface="Calibri"/>
-              <a:cs typeface="Calibri"/>
-            </a:endParaRPr>
-          </a:p>
-        </p:txBody>
-      </p:sp>
-      <p:sp>
-        <p:nvSpPr>
-          <p:cNvPr id="12" name="object 12"/>
-          <p:cNvSpPr/>
-          <p:nvPr/>
-        </p:nvSpPr>
-        <p:spPr>
-          <a:xfrm>
-            <a:off x="2602229" y="3384677"/>
-            <a:ext cx="1219835" cy="111760"/>
+            <a:off x="4506595" y="986789"/>
+            <a:ext cx="120650" cy="5127625"/>
           </a:xfrm>
           <a:custGeom>
             <a:avLst/>
@@ -9329,163 +8287,286 @@
             <a:cxnLst/>
             <a:rect l="l" t="t" r="r" b="b"/>
             <a:pathLst>
-              <a:path w="1219835" h="111760">
+              <a:path w="120650" h="5127625">
                 <a:moveTo>
-                  <a:pt x="1180356" y="55752"/>
+                  <a:pt x="14350" y="5009134"/>
                 </a:moveTo>
                 <a:lnTo>
-                  <a:pt x="1118743" y="91694"/>
-                </a:lnTo>
-                <a:lnTo>
-                  <a:pt x="1114044" y="94361"/>
-                </a:lnTo>
-                <a:lnTo>
-                  <a:pt x="1112393" y="100457"/>
-                </a:lnTo>
-                <a:lnTo>
-                  <a:pt x="1115186" y="105156"/>
-                </a:lnTo>
-                <a:lnTo>
-                  <a:pt x="1117981" y="109982"/>
-                </a:lnTo>
-                <a:lnTo>
-                  <a:pt x="1123949" y="111506"/>
-                </a:lnTo>
-                <a:lnTo>
-                  <a:pt x="1202595" y="65659"/>
-                </a:lnTo>
-                <a:lnTo>
-                  <a:pt x="1199895" y="65659"/>
-                </a:lnTo>
-                <a:lnTo>
-                  <a:pt x="1199895" y="64262"/>
-                </a:lnTo>
-                <a:lnTo>
-                  <a:pt x="1194943" y="64262"/>
-                </a:lnTo>
-                <a:lnTo>
-                  <a:pt x="1180356" y="55752"/>
+                  <a:pt x="2031" y="5016334"/>
+                </a:lnTo>
+                <a:lnTo>
+                  <a:pt x="0" y="5024272"/>
+                </a:lnTo>
+                <a:lnTo>
+                  <a:pt x="3555" y="5030444"/>
+                </a:lnTo>
+                <a:lnTo>
+                  <a:pt x="60070" y="5127358"/>
+                </a:lnTo>
+                <a:lnTo>
+                  <a:pt x="75008" y="5101742"/>
+                </a:lnTo>
+                <a:lnTo>
+                  <a:pt x="47116" y="5101742"/>
+                </a:lnTo>
+                <a:lnTo>
+                  <a:pt x="47116" y="5053753"/>
+                </a:lnTo>
+                <a:lnTo>
+                  <a:pt x="25907" y="5017389"/>
+                </a:lnTo>
+                <a:lnTo>
+                  <a:pt x="22351" y="5011216"/>
+                </a:lnTo>
+                <a:lnTo>
+                  <a:pt x="14350" y="5009134"/>
                 </a:lnTo>
                 <a:close/>
               </a:path>
-              <a:path w="1219835" h="111760">
+              <a:path w="120650" h="5127625">
                 <a:moveTo>
-                  <a:pt x="1163374" y="45847"/>
+                  <a:pt x="47116" y="5053753"/>
                 </a:moveTo>
                 <a:lnTo>
-                  <a:pt x="0" y="45847"/>
-                </a:lnTo>
-                <a:lnTo>
-                  <a:pt x="0" y="65659"/>
-                </a:lnTo>
-                <a:lnTo>
-                  <a:pt x="1163374" y="65659"/>
-                </a:lnTo>
-                <a:lnTo>
-                  <a:pt x="1180356" y="55752"/>
-                </a:lnTo>
-                <a:lnTo>
-                  <a:pt x="1163374" y="45847"/>
+                  <a:pt x="47116" y="5101742"/>
+                </a:lnTo>
+                <a:lnTo>
+                  <a:pt x="73025" y="5101742"/>
+                </a:lnTo>
+                <a:lnTo>
+                  <a:pt x="73025" y="5095125"/>
+                </a:lnTo>
+                <a:lnTo>
+                  <a:pt x="48894" y="5095125"/>
+                </a:lnTo>
+                <a:lnTo>
+                  <a:pt x="60070" y="5075963"/>
+                </a:lnTo>
+                <a:lnTo>
+                  <a:pt x="47116" y="5053753"/>
                 </a:lnTo>
                 <a:close/>
               </a:path>
-              <a:path w="1219835" h="111760">
+              <a:path w="120650" h="5127625">
                 <a:moveTo>
-                  <a:pt x="1202595" y="45847"/>
+                  <a:pt x="105790" y="5009134"/>
                 </a:moveTo>
                 <a:lnTo>
-                  <a:pt x="1199895" y="45847"/>
-                </a:lnTo>
-                <a:lnTo>
-                  <a:pt x="1199895" y="65659"/>
-                </a:lnTo>
-                <a:lnTo>
-                  <a:pt x="1202595" y="65659"/>
-                </a:lnTo>
-                <a:lnTo>
-                  <a:pt x="1219581" y="55752"/>
-                </a:lnTo>
-                <a:lnTo>
-                  <a:pt x="1202595" y="45847"/>
+                  <a:pt x="97789" y="5011216"/>
+                </a:lnTo>
+                <a:lnTo>
+                  <a:pt x="94233" y="5017389"/>
+                </a:lnTo>
+                <a:lnTo>
+                  <a:pt x="73025" y="5053753"/>
+                </a:lnTo>
+                <a:lnTo>
+                  <a:pt x="73025" y="5101742"/>
+                </a:lnTo>
+                <a:lnTo>
+                  <a:pt x="75008" y="5101742"/>
+                </a:lnTo>
+                <a:lnTo>
+                  <a:pt x="116585" y="5030444"/>
+                </a:lnTo>
+                <a:lnTo>
+                  <a:pt x="120141" y="5024272"/>
+                </a:lnTo>
+                <a:lnTo>
+                  <a:pt x="118109" y="5016334"/>
+                </a:lnTo>
+                <a:lnTo>
+                  <a:pt x="105790" y="5009134"/>
                 </a:lnTo>
                 <a:close/>
               </a:path>
-              <a:path w="1219835" h="111760">
+              <a:path w="120650" h="5127625">
                 <a:moveTo>
-                  <a:pt x="1194943" y="47244"/>
+                  <a:pt x="60070" y="5075963"/>
                 </a:moveTo>
                 <a:lnTo>
-                  <a:pt x="1180356" y="55752"/>
-                </a:lnTo>
-                <a:lnTo>
-                  <a:pt x="1194943" y="64262"/>
-                </a:lnTo>
-                <a:lnTo>
-                  <a:pt x="1194943" y="47244"/>
+                  <a:pt x="48894" y="5095125"/>
+                </a:lnTo>
+                <a:lnTo>
+                  <a:pt x="71246" y="5095125"/>
+                </a:lnTo>
+                <a:lnTo>
+                  <a:pt x="60070" y="5075963"/>
                 </a:lnTo>
                 <a:close/>
               </a:path>
-              <a:path w="1219835" h="111760">
+              <a:path w="120650" h="5127625">
                 <a:moveTo>
-                  <a:pt x="1199895" y="47244"/>
+                  <a:pt x="73025" y="5053753"/>
                 </a:moveTo>
                 <a:lnTo>
-                  <a:pt x="1194943" y="47244"/>
-                </a:lnTo>
-                <a:lnTo>
-                  <a:pt x="1194943" y="64262"/>
-                </a:lnTo>
-                <a:lnTo>
-                  <a:pt x="1199895" y="64262"/>
-                </a:lnTo>
-                <a:lnTo>
-                  <a:pt x="1199895" y="47244"/>
+                  <a:pt x="60070" y="5075963"/>
+                </a:lnTo>
+                <a:lnTo>
+                  <a:pt x="71246" y="5095125"/>
+                </a:lnTo>
+                <a:lnTo>
+                  <a:pt x="73025" y="5095125"/>
+                </a:lnTo>
+                <a:lnTo>
+                  <a:pt x="73025" y="5053753"/>
                 </a:lnTo>
                 <a:close/>
               </a:path>
-              <a:path w="1219835" h="111760">
+              <a:path w="120650" h="5127625">
                 <a:moveTo>
-                  <a:pt x="1123949" y="0"/>
+                  <a:pt x="60070" y="51289"/>
                 </a:moveTo>
                 <a:lnTo>
-                  <a:pt x="1117981" y="1524"/>
-                </a:lnTo>
-                <a:lnTo>
-                  <a:pt x="1115186" y="6350"/>
-                </a:lnTo>
-                <a:lnTo>
-                  <a:pt x="1112393" y="11049"/>
-                </a:lnTo>
-                <a:lnTo>
-                  <a:pt x="1114044" y="17145"/>
-                </a:lnTo>
-                <a:lnTo>
-                  <a:pt x="1118743" y="19812"/>
-                </a:lnTo>
-                <a:lnTo>
-                  <a:pt x="1180356" y="55752"/>
-                </a:lnTo>
-                <a:lnTo>
-                  <a:pt x="1194943" y="47244"/>
-                </a:lnTo>
-                <a:lnTo>
-                  <a:pt x="1199895" y="47244"/>
-                </a:lnTo>
-                <a:lnTo>
-                  <a:pt x="1199895" y="45847"/>
-                </a:lnTo>
-                <a:lnTo>
-                  <a:pt x="1202595" y="45847"/>
-                </a:lnTo>
-                <a:lnTo>
-                  <a:pt x="1123949" y="0"/>
+                  <a:pt x="47116" y="73496"/>
+                </a:lnTo>
+                <a:lnTo>
+                  <a:pt x="47116" y="5053753"/>
+                </a:lnTo>
+                <a:lnTo>
+                  <a:pt x="60070" y="5075963"/>
+                </a:lnTo>
+                <a:lnTo>
+                  <a:pt x="73025" y="5053753"/>
+                </a:lnTo>
+                <a:lnTo>
+                  <a:pt x="73025" y="73496"/>
+                </a:lnTo>
+                <a:lnTo>
+                  <a:pt x="60070" y="51289"/>
+                </a:lnTo>
+                <a:close/>
+              </a:path>
+              <a:path w="120650" h="5127625">
+                <a:moveTo>
+                  <a:pt x="60070" y="0"/>
+                </a:moveTo>
+                <a:lnTo>
+                  <a:pt x="0" y="102997"/>
+                </a:lnTo>
+                <a:lnTo>
+                  <a:pt x="2031" y="110998"/>
+                </a:lnTo>
+                <a:lnTo>
+                  <a:pt x="8254" y="114554"/>
+                </a:lnTo>
+                <a:lnTo>
+                  <a:pt x="14350" y="118110"/>
+                </a:lnTo>
+                <a:lnTo>
+                  <a:pt x="22351" y="116077"/>
+                </a:lnTo>
+                <a:lnTo>
+                  <a:pt x="25907" y="109855"/>
+                </a:lnTo>
+                <a:lnTo>
+                  <a:pt x="47116" y="73496"/>
+                </a:lnTo>
+                <a:lnTo>
+                  <a:pt x="47116" y="25654"/>
+                </a:lnTo>
+                <a:lnTo>
+                  <a:pt x="75033" y="25654"/>
+                </a:lnTo>
+                <a:lnTo>
+                  <a:pt x="60070" y="0"/>
+                </a:lnTo>
+                <a:close/>
+              </a:path>
+              <a:path w="120650" h="5127625">
+                <a:moveTo>
+                  <a:pt x="75033" y="25654"/>
+                </a:moveTo>
+                <a:lnTo>
+                  <a:pt x="73025" y="25654"/>
+                </a:lnTo>
+                <a:lnTo>
+                  <a:pt x="73025" y="73496"/>
+                </a:lnTo>
+                <a:lnTo>
+                  <a:pt x="94233" y="109855"/>
+                </a:lnTo>
+                <a:lnTo>
+                  <a:pt x="97789" y="116077"/>
+                </a:lnTo>
+                <a:lnTo>
+                  <a:pt x="105790" y="118110"/>
+                </a:lnTo>
+                <a:lnTo>
+                  <a:pt x="111887" y="114554"/>
+                </a:lnTo>
+                <a:lnTo>
+                  <a:pt x="118109" y="110998"/>
+                </a:lnTo>
+                <a:lnTo>
+                  <a:pt x="120141" y="102997"/>
+                </a:lnTo>
+                <a:lnTo>
+                  <a:pt x="75033" y="25654"/>
+                </a:lnTo>
+                <a:close/>
+              </a:path>
+              <a:path w="120650" h="5127625">
+                <a:moveTo>
+                  <a:pt x="73025" y="25654"/>
+                </a:moveTo>
+                <a:lnTo>
+                  <a:pt x="47116" y="25654"/>
+                </a:lnTo>
+                <a:lnTo>
+                  <a:pt x="47116" y="73496"/>
+                </a:lnTo>
+                <a:lnTo>
+                  <a:pt x="60070" y="51289"/>
+                </a:lnTo>
+                <a:lnTo>
+                  <a:pt x="48894" y="32131"/>
+                </a:lnTo>
+                <a:lnTo>
+                  <a:pt x="73025" y="32131"/>
+                </a:lnTo>
+                <a:lnTo>
+                  <a:pt x="73025" y="25654"/>
+                </a:lnTo>
+                <a:close/>
+              </a:path>
+              <a:path w="120650" h="5127625">
+                <a:moveTo>
+                  <a:pt x="73025" y="32131"/>
+                </a:moveTo>
+                <a:lnTo>
+                  <a:pt x="71246" y="32131"/>
+                </a:lnTo>
+                <a:lnTo>
+                  <a:pt x="60070" y="51289"/>
+                </a:lnTo>
+                <a:lnTo>
+                  <a:pt x="73025" y="73496"/>
+                </a:lnTo>
+                <a:lnTo>
+                  <a:pt x="73025" y="32131"/>
+                </a:lnTo>
+                <a:close/>
+              </a:path>
+              <a:path w="120650" h="5127625">
+                <a:moveTo>
+                  <a:pt x="71246" y="32131"/>
+                </a:moveTo>
+                <a:lnTo>
+                  <a:pt x="48894" y="32131"/>
+                </a:lnTo>
+                <a:lnTo>
+                  <a:pt x="60070" y="51289"/>
+                </a:lnTo>
+                <a:lnTo>
+                  <a:pt x="71246" y="32131"/>
                 </a:lnTo>
                 <a:close/>
               </a:path>
             </a:pathLst>
           </a:custGeom>
           <a:solidFill>
-            <a:srgbClr val="444748"/>
+            <a:srgbClr val="129CEB"/>
           </a:solidFill>
         </p:spPr>
         <p:txBody>
@@ -9498,14 +8579,14 @@
       </p:sp>
       <p:sp>
         <p:nvSpPr>
-          <p:cNvPr id="13" name="object 13"/>
+          <p:cNvPr id="6" name="object 6"/>
           <p:cNvSpPr/>
           <p:nvPr/>
         </p:nvSpPr>
         <p:spPr>
           <a:xfrm>
-            <a:off x="5223509" y="3386201"/>
-            <a:ext cx="1219835" cy="111760"/>
+            <a:off x="3276600" y="2585212"/>
+            <a:ext cx="2998470" cy="1596389"/>
           </a:xfrm>
           <a:custGeom>
             <a:avLst/>
@@ -9514,176 +8595,353 @@
             <a:cxnLst/>
             <a:rect l="l" t="t" r="r" b="b"/>
             <a:pathLst>
-              <a:path w="1219835" h="111760">
+              <a:path w="5097780" h="3435350">
                 <a:moveTo>
-                  <a:pt x="1180356" y="55752"/>
+                  <a:pt x="0" y="3435096"/>
                 </a:moveTo>
                 <a:lnTo>
-                  <a:pt x="1118742" y="91694"/>
-                </a:lnTo>
-                <a:lnTo>
-                  <a:pt x="1114043" y="94361"/>
-                </a:lnTo>
-                <a:lnTo>
-                  <a:pt x="1112392" y="100457"/>
-                </a:lnTo>
-                <a:lnTo>
-                  <a:pt x="1115187" y="105156"/>
-                </a:lnTo>
-                <a:lnTo>
-                  <a:pt x="1117980" y="109982"/>
-                </a:lnTo>
-                <a:lnTo>
-                  <a:pt x="1123950" y="111506"/>
-                </a:lnTo>
-                <a:lnTo>
-                  <a:pt x="1202595" y="65659"/>
-                </a:lnTo>
-                <a:lnTo>
-                  <a:pt x="1199895" y="65659"/>
-                </a:lnTo>
-                <a:lnTo>
-                  <a:pt x="1199895" y="64262"/>
-                </a:lnTo>
-                <a:lnTo>
-                  <a:pt x="1194942" y="64262"/>
-                </a:lnTo>
-                <a:lnTo>
-                  <a:pt x="1180356" y="55752"/>
-                </a:lnTo>
-                <a:close/>
-              </a:path>
-              <a:path w="1219835" h="111760">
-                <a:moveTo>
-                  <a:pt x="1163374" y="45847"/>
-                </a:moveTo>
-                <a:lnTo>
-                  <a:pt x="0" y="45847"/>
-                </a:lnTo>
-                <a:lnTo>
-                  <a:pt x="0" y="65659"/>
-                </a:lnTo>
-                <a:lnTo>
-                  <a:pt x="1163374" y="65659"/>
-                </a:lnTo>
-                <a:lnTo>
-                  <a:pt x="1180356" y="55752"/>
-                </a:lnTo>
-                <a:lnTo>
-                  <a:pt x="1163374" y="45847"/>
-                </a:lnTo>
-                <a:close/>
-              </a:path>
-              <a:path w="1219835" h="111760">
-                <a:moveTo>
-                  <a:pt x="1202595" y="45847"/>
-                </a:moveTo>
-                <a:lnTo>
-                  <a:pt x="1199895" y="45847"/>
-                </a:lnTo>
-                <a:lnTo>
-                  <a:pt x="1199895" y="65659"/>
-                </a:lnTo>
-                <a:lnTo>
-                  <a:pt x="1202595" y="65659"/>
-                </a:lnTo>
-                <a:lnTo>
-                  <a:pt x="1219580" y="55752"/>
-                </a:lnTo>
-                <a:lnTo>
-                  <a:pt x="1202595" y="45847"/>
-                </a:lnTo>
-                <a:close/>
-              </a:path>
-              <a:path w="1219835" h="111760">
-                <a:moveTo>
-                  <a:pt x="1194942" y="47244"/>
-                </a:moveTo>
-                <a:lnTo>
-                  <a:pt x="1180356" y="55752"/>
-                </a:lnTo>
-                <a:lnTo>
-                  <a:pt x="1194942" y="64262"/>
-                </a:lnTo>
-                <a:lnTo>
-                  <a:pt x="1194942" y="47244"/>
-                </a:lnTo>
-                <a:close/>
-              </a:path>
-              <a:path w="1219835" h="111760">
-                <a:moveTo>
-                  <a:pt x="1199895" y="47244"/>
-                </a:moveTo>
-                <a:lnTo>
-                  <a:pt x="1194942" y="47244"/>
-                </a:lnTo>
-                <a:lnTo>
-                  <a:pt x="1194942" y="64262"/>
-                </a:lnTo>
-                <a:lnTo>
-                  <a:pt x="1199895" y="64262"/>
-                </a:lnTo>
-                <a:lnTo>
-                  <a:pt x="1199895" y="47244"/>
-                </a:lnTo>
-                <a:close/>
-              </a:path>
-              <a:path w="1219835" h="111760">
-                <a:moveTo>
-                  <a:pt x="1123950" y="0"/>
-                </a:moveTo>
-                <a:lnTo>
-                  <a:pt x="1117980" y="1524"/>
-                </a:lnTo>
-                <a:lnTo>
-                  <a:pt x="1115187" y="6350"/>
-                </a:lnTo>
-                <a:lnTo>
-                  <a:pt x="1112392" y="11049"/>
-                </a:lnTo>
-                <a:lnTo>
-                  <a:pt x="1114043" y="17145"/>
-                </a:lnTo>
-                <a:lnTo>
-                  <a:pt x="1118742" y="19812"/>
-                </a:lnTo>
-                <a:lnTo>
-                  <a:pt x="1180356" y="55752"/>
-                </a:lnTo>
-                <a:lnTo>
-                  <a:pt x="1194942" y="47244"/>
-                </a:lnTo>
-                <a:lnTo>
-                  <a:pt x="1199895" y="47244"/>
-                </a:lnTo>
-                <a:lnTo>
-                  <a:pt x="1199895" y="45847"/>
-                </a:lnTo>
-                <a:lnTo>
-                  <a:pt x="1202595" y="45847"/>
-                </a:lnTo>
-                <a:lnTo>
-                  <a:pt x="1123950" y="0"/>
+                  <a:pt x="5097780" y="3435096"/>
+                </a:lnTo>
+                <a:lnTo>
+                  <a:pt x="5097780" y="0"/>
+                </a:lnTo>
+                <a:lnTo>
+                  <a:pt x="0" y="0"/>
+                </a:lnTo>
+                <a:lnTo>
+                  <a:pt x="0" y="3435096"/>
                 </a:lnTo>
                 <a:close/>
               </a:path>
             </a:pathLst>
           </a:custGeom>
-          <a:solidFill>
-            <a:srgbClr val="444748"/>
-          </a:solidFill>
         </p:spPr>
+        <p:style>
+          <a:lnRef idx="2">
+            <a:schemeClr val="accent4"/>
+          </a:lnRef>
+          <a:fillRef idx="1">
+            <a:schemeClr val="lt1"/>
+          </a:fillRef>
+          <a:effectRef idx="0">
+            <a:schemeClr val="accent4"/>
+          </a:effectRef>
+          <a:fontRef idx="minor">
+            <a:schemeClr val="dk1"/>
+          </a:fontRef>
+        </p:style>
         <p:txBody>
           <a:bodyPr wrap="square" lIns="0" tIns="0" rIns="0" bIns="0" rtlCol="0"/>
           <a:lstStyle/>
           <a:p>
-            <a:endParaRPr/>
-          </a:p>
-        </p:txBody>
-      </p:sp>
-      <p:sp>
-        <p:nvSpPr>
-          <p:cNvPr id="14" name="object 14"/>
+            <a:r>
+              <a:rPr lang="en-US" sz="2800" dirty="0" smtClean="0">
+                <a:solidFill>
+                  <a:schemeClr val="tx2"/>
+                </a:solidFill>
+              </a:rPr>
+              <a:t>      </a:t>
+            </a:r>
+            <a:r>
+              <a:rPr lang="en-US" sz="2800" dirty="0" err="1" smtClean="0">
+                <a:solidFill>
+                  <a:schemeClr val="tx2"/>
+                </a:solidFill>
+              </a:rPr>
+              <a:t>Urbanclap</a:t>
+            </a:r>
+            <a:endParaRPr lang="en-US" sz="2800" dirty="0" smtClean="0">
+              <a:solidFill>
+                <a:schemeClr val="tx2"/>
+              </a:solidFill>
+            </a:endParaRPr>
+          </a:p>
+          <a:p>
+            <a:r>
+              <a:rPr lang="en-US" sz="2800" dirty="0" smtClean="0">
+                <a:solidFill>
+                  <a:schemeClr val="tx2"/>
+                </a:solidFill>
+              </a:rPr>
+              <a:t>      </a:t>
+            </a:r>
+            <a:r>
+              <a:rPr lang="en-US" sz="2800" dirty="0" err="1" smtClean="0">
+                <a:solidFill>
+                  <a:schemeClr val="tx2"/>
+                </a:solidFill>
+              </a:rPr>
+              <a:t>Ramukaka</a:t>
+            </a:r>
+            <a:r>
+              <a:rPr lang="en-US" sz="2800" dirty="0" smtClean="0">
+                <a:solidFill>
+                  <a:schemeClr val="tx2"/>
+                </a:solidFill>
+              </a:rPr>
+              <a:t> </a:t>
+            </a:r>
+          </a:p>
+          <a:p>
+            <a:r>
+              <a:rPr lang="en-US" sz="2800" dirty="0" smtClean="0">
+                <a:solidFill>
+                  <a:schemeClr val="tx2"/>
+                </a:solidFill>
+              </a:rPr>
+              <a:t>      Other sites</a:t>
+            </a:r>
+          </a:p>
+          <a:p>
+            <a:endParaRPr dirty="0"/>
+          </a:p>
+        </p:txBody>
+      </p:sp>
+      <p:sp>
+        <p:nvSpPr>
+          <p:cNvPr id="7" name="object 7"/>
+          <p:cNvSpPr txBox="1"/>
+          <p:nvPr/>
+        </p:nvSpPr>
+        <p:spPr>
+          <a:xfrm>
+            <a:off x="4020058" y="585342"/>
+            <a:ext cx="1105535" cy="266700"/>
+          </a:xfrm>
+          <a:prstGeom prst="rect">
+            <a:avLst/>
+          </a:prstGeom>
+        </p:spPr>
+        <p:txBody>
+          <a:bodyPr vert="horz" wrap="square" lIns="0" tIns="0" rIns="0" bIns="0" rtlCol="0">
+            <a:spAutoFit/>
+          </a:bodyPr>
+          <a:lstStyle/>
+          <a:p>
+            <a:pPr marL="12700">
+              <a:lnSpc>
+                <a:spcPct val="100000"/>
+              </a:lnSpc>
+            </a:pPr>
+            <a:r>
+              <a:rPr sz="1600" spc="-10" dirty="0">
+                <a:solidFill>
+                  <a:srgbClr val="129CEB"/>
+                </a:solidFill>
+                <a:latin typeface="Calibri"/>
+                <a:cs typeface="Calibri"/>
+              </a:rPr>
+              <a:t>AFFORDABLE</a:t>
+            </a:r>
+            <a:endParaRPr sz="1600">
+              <a:latin typeface="Calibri"/>
+              <a:cs typeface="Calibri"/>
+            </a:endParaRPr>
+          </a:p>
+        </p:txBody>
+      </p:sp>
+      <p:sp>
+        <p:nvSpPr>
+          <p:cNvPr id="8" name="object 8"/>
+          <p:cNvSpPr txBox="1"/>
+          <p:nvPr/>
+        </p:nvSpPr>
+        <p:spPr>
+          <a:xfrm>
+            <a:off x="4106417" y="6183274"/>
+            <a:ext cx="922655" cy="266700"/>
+          </a:xfrm>
+          <a:prstGeom prst="rect">
+            <a:avLst/>
+          </a:prstGeom>
+        </p:spPr>
+        <p:txBody>
+          <a:bodyPr vert="horz" wrap="square" lIns="0" tIns="0" rIns="0" bIns="0" rtlCol="0">
+            <a:spAutoFit/>
+          </a:bodyPr>
+          <a:lstStyle/>
+          <a:p>
+            <a:pPr marL="12700">
+              <a:lnSpc>
+                <a:spcPct val="100000"/>
+              </a:lnSpc>
+            </a:pPr>
+            <a:r>
+              <a:rPr sz="1600" spc="-10" dirty="0">
+                <a:solidFill>
+                  <a:srgbClr val="129CEB"/>
+                </a:solidFill>
+                <a:latin typeface="Calibri"/>
+                <a:cs typeface="Calibri"/>
+              </a:rPr>
+              <a:t>EXP</a:t>
+            </a:r>
+            <a:r>
+              <a:rPr sz="1600" spc="-5" dirty="0">
+                <a:solidFill>
+                  <a:srgbClr val="129CEB"/>
+                </a:solidFill>
+                <a:latin typeface="Calibri"/>
+                <a:cs typeface="Calibri"/>
+              </a:rPr>
+              <a:t>ENSI</a:t>
+            </a:r>
+            <a:r>
+              <a:rPr sz="1600" spc="-15" dirty="0">
+                <a:solidFill>
+                  <a:srgbClr val="129CEB"/>
+                </a:solidFill>
+                <a:latin typeface="Calibri"/>
+                <a:cs typeface="Calibri"/>
+              </a:rPr>
+              <a:t>V</a:t>
+            </a:r>
+            <a:r>
+              <a:rPr sz="1600" spc="-5" dirty="0">
+                <a:solidFill>
+                  <a:srgbClr val="129CEB"/>
+                </a:solidFill>
+                <a:latin typeface="Calibri"/>
+                <a:cs typeface="Calibri"/>
+              </a:rPr>
+              <a:t>E</a:t>
+            </a:r>
+            <a:endParaRPr sz="1600">
+              <a:latin typeface="Calibri"/>
+              <a:cs typeface="Calibri"/>
+            </a:endParaRPr>
+          </a:p>
+        </p:txBody>
+      </p:sp>
+      <p:sp>
+        <p:nvSpPr>
+          <p:cNvPr id="9" name="object 9"/>
+          <p:cNvSpPr txBox="1"/>
+          <p:nvPr/>
+        </p:nvSpPr>
+        <p:spPr>
+          <a:xfrm>
+            <a:off x="6994017" y="3060953"/>
+            <a:ext cx="1896110" cy="266700"/>
+          </a:xfrm>
+          <a:prstGeom prst="rect">
+            <a:avLst/>
+          </a:prstGeom>
+        </p:spPr>
+        <p:txBody>
+          <a:bodyPr vert="horz" wrap="square" lIns="0" tIns="0" rIns="0" bIns="0" rtlCol="0">
+            <a:spAutoFit/>
+          </a:bodyPr>
+          <a:lstStyle/>
+          <a:p>
+            <a:pPr marL="12700">
+              <a:lnSpc>
+                <a:spcPct val="100000"/>
+              </a:lnSpc>
+            </a:pPr>
+            <a:r>
+              <a:rPr sz="1600" spc="-5" dirty="0">
+                <a:solidFill>
+                  <a:srgbClr val="129CEB"/>
+                </a:solidFill>
+                <a:latin typeface="Calibri"/>
+                <a:cs typeface="Calibri"/>
+              </a:rPr>
+              <a:t>ONLINE</a:t>
+            </a:r>
+            <a:r>
+              <a:rPr sz="1600" spc="-35" dirty="0">
+                <a:solidFill>
+                  <a:srgbClr val="129CEB"/>
+                </a:solidFill>
+                <a:latin typeface="Calibri"/>
+                <a:cs typeface="Calibri"/>
+              </a:rPr>
+              <a:t> </a:t>
+            </a:r>
+            <a:r>
+              <a:rPr sz="1600" spc="-10" dirty="0">
+                <a:solidFill>
+                  <a:srgbClr val="129CEB"/>
+                </a:solidFill>
+                <a:latin typeface="Calibri"/>
+                <a:cs typeface="Calibri"/>
+              </a:rPr>
+              <a:t>TRANSACTION</a:t>
+            </a:r>
+            <a:endParaRPr sz="1600" dirty="0">
+              <a:latin typeface="Calibri"/>
+              <a:cs typeface="Calibri"/>
+            </a:endParaRPr>
+          </a:p>
+        </p:txBody>
+      </p:sp>
+      <p:sp>
+        <p:nvSpPr>
+          <p:cNvPr id="10" name="object 10"/>
+          <p:cNvSpPr txBox="1"/>
+          <p:nvPr/>
+        </p:nvSpPr>
+        <p:spPr>
+          <a:xfrm>
+            <a:off x="175056" y="3060953"/>
+            <a:ext cx="1950720" cy="266700"/>
+          </a:xfrm>
+          <a:prstGeom prst="rect">
+            <a:avLst/>
+          </a:prstGeom>
+        </p:spPr>
+        <p:txBody>
+          <a:bodyPr vert="horz" wrap="square" lIns="0" tIns="0" rIns="0" bIns="0" rtlCol="0">
+            <a:spAutoFit/>
+          </a:bodyPr>
+          <a:lstStyle/>
+          <a:p>
+            <a:pPr marL="12700">
+              <a:lnSpc>
+                <a:spcPct val="100000"/>
+              </a:lnSpc>
+            </a:pPr>
+            <a:r>
+              <a:rPr sz="1600" spc="-5" dirty="0">
+                <a:solidFill>
+                  <a:srgbClr val="129CEB"/>
+                </a:solidFill>
+                <a:latin typeface="Calibri"/>
+                <a:cs typeface="Calibri"/>
+              </a:rPr>
+              <a:t>OFFLINE</a:t>
+            </a:r>
+            <a:r>
+              <a:rPr sz="1600" spc="-40" dirty="0">
+                <a:solidFill>
+                  <a:srgbClr val="129CEB"/>
+                </a:solidFill>
+                <a:latin typeface="Calibri"/>
+                <a:cs typeface="Calibri"/>
+              </a:rPr>
+              <a:t> </a:t>
+            </a:r>
+            <a:r>
+              <a:rPr sz="1600" spc="-10" dirty="0">
+                <a:solidFill>
+                  <a:srgbClr val="129CEB"/>
+                </a:solidFill>
+                <a:latin typeface="Calibri"/>
+                <a:cs typeface="Calibri"/>
+              </a:rPr>
+              <a:t>TRANSACTION</a:t>
+            </a:r>
+            <a:endParaRPr sz="1600" dirty="0">
+              <a:latin typeface="Calibri"/>
+              <a:cs typeface="Calibri"/>
+            </a:endParaRPr>
+          </a:p>
+        </p:txBody>
+      </p:sp>
+      <p:sp>
+        <p:nvSpPr>
+          <p:cNvPr id="19" name="object 19"/>
           <p:cNvSpPr txBox="1">
             <a:spLocks noGrp="1"/>
           </p:cNvSpPr>
@@ -9760,6 +9018,58 @@
       </p:grpSpPr>
       <p:sp>
         <p:nvSpPr>
+          <p:cNvPr id="16" name="object 16"/>
+          <p:cNvSpPr txBox="1">
+            <a:spLocks noGrp="1"/>
+          </p:cNvSpPr>
+          <p:nvPr>
+            <p:ph type="ftr" sz="quarter" idx="5"/>
+          </p:nvPr>
+        </p:nvSpPr>
+        <p:spPr>
+          <a:prstGeom prst="rect">
+            <a:avLst/>
+          </a:prstGeom>
+        </p:spPr>
+        <p:txBody>
+          <a:bodyPr vert="horz" wrap="square" lIns="0" tIns="0" rIns="0" bIns="0" rtlCol="0">
+            <a:spAutoFit/>
+          </a:bodyPr>
+          <a:lstStyle/>
+          <a:p>
+            <a:pPr marL="12700">
+              <a:lnSpc>
+                <a:spcPts val="1150"/>
+              </a:lnSpc>
+            </a:pPr>
+            <a:r>
+              <a:rPr dirty="0"/>
+              <a:t>Template </a:t>
+            </a:r>
+            <a:r>
+              <a:rPr spc="-5" dirty="0"/>
+              <a:t>by</a:t>
+            </a:r>
+            <a:r>
+              <a:rPr spc="-50" dirty="0"/>
+              <a:t> </a:t>
+            </a:r>
+            <a:r>
+              <a:rPr b="1" spc="-5" dirty="0">
+                <a:latin typeface="Calibri"/>
+                <a:cs typeface="Calibri"/>
+              </a:rPr>
+              <a:t>PitchDeckCoach</a:t>
+            </a:r>
+            <a:r>
+              <a:rPr spc="-5" dirty="0"/>
+              <a:t>.com</a:t>
+            </a:r>
+          </a:p>
+        </p:txBody>
+      </p:sp>
+      <p:sp>
+        <p:nvSpPr>
           <p:cNvPr id="2" name="object 2"/>
           <p:cNvSpPr txBox="1">
             <a:spLocks noGrp="1"/>
@@ -9785,16 +9095,16 @@
               </a:lnSpc>
             </a:pPr>
             <a:r>
-              <a:rPr spc="-40" dirty="0"/>
-              <a:t>Market</a:t>
-            </a:r>
-            <a:r>
-              <a:rPr spc="-110" dirty="0"/>
+              <a:rPr spc="-5" dirty="0"/>
+              <a:t>Competitive</a:t>
+            </a:r>
+            <a:r>
+              <a:rPr spc="-140" dirty="0"/>
               <a:t> </a:t>
             </a:r>
             <a:r>
-              <a:rPr dirty="0"/>
-              <a:t>Adoption</a:t>
+              <a:rPr spc="-25" dirty="0"/>
+              <a:t>Advantages</a:t>
             </a:r>
           </a:p>
         </p:txBody>
@@ -9807,8 +9117,8 @@
         </p:nvSpPr>
         <p:spPr>
           <a:xfrm>
-            <a:off x="8663431" y="165227"/>
-            <a:ext cx="297815" cy="553720"/>
+            <a:off x="8392159" y="165227"/>
+            <a:ext cx="568325" cy="553720"/>
           </a:xfrm>
           <a:prstGeom prst="rect">
             <a:avLst/>
@@ -9826,14 +9136,14 @@
               </a:lnSpc>
             </a:pPr>
             <a:r>
-              <a:rPr sz="3600" dirty="0">
+              <a:rPr sz="3600" spc="-5" dirty="0">
                 <a:solidFill>
                   <a:srgbClr val="129CEB"/>
                 </a:solidFill>
                 <a:latin typeface="Arial Rounded MT Bold"/>
                 <a:cs typeface="Arial Rounded MT Bold"/>
               </a:rPr>
-              <a:t>8</a:t>
+              <a:t>10</a:t>
             </a:r>
             <a:endParaRPr sz="3600">
               <a:latin typeface="Arial Rounded MT Bold"/>
@@ -9850,708 +9160,64 @@
         </p:nvSpPr>
         <p:spPr>
           <a:xfrm>
-            <a:off x="579526" y="1236726"/>
-            <a:ext cx="2070735" cy="650240"/>
-          </a:xfrm>
-          <a:prstGeom prst="rect">
-            <a:avLst/>
-          </a:prstGeom>
-        </p:spPr>
-        <p:txBody>
-          <a:bodyPr vert="horz" wrap="square" lIns="0" tIns="0" rIns="0" bIns="0" rtlCol="0">
-            <a:spAutoFit/>
-          </a:bodyPr>
-          <a:lstStyle/>
-          <a:p>
-            <a:pPr algn="ctr">
-              <a:lnSpc>
-                <a:spcPct val="100000"/>
-              </a:lnSpc>
-            </a:pPr>
-            <a:r>
-              <a:rPr sz="2000" b="1" spc="-5" dirty="0">
-                <a:solidFill>
-                  <a:srgbClr val="444748"/>
-                </a:solidFill>
-                <a:latin typeface="Calibri"/>
-                <a:cs typeface="Calibri"/>
-              </a:rPr>
-              <a:t>EVENTS</a:t>
-            </a:r>
-            <a:endParaRPr sz="2000">
-              <a:latin typeface="Calibri"/>
-              <a:cs typeface="Calibri"/>
-            </a:endParaRPr>
-          </a:p>
-          <a:p>
-            <a:pPr algn="ctr">
-              <a:lnSpc>
-                <a:spcPct val="100000"/>
-              </a:lnSpc>
-              <a:spcBef>
-                <a:spcPts val="365"/>
-              </a:spcBef>
-            </a:pPr>
-            <a:r>
-              <a:rPr sz="1800" spc="-15" dirty="0">
-                <a:solidFill>
-                  <a:srgbClr val="7E7E7E"/>
-                </a:solidFill>
-                <a:latin typeface="Calibri"/>
-                <a:cs typeface="Calibri"/>
-              </a:rPr>
-              <a:t>target </a:t>
-            </a:r>
-            <a:r>
-              <a:rPr sz="1800" spc="-10" dirty="0">
-                <a:solidFill>
-                  <a:srgbClr val="7E7E7E"/>
-                </a:solidFill>
-                <a:latin typeface="Calibri"/>
-                <a:cs typeface="Calibri"/>
-              </a:rPr>
-              <a:t>events</a:t>
-            </a:r>
-            <a:r>
-              <a:rPr sz="1800" spc="-40" dirty="0">
-                <a:solidFill>
-                  <a:srgbClr val="7E7E7E"/>
-                </a:solidFill>
-                <a:latin typeface="Calibri"/>
-                <a:cs typeface="Calibri"/>
-              </a:rPr>
-              <a:t> </a:t>
-            </a:r>
-            <a:r>
-              <a:rPr sz="1800" spc="-5" dirty="0">
-                <a:solidFill>
-                  <a:srgbClr val="7E7E7E"/>
-                </a:solidFill>
-                <a:latin typeface="Calibri"/>
-                <a:cs typeface="Calibri"/>
-              </a:rPr>
-              <a:t>monthly</a:t>
-            </a:r>
-            <a:endParaRPr sz="1800">
-              <a:latin typeface="Calibri"/>
-              <a:cs typeface="Calibri"/>
-            </a:endParaRPr>
-          </a:p>
-        </p:txBody>
-      </p:sp>
-      <p:sp>
-        <p:nvSpPr>
-          <p:cNvPr id="5" name="object 5"/>
-          <p:cNvSpPr txBox="1"/>
-          <p:nvPr/>
-        </p:nvSpPr>
-        <p:spPr>
-          <a:xfrm>
-            <a:off x="3449828" y="1236726"/>
-            <a:ext cx="2252345" cy="604520"/>
-          </a:xfrm>
-          <a:prstGeom prst="rect">
-            <a:avLst/>
-          </a:prstGeom>
-        </p:spPr>
-        <p:txBody>
-          <a:bodyPr vert="horz" wrap="square" lIns="0" tIns="0" rIns="0" bIns="0" rtlCol="0">
-            <a:spAutoFit/>
-          </a:bodyPr>
-          <a:lstStyle/>
-          <a:p>
-            <a:pPr algn="ctr">
-              <a:lnSpc>
-                <a:spcPct val="100000"/>
-              </a:lnSpc>
-            </a:pPr>
-            <a:r>
-              <a:rPr sz="2000" b="1" spc="-15" dirty="0">
-                <a:solidFill>
-                  <a:srgbClr val="444748"/>
-                </a:solidFill>
-                <a:latin typeface="Calibri"/>
-                <a:cs typeface="Calibri"/>
-              </a:rPr>
-              <a:t>PARTNERSHIPS</a:t>
-            </a:r>
-            <a:endParaRPr sz="2000">
-              <a:latin typeface="Calibri"/>
-              <a:cs typeface="Calibri"/>
-            </a:endParaRPr>
-          </a:p>
-          <a:p>
-            <a:pPr algn="ctr">
-              <a:lnSpc>
-                <a:spcPct val="100000"/>
-              </a:lnSpc>
-              <a:spcBef>
-                <a:spcPts val="5"/>
-              </a:spcBef>
-            </a:pPr>
-            <a:r>
-              <a:rPr sz="1800" spc="-10" dirty="0">
-                <a:solidFill>
-                  <a:srgbClr val="7E7E7E"/>
-                </a:solidFill>
-                <a:latin typeface="Calibri"/>
-                <a:cs typeface="Calibri"/>
-              </a:rPr>
-              <a:t>cheap/alternative</a:t>
-            </a:r>
-            <a:r>
-              <a:rPr sz="1800" spc="-15" dirty="0">
-                <a:solidFill>
-                  <a:srgbClr val="7E7E7E"/>
-                </a:solidFill>
-                <a:latin typeface="Calibri"/>
-                <a:cs typeface="Calibri"/>
-              </a:rPr>
-              <a:t> travel</a:t>
-            </a:r>
-            <a:endParaRPr sz="1800">
-              <a:latin typeface="Calibri"/>
-              <a:cs typeface="Calibri"/>
-            </a:endParaRPr>
-          </a:p>
-        </p:txBody>
-      </p:sp>
-      <p:sp>
-        <p:nvSpPr>
-          <p:cNvPr id="6" name="object 6"/>
-          <p:cNvSpPr txBox="1"/>
-          <p:nvPr/>
-        </p:nvSpPr>
-        <p:spPr>
-          <a:xfrm>
-            <a:off x="6589903" y="1236726"/>
-            <a:ext cx="1891664" cy="604520"/>
-          </a:xfrm>
-          <a:prstGeom prst="rect">
-            <a:avLst/>
-          </a:prstGeom>
-        </p:spPr>
-        <p:txBody>
-          <a:bodyPr vert="horz" wrap="square" lIns="0" tIns="0" rIns="0" bIns="0" rtlCol="0">
-            <a:spAutoFit/>
-          </a:bodyPr>
-          <a:lstStyle/>
-          <a:p>
-            <a:pPr algn="ctr">
-              <a:lnSpc>
-                <a:spcPct val="100000"/>
-              </a:lnSpc>
-            </a:pPr>
-            <a:r>
-              <a:rPr sz="2000" b="1" spc="-5" dirty="0">
-                <a:solidFill>
-                  <a:srgbClr val="444748"/>
-                </a:solidFill>
-                <a:latin typeface="Calibri"/>
-                <a:cs typeface="Calibri"/>
-              </a:rPr>
-              <a:t>CRAIGSLIST</a:t>
-            </a:r>
-            <a:endParaRPr sz="2000">
-              <a:latin typeface="Calibri"/>
-              <a:cs typeface="Calibri"/>
-            </a:endParaRPr>
-          </a:p>
-          <a:p>
-            <a:pPr algn="ctr">
-              <a:lnSpc>
-                <a:spcPct val="100000"/>
-              </a:lnSpc>
-              <a:spcBef>
-                <a:spcPts val="5"/>
-              </a:spcBef>
-            </a:pPr>
-            <a:r>
-              <a:rPr sz="1800" spc="-5" dirty="0">
-                <a:solidFill>
-                  <a:srgbClr val="7E7E7E"/>
-                </a:solidFill>
-                <a:latin typeface="Calibri"/>
-                <a:cs typeface="Calibri"/>
-              </a:rPr>
-              <a:t>dual </a:t>
-            </a:r>
-            <a:r>
-              <a:rPr sz="1800" spc="-10" dirty="0">
-                <a:solidFill>
-                  <a:srgbClr val="7E7E7E"/>
-                </a:solidFill>
-                <a:latin typeface="Calibri"/>
-                <a:cs typeface="Calibri"/>
-              </a:rPr>
-              <a:t>posting</a:t>
-            </a:r>
-            <a:r>
-              <a:rPr sz="1800" spc="-20" dirty="0">
-                <a:solidFill>
-                  <a:srgbClr val="7E7E7E"/>
-                </a:solidFill>
-                <a:latin typeface="Calibri"/>
-                <a:cs typeface="Calibri"/>
-              </a:rPr>
-              <a:t> </a:t>
-            </a:r>
-            <a:r>
-              <a:rPr sz="1800" spc="-15" dirty="0">
-                <a:solidFill>
-                  <a:srgbClr val="7E7E7E"/>
-                </a:solidFill>
-                <a:latin typeface="Calibri"/>
-                <a:cs typeface="Calibri"/>
-              </a:rPr>
-              <a:t>feature</a:t>
-            </a:r>
-            <a:endParaRPr sz="1800">
-              <a:latin typeface="Calibri"/>
-              <a:cs typeface="Calibri"/>
-            </a:endParaRPr>
-          </a:p>
-        </p:txBody>
-      </p:sp>
-      <p:sp>
-        <p:nvSpPr>
-          <p:cNvPr id="7" name="object 7"/>
-          <p:cNvSpPr txBox="1"/>
-          <p:nvPr/>
-        </p:nvSpPr>
-        <p:spPr>
-          <a:xfrm>
-            <a:off x="535330" y="2340102"/>
-            <a:ext cx="2214245" cy="1550035"/>
-          </a:xfrm>
-          <a:prstGeom prst="rect">
-            <a:avLst/>
-          </a:prstGeom>
-        </p:spPr>
-        <p:txBody>
-          <a:bodyPr vert="horz" wrap="square" lIns="0" tIns="0" rIns="0" bIns="0" rtlCol="0">
-            <a:spAutoFit/>
-          </a:bodyPr>
-          <a:lstStyle/>
-          <a:p>
-            <a:pPr marL="12700" marR="411480">
-              <a:lnSpc>
-                <a:spcPct val="100000"/>
-              </a:lnSpc>
-            </a:pPr>
-            <a:r>
-              <a:rPr sz="2000" spc="-10" dirty="0">
-                <a:solidFill>
-                  <a:srgbClr val="7E7E7E"/>
-                </a:solidFill>
-                <a:latin typeface="Calibri"/>
-                <a:cs typeface="Calibri"/>
-              </a:rPr>
-              <a:t>Octoberfest</a:t>
-            </a:r>
-            <a:r>
-              <a:rPr sz="2000" spc="-80" dirty="0">
-                <a:solidFill>
-                  <a:srgbClr val="7E7E7E"/>
-                </a:solidFill>
-                <a:latin typeface="Calibri"/>
-                <a:cs typeface="Calibri"/>
-              </a:rPr>
-              <a:t> </a:t>
-            </a:r>
-            <a:r>
-              <a:rPr sz="2000" dirty="0">
-                <a:solidFill>
-                  <a:srgbClr val="7E7E7E"/>
-                </a:solidFill>
-                <a:latin typeface="Calibri"/>
-                <a:cs typeface="Calibri"/>
-              </a:rPr>
-              <a:t>(6M)  </a:t>
-            </a:r>
-            <a:r>
-              <a:rPr sz="2000" spc="-5" dirty="0">
-                <a:solidFill>
-                  <a:srgbClr val="7E7E7E"/>
-                </a:solidFill>
-                <a:latin typeface="Calibri"/>
-                <a:cs typeface="Calibri"/>
-              </a:rPr>
-              <a:t>Cebit</a:t>
-            </a:r>
-            <a:r>
-              <a:rPr sz="2000" spc="-80" dirty="0">
-                <a:solidFill>
-                  <a:srgbClr val="7E7E7E"/>
-                </a:solidFill>
-                <a:latin typeface="Calibri"/>
-                <a:cs typeface="Calibri"/>
-              </a:rPr>
-              <a:t> </a:t>
-            </a:r>
-            <a:r>
-              <a:rPr sz="2000" dirty="0">
-                <a:solidFill>
-                  <a:srgbClr val="7E7E7E"/>
-                </a:solidFill>
-                <a:latin typeface="Calibri"/>
-                <a:cs typeface="Calibri"/>
-              </a:rPr>
-              <a:t>(700,000)</a:t>
-            </a:r>
-            <a:endParaRPr sz="2000">
-              <a:latin typeface="Calibri"/>
-              <a:cs typeface="Calibri"/>
-            </a:endParaRPr>
-          </a:p>
-          <a:p>
-            <a:pPr marL="12700">
-              <a:lnSpc>
-                <a:spcPct val="100000"/>
-              </a:lnSpc>
-            </a:pPr>
-            <a:r>
-              <a:rPr sz="2000" spc="-10" dirty="0">
-                <a:solidFill>
-                  <a:srgbClr val="7E7E7E"/>
-                </a:solidFill>
-                <a:latin typeface="Calibri"/>
-                <a:cs typeface="Calibri"/>
-              </a:rPr>
-              <a:t>Summerfest</a:t>
-            </a:r>
-            <a:r>
-              <a:rPr sz="2000" spc="-60" dirty="0">
-                <a:solidFill>
-                  <a:srgbClr val="7E7E7E"/>
-                </a:solidFill>
-                <a:latin typeface="Calibri"/>
-                <a:cs typeface="Calibri"/>
-              </a:rPr>
-              <a:t> </a:t>
-            </a:r>
-            <a:r>
-              <a:rPr sz="2000" dirty="0">
-                <a:solidFill>
-                  <a:srgbClr val="7E7E7E"/>
-                </a:solidFill>
-                <a:latin typeface="Calibri"/>
-                <a:cs typeface="Calibri"/>
-              </a:rPr>
-              <a:t>(1M)</a:t>
-            </a:r>
-            <a:endParaRPr sz="2000">
-              <a:latin typeface="Calibri"/>
-              <a:cs typeface="Calibri"/>
-            </a:endParaRPr>
-          </a:p>
-          <a:p>
-            <a:pPr marL="12700">
-              <a:lnSpc>
-                <a:spcPct val="100000"/>
-              </a:lnSpc>
-            </a:pPr>
-            <a:r>
-              <a:rPr sz="2000" spc="-5" dirty="0">
-                <a:solidFill>
-                  <a:srgbClr val="7E7E7E"/>
-                </a:solidFill>
-                <a:latin typeface="Calibri"/>
-                <a:cs typeface="Calibri"/>
-              </a:rPr>
-              <a:t>Eurocup(3M+)</a:t>
-            </a:r>
-            <a:endParaRPr sz="2000">
-              <a:latin typeface="Calibri"/>
-              <a:cs typeface="Calibri"/>
-            </a:endParaRPr>
-          </a:p>
-          <a:p>
-            <a:pPr marL="12700">
-              <a:lnSpc>
-                <a:spcPct val="100000"/>
-              </a:lnSpc>
-            </a:pPr>
-            <a:r>
-              <a:rPr sz="2000" spc="-5" dirty="0">
-                <a:solidFill>
-                  <a:srgbClr val="7E7E7E"/>
-                </a:solidFill>
-                <a:latin typeface="Calibri"/>
-                <a:cs typeface="Calibri"/>
-              </a:rPr>
-              <a:t>Mardi </a:t>
-            </a:r>
-            <a:r>
-              <a:rPr sz="2000" spc="-10" dirty="0">
-                <a:solidFill>
-                  <a:srgbClr val="7E7E7E"/>
-                </a:solidFill>
-                <a:latin typeface="Calibri"/>
-                <a:cs typeface="Calibri"/>
-              </a:rPr>
-              <a:t>Gras</a:t>
-            </a:r>
-            <a:r>
-              <a:rPr sz="2000" spc="-50" dirty="0">
-                <a:solidFill>
-                  <a:srgbClr val="7E7E7E"/>
-                </a:solidFill>
-                <a:latin typeface="Calibri"/>
-                <a:cs typeface="Calibri"/>
-              </a:rPr>
-              <a:t> </a:t>
-            </a:r>
-            <a:r>
-              <a:rPr sz="2000" spc="-5" dirty="0">
-                <a:solidFill>
-                  <a:srgbClr val="7E7E7E"/>
-                </a:solidFill>
-                <a:latin typeface="Calibri"/>
-                <a:cs typeface="Calibri"/>
-              </a:rPr>
-              <a:t>(800,000)</a:t>
-            </a:r>
-            <a:endParaRPr sz="2000">
-              <a:latin typeface="Calibri"/>
-              <a:cs typeface="Calibri"/>
-            </a:endParaRPr>
-          </a:p>
-        </p:txBody>
-      </p:sp>
-      <p:sp>
-        <p:nvSpPr>
-          <p:cNvPr id="8" name="object 8"/>
-          <p:cNvSpPr txBox="1"/>
-          <p:nvPr/>
-        </p:nvSpPr>
-        <p:spPr>
-          <a:xfrm>
-            <a:off x="770331" y="4273042"/>
-            <a:ext cx="1722120" cy="298450"/>
-          </a:xfrm>
-          <a:prstGeom prst="rect">
-            <a:avLst/>
-          </a:prstGeom>
-        </p:spPr>
-        <p:txBody>
-          <a:bodyPr vert="horz" wrap="square" lIns="0" tIns="0" rIns="0" bIns="0" rtlCol="0">
-            <a:spAutoFit/>
-          </a:bodyPr>
-          <a:lstStyle/>
-          <a:p>
-            <a:pPr marL="12700">
-              <a:lnSpc>
-                <a:spcPct val="100000"/>
-              </a:lnSpc>
-            </a:pPr>
-            <a:r>
-              <a:rPr sz="1800" spc="-5" dirty="0">
-                <a:solidFill>
-                  <a:srgbClr val="7E7E7E"/>
-                </a:solidFill>
-                <a:latin typeface="Calibri"/>
-                <a:cs typeface="Calibri"/>
-              </a:rPr>
-              <a:t>with </a:t>
-            </a:r>
-            <a:r>
-              <a:rPr sz="1800" spc="-10" dirty="0">
-                <a:solidFill>
-                  <a:srgbClr val="7E7E7E"/>
-                </a:solidFill>
-                <a:latin typeface="Calibri"/>
-                <a:cs typeface="Calibri"/>
-              </a:rPr>
-              <a:t>listing</a:t>
-            </a:r>
-            <a:r>
-              <a:rPr sz="1800" spc="-15" dirty="0">
-                <a:solidFill>
-                  <a:srgbClr val="7E7E7E"/>
-                </a:solidFill>
-                <a:latin typeface="Calibri"/>
-                <a:cs typeface="Calibri"/>
-              </a:rPr>
-              <a:t> </a:t>
-            </a:r>
-            <a:r>
-              <a:rPr sz="1800" spc="-10" dirty="0">
-                <a:solidFill>
-                  <a:srgbClr val="7E7E7E"/>
-                </a:solidFill>
-                <a:latin typeface="Calibri"/>
-                <a:cs typeface="Calibri"/>
-              </a:rPr>
-              <a:t>widget</a:t>
-            </a:r>
-            <a:endParaRPr sz="1800">
-              <a:latin typeface="Calibri"/>
-              <a:cs typeface="Calibri"/>
-            </a:endParaRPr>
-          </a:p>
-        </p:txBody>
-      </p:sp>
-      <p:sp>
-        <p:nvSpPr>
-          <p:cNvPr id="9" name="object 9"/>
-          <p:cNvSpPr/>
-          <p:nvPr/>
-        </p:nvSpPr>
-        <p:spPr>
-          <a:xfrm>
-            <a:off x="3747515" y="2310383"/>
-            <a:ext cx="1653539" cy="664463"/>
-          </a:xfrm>
-          <a:prstGeom prst="rect">
-            <a:avLst/>
-          </a:prstGeom>
-          <a:blipFill>
-            <a:blip r:embed="rId2" cstate="print"/>
-            <a:stretch>
-              <a:fillRect/>
-            </a:stretch>
-          </a:blipFill>
-        </p:spPr>
-        <p:txBody>
-          <a:bodyPr wrap="square" lIns="0" tIns="0" rIns="0" bIns="0" rtlCol="0"/>
-          <a:lstStyle/>
-          <a:p>
-            <a:endParaRPr/>
-          </a:p>
-        </p:txBody>
-      </p:sp>
-      <p:sp>
-        <p:nvSpPr>
-          <p:cNvPr id="10" name="object 10"/>
-          <p:cNvSpPr/>
-          <p:nvPr/>
-        </p:nvSpPr>
-        <p:spPr>
-          <a:xfrm>
-            <a:off x="3777996" y="3425952"/>
-            <a:ext cx="1580388" cy="972312"/>
-          </a:xfrm>
-          <a:prstGeom prst="rect">
-            <a:avLst/>
-          </a:prstGeom>
-          <a:blipFill>
-            <a:blip r:embed="rId3" cstate="print"/>
-            <a:stretch>
-              <a:fillRect/>
-            </a:stretch>
-          </a:blipFill>
-        </p:spPr>
-        <p:txBody>
-          <a:bodyPr wrap="square" lIns="0" tIns="0" rIns="0" bIns="0" rtlCol="0"/>
-          <a:lstStyle/>
-          <a:p>
-            <a:endParaRPr/>
-          </a:p>
-        </p:txBody>
-      </p:sp>
-      <p:sp>
-        <p:nvSpPr>
-          <p:cNvPr id="11" name="object 11"/>
-          <p:cNvSpPr/>
-          <p:nvPr/>
-        </p:nvSpPr>
-        <p:spPr>
-          <a:xfrm>
-            <a:off x="3820667" y="4610100"/>
-            <a:ext cx="1524000" cy="1143000"/>
-          </a:xfrm>
-          <a:prstGeom prst="rect">
-            <a:avLst/>
-          </a:prstGeom>
-          <a:blipFill>
-            <a:blip r:embed="rId4" cstate="print"/>
-            <a:stretch>
-              <a:fillRect/>
-            </a:stretch>
-          </a:blipFill>
-        </p:spPr>
-        <p:txBody>
-          <a:bodyPr wrap="square" lIns="0" tIns="0" rIns="0" bIns="0" rtlCol="0"/>
-          <a:lstStyle/>
-          <a:p>
-            <a:endParaRPr/>
-          </a:p>
-        </p:txBody>
-      </p:sp>
-      <p:sp>
-        <p:nvSpPr>
-          <p:cNvPr id="12" name="object 12"/>
-          <p:cNvSpPr txBox="1"/>
-          <p:nvPr/>
-        </p:nvSpPr>
-        <p:spPr>
-          <a:xfrm>
-            <a:off x="577595" y="4610100"/>
-            <a:ext cx="2252980" cy="1344295"/>
+            <a:off x="516636" y="1542288"/>
+            <a:ext cx="2407920" cy="678180"/>
           </a:xfrm>
           <a:prstGeom prst="rect">
             <a:avLst/>
           </a:prstGeom>
           <a:solidFill>
-            <a:srgbClr val="D9D9D9"/>
+            <a:srgbClr val="129CEB"/>
           </a:solidFill>
-          <a:ln w="9144">
-            <a:solidFill>
-              <a:srgbClr val="BEBEBE"/>
-            </a:solidFill>
-          </a:ln>
         </p:spPr>
         <p:txBody>
-          <a:bodyPr vert="horz" wrap="square" lIns="0" tIns="0" rIns="0" bIns="0" rtlCol="0">
+          <a:bodyPr vert="horz" wrap="square" lIns="0" tIns="36830" rIns="0" bIns="0" rtlCol="0">
             <a:spAutoFit/>
           </a:bodyPr>
           <a:lstStyle/>
           <a:p>
-            <a:pPr>
-              <a:lnSpc>
-                <a:spcPct val="100000"/>
-              </a:lnSpc>
-            </a:pPr>
-            <a:endParaRPr sz="1800">
-              <a:latin typeface="Times New Roman"/>
-              <a:cs typeface="Times New Roman"/>
-            </a:endParaRPr>
-          </a:p>
-          <a:p>
-            <a:pPr>
+            <a:pPr marL="419100">
               <a:lnSpc>
                 <a:spcPct val="100000"/>
               </a:lnSpc>
               <a:spcBef>
-                <a:spcPts val="40"/>
+                <a:spcPts val="290"/>
               </a:spcBef>
             </a:pPr>
-            <a:endParaRPr sz="1700">
-              <a:latin typeface="Times New Roman"/>
-              <a:cs typeface="Times New Roman"/>
-            </a:endParaRPr>
-          </a:p>
-          <a:p>
-            <a:pPr marL="250190">
-              <a:lnSpc>
-                <a:spcPct val="100000"/>
-              </a:lnSpc>
-            </a:pPr>
-            <a:r>
-              <a:rPr sz="1800" spc="-10" dirty="0">
-                <a:solidFill>
-                  <a:srgbClr val="7E7E7E"/>
-                </a:solidFill>
-                <a:latin typeface="Calibri"/>
-                <a:cs typeface="Calibri"/>
-              </a:rPr>
-              <a:t>Widget</a:t>
-            </a:r>
-            <a:r>
-              <a:rPr sz="1800" spc="-70" dirty="0">
-                <a:solidFill>
-                  <a:srgbClr val="7E7E7E"/>
+            <a:r>
+              <a:rPr sz="2000" b="1" dirty="0">
+                <a:solidFill>
+                  <a:srgbClr val="FFFFFF"/>
+                </a:solidFill>
+                <a:latin typeface="Calibri"/>
+                <a:cs typeface="Calibri"/>
+              </a:rPr>
+              <a:t>1</a:t>
+            </a:r>
+            <a:r>
+              <a:rPr sz="1950" b="1" baseline="25641" dirty="0">
+                <a:solidFill>
+                  <a:srgbClr val="FFFFFF"/>
+                </a:solidFill>
+                <a:latin typeface="Calibri"/>
+                <a:cs typeface="Calibri"/>
+              </a:rPr>
+              <a:t>st </a:t>
+            </a:r>
+            <a:r>
+              <a:rPr sz="2000" b="1" spc="-25" dirty="0">
+                <a:solidFill>
+                  <a:srgbClr val="FFFFFF"/>
+                </a:solidFill>
+                <a:latin typeface="Calibri"/>
+                <a:cs typeface="Calibri"/>
+              </a:rPr>
+              <a:t>TO</a:t>
+            </a:r>
+            <a:r>
+              <a:rPr sz="2000" b="1" spc="50" dirty="0">
+                <a:solidFill>
+                  <a:srgbClr val="FFFFFF"/>
                 </a:solidFill>
                 <a:latin typeface="Calibri"/>
                 <a:cs typeface="Calibri"/>
@@ -10559,16 +9225,16 @@
               <a:t> </a:t>
             </a:r>
             <a:r>
-              <a:rPr sz="1800" spc="-5" dirty="0">
-                <a:solidFill>
-                  <a:srgbClr val="7E7E7E"/>
-                </a:solidFill>
-                <a:latin typeface="Calibri"/>
-                <a:cs typeface="Calibri"/>
-              </a:rPr>
-              <a:t>screenshot</a:t>
-            </a:r>
-            <a:endParaRPr sz="1800">
+              <a:rPr sz="2000" b="1" dirty="0">
+                <a:solidFill>
+                  <a:srgbClr val="FFFFFF"/>
+                </a:solidFill>
+                <a:latin typeface="Calibri"/>
+                <a:cs typeface="Calibri"/>
+              </a:rPr>
+              <a:t>MARKET</a:t>
+            </a:r>
+            <a:endParaRPr sz="2000">
               <a:latin typeface="Calibri"/>
               <a:cs typeface="Calibri"/>
             </a:endParaRPr>
@@ -10577,2099 +9243,80 @@
       </p:sp>
       <p:sp>
         <p:nvSpPr>
-          <p:cNvPr id="13" name="object 13"/>
-          <p:cNvSpPr/>
+          <p:cNvPr id="10" name="object 10"/>
+          <p:cNvSpPr txBox="1"/>
           <p:nvPr/>
         </p:nvSpPr>
         <p:spPr>
           <a:xfrm>
-            <a:off x="6428232" y="2310383"/>
-            <a:ext cx="2252980" cy="1343025"/>
-          </a:xfrm>
-          <a:custGeom>
-            <a:avLst/>
-            <a:gdLst/>
-            <a:ahLst/>
-            <a:cxnLst/>
-            <a:rect l="l" t="t" r="r" b="b"/>
-            <a:pathLst>
-              <a:path w="2252979" h="1343025">
-                <a:moveTo>
-                  <a:pt x="0" y="1342644"/>
-                </a:moveTo>
-                <a:lnTo>
-                  <a:pt x="2252471" y="1342644"/>
-                </a:lnTo>
-                <a:lnTo>
-                  <a:pt x="2252471" y="0"/>
-                </a:lnTo>
-                <a:lnTo>
-                  <a:pt x="0" y="0"/>
-                </a:lnTo>
-                <a:lnTo>
-                  <a:pt x="0" y="1342644"/>
-                </a:lnTo>
-                <a:close/>
-              </a:path>
-            </a:pathLst>
-          </a:custGeom>
-          <a:solidFill>
-            <a:srgbClr val="D9D9D9"/>
-          </a:solidFill>
-        </p:spPr>
-        <p:txBody>
-          <a:bodyPr wrap="square" lIns="0" tIns="0" rIns="0" bIns="0" rtlCol="0"/>
-          <a:lstStyle/>
-          <a:p>
-            <a:endParaRPr/>
-          </a:p>
-        </p:txBody>
-      </p:sp>
-      <p:sp>
-        <p:nvSpPr>
-          <p:cNvPr id="14" name="object 14"/>
-          <p:cNvSpPr/>
-          <p:nvPr/>
-        </p:nvSpPr>
-        <p:spPr>
-          <a:xfrm>
-            <a:off x="6428232" y="2310383"/>
-            <a:ext cx="2252980" cy="1343025"/>
-          </a:xfrm>
-          <a:custGeom>
-            <a:avLst/>
-            <a:gdLst/>
-            <a:ahLst/>
-            <a:cxnLst/>
-            <a:rect l="l" t="t" r="r" b="b"/>
-            <a:pathLst>
-              <a:path w="2252979" h="1343025">
-                <a:moveTo>
-                  <a:pt x="0" y="1342644"/>
-                </a:moveTo>
-                <a:lnTo>
-                  <a:pt x="2252471" y="1342644"/>
-                </a:lnTo>
-                <a:lnTo>
-                  <a:pt x="2252471" y="0"/>
-                </a:lnTo>
-                <a:lnTo>
-                  <a:pt x="0" y="0"/>
-                </a:lnTo>
-                <a:lnTo>
-                  <a:pt x="0" y="1342644"/>
-                </a:lnTo>
-                <a:close/>
-              </a:path>
-            </a:pathLst>
-          </a:custGeom>
-          <a:ln w="9144">
-            <a:solidFill>
-              <a:srgbClr val="BEBEBE"/>
-            </a:solidFill>
-          </a:ln>
-        </p:spPr>
-        <p:txBody>
-          <a:bodyPr wrap="square" lIns="0" tIns="0" rIns="0" bIns="0" rtlCol="0"/>
-          <a:lstStyle/>
-          <a:p>
-            <a:endParaRPr/>
-          </a:p>
-        </p:txBody>
-      </p:sp>
-      <p:sp>
-        <p:nvSpPr>
-          <p:cNvPr id="15" name="object 15"/>
-          <p:cNvSpPr txBox="1"/>
-          <p:nvPr/>
-        </p:nvSpPr>
-        <p:spPr>
-          <a:xfrm>
-            <a:off x="7033006" y="2692908"/>
-            <a:ext cx="1045210" cy="572770"/>
+            <a:off x="516636" y="3941064"/>
+            <a:ext cx="2407920" cy="678180"/>
           </a:xfrm>
           <a:prstGeom prst="rect">
             <a:avLst/>
           </a:prstGeom>
+          <a:solidFill>
+            <a:srgbClr val="129CEB"/>
+          </a:solidFill>
         </p:spPr>
         <p:txBody>
-          <a:bodyPr vert="horz" wrap="square" lIns="0" tIns="0" rIns="0" bIns="0" rtlCol="0">
+          <a:bodyPr vert="horz" wrap="square" lIns="0" tIns="36830" rIns="0" bIns="0" rtlCol="0">
             <a:spAutoFit/>
           </a:bodyPr>
           <a:lstStyle/>
           <a:p>
-            <a:pPr marL="12700" marR="5080" indent="192405">
-              <a:lnSpc>
-                <a:spcPct val="100000"/>
-              </a:lnSpc>
-            </a:pPr>
-            <a:r>
-              <a:rPr sz="1800" spc="-5" dirty="0">
-                <a:solidFill>
-                  <a:srgbClr val="7E7E7E"/>
-                </a:solidFill>
-                <a:latin typeface="Calibri"/>
-                <a:cs typeface="Calibri"/>
-              </a:rPr>
-              <a:t>AirBnB  </a:t>
-            </a:r>
-            <a:r>
-              <a:rPr sz="1800" spc="5" dirty="0">
-                <a:solidFill>
-                  <a:srgbClr val="7E7E7E"/>
-                </a:solidFill>
-                <a:latin typeface="Calibri"/>
-                <a:cs typeface="Calibri"/>
-              </a:rPr>
-              <a:t>s</a:t>
-            </a:r>
-            <a:r>
-              <a:rPr sz="1800" dirty="0">
-                <a:solidFill>
-                  <a:srgbClr val="7E7E7E"/>
-                </a:solidFill>
-                <a:latin typeface="Calibri"/>
-                <a:cs typeface="Calibri"/>
-              </a:rPr>
-              <a:t>c</a:t>
-            </a:r>
-            <a:r>
-              <a:rPr sz="1800" spc="-30" dirty="0">
-                <a:solidFill>
-                  <a:srgbClr val="7E7E7E"/>
-                </a:solidFill>
-                <a:latin typeface="Calibri"/>
-                <a:cs typeface="Calibri"/>
-              </a:rPr>
-              <a:t>r</a:t>
-            </a:r>
-            <a:r>
-              <a:rPr sz="1800" dirty="0">
-                <a:solidFill>
-                  <a:srgbClr val="7E7E7E"/>
-                </a:solidFill>
-                <a:latin typeface="Calibri"/>
-                <a:cs typeface="Calibri"/>
-              </a:rPr>
-              <a:t>een</a:t>
-            </a:r>
-            <a:r>
-              <a:rPr sz="1800" spc="5" dirty="0">
-                <a:solidFill>
-                  <a:srgbClr val="7E7E7E"/>
-                </a:solidFill>
-                <a:latin typeface="Calibri"/>
-                <a:cs typeface="Calibri"/>
-              </a:rPr>
-              <a:t>s</a:t>
-            </a:r>
-            <a:r>
-              <a:rPr sz="1800" dirty="0">
-                <a:solidFill>
-                  <a:srgbClr val="7E7E7E"/>
-                </a:solidFill>
-                <a:latin typeface="Calibri"/>
-                <a:cs typeface="Calibri"/>
-              </a:rPr>
-              <a:t>h</a:t>
-            </a:r>
-            <a:r>
-              <a:rPr sz="1800" spc="-5" dirty="0">
-                <a:solidFill>
-                  <a:srgbClr val="7E7E7E"/>
-                </a:solidFill>
-                <a:latin typeface="Calibri"/>
-                <a:cs typeface="Calibri"/>
-              </a:rPr>
-              <a:t>ot</a:t>
-            </a:r>
-            <a:endParaRPr sz="1800">
-              <a:latin typeface="Calibri"/>
-              <a:cs typeface="Calibri"/>
-            </a:endParaRPr>
-          </a:p>
-        </p:txBody>
-      </p:sp>
-      <p:sp>
-        <p:nvSpPr>
-          <p:cNvPr id="16" name="object 16"/>
-          <p:cNvSpPr/>
-          <p:nvPr/>
-        </p:nvSpPr>
-        <p:spPr>
-          <a:xfrm>
-            <a:off x="6428232" y="4610100"/>
-            <a:ext cx="2252980" cy="1344295"/>
-          </a:xfrm>
-          <a:custGeom>
-            <a:avLst/>
-            <a:gdLst/>
-            <a:ahLst/>
-            <a:cxnLst/>
-            <a:rect l="l" t="t" r="r" b="b"/>
-            <a:pathLst>
-              <a:path w="2252979" h="1344295">
-                <a:moveTo>
-                  <a:pt x="0" y="1344168"/>
-                </a:moveTo>
-                <a:lnTo>
-                  <a:pt x="2252471" y="1344168"/>
-                </a:lnTo>
-                <a:lnTo>
-                  <a:pt x="2252471" y="0"/>
-                </a:lnTo>
-                <a:lnTo>
-                  <a:pt x="0" y="0"/>
-                </a:lnTo>
-                <a:lnTo>
-                  <a:pt x="0" y="1344168"/>
-                </a:lnTo>
-                <a:close/>
-              </a:path>
-            </a:pathLst>
-          </a:custGeom>
-          <a:solidFill>
-            <a:srgbClr val="D9D9D9"/>
-          </a:solidFill>
-        </p:spPr>
-        <p:txBody>
-          <a:bodyPr wrap="square" lIns="0" tIns="0" rIns="0" bIns="0" rtlCol="0"/>
-          <a:lstStyle/>
-          <a:p>
-            <a:endParaRPr/>
-          </a:p>
-        </p:txBody>
-      </p:sp>
-      <p:sp>
-        <p:nvSpPr>
-          <p:cNvPr id="17" name="object 17"/>
-          <p:cNvSpPr txBox="1"/>
-          <p:nvPr/>
-        </p:nvSpPr>
-        <p:spPr>
-          <a:xfrm>
-            <a:off x="6428232" y="4610100"/>
-            <a:ext cx="2252980" cy="1344295"/>
-          </a:xfrm>
-          <a:prstGeom prst="rect">
-            <a:avLst/>
-          </a:prstGeom>
-          <a:ln w="9144">
-            <a:solidFill>
-              <a:srgbClr val="BEBEBE"/>
-            </a:solidFill>
-          </a:ln>
-        </p:spPr>
-        <p:txBody>
-          <a:bodyPr vert="horz" wrap="square" lIns="0" tIns="6985" rIns="0" bIns="0" rtlCol="0">
-            <a:spAutoFit/>
-          </a:bodyPr>
-          <a:lstStyle/>
-          <a:p>
-            <a:pPr>
+            <a:pPr marL="538480">
               <a:lnSpc>
                 <a:spcPct val="100000"/>
               </a:lnSpc>
               <a:spcBef>
-                <a:spcPts val="55"/>
+                <a:spcPts val="290"/>
               </a:spcBef>
             </a:pPr>
-            <a:endParaRPr sz="2550">
-              <a:latin typeface="Times New Roman"/>
-              <a:cs typeface="Times New Roman"/>
-            </a:endParaRPr>
-          </a:p>
-          <a:p>
-            <a:pPr marL="612775" marR="603250" indent="97790">
-              <a:lnSpc>
-                <a:spcPct val="100000"/>
-              </a:lnSpc>
-            </a:pPr>
-            <a:r>
-              <a:rPr sz="1800" spc="-10" dirty="0">
-                <a:solidFill>
-                  <a:srgbClr val="7E7E7E"/>
-                </a:solidFill>
-                <a:latin typeface="Calibri"/>
-                <a:cs typeface="Calibri"/>
-              </a:rPr>
-              <a:t>Craigslist  </a:t>
-            </a:r>
-            <a:r>
-              <a:rPr sz="1800" spc="5" dirty="0">
-                <a:solidFill>
-                  <a:srgbClr val="7E7E7E"/>
-                </a:solidFill>
-                <a:latin typeface="Calibri"/>
-                <a:cs typeface="Calibri"/>
-              </a:rPr>
-              <a:t>s</a:t>
-            </a:r>
-            <a:r>
-              <a:rPr sz="1800" dirty="0">
-                <a:solidFill>
-                  <a:srgbClr val="7E7E7E"/>
-                </a:solidFill>
-                <a:latin typeface="Calibri"/>
-                <a:cs typeface="Calibri"/>
-              </a:rPr>
-              <a:t>c</a:t>
-            </a:r>
-            <a:r>
-              <a:rPr sz="1800" spc="-30" dirty="0">
-                <a:solidFill>
-                  <a:srgbClr val="7E7E7E"/>
-                </a:solidFill>
-                <a:latin typeface="Calibri"/>
-                <a:cs typeface="Calibri"/>
-              </a:rPr>
-              <a:t>r</a:t>
-            </a:r>
-            <a:r>
-              <a:rPr sz="1800" dirty="0">
-                <a:solidFill>
-                  <a:srgbClr val="7E7E7E"/>
-                </a:solidFill>
-                <a:latin typeface="Calibri"/>
-                <a:cs typeface="Calibri"/>
-              </a:rPr>
-              <a:t>een</a:t>
-            </a:r>
-            <a:r>
-              <a:rPr sz="1800" spc="5" dirty="0">
-                <a:solidFill>
-                  <a:srgbClr val="7E7E7E"/>
-                </a:solidFill>
-                <a:latin typeface="Calibri"/>
-                <a:cs typeface="Calibri"/>
-              </a:rPr>
-              <a:t>s</a:t>
-            </a:r>
-            <a:r>
-              <a:rPr sz="1800" dirty="0">
-                <a:solidFill>
-                  <a:srgbClr val="7E7E7E"/>
-                </a:solidFill>
-                <a:latin typeface="Calibri"/>
-                <a:cs typeface="Calibri"/>
-              </a:rPr>
-              <a:t>h</a:t>
-            </a:r>
-            <a:r>
-              <a:rPr sz="1800" spc="-5" dirty="0">
-                <a:solidFill>
-                  <a:srgbClr val="7E7E7E"/>
-                </a:solidFill>
-                <a:latin typeface="Calibri"/>
-                <a:cs typeface="Calibri"/>
-              </a:rPr>
-              <a:t>ot</a:t>
-            </a:r>
-            <a:endParaRPr sz="1800">
+            <a:r>
+              <a:rPr sz="2000" b="1" spc="-10" dirty="0">
+                <a:solidFill>
+                  <a:srgbClr val="FFFFFF"/>
+                </a:solidFill>
+                <a:latin typeface="Calibri"/>
+                <a:cs typeface="Calibri"/>
+              </a:rPr>
+              <a:t>EASE </a:t>
+            </a:r>
+            <a:r>
+              <a:rPr sz="2000" b="1" spc="-5" dirty="0">
+                <a:solidFill>
+                  <a:srgbClr val="FFFFFF"/>
+                </a:solidFill>
+                <a:latin typeface="Calibri"/>
+                <a:cs typeface="Calibri"/>
+              </a:rPr>
+              <a:t>OF</a:t>
+            </a:r>
+            <a:r>
+              <a:rPr sz="2000" b="1" spc="-85" dirty="0">
+                <a:solidFill>
+                  <a:srgbClr val="FFFFFF"/>
+                </a:solidFill>
+                <a:latin typeface="Calibri"/>
+                <a:cs typeface="Calibri"/>
+              </a:rPr>
+              <a:t> </a:t>
+            </a:r>
+            <a:r>
+              <a:rPr sz="2000" b="1" dirty="0">
+                <a:solidFill>
+                  <a:srgbClr val="FFFFFF"/>
+                </a:solidFill>
+                <a:latin typeface="Calibri"/>
+                <a:cs typeface="Calibri"/>
+              </a:rPr>
+              <a:t>USE</a:t>
+            </a:r>
+            <a:endParaRPr sz="2000">
               <a:latin typeface="Calibri"/>
               <a:cs typeface="Calibri"/>
             </a:endParaRPr>
-          </a:p>
-        </p:txBody>
-      </p:sp>
-      <p:sp>
-        <p:nvSpPr>
-          <p:cNvPr id="18" name="object 18"/>
-          <p:cNvSpPr/>
-          <p:nvPr/>
-        </p:nvSpPr>
-        <p:spPr>
-          <a:xfrm>
-            <a:off x="8228076" y="3549396"/>
-            <a:ext cx="701040" cy="1155191"/>
-          </a:xfrm>
-          <a:prstGeom prst="rect">
-            <a:avLst/>
-          </a:prstGeom>
-          <a:blipFill>
-            <a:blip r:embed="rId5" cstate="print"/>
-            <a:stretch>
-              <a:fillRect/>
-            </a:stretch>
-          </a:blipFill>
-        </p:spPr>
-        <p:txBody>
-          <a:bodyPr wrap="square" lIns="0" tIns="0" rIns="0" bIns="0" rtlCol="0"/>
-          <a:lstStyle/>
-          <a:p>
-            <a:endParaRPr/>
-          </a:p>
-        </p:txBody>
-      </p:sp>
-      <p:sp>
-        <p:nvSpPr>
-          <p:cNvPr id="19" name="object 19"/>
-          <p:cNvSpPr/>
-          <p:nvPr/>
-        </p:nvSpPr>
-        <p:spPr>
-          <a:xfrm>
-            <a:off x="8270747" y="4072509"/>
-            <a:ext cx="615950" cy="567055"/>
-          </a:xfrm>
-          <a:custGeom>
-            <a:avLst/>
-            <a:gdLst/>
-            <a:ahLst/>
-            <a:cxnLst/>
-            <a:rect l="l" t="t" r="r" b="b"/>
-            <a:pathLst>
-              <a:path w="615950" h="567054">
-                <a:moveTo>
-                  <a:pt x="153924" y="258826"/>
-                </a:moveTo>
-                <a:lnTo>
-                  <a:pt x="0" y="426339"/>
-                </a:lnTo>
-                <a:lnTo>
-                  <a:pt x="153924" y="566674"/>
-                </a:lnTo>
-                <a:lnTo>
-                  <a:pt x="153924" y="489712"/>
-                </a:lnTo>
-                <a:lnTo>
-                  <a:pt x="211185" y="477420"/>
-                </a:lnTo>
-                <a:lnTo>
-                  <a:pt x="265533" y="461647"/>
-                </a:lnTo>
-                <a:lnTo>
-                  <a:pt x="316762" y="442617"/>
-                </a:lnTo>
-                <a:lnTo>
-                  <a:pt x="364666" y="420552"/>
-                </a:lnTo>
-                <a:lnTo>
-                  <a:pt x="409041" y="395674"/>
-                </a:lnTo>
-                <a:lnTo>
-                  <a:pt x="449681" y="368205"/>
-                </a:lnTo>
-                <a:lnTo>
-                  <a:pt x="486382" y="338369"/>
-                </a:lnTo>
-                <a:lnTo>
-                  <a:pt x="489010" y="335788"/>
-                </a:lnTo>
-                <a:lnTo>
-                  <a:pt x="153924" y="335788"/>
-                </a:lnTo>
-                <a:lnTo>
-                  <a:pt x="153924" y="258826"/>
-                </a:lnTo>
-                <a:close/>
-              </a:path>
-              <a:path w="615950" h="567054">
-                <a:moveTo>
-                  <a:pt x="605535" y="0"/>
-                </a:moveTo>
-                <a:lnTo>
-                  <a:pt x="592012" y="40125"/>
-                </a:lnTo>
-                <a:lnTo>
-                  <a:pt x="573212" y="78707"/>
-                </a:lnTo>
-                <a:lnTo>
-                  <a:pt x="549402" y="115546"/>
-                </a:lnTo>
-                <a:lnTo>
-                  <a:pt x="520850" y="150443"/>
-                </a:lnTo>
-                <a:lnTo>
-                  <a:pt x="487825" y="183198"/>
-                </a:lnTo>
-                <a:lnTo>
-                  <a:pt x="450596" y="213614"/>
-                </a:lnTo>
-                <a:lnTo>
-                  <a:pt x="409429" y="241489"/>
-                </a:lnTo>
-                <a:lnTo>
-                  <a:pt x="364593" y="266624"/>
-                </a:lnTo>
-                <a:lnTo>
-                  <a:pt x="316357" y="288821"/>
-                </a:lnTo>
-                <a:lnTo>
-                  <a:pt x="264987" y="307880"/>
-                </a:lnTo>
-                <a:lnTo>
-                  <a:pt x="210754" y="323602"/>
-                </a:lnTo>
-                <a:lnTo>
-                  <a:pt x="153924" y="335788"/>
-                </a:lnTo>
-                <a:lnTo>
-                  <a:pt x="489010" y="335788"/>
-                </a:lnTo>
-                <a:lnTo>
-                  <a:pt x="518937" y="306387"/>
-                </a:lnTo>
-                <a:lnTo>
-                  <a:pt x="547143" y="272482"/>
-                </a:lnTo>
-                <a:lnTo>
-                  <a:pt x="570792" y="236877"/>
-                </a:lnTo>
-                <a:lnTo>
-                  <a:pt x="589681" y="199794"/>
-                </a:lnTo>
-                <a:lnTo>
-                  <a:pt x="603605" y="161456"/>
-                </a:lnTo>
-                <a:lnTo>
-                  <a:pt x="612357" y="122085"/>
-                </a:lnTo>
-                <a:lnTo>
-                  <a:pt x="615733" y="81904"/>
-                </a:lnTo>
-                <a:lnTo>
-                  <a:pt x="613528" y="41134"/>
-                </a:lnTo>
-                <a:lnTo>
-                  <a:pt x="605535" y="0"/>
-                </a:lnTo>
-                <a:close/>
-              </a:path>
-            </a:pathLst>
-          </a:custGeom>
-          <a:solidFill>
-            <a:srgbClr val="E36C09"/>
-          </a:solidFill>
-        </p:spPr>
-        <p:txBody>
-          <a:bodyPr wrap="square" lIns="0" tIns="0" rIns="0" bIns="0" rtlCol="0"/>
-          <a:lstStyle/>
-          <a:p>
-            <a:endParaRPr/>
-          </a:p>
-        </p:txBody>
-      </p:sp>
-      <p:sp>
-        <p:nvSpPr>
-          <p:cNvPr id="20" name="object 20"/>
-          <p:cNvSpPr/>
-          <p:nvPr/>
-        </p:nvSpPr>
-        <p:spPr>
-          <a:xfrm>
-            <a:off x="8270747" y="3569208"/>
-            <a:ext cx="615950" cy="580390"/>
-          </a:xfrm>
-          <a:custGeom>
-            <a:avLst/>
-            <a:gdLst/>
-            <a:ahLst/>
-            <a:cxnLst/>
-            <a:rect l="l" t="t" r="r" b="b"/>
-            <a:pathLst>
-              <a:path w="615950" h="580389">
-                <a:moveTo>
-                  <a:pt x="0" y="0"/>
-                </a:moveTo>
-                <a:lnTo>
-                  <a:pt x="0" y="153923"/>
-                </a:lnTo>
-                <a:lnTo>
-                  <a:pt x="56031" y="155666"/>
-                </a:lnTo>
-                <a:lnTo>
-                  <a:pt x="110656" y="160792"/>
-                </a:lnTo>
-                <a:lnTo>
-                  <a:pt x="163655" y="169153"/>
-                </a:lnTo>
-                <a:lnTo>
-                  <a:pt x="214811" y="180597"/>
-                </a:lnTo>
-                <a:lnTo>
-                  <a:pt x="263908" y="194973"/>
-                </a:lnTo>
-                <a:lnTo>
-                  <a:pt x="310726" y="212132"/>
-                </a:lnTo>
-                <a:lnTo>
-                  <a:pt x="355049" y="231922"/>
-                </a:lnTo>
-                <a:lnTo>
-                  <a:pt x="396660" y="254194"/>
-                </a:lnTo>
-                <a:lnTo>
-                  <a:pt x="435340" y="278796"/>
-                </a:lnTo>
-                <a:lnTo>
-                  <a:pt x="470872" y="305579"/>
-                </a:lnTo>
-                <a:lnTo>
-                  <a:pt x="503038" y="334391"/>
-                </a:lnTo>
-                <a:lnTo>
-                  <a:pt x="531622" y="365082"/>
-                </a:lnTo>
-                <a:lnTo>
-                  <a:pt x="556404" y="397502"/>
-                </a:lnTo>
-                <a:lnTo>
-                  <a:pt x="577169" y="431500"/>
-                </a:lnTo>
-                <a:lnTo>
-                  <a:pt x="593698" y="466926"/>
-                </a:lnTo>
-                <a:lnTo>
-                  <a:pt x="605774" y="503628"/>
-                </a:lnTo>
-                <a:lnTo>
-                  <a:pt x="613179" y="541457"/>
-                </a:lnTo>
-                <a:lnTo>
-                  <a:pt x="615696" y="580262"/>
-                </a:lnTo>
-                <a:lnTo>
-                  <a:pt x="615696" y="426338"/>
-                </a:lnTo>
-                <a:lnTo>
-                  <a:pt x="613179" y="387533"/>
-                </a:lnTo>
-                <a:lnTo>
-                  <a:pt x="605774" y="349704"/>
-                </a:lnTo>
-                <a:lnTo>
-                  <a:pt x="593698" y="313002"/>
-                </a:lnTo>
-                <a:lnTo>
-                  <a:pt x="577169" y="277576"/>
-                </a:lnTo>
-                <a:lnTo>
-                  <a:pt x="556404" y="243578"/>
-                </a:lnTo>
-                <a:lnTo>
-                  <a:pt x="531622" y="211158"/>
-                </a:lnTo>
-                <a:lnTo>
-                  <a:pt x="503038" y="180467"/>
-                </a:lnTo>
-                <a:lnTo>
-                  <a:pt x="470872" y="151655"/>
-                </a:lnTo>
-                <a:lnTo>
-                  <a:pt x="435340" y="124872"/>
-                </a:lnTo>
-                <a:lnTo>
-                  <a:pt x="396660" y="100270"/>
-                </a:lnTo>
-                <a:lnTo>
-                  <a:pt x="355049" y="77998"/>
-                </a:lnTo>
-                <a:lnTo>
-                  <a:pt x="310726" y="58208"/>
-                </a:lnTo>
-                <a:lnTo>
-                  <a:pt x="263908" y="41049"/>
-                </a:lnTo>
-                <a:lnTo>
-                  <a:pt x="214811" y="26673"/>
-                </a:lnTo>
-                <a:lnTo>
-                  <a:pt x="163655" y="15229"/>
-                </a:lnTo>
-                <a:lnTo>
-                  <a:pt x="110656" y="6868"/>
-                </a:lnTo>
-                <a:lnTo>
-                  <a:pt x="56031" y="1742"/>
-                </a:lnTo>
-                <a:lnTo>
-                  <a:pt x="0" y="0"/>
-                </a:lnTo>
-                <a:close/>
-              </a:path>
-            </a:pathLst>
-          </a:custGeom>
-          <a:solidFill>
-            <a:srgbClr val="B75608"/>
-          </a:solidFill>
-        </p:spPr>
-        <p:txBody>
-          <a:bodyPr wrap="square" lIns="0" tIns="0" rIns="0" bIns="0" rtlCol="0"/>
-          <a:lstStyle/>
-          <a:p>
-            <a:endParaRPr/>
-          </a:p>
-        </p:txBody>
-      </p:sp>
-      <p:sp>
-        <p:nvSpPr>
-          <p:cNvPr id="21" name="object 21"/>
-          <p:cNvSpPr txBox="1">
-            <a:spLocks noGrp="1"/>
-          </p:cNvSpPr>
-          <p:nvPr>
-            <p:ph type="ftr" sz="quarter" idx="5"/>
-          </p:nvPr>
-        </p:nvSpPr>
-        <p:spPr>
-          <a:prstGeom prst="rect">
-            <a:avLst/>
-          </a:prstGeom>
-        </p:spPr>
-        <p:txBody>
-          <a:bodyPr vert="horz" wrap="square" lIns="0" tIns="0" rIns="0" bIns="0" rtlCol="0">
-            <a:spAutoFit/>
-          </a:bodyPr>
-          <a:lstStyle/>
-          <a:p>
-            <a:pPr marL="12700">
-              <a:lnSpc>
-                <a:spcPts val="1150"/>
-              </a:lnSpc>
-            </a:pPr>
-            <a:r>
-              <a:rPr dirty="0"/>
-              <a:t>Template </a:t>
-            </a:r>
-            <a:r>
-              <a:rPr spc="-5" dirty="0"/>
-              <a:t>by</a:t>
-            </a:r>
-            <a:r>
-              <a:rPr spc="-50" dirty="0"/>
-              <a:t> </a:t>
-            </a:r>
-            <a:r>
-              <a:rPr b="1" spc="-5" dirty="0">
-                <a:latin typeface="Calibri"/>
-                <a:cs typeface="Calibri"/>
-              </a:rPr>
-              <a:t>PitchDeckCoach</a:t>
-            </a:r>
-            <a:r>
-              <a:rPr spc="-5" dirty="0"/>
-              <a:t>.com</a:t>
-            </a:r>
-          </a:p>
-        </p:txBody>
-      </p:sp>
-    </p:spTree>
-  </p:cSld>
-  <p:clrMapOvr>
-    <a:masterClrMapping/>
-  </p:clrMapOvr>
-</p:sld>
-</file>
-
-<file path=ppt/slides/slide9.xml><?xml version="1.0" encoding="utf-8"?>
-<p:sld xmlns:a="http://schemas.openxmlformats.org/drawingml/2006/main" xmlns:r="http://schemas.openxmlformats.org/officeDocument/2006/relationships" xmlns:p="http://schemas.openxmlformats.org/presentationml/2006/main" showMasterSp="0">
-  <p:cSld>
-    <p:spTree>
-      <p:nvGrpSpPr>
-        <p:cNvPr id="1" name=""/>
-        <p:cNvGrpSpPr/>
-        <p:nvPr/>
-      </p:nvGrpSpPr>
-      <p:grpSpPr>
-        <a:xfrm>
-          <a:off x="0" y="0"/>
-          <a:ext cx="0" cy="0"/>
-          <a:chOff x="0" y="0"/>
-          <a:chExt cx="0" cy="0"/>
-        </a:xfrm>
-      </p:grpSpPr>
-      <p:sp>
-        <p:nvSpPr>
-          <p:cNvPr id="2" name="object 2"/>
-          <p:cNvSpPr txBox="1">
-            <a:spLocks noGrp="1"/>
-          </p:cNvSpPr>
-          <p:nvPr>
-            <p:ph type="title"/>
-          </p:nvPr>
-        </p:nvSpPr>
-        <p:spPr>
-          <a:prstGeom prst="rect">
-            <a:avLst/>
-          </a:prstGeom>
-        </p:spPr>
-        <p:txBody>
-          <a:bodyPr vert="horz" wrap="square" lIns="0" tIns="0" rIns="0" bIns="0" rtlCol="0">
-            <a:spAutoFit/>
-          </a:bodyPr>
-          <a:lstStyle/>
-          <a:p>
-            <a:pPr marL="12700">
-              <a:lnSpc>
-                <a:spcPct val="100000"/>
-              </a:lnSpc>
-            </a:pPr>
-            <a:r>
-              <a:rPr dirty="0"/>
-              <a:t>C</a:t>
-            </a:r>
-            <a:r>
-              <a:rPr spc="-5" dirty="0"/>
-              <a:t>o</a:t>
-            </a:r>
-            <a:r>
-              <a:rPr spc="0" dirty="0"/>
-              <a:t>m</a:t>
-            </a:r>
-            <a:r>
-              <a:rPr spc="-5" dirty="0"/>
-              <a:t>pe</a:t>
-            </a:r>
-            <a:r>
-              <a:rPr spc="0" dirty="0"/>
-              <a:t>t</a:t>
-            </a:r>
-            <a:r>
-              <a:rPr spc="-5" dirty="0"/>
-              <a:t>ition</a:t>
-            </a:r>
-          </a:p>
-        </p:txBody>
-      </p:sp>
-      <p:sp>
-        <p:nvSpPr>
-          <p:cNvPr id="3" name="object 3"/>
-          <p:cNvSpPr txBox="1"/>
-          <p:nvPr/>
-        </p:nvSpPr>
-        <p:spPr>
-          <a:xfrm>
-            <a:off x="8663431" y="165227"/>
-            <a:ext cx="297815" cy="553720"/>
-          </a:xfrm>
-          <a:prstGeom prst="rect">
-            <a:avLst/>
-          </a:prstGeom>
-        </p:spPr>
-        <p:txBody>
-          <a:bodyPr vert="horz" wrap="square" lIns="0" tIns="0" rIns="0" bIns="0" rtlCol="0">
-            <a:spAutoFit/>
-          </a:bodyPr>
-          <a:lstStyle/>
-          <a:p>
-            <a:pPr marL="12700">
-              <a:lnSpc>
-                <a:spcPct val="100000"/>
-              </a:lnSpc>
-            </a:pPr>
-            <a:r>
-              <a:rPr sz="3600" dirty="0">
-                <a:solidFill>
-                  <a:srgbClr val="129CEB"/>
-                </a:solidFill>
-                <a:latin typeface="Arial Rounded MT Bold"/>
-                <a:cs typeface="Arial Rounded MT Bold"/>
-              </a:rPr>
-              <a:t>9</a:t>
-            </a:r>
-            <a:endParaRPr sz="3600">
-              <a:latin typeface="Arial Rounded MT Bold"/>
-              <a:cs typeface="Arial Rounded MT Bold"/>
-            </a:endParaRPr>
-          </a:p>
-        </p:txBody>
-      </p:sp>
-      <p:sp>
-        <p:nvSpPr>
-          <p:cNvPr id="4" name="object 4"/>
-          <p:cNvSpPr/>
-          <p:nvPr/>
-        </p:nvSpPr>
-        <p:spPr>
-          <a:xfrm>
-            <a:off x="1102550" y="3383407"/>
-            <a:ext cx="6906259" cy="120650"/>
-          </a:xfrm>
-          <a:custGeom>
-            <a:avLst/>
-            <a:gdLst/>
-            <a:ahLst/>
-            <a:cxnLst/>
-            <a:rect l="l" t="t" r="r" b="b"/>
-            <a:pathLst>
-              <a:path w="6906259" h="120650">
-                <a:moveTo>
-                  <a:pt x="103085" y="0"/>
-                </a:moveTo>
-                <a:lnTo>
-                  <a:pt x="0" y="60070"/>
-                </a:lnTo>
-                <a:lnTo>
-                  <a:pt x="103085" y="120141"/>
-                </a:lnTo>
-                <a:lnTo>
-                  <a:pt x="111023" y="118109"/>
-                </a:lnTo>
-                <a:lnTo>
-                  <a:pt x="114630" y="111887"/>
-                </a:lnTo>
-                <a:lnTo>
-                  <a:pt x="118224" y="105790"/>
-                </a:lnTo>
-                <a:lnTo>
-                  <a:pt x="116141" y="97789"/>
-                </a:lnTo>
-                <a:lnTo>
-                  <a:pt x="73611" y="73025"/>
-                </a:lnTo>
-                <a:lnTo>
-                  <a:pt x="25603" y="73025"/>
-                </a:lnTo>
-                <a:lnTo>
-                  <a:pt x="25603" y="47116"/>
-                </a:lnTo>
-                <a:lnTo>
-                  <a:pt x="73611" y="47116"/>
-                </a:lnTo>
-                <a:lnTo>
-                  <a:pt x="116141" y="22351"/>
-                </a:lnTo>
-                <a:lnTo>
-                  <a:pt x="118224" y="14350"/>
-                </a:lnTo>
-                <a:lnTo>
-                  <a:pt x="114630" y="8254"/>
-                </a:lnTo>
-                <a:lnTo>
-                  <a:pt x="111023" y="2031"/>
-                </a:lnTo>
-                <a:lnTo>
-                  <a:pt x="103085" y="0"/>
-                </a:lnTo>
-                <a:close/>
-              </a:path>
-              <a:path w="6906259" h="120650">
-                <a:moveTo>
-                  <a:pt x="6854652" y="60070"/>
-                </a:moveTo>
-                <a:lnTo>
-                  <a:pt x="6796087" y="94233"/>
-                </a:lnTo>
-                <a:lnTo>
-                  <a:pt x="6789864" y="97789"/>
-                </a:lnTo>
-                <a:lnTo>
-                  <a:pt x="6787832" y="105790"/>
-                </a:lnTo>
-                <a:lnTo>
-                  <a:pt x="6791388" y="111887"/>
-                </a:lnTo>
-                <a:lnTo>
-                  <a:pt x="6794944" y="118109"/>
-                </a:lnTo>
-                <a:lnTo>
-                  <a:pt x="6802945" y="120141"/>
-                </a:lnTo>
-                <a:lnTo>
-                  <a:pt x="6883731" y="73025"/>
-                </a:lnTo>
-                <a:lnTo>
-                  <a:pt x="6880288" y="73025"/>
-                </a:lnTo>
-                <a:lnTo>
-                  <a:pt x="6880288" y="71246"/>
-                </a:lnTo>
-                <a:lnTo>
-                  <a:pt x="6873811" y="71246"/>
-                </a:lnTo>
-                <a:lnTo>
-                  <a:pt x="6854652" y="60070"/>
-                </a:lnTo>
-                <a:close/>
-              </a:path>
-              <a:path w="6906259" h="120650">
-                <a:moveTo>
-                  <a:pt x="73611" y="47116"/>
-                </a:moveTo>
-                <a:lnTo>
-                  <a:pt x="25603" y="47116"/>
-                </a:lnTo>
-                <a:lnTo>
-                  <a:pt x="25603" y="73025"/>
-                </a:lnTo>
-                <a:lnTo>
-                  <a:pt x="73611" y="73025"/>
-                </a:lnTo>
-                <a:lnTo>
-                  <a:pt x="70563" y="71246"/>
-                </a:lnTo>
-                <a:lnTo>
-                  <a:pt x="32245" y="71246"/>
-                </a:lnTo>
-                <a:lnTo>
-                  <a:pt x="32245" y="48894"/>
-                </a:lnTo>
-                <a:lnTo>
-                  <a:pt x="70563" y="48894"/>
-                </a:lnTo>
-                <a:lnTo>
-                  <a:pt x="73611" y="47116"/>
-                </a:lnTo>
-                <a:close/>
-              </a:path>
-              <a:path w="6906259" h="120650">
-                <a:moveTo>
-                  <a:pt x="6832445" y="47116"/>
-                </a:moveTo>
-                <a:lnTo>
-                  <a:pt x="73611" y="47116"/>
-                </a:lnTo>
-                <a:lnTo>
-                  <a:pt x="51404" y="60070"/>
-                </a:lnTo>
-                <a:lnTo>
-                  <a:pt x="73611" y="73025"/>
-                </a:lnTo>
-                <a:lnTo>
-                  <a:pt x="6832445" y="73025"/>
-                </a:lnTo>
-                <a:lnTo>
-                  <a:pt x="6854652" y="60070"/>
-                </a:lnTo>
-                <a:lnTo>
-                  <a:pt x="6832445" y="47116"/>
-                </a:lnTo>
-                <a:close/>
-              </a:path>
-              <a:path w="6906259" h="120650">
-                <a:moveTo>
-                  <a:pt x="6883731" y="47116"/>
-                </a:moveTo>
-                <a:lnTo>
-                  <a:pt x="6880288" y="47116"/>
-                </a:lnTo>
-                <a:lnTo>
-                  <a:pt x="6880288" y="73025"/>
-                </a:lnTo>
-                <a:lnTo>
-                  <a:pt x="6883731" y="73025"/>
-                </a:lnTo>
-                <a:lnTo>
-                  <a:pt x="6905942" y="60070"/>
-                </a:lnTo>
-                <a:lnTo>
-                  <a:pt x="6883731" y="47116"/>
-                </a:lnTo>
-                <a:close/>
-              </a:path>
-              <a:path w="6906259" h="120650">
-                <a:moveTo>
-                  <a:pt x="32245" y="48894"/>
-                </a:moveTo>
-                <a:lnTo>
-                  <a:pt x="32245" y="71246"/>
-                </a:lnTo>
-                <a:lnTo>
-                  <a:pt x="51404" y="60070"/>
-                </a:lnTo>
-                <a:lnTo>
-                  <a:pt x="32245" y="48894"/>
-                </a:lnTo>
-                <a:close/>
-              </a:path>
-              <a:path w="6906259" h="120650">
-                <a:moveTo>
-                  <a:pt x="51404" y="60070"/>
-                </a:moveTo>
-                <a:lnTo>
-                  <a:pt x="32245" y="71246"/>
-                </a:lnTo>
-                <a:lnTo>
-                  <a:pt x="70563" y="71246"/>
-                </a:lnTo>
-                <a:lnTo>
-                  <a:pt x="51404" y="60070"/>
-                </a:lnTo>
-                <a:close/>
-              </a:path>
-              <a:path w="6906259" h="120650">
-                <a:moveTo>
-                  <a:pt x="6873811" y="48894"/>
-                </a:moveTo>
-                <a:lnTo>
-                  <a:pt x="6854652" y="60070"/>
-                </a:lnTo>
-                <a:lnTo>
-                  <a:pt x="6873811" y="71246"/>
-                </a:lnTo>
-                <a:lnTo>
-                  <a:pt x="6873811" y="48894"/>
-                </a:lnTo>
-                <a:close/>
-              </a:path>
-              <a:path w="6906259" h="120650">
-                <a:moveTo>
-                  <a:pt x="6880288" y="48894"/>
-                </a:moveTo>
-                <a:lnTo>
-                  <a:pt x="6873811" y="48894"/>
-                </a:lnTo>
-                <a:lnTo>
-                  <a:pt x="6873811" y="71246"/>
-                </a:lnTo>
-                <a:lnTo>
-                  <a:pt x="6880288" y="71246"/>
-                </a:lnTo>
-                <a:lnTo>
-                  <a:pt x="6880288" y="48894"/>
-                </a:lnTo>
-                <a:close/>
-              </a:path>
-              <a:path w="6906259" h="120650">
-                <a:moveTo>
-                  <a:pt x="70563" y="48894"/>
-                </a:moveTo>
-                <a:lnTo>
-                  <a:pt x="32245" y="48894"/>
-                </a:lnTo>
-                <a:lnTo>
-                  <a:pt x="51404" y="60070"/>
-                </a:lnTo>
-                <a:lnTo>
-                  <a:pt x="70563" y="48894"/>
-                </a:lnTo>
-                <a:close/>
-              </a:path>
-              <a:path w="6906259" h="120650">
-                <a:moveTo>
-                  <a:pt x="6802945" y="0"/>
-                </a:moveTo>
-                <a:lnTo>
-                  <a:pt x="6794944" y="2031"/>
-                </a:lnTo>
-                <a:lnTo>
-                  <a:pt x="6791388" y="8254"/>
-                </a:lnTo>
-                <a:lnTo>
-                  <a:pt x="6787832" y="14350"/>
-                </a:lnTo>
-                <a:lnTo>
-                  <a:pt x="6789864" y="22351"/>
-                </a:lnTo>
-                <a:lnTo>
-                  <a:pt x="6796087" y="25907"/>
-                </a:lnTo>
-                <a:lnTo>
-                  <a:pt x="6854652" y="60070"/>
-                </a:lnTo>
-                <a:lnTo>
-                  <a:pt x="6873811" y="48894"/>
-                </a:lnTo>
-                <a:lnTo>
-                  <a:pt x="6880288" y="48894"/>
-                </a:lnTo>
-                <a:lnTo>
-                  <a:pt x="6880288" y="47116"/>
-                </a:lnTo>
-                <a:lnTo>
-                  <a:pt x="6883731" y="47116"/>
-                </a:lnTo>
-                <a:lnTo>
-                  <a:pt x="6802945" y="0"/>
-                </a:lnTo>
-                <a:close/>
-              </a:path>
-            </a:pathLst>
-          </a:custGeom>
-          <a:solidFill>
-            <a:srgbClr val="129CEB"/>
-          </a:solidFill>
-        </p:spPr>
-        <p:txBody>
-          <a:bodyPr wrap="square" lIns="0" tIns="0" rIns="0" bIns="0" rtlCol="0"/>
-          <a:lstStyle/>
-          <a:p>
-            <a:endParaRPr/>
-          </a:p>
-        </p:txBody>
-      </p:sp>
-      <p:sp>
-        <p:nvSpPr>
-          <p:cNvPr id="5" name="object 5"/>
-          <p:cNvSpPr/>
-          <p:nvPr/>
-        </p:nvSpPr>
-        <p:spPr>
-          <a:xfrm>
-            <a:off x="4506595" y="986789"/>
-            <a:ext cx="120650" cy="5127625"/>
-          </a:xfrm>
-          <a:custGeom>
-            <a:avLst/>
-            <a:gdLst/>
-            <a:ahLst/>
-            <a:cxnLst/>
-            <a:rect l="l" t="t" r="r" b="b"/>
-            <a:pathLst>
-              <a:path w="120650" h="5127625">
-                <a:moveTo>
-                  <a:pt x="14350" y="5009134"/>
-                </a:moveTo>
-                <a:lnTo>
-                  <a:pt x="2031" y="5016334"/>
-                </a:lnTo>
-                <a:lnTo>
-                  <a:pt x="0" y="5024272"/>
-                </a:lnTo>
-                <a:lnTo>
-                  <a:pt x="3555" y="5030444"/>
-                </a:lnTo>
-                <a:lnTo>
-                  <a:pt x="60070" y="5127358"/>
-                </a:lnTo>
-                <a:lnTo>
-                  <a:pt x="75008" y="5101742"/>
-                </a:lnTo>
-                <a:lnTo>
-                  <a:pt x="47116" y="5101742"/>
-                </a:lnTo>
-                <a:lnTo>
-                  <a:pt x="47116" y="5053753"/>
-                </a:lnTo>
-                <a:lnTo>
-                  <a:pt x="25907" y="5017389"/>
-                </a:lnTo>
-                <a:lnTo>
-                  <a:pt x="22351" y="5011216"/>
-                </a:lnTo>
-                <a:lnTo>
-                  <a:pt x="14350" y="5009134"/>
-                </a:lnTo>
-                <a:close/>
-              </a:path>
-              <a:path w="120650" h="5127625">
-                <a:moveTo>
-                  <a:pt x="47116" y="5053753"/>
-                </a:moveTo>
-                <a:lnTo>
-                  <a:pt x="47116" y="5101742"/>
-                </a:lnTo>
-                <a:lnTo>
-                  <a:pt x="73025" y="5101742"/>
-                </a:lnTo>
-                <a:lnTo>
-                  <a:pt x="73025" y="5095125"/>
-                </a:lnTo>
-                <a:lnTo>
-                  <a:pt x="48894" y="5095125"/>
-                </a:lnTo>
-                <a:lnTo>
-                  <a:pt x="60070" y="5075963"/>
-                </a:lnTo>
-                <a:lnTo>
-                  <a:pt x="47116" y="5053753"/>
-                </a:lnTo>
-                <a:close/>
-              </a:path>
-              <a:path w="120650" h="5127625">
-                <a:moveTo>
-                  <a:pt x="105790" y="5009134"/>
-                </a:moveTo>
-                <a:lnTo>
-                  <a:pt x="97789" y="5011216"/>
-                </a:lnTo>
-                <a:lnTo>
-                  <a:pt x="94233" y="5017389"/>
-                </a:lnTo>
-                <a:lnTo>
-                  <a:pt x="73025" y="5053753"/>
-                </a:lnTo>
-                <a:lnTo>
-                  <a:pt x="73025" y="5101742"/>
-                </a:lnTo>
-                <a:lnTo>
-                  <a:pt x="75008" y="5101742"/>
-                </a:lnTo>
-                <a:lnTo>
-                  <a:pt x="116585" y="5030444"/>
-                </a:lnTo>
-                <a:lnTo>
-                  <a:pt x="120141" y="5024272"/>
-                </a:lnTo>
-                <a:lnTo>
-                  <a:pt x="118109" y="5016334"/>
-                </a:lnTo>
-                <a:lnTo>
-                  <a:pt x="105790" y="5009134"/>
-                </a:lnTo>
-                <a:close/>
-              </a:path>
-              <a:path w="120650" h="5127625">
-                <a:moveTo>
-                  <a:pt x="60070" y="5075963"/>
-                </a:moveTo>
-                <a:lnTo>
-                  <a:pt x="48894" y="5095125"/>
-                </a:lnTo>
-                <a:lnTo>
-                  <a:pt x="71246" y="5095125"/>
-                </a:lnTo>
-                <a:lnTo>
-                  <a:pt x="60070" y="5075963"/>
-                </a:lnTo>
-                <a:close/>
-              </a:path>
-              <a:path w="120650" h="5127625">
-                <a:moveTo>
-                  <a:pt x="73025" y="5053753"/>
-                </a:moveTo>
-                <a:lnTo>
-                  <a:pt x="60070" y="5075963"/>
-                </a:lnTo>
-                <a:lnTo>
-                  <a:pt x="71246" y="5095125"/>
-                </a:lnTo>
-                <a:lnTo>
-                  <a:pt x="73025" y="5095125"/>
-                </a:lnTo>
-                <a:lnTo>
-                  <a:pt x="73025" y="5053753"/>
-                </a:lnTo>
-                <a:close/>
-              </a:path>
-              <a:path w="120650" h="5127625">
-                <a:moveTo>
-                  <a:pt x="60070" y="51289"/>
-                </a:moveTo>
-                <a:lnTo>
-                  <a:pt x="47116" y="73496"/>
-                </a:lnTo>
-                <a:lnTo>
-                  <a:pt x="47116" y="5053753"/>
-                </a:lnTo>
-                <a:lnTo>
-                  <a:pt x="60070" y="5075963"/>
-                </a:lnTo>
-                <a:lnTo>
-                  <a:pt x="73025" y="5053753"/>
-                </a:lnTo>
-                <a:lnTo>
-                  <a:pt x="73025" y="73496"/>
-                </a:lnTo>
-                <a:lnTo>
-                  <a:pt x="60070" y="51289"/>
-                </a:lnTo>
-                <a:close/>
-              </a:path>
-              <a:path w="120650" h="5127625">
-                <a:moveTo>
-                  <a:pt x="60070" y="0"/>
-                </a:moveTo>
-                <a:lnTo>
-                  <a:pt x="0" y="102997"/>
-                </a:lnTo>
-                <a:lnTo>
-                  <a:pt x="2031" y="110998"/>
-                </a:lnTo>
-                <a:lnTo>
-                  <a:pt x="8254" y="114554"/>
-                </a:lnTo>
-                <a:lnTo>
-                  <a:pt x="14350" y="118110"/>
-                </a:lnTo>
-                <a:lnTo>
-                  <a:pt x="22351" y="116077"/>
-                </a:lnTo>
-                <a:lnTo>
-                  <a:pt x="25907" y="109855"/>
-                </a:lnTo>
-                <a:lnTo>
-                  <a:pt x="47116" y="73496"/>
-                </a:lnTo>
-                <a:lnTo>
-                  <a:pt x="47116" y="25654"/>
-                </a:lnTo>
-                <a:lnTo>
-                  <a:pt x="75033" y="25654"/>
-                </a:lnTo>
-                <a:lnTo>
-                  <a:pt x="60070" y="0"/>
-                </a:lnTo>
-                <a:close/>
-              </a:path>
-              <a:path w="120650" h="5127625">
-                <a:moveTo>
-                  <a:pt x="75033" y="25654"/>
-                </a:moveTo>
-                <a:lnTo>
-                  <a:pt x="73025" y="25654"/>
-                </a:lnTo>
-                <a:lnTo>
-                  <a:pt x="73025" y="73496"/>
-                </a:lnTo>
-                <a:lnTo>
-                  <a:pt x="94233" y="109855"/>
-                </a:lnTo>
-                <a:lnTo>
-                  <a:pt x="97789" y="116077"/>
-                </a:lnTo>
-                <a:lnTo>
-                  <a:pt x="105790" y="118110"/>
-                </a:lnTo>
-                <a:lnTo>
-                  <a:pt x="111887" y="114554"/>
-                </a:lnTo>
-                <a:lnTo>
-                  <a:pt x="118109" y="110998"/>
-                </a:lnTo>
-                <a:lnTo>
-                  <a:pt x="120141" y="102997"/>
-                </a:lnTo>
-                <a:lnTo>
-                  <a:pt x="75033" y="25654"/>
-                </a:lnTo>
-                <a:close/>
-              </a:path>
-              <a:path w="120650" h="5127625">
-                <a:moveTo>
-                  <a:pt x="73025" y="25654"/>
-                </a:moveTo>
-                <a:lnTo>
-                  <a:pt x="47116" y="25654"/>
-                </a:lnTo>
-                <a:lnTo>
-                  <a:pt x="47116" y="73496"/>
-                </a:lnTo>
-                <a:lnTo>
-                  <a:pt x="60070" y="51289"/>
-                </a:lnTo>
-                <a:lnTo>
-                  <a:pt x="48894" y="32131"/>
-                </a:lnTo>
-                <a:lnTo>
-                  <a:pt x="73025" y="32131"/>
-                </a:lnTo>
-                <a:lnTo>
-                  <a:pt x="73025" y="25654"/>
-                </a:lnTo>
-                <a:close/>
-              </a:path>
-              <a:path w="120650" h="5127625">
-                <a:moveTo>
-                  <a:pt x="73025" y="32131"/>
-                </a:moveTo>
-                <a:lnTo>
-                  <a:pt x="71246" y="32131"/>
-                </a:lnTo>
-                <a:lnTo>
-                  <a:pt x="60070" y="51289"/>
-                </a:lnTo>
-                <a:lnTo>
-                  <a:pt x="73025" y="73496"/>
-                </a:lnTo>
-                <a:lnTo>
-                  <a:pt x="73025" y="32131"/>
-                </a:lnTo>
-                <a:close/>
-              </a:path>
-              <a:path w="120650" h="5127625">
-                <a:moveTo>
-                  <a:pt x="71246" y="32131"/>
-                </a:moveTo>
-                <a:lnTo>
-                  <a:pt x="48894" y="32131"/>
-                </a:lnTo>
-                <a:lnTo>
-                  <a:pt x="60070" y="51289"/>
-                </a:lnTo>
-                <a:lnTo>
-                  <a:pt x="71246" y="32131"/>
-                </a:lnTo>
-                <a:close/>
-              </a:path>
-            </a:pathLst>
-          </a:custGeom>
-          <a:solidFill>
-            <a:srgbClr val="129CEB"/>
-          </a:solidFill>
-        </p:spPr>
-        <p:txBody>
-          <a:bodyPr wrap="square" lIns="0" tIns="0" rIns="0" bIns="0" rtlCol="0"/>
-          <a:lstStyle/>
-          <a:p>
-            <a:endParaRPr/>
-          </a:p>
-        </p:txBody>
-      </p:sp>
-      <p:sp>
-        <p:nvSpPr>
-          <p:cNvPr id="6" name="object 6"/>
-          <p:cNvSpPr/>
-          <p:nvPr/>
-        </p:nvSpPr>
-        <p:spPr>
-          <a:xfrm>
-            <a:off x="2007107" y="1731264"/>
-            <a:ext cx="5097780" cy="3435350"/>
-          </a:xfrm>
-          <a:custGeom>
-            <a:avLst/>
-            <a:gdLst/>
-            <a:ahLst/>
-            <a:cxnLst/>
-            <a:rect l="l" t="t" r="r" b="b"/>
-            <a:pathLst>
-              <a:path w="5097780" h="3435350">
-                <a:moveTo>
-                  <a:pt x="0" y="3435096"/>
-                </a:moveTo>
-                <a:lnTo>
-                  <a:pt x="5097780" y="3435096"/>
-                </a:lnTo>
-                <a:lnTo>
-                  <a:pt x="5097780" y="0"/>
-                </a:lnTo>
-                <a:lnTo>
-                  <a:pt x="0" y="0"/>
-                </a:lnTo>
-                <a:lnTo>
-                  <a:pt x="0" y="3435096"/>
-                </a:lnTo>
-                <a:close/>
-              </a:path>
-            </a:pathLst>
-          </a:custGeom>
-          <a:solidFill>
-            <a:srgbClr val="FFFFFF"/>
-          </a:solidFill>
-        </p:spPr>
-        <p:txBody>
-          <a:bodyPr wrap="square" lIns="0" tIns="0" rIns="0" bIns="0" rtlCol="0"/>
-          <a:lstStyle/>
-          <a:p>
-            <a:endParaRPr/>
-          </a:p>
-        </p:txBody>
-      </p:sp>
-      <p:sp>
-        <p:nvSpPr>
-          <p:cNvPr id="7" name="object 7"/>
-          <p:cNvSpPr txBox="1"/>
-          <p:nvPr/>
-        </p:nvSpPr>
-        <p:spPr>
-          <a:xfrm>
-            <a:off x="4020058" y="585342"/>
-            <a:ext cx="1105535" cy="266700"/>
-          </a:xfrm>
-          <a:prstGeom prst="rect">
-            <a:avLst/>
-          </a:prstGeom>
-        </p:spPr>
-        <p:txBody>
-          <a:bodyPr vert="horz" wrap="square" lIns="0" tIns="0" rIns="0" bIns="0" rtlCol="0">
-            <a:spAutoFit/>
-          </a:bodyPr>
-          <a:lstStyle/>
-          <a:p>
-            <a:pPr marL="12700">
-              <a:lnSpc>
-                <a:spcPct val="100000"/>
-              </a:lnSpc>
-            </a:pPr>
-            <a:r>
-              <a:rPr sz="1600" spc="-10" dirty="0">
-                <a:solidFill>
-                  <a:srgbClr val="129CEB"/>
-                </a:solidFill>
-                <a:latin typeface="Calibri"/>
-                <a:cs typeface="Calibri"/>
-              </a:rPr>
-              <a:t>AFFORDABLE</a:t>
-            </a:r>
-            <a:endParaRPr sz="1600">
-              <a:latin typeface="Calibri"/>
-              <a:cs typeface="Calibri"/>
-            </a:endParaRPr>
-          </a:p>
-        </p:txBody>
-      </p:sp>
-      <p:sp>
-        <p:nvSpPr>
-          <p:cNvPr id="8" name="object 8"/>
-          <p:cNvSpPr txBox="1"/>
-          <p:nvPr/>
-        </p:nvSpPr>
-        <p:spPr>
-          <a:xfrm>
-            <a:off x="4106417" y="6183274"/>
-            <a:ext cx="922655" cy="266700"/>
-          </a:xfrm>
-          <a:prstGeom prst="rect">
-            <a:avLst/>
-          </a:prstGeom>
-        </p:spPr>
-        <p:txBody>
-          <a:bodyPr vert="horz" wrap="square" lIns="0" tIns="0" rIns="0" bIns="0" rtlCol="0">
-            <a:spAutoFit/>
-          </a:bodyPr>
-          <a:lstStyle/>
-          <a:p>
-            <a:pPr marL="12700">
-              <a:lnSpc>
-                <a:spcPct val="100000"/>
-              </a:lnSpc>
-            </a:pPr>
-            <a:r>
-              <a:rPr sz="1600" spc="-10" dirty="0">
-                <a:solidFill>
-                  <a:srgbClr val="129CEB"/>
-                </a:solidFill>
-                <a:latin typeface="Calibri"/>
-                <a:cs typeface="Calibri"/>
-              </a:rPr>
-              <a:t>EXP</a:t>
-            </a:r>
-            <a:r>
-              <a:rPr sz="1600" spc="-5" dirty="0">
-                <a:solidFill>
-                  <a:srgbClr val="129CEB"/>
-                </a:solidFill>
-                <a:latin typeface="Calibri"/>
-                <a:cs typeface="Calibri"/>
-              </a:rPr>
-              <a:t>ENSI</a:t>
-            </a:r>
-            <a:r>
-              <a:rPr sz="1600" spc="-15" dirty="0">
-                <a:solidFill>
-                  <a:srgbClr val="129CEB"/>
-                </a:solidFill>
-                <a:latin typeface="Calibri"/>
-                <a:cs typeface="Calibri"/>
-              </a:rPr>
-              <a:t>V</a:t>
-            </a:r>
-            <a:r>
-              <a:rPr sz="1600" spc="-5" dirty="0">
-                <a:solidFill>
-                  <a:srgbClr val="129CEB"/>
-                </a:solidFill>
-                <a:latin typeface="Calibri"/>
-                <a:cs typeface="Calibri"/>
-              </a:rPr>
-              <a:t>E</a:t>
-            </a:r>
-            <a:endParaRPr sz="1600">
-              <a:latin typeface="Calibri"/>
-              <a:cs typeface="Calibri"/>
-            </a:endParaRPr>
-          </a:p>
-        </p:txBody>
-      </p:sp>
-      <p:sp>
-        <p:nvSpPr>
-          <p:cNvPr id="9" name="object 9"/>
-          <p:cNvSpPr txBox="1"/>
-          <p:nvPr/>
-        </p:nvSpPr>
-        <p:spPr>
-          <a:xfrm>
-            <a:off x="6994017" y="3060953"/>
-            <a:ext cx="1896110" cy="266700"/>
-          </a:xfrm>
-          <a:prstGeom prst="rect">
-            <a:avLst/>
-          </a:prstGeom>
-        </p:spPr>
-        <p:txBody>
-          <a:bodyPr vert="horz" wrap="square" lIns="0" tIns="0" rIns="0" bIns="0" rtlCol="0">
-            <a:spAutoFit/>
-          </a:bodyPr>
-          <a:lstStyle/>
-          <a:p>
-            <a:pPr marL="12700">
-              <a:lnSpc>
-                <a:spcPct val="100000"/>
-              </a:lnSpc>
-            </a:pPr>
-            <a:r>
-              <a:rPr sz="1600" spc="-5" dirty="0">
-                <a:solidFill>
-                  <a:srgbClr val="129CEB"/>
-                </a:solidFill>
-                <a:latin typeface="Calibri"/>
-                <a:cs typeface="Calibri"/>
-              </a:rPr>
-              <a:t>ONLINE</a:t>
-            </a:r>
-            <a:r>
-              <a:rPr sz="1600" spc="-35" dirty="0">
-                <a:solidFill>
-                  <a:srgbClr val="129CEB"/>
-                </a:solidFill>
-                <a:latin typeface="Calibri"/>
-                <a:cs typeface="Calibri"/>
-              </a:rPr>
-              <a:t> </a:t>
-            </a:r>
-            <a:r>
-              <a:rPr sz="1600" spc="-10" dirty="0">
-                <a:solidFill>
-                  <a:srgbClr val="129CEB"/>
-                </a:solidFill>
-                <a:latin typeface="Calibri"/>
-                <a:cs typeface="Calibri"/>
-              </a:rPr>
-              <a:t>TRANSACTION</a:t>
-            </a:r>
-            <a:endParaRPr sz="1600" dirty="0">
-              <a:latin typeface="Calibri"/>
-              <a:cs typeface="Calibri"/>
-            </a:endParaRPr>
-          </a:p>
-        </p:txBody>
-      </p:sp>
-      <p:sp>
-        <p:nvSpPr>
-          <p:cNvPr id="10" name="object 10"/>
-          <p:cNvSpPr txBox="1"/>
-          <p:nvPr/>
-        </p:nvSpPr>
-        <p:spPr>
-          <a:xfrm>
-            <a:off x="175056" y="3060953"/>
-            <a:ext cx="1950720" cy="266700"/>
-          </a:xfrm>
-          <a:prstGeom prst="rect">
-            <a:avLst/>
-          </a:prstGeom>
-        </p:spPr>
-        <p:txBody>
-          <a:bodyPr vert="horz" wrap="square" lIns="0" tIns="0" rIns="0" bIns="0" rtlCol="0">
-            <a:spAutoFit/>
-          </a:bodyPr>
-          <a:lstStyle/>
-          <a:p>
-            <a:pPr marL="12700">
-              <a:lnSpc>
-                <a:spcPct val="100000"/>
-              </a:lnSpc>
-            </a:pPr>
-            <a:r>
-              <a:rPr sz="1600" spc="-5" dirty="0">
-                <a:solidFill>
-                  <a:srgbClr val="129CEB"/>
-                </a:solidFill>
-                <a:latin typeface="Calibri"/>
-                <a:cs typeface="Calibri"/>
-              </a:rPr>
-              <a:t>OFFLINE</a:t>
-            </a:r>
-            <a:r>
-              <a:rPr sz="1600" spc="-40" dirty="0">
-                <a:solidFill>
-                  <a:srgbClr val="129CEB"/>
-                </a:solidFill>
-                <a:latin typeface="Calibri"/>
-                <a:cs typeface="Calibri"/>
-              </a:rPr>
-              <a:t> </a:t>
-            </a:r>
-            <a:r>
-              <a:rPr sz="1600" spc="-10" dirty="0">
-                <a:solidFill>
-                  <a:srgbClr val="129CEB"/>
-                </a:solidFill>
-                <a:latin typeface="Calibri"/>
-                <a:cs typeface="Calibri"/>
-              </a:rPr>
-              <a:t>TRANSACTION</a:t>
-            </a:r>
-            <a:endParaRPr sz="1600" dirty="0">
-              <a:latin typeface="Calibri"/>
-              <a:cs typeface="Calibri"/>
-            </a:endParaRPr>
-          </a:p>
-        </p:txBody>
-      </p:sp>
-      <p:sp>
-        <p:nvSpPr>
-          <p:cNvPr id="11" name="object 11"/>
-          <p:cNvSpPr/>
-          <p:nvPr/>
-        </p:nvSpPr>
-        <p:spPr>
-          <a:xfrm>
-            <a:off x="5018532" y="1531619"/>
-            <a:ext cx="3348227" cy="417575"/>
-          </a:xfrm>
-          <a:prstGeom prst="rect">
-            <a:avLst/>
-          </a:prstGeom>
-          <a:blipFill>
-            <a:blip r:embed="rId2" cstate="print"/>
-            <a:stretch>
-              <a:fillRect/>
-            </a:stretch>
-          </a:blipFill>
-        </p:spPr>
-        <p:txBody>
-          <a:bodyPr wrap="square" lIns="0" tIns="0" rIns="0" bIns="0" rtlCol="0"/>
-          <a:lstStyle/>
-          <a:p>
-            <a:endParaRPr/>
-          </a:p>
-        </p:txBody>
-      </p:sp>
-      <p:sp>
-        <p:nvSpPr>
-          <p:cNvPr id="12" name="object 12"/>
-          <p:cNvSpPr/>
-          <p:nvPr/>
-        </p:nvSpPr>
-        <p:spPr>
-          <a:xfrm>
-            <a:off x="6202679" y="2193035"/>
-            <a:ext cx="1979676" cy="536448"/>
-          </a:xfrm>
-          <a:prstGeom prst="rect">
-            <a:avLst/>
-          </a:prstGeom>
-          <a:blipFill>
-            <a:blip r:embed="rId3" cstate="print"/>
-            <a:stretch>
-              <a:fillRect/>
-            </a:stretch>
-          </a:blipFill>
-        </p:spPr>
-        <p:txBody>
-          <a:bodyPr wrap="square" lIns="0" tIns="0" rIns="0" bIns="0" rtlCol="0"/>
-          <a:lstStyle/>
-          <a:p>
-            <a:endParaRPr/>
-          </a:p>
-        </p:txBody>
-      </p:sp>
-      <p:sp>
-        <p:nvSpPr>
-          <p:cNvPr id="13" name="object 13"/>
-          <p:cNvSpPr/>
-          <p:nvPr/>
-        </p:nvSpPr>
-        <p:spPr>
-          <a:xfrm>
-            <a:off x="6452615" y="4596384"/>
-            <a:ext cx="1729739" cy="461771"/>
-          </a:xfrm>
-          <a:prstGeom prst="rect">
-            <a:avLst/>
-          </a:prstGeom>
-          <a:blipFill>
-            <a:blip r:embed="rId4" cstate="print"/>
-            <a:stretch>
-              <a:fillRect/>
-            </a:stretch>
-          </a:blipFill>
-        </p:spPr>
-        <p:txBody>
-          <a:bodyPr wrap="square" lIns="0" tIns="0" rIns="0" bIns="0" rtlCol="0"/>
-          <a:lstStyle/>
-          <a:p>
-            <a:endParaRPr/>
-          </a:p>
-        </p:txBody>
-      </p:sp>
-      <p:sp>
-        <p:nvSpPr>
-          <p:cNvPr id="14" name="object 14"/>
-          <p:cNvSpPr/>
-          <p:nvPr/>
-        </p:nvSpPr>
-        <p:spPr>
-          <a:xfrm>
-            <a:off x="1641348" y="1805939"/>
-            <a:ext cx="1383791" cy="397763"/>
-          </a:xfrm>
-          <a:prstGeom prst="rect">
-            <a:avLst/>
-          </a:prstGeom>
-          <a:blipFill>
-            <a:blip r:embed="rId5" cstate="print"/>
-            <a:stretch>
-              <a:fillRect/>
-            </a:stretch>
-          </a:blipFill>
-        </p:spPr>
-        <p:txBody>
-          <a:bodyPr wrap="square" lIns="0" tIns="0" rIns="0" bIns="0" rtlCol="0"/>
-          <a:lstStyle/>
-          <a:p>
-            <a:endParaRPr/>
-          </a:p>
-        </p:txBody>
-      </p:sp>
-      <p:sp>
-        <p:nvSpPr>
-          <p:cNvPr id="15" name="object 15"/>
-          <p:cNvSpPr/>
-          <p:nvPr/>
-        </p:nvSpPr>
-        <p:spPr>
-          <a:xfrm>
-            <a:off x="1641348" y="1179575"/>
-            <a:ext cx="888491" cy="560832"/>
-          </a:xfrm>
-          <a:prstGeom prst="rect">
-            <a:avLst/>
-          </a:prstGeom>
-          <a:blipFill>
-            <a:blip r:embed="rId6" cstate="print"/>
-            <a:stretch>
-              <a:fillRect/>
-            </a:stretch>
-          </a:blipFill>
-        </p:spPr>
-        <p:txBody>
-          <a:bodyPr wrap="square" lIns="0" tIns="0" rIns="0" bIns="0" rtlCol="0"/>
-          <a:lstStyle/>
-          <a:p>
-            <a:endParaRPr/>
-          </a:p>
-        </p:txBody>
-      </p:sp>
-      <p:sp>
-        <p:nvSpPr>
-          <p:cNvPr id="16" name="object 16"/>
-          <p:cNvSpPr/>
-          <p:nvPr/>
-        </p:nvSpPr>
-        <p:spPr>
-          <a:xfrm>
-            <a:off x="1641348" y="2269235"/>
-            <a:ext cx="2314955" cy="434339"/>
-          </a:xfrm>
-          <a:prstGeom prst="rect">
-            <a:avLst/>
-          </a:prstGeom>
-          <a:blipFill>
-            <a:blip r:embed="rId7" cstate="print"/>
-            <a:stretch>
-              <a:fillRect/>
-            </a:stretch>
-          </a:blipFill>
-        </p:spPr>
-        <p:txBody>
-          <a:bodyPr wrap="square" lIns="0" tIns="0" rIns="0" bIns="0" rtlCol="0"/>
-          <a:lstStyle/>
-          <a:p>
-            <a:endParaRPr/>
-          </a:p>
-        </p:txBody>
-      </p:sp>
-      <p:sp>
-        <p:nvSpPr>
-          <p:cNvPr id="17" name="object 17"/>
-          <p:cNvSpPr/>
-          <p:nvPr/>
-        </p:nvSpPr>
-        <p:spPr>
-          <a:xfrm>
-            <a:off x="1641348" y="4360164"/>
-            <a:ext cx="1255776" cy="429768"/>
-          </a:xfrm>
-          <a:prstGeom prst="rect">
-            <a:avLst/>
-          </a:prstGeom>
-          <a:blipFill>
-            <a:blip r:embed="rId8" cstate="print"/>
-            <a:stretch>
-              <a:fillRect/>
-            </a:stretch>
-          </a:blipFill>
-        </p:spPr>
-        <p:txBody>
-          <a:bodyPr wrap="square" lIns="0" tIns="0" rIns="0" bIns="0" rtlCol="0"/>
-          <a:lstStyle/>
-          <a:p>
-            <a:endParaRPr/>
-          </a:p>
-        </p:txBody>
-      </p:sp>
-      <p:sp>
-        <p:nvSpPr>
-          <p:cNvPr id="18" name="object 18"/>
-          <p:cNvSpPr/>
-          <p:nvPr/>
-        </p:nvSpPr>
-        <p:spPr>
-          <a:xfrm>
-            <a:off x="1641348" y="5166359"/>
-            <a:ext cx="1249680" cy="434339"/>
-          </a:xfrm>
-          <a:prstGeom prst="rect">
-            <a:avLst/>
-          </a:prstGeom>
-          <a:blipFill>
-            <a:blip r:embed="rId9" cstate="print"/>
-            <a:stretch>
-              <a:fillRect/>
-            </a:stretch>
-          </a:blipFill>
-        </p:spPr>
-        <p:txBody>
-          <a:bodyPr wrap="square" lIns="0" tIns="0" rIns="0" bIns="0" rtlCol="0"/>
-          <a:lstStyle/>
-          <a:p>
-            <a:endParaRPr/>
-          </a:p>
-        </p:txBody>
-      </p:sp>
-      <p:sp>
-        <p:nvSpPr>
-          <p:cNvPr id="19" name="object 19"/>
-          <p:cNvSpPr txBox="1">
-            <a:spLocks noGrp="1"/>
-          </p:cNvSpPr>
-          <p:nvPr>
-            <p:ph type="ftr" sz="quarter" idx="5"/>
-          </p:nvPr>
-        </p:nvSpPr>
-        <p:spPr>
-          <a:prstGeom prst="rect">
-            <a:avLst/>
-          </a:prstGeom>
-        </p:spPr>
-        <p:txBody>
-          <a:bodyPr vert="horz" wrap="square" lIns="0" tIns="0" rIns="0" bIns="0" rtlCol="0">
-            <a:spAutoFit/>
-          </a:bodyPr>
-          <a:lstStyle/>
-          <a:p>
-            <a:pPr marL="12700">
-              <a:lnSpc>
-                <a:spcPts val="1150"/>
-              </a:lnSpc>
-            </a:pPr>
-            <a:r>
-              <a:rPr dirty="0"/>
-              <a:t>Template </a:t>
-            </a:r>
-            <a:r>
-              <a:rPr spc="-5" dirty="0"/>
-              <a:t>by</a:t>
-            </a:r>
-            <a:r>
-              <a:rPr spc="-50" dirty="0"/>
-              <a:t> </a:t>
-            </a:r>
-            <a:r>
-              <a:rPr b="1" spc="-5" dirty="0">
-                <a:latin typeface="Calibri"/>
-                <a:cs typeface="Calibri"/>
-              </a:rPr>
-              <a:t>PitchDeckCoach</a:t>
-            </a:r>
-            <a:r>
-              <a:rPr spc="-5" dirty="0"/>
-              <a:t>.com</a:t>
-            </a:r>
           </a:p>
         </p:txBody>
       </p:sp>

--- a/service_images/startuppitch/myservicenned_pitch.pptx
+++ b/service_images/startuppitch/myservicenned_pitch.pptx
@@ -296,7 +296,7 @@
           <a:p>
             <a:fld id="{1D8BD707-D9CF-40AE-B4C6-C98DA3205C09}" type="datetimeFigureOut">
               <a:rPr lang="en-US"/>
-              <a:t>3/9/2017</a:t>
+              <a:t>3/11/2017</a:t>
             </a:fld>
             <a:endParaRPr lang="en-US"/>
           </a:p>
@@ -500,7 +500,7 @@
           <a:p>
             <a:fld id="{1D8BD707-D9CF-40AE-B4C6-C98DA3205C09}" type="datetimeFigureOut">
               <a:rPr lang="en-US"/>
-              <a:t>3/9/2017</a:t>
+              <a:t>3/11/2017</a:t>
             </a:fld>
             <a:endParaRPr lang="en-US"/>
           </a:p>
@@ -741,7 +741,7 @@
           <a:p>
             <a:fld id="{1D8BD707-D9CF-40AE-B4C6-C98DA3205C09}" type="datetimeFigureOut">
               <a:rPr lang="en-US"/>
-              <a:t>3/9/2017</a:t>
+              <a:t>3/11/2017</a:t>
             </a:fld>
             <a:endParaRPr lang="en-US"/>
           </a:p>
@@ -916,7 +916,7 @@
           <a:p>
             <a:fld id="{1D8BD707-D9CF-40AE-B4C6-C98DA3205C09}" type="datetimeFigureOut">
               <a:rPr lang="en-US"/>
-              <a:t>3/9/2017</a:t>
+              <a:t>3/11/2017</a:t>
             </a:fld>
             <a:endParaRPr lang="en-US"/>
           </a:p>
@@ -1062,7 +1062,7 @@
           <a:p>
             <a:fld id="{1D8BD707-D9CF-40AE-B4C6-C98DA3205C09}" type="datetimeFigureOut">
               <a:rPr lang="en-US"/>
-              <a:t>3/9/2017</a:t>
+              <a:t>3/11/2017</a:t>
             </a:fld>
             <a:endParaRPr lang="en-US"/>
           </a:p>
@@ -1311,7 +1311,7 @@
           <a:p>
             <a:fld id="{1D8BD707-D9CF-40AE-B4C6-C98DA3205C09}" type="datetimeFigureOut">
               <a:rPr lang="en-US"/>
-              <a:t>3/9/2017</a:t>
+              <a:t>3/11/2017</a:t>
             </a:fld>
             <a:endParaRPr lang="en-US"/>
           </a:p>
@@ -6607,7 +6607,17 @@
                 <a:latin typeface="Arial"/>
                 <a:cs typeface="Arial"/>
               </a:rPr>
-              <a:t>charge from user who view more than 10 service needs per a Day.</a:t>
+              <a:t>charge from user who view more than 10 service needs per a </a:t>
+            </a:r>
+            <a:r>
+              <a:rPr lang="en-US" sz="2600" dirty="0" smtClean="0">
+                <a:solidFill>
+                  <a:srgbClr val="7E7E7E"/>
+                </a:solidFill>
+                <a:latin typeface="Arial"/>
+                <a:cs typeface="Arial"/>
+              </a:rPr>
+              <a:t>Day(In find work section).</a:t>
             </a:r>
             <a:endParaRPr sz="2600" dirty="0">
               <a:latin typeface="Arial"/>
@@ -7831,6 +7841,60 @@
               <a:rPr spc="-5" dirty="0"/>
               <a:t>.com</a:t>
             </a:r>
+          </a:p>
+        </p:txBody>
+      </p:sp>
+      <p:sp>
+        <p:nvSpPr>
+          <p:cNvPr id="15" name="TextBox 14"/>
+          <p:cNvSpPr txBox="1"/>
+          <p:nvPr/>
+        </p:nvSpPr>
+        <p:spPr>
+          <a:xfrm>
+            <a:off x="381000" y="5715000"/>
+            <a:ext cx="8502927" cy="369332"/>
+          </a:xfrm>
+          <a:prstGeom prst="rect">
+            <a:avLst/>
+          </a:prstGeom>
+          <a:noFill/>
+        </p:spPr>
+        <p:txBody>
+          <a:bodyPr wrap="square" rtlCol="0">
+            <a:spAutoFit/>
+          </a:bodyPr>
+          <a:lstStyle/>
+          <a:p>
+            <a:r>
+              <a:rPr lang="en-US" dirty="0" smtClean="0">
+                <a:solidFill>
+                  <a:srgbClr val="FF0000"/>
+                </a:solidFill>
+              </a:rPr>
+              <a:t>Note: Depends on type of </a:t>
+            </a:r>
+            <a:r>
+              <a:rPr lang="en-US" dirty="0">
+                <a:solidFill>
+                  <a:srgbClr val="FF0000"/>
+                </a:solidFill>
+              </a:rPr>
+              <a:t>s</a:t>
+            </a:r>
+            <a:r>
+              <a:rPr lang="en-US" dirty="0" smtClean="0">
+                <a:solidFill>
+                  <a:srgbClr val="FF0000"/>
+                </a:solidFill>
+              </a:rPr>
+              <a:t>ervice work viewed, number of views available will change.</a:t>
+            </a:r>
+            <a:endParaRPr lang="en-US" dirty="0">
+              <a:solidFill>
+                <a:srgbClr val="FF0000"/>
+              </a:solidFill>
+            </a:endParaRPr>
           </a:p>
         </p:txBody>
       </p:sp>

--- a/service_images/startuppitch/myservicenned_pitch.pptx
+++ b/service_images/startuppitch/myservicenned_pitch.pptx
@@ -8,11 +8,12 @@
     <p:sldId id="256" r:id="rId2"/>
     <p:sldId id="257" r:id="rId3"/>
     <p:sldId id="258" r:id="rId4"/>
-    <p:sldId id="260" r:id="rId5"/>
-    <p:sldId id="261" r:id="rId6"/>
-    <p:sldId id="262" r:id="rId7"/>
-    <p:sldId id="264" r:id="rId8"/>
-    <p:sldId id="265" r:id="rId9"/>
+    <p:sldId id="266" r:id="rId5"/>
+    <p:sldId id="260" r:id="rId6"/>
+    <p:sldId id="261" r:id="rId7"/>
+    <p:sldId id="262" r:id="rId8"/>
+    <p:sldId id="264" r:id="rId9"/>
+    <p:sldId id="265" r:id="rId10"/>
   </p:sldIdLst>
   <p:sldSz cx="9144000" cy="6858000" type="screen4x3"/>
   <p:notesSz cx="9144000" cy="6858000"/>
@@ -113,7 +114,7 @@
   </p:defaultTextStyle>
   <p:extLst>
     <p:ext uri="{EFAFB233-063F-42B5-8137-9DF3F51BA10A}">
-      <p15:sldGuideLst xmlns="" xmlns:p15="http://schemas.microsoft.com/office/powerpoint/2012/main">
+      <p15:sldGuideLst xmlns:p15="http://schemas.microsoft.com/office/powerpoint/2012/main">
         <p15:guide id="1" orient="horz" pos="2880">
           <p15:clr>
             <a:srgbClr val="A4A3A4"/>
@@ -296,7 +297,7 @@
           <a:p>
             <a:fld id="{1D8BD707-D9CF-40AE-B4C6-C98DA3205C09}" type="datetimeFigureOut">
               <a:rPr lang="en-US"/>
-              <a:t>3/11/2017</a:t>
+              <a:t>3/13/2017</a:t>
             </a:fld>
             <a:endParaRPr lang="en-US"/>
           </a:p>
@@ -500,7 +501,7 @@
           <a:p>
             <a:fld id="{1D8BD707-D9CF-40AE-B4C6-C98DA3205C09}" type="datetimeFigureOut">
               <a:rPr lang="en-US"/>
-              <a:t>3/11/2017</a:t>
+              <a:t>3/13/2017</a:t>
             </a:fld>
             <a:endParaRPr lang="en-US"/>
           </a:p>
@@ -741,7 +742,7 @@
           <a:p>
             <a:fld id="{1D8BD707-D9CF-40AE-B4C6-C98DA3205C09}" type="datetimeFigureOut">
               <a:rPr lang="en-US"/>
-              <a:t>3/11/2017</a:t>
+              <a:t>3/13/2017</a:t>
             </a:fld>
             <a:endParaRPr lang="en-US"/>
           </a:p>
@@ -916,7 +917,7 @@
           <a:p>
             <a:fld id="{1D8BD707-D9CF-40AE-B4C6-C98DA3205C09}" type="datetimeFigureOut">
               <a:rPr lang="en-US"/>
-              <a:t>3/11/2017</a:t>
+              <a:t>3/13/2017</a:t>
             </a:fld>
             <a:endParaRPr lang="en-US"/>
           </a:p>
@@ -1062,7 +1063,7 @@
           <a:p>
             <a:fld id="{1D8BD707-D9CF-40AE-B4C6-C98DA3205C09}" type="datetimeFigureOut">
               <a:rPr lang="en-US"/>
-              <a:t>3/11/2017</a:t>
+              <a:t>3/13/2017</a:t>
             </a:fld>
             <a:endParaRPr lang="en-US"/>
           </a:p>
@@ -1311,7 +1312,7 @@
           <a:p>
             <a:fld id="{1D8BD707-D9CF-40AE-B4C6-C98DA3205C09}" type="datetimeFigureOut">
               <a:rPr lang="en-US"/>
-              <a:t>3/11/2017</a:t>
+              <a:t>3/13/2017</a:t>
             </a:fld>
             <a:endParaRPr lang="en-US"/>
           </a:p>
@@ -3028,6 +3029,220 @@
 </file>
 
 <file path=ppt/slides/slide4.xml><?xml version="1.0" encoding="utf-8"?>
+<p:sld xmlns:a="http://schemas.openxmlformats.org/drawingml/2006/main" xmlns:r="http://schemas.openxmlformats.org/officeDocument/2006/relationships" xmlns:p="http://schemas.openxmlformats.org/presentationml/2006/main">
+  <p:cSld>
+    <p:spTree>
+      <p:nvGrpSpPr>
+        <p:cNvPr id="1" name=""/>
+        <p:cNvGrpSpPr/>
+        <p:nvPr/>
+      </p:nvGrpSpPr>
+      <p:grpSpPr>
+        <a:xfrm>
+          <a:off x="0" y="0"/>
+          <a:ext cx="0" cy="0"/>
+          <a:chOff x="0" y="0"/>
+          <a:chExt cx="0" cy="0"/>
+        </a:xfrm>
+      </p:grpSpPr>
+      <p:sp>
+        <p:nvSpPr>
+          <p:cNvPr id="2" name="Title 1"/>
+          <p:cNvSpPr>
+            <a:spLocks noGrp="1"/>
+          </p:cNvSpPr>
+          <p:nvPr>
+            <p:ph type="title"/>
+          </p:nvPr>
+        </p:nvSpPr>
+        <p:spPr>
+          <a:xfrm>
+            <a:off x="225652" y="162178"/>
+            <a:ext cx="8918347" cy="1107996"/>
+          </a:xfrm>
+        </p:spPr>
+        <p:txBody>
+          <a:bodyPr/>
+          <a:lstStyle/>
+          <a:p>
+            <a:r>
+              <a:rPr lang="en-US" dirty="0"/>
+              <a:t>Establishing Network: Our First Priority</a:t>
+            </a:r>
+          </a:p>
+        </p:txBody>
+      </p:sp>
+      <p:sp>
+        <p:nvSpPr>
+          <p:cNvPr id="3" name="Text Placeholder 2"/>
+          <p:cNvSpPr>
+            <a:spLocks noGrp="1"/>
+          </p:cNvSpPr>
+          <p:nvPr>
+            <p:ph type="body" idx="1"/>
+          </p:nvPr>
+        </p:nvSpPr>
+        <p:spPr>
+          <a:xfrm>
+            <a:off x="1183792" y="2382011"/>
+            <a:ext cx="7274408" cy="307777"/>
+          </a:xfrm>
+        </p:spPr>
+        <p:txBody>
+          <a:bodyPr/>
+          <a:lstStyle/>
+          <a:p>
+            <a:r>
+              <a:rPr lang="en-US" sz="2000" kern="1200" spc="-5" dirty="0">
+                <a:solidFill>
+                  <a:srgbClr val="7E7E7E"/>
+                </a:solidFill>
+                <a:latin typeface="Arial"/>
+                <a:cs typeface="Arial"/>
+              </a:rPr>
+              <a:t>For LinkedIn, PayPal, and Google the key is the network.</a:t>
+            </a:r>
+          </a:p>
+        </p:txBody>
+      </p:sp>
+      <p:sp>
+        <p:nvSpPr>
+          <p:cNvPr id="4" name="Text Placeholder 2"/>
+          <p:cNvSpPr txBox="1">
+            <a:spLocks/>
+          </p:cNvSpPr>
+          <p:nvPr/>
+        </p:nvSpPr>
+        <p:spPr>
+          <a:xfrm>
+            <a:off x="1183792" y="3048000"/>
+            <a:ext cx="7274408" cy="1538883"/>
+          </a:xfrm>
+          <a:prstGeom prst="rect">
+            <a:avLst/>
+          </a:prstGeom>
+        </p:spPr>
+        <p:txBody>
+          <a:bodyPr wrap="square" lIns="0" tIns="0" rIns="0" bIns="0">
+            <a:spAutoFit/>
+          </a:bodyPr>
+          <a:lstStyle>
+            <a:lvl1pPr marL="0">
+              <a:defRPr sz="6000" b="0" i="0">
+                <a:solidFill>
+                  <a:srgbClr val="E3007C"/>
+                </a:solidFill>
+                <a:latin typeface="Arial Rounded MT Bold"/>
+                <a:ea typeface="+mn-ea"/>
+                <a:cs typeface="Arial Rounded MT Bold"/>
+              </a:defRPr>
+            </a:lvl1pPr>
+            <a:lvl2pPr marL="457200">
+              <a:defRPr>
+                <a:latin typeface="+mn-lt"/>
+                <a:ea typeface="+mn-ea"/>
+                <a:cs typeface="+mn-cs"/>
+              </a:defRPr>
+            </a:lvl2pPr>
+            <a:lvl3pPr marL="914400">
+              <a:defRPr>
+                <a:latin typeface="+mn-lt"/>
+                <a:ea typeface="+mn-ea"/>
+                <a:cs typeface="+mn-cs"/>
+              </a:defRPr>
+            </a:lvl3pPr>
+            <a:lvl4pPr marL="1371600">
+              <a:defRPr>
+                <a:latin typeface="+mn-lt"/>
+                <a:ea typeface="+mn-ea"/>
+                <a:cs typeface="+mn-cs"/>
+              </a:defRPr>
+            </a:lvl4pPr>
+            <a:lvl5pPr marL="1828800">
+              <a:defRPr>
+                <a:latin typeface="+mn-lt"/>
+                <a:ea typeface="+mn-ea"/>
+                <a:cs typeface="+mn-cs"/>
+              </a:defRPr>
+            </a:lvl5pPr>
+            <a:lvl6pPr marL="2286000">
+              <a:defRPr>
+                <a:latin typeface="+mn-lt"/>
+                <a:ea typeface="+mn-ea"/>
+                <a:cs typeface="+mn-cs"/>
+              </a:defRPr>
+            </a:lvl6pPr>
+            <a:lvl7pPr marL="2743200">
+              <a:defRPr>
+                <a:latin typeface="+mn-lt"/>
+                <a:ea typeface="+mn-ea"/>
+                <a:cs typeface="+mn-cs"/>
+              </a:defRPr>
+            </a:lvl7pPr>
+            <a:lvl8pPr marL="3200400">
+              <a:defRPr>
+                <a:latin typeface="+mn-lt"/>
+                <a:ea typeface="+mn-ea"/>
+                <a:cs typeface="+mn-cs"/>
+              </a:defRPr>
+            </a:lvl8pPr>
+            <a:lvl9pPr marL="3657600">
+              <a:defRPr>
+                <a:latin typeface="+mn-lt"/>
+                <a:ea typeface="+mn-ea"/>
+                <a:cs typeface="+mn-cs"/>
+              </a:defRPr>
+            </a:lvl9pPr>
+          </a:lstStyle>
+          <a:p>
+            <a:r>
+              <a:rPr lang="en-US" sz="2000" spc="-5" dirty="0">
+                <a:solidFill>
+                  <a:srgbClr val="7E7E7E"/>
+                </a:solidFill>
+                <a:latin typeface="Arial"/>
+                <a:cs typeface="Arial"/>
+              </a:rPr>
+              <a:t>Where the network is the key the first mover is critical to revenue.</a:t>
+            </a:r>
+          </a:p>
+          <a:p>
+            <a:endParaRPr lang="en-US" sz="2000" spc="-5" dirty="0">
+              <a:solidFill>
+                <a:srgbClr val="7E7E7E"/>
+              </a:solidFill>
+              <a:latin typeface="Arial"/>
+              <a:cs typeface="Arial"/>
+            </a:endParaRPr>
+          </a:p>
+          <a:p>
+            <a:r>
+              <a:rPr lang="en-US" sz="2000" spc="-5" dirty="0">
+                <a:solidFill>
+                  <a:srgbClr val="7E7E7E"/>
+                </a:solidFill>
+                <a:latin typeface="Arial"/>
+                <a:cs typeface="Arial"/>
+              </a:rPr>
+              <a:t>PayPal waited until 4 million registered users before turning on revenue.</a:t>
+            </a:r>
+          </a:p>
+        </p:txBody>
+      </p:sp>
+    </p:spTree>
+    <p:extLst>
+      <p:ext uri="{BB962C8B-B14F-4D97-AF65-F5344CB8AC3E}">
+        <p14:creationId xmlns:p14="http://schemas.microsoft.com/office/powerpoint/2010/main" val="2870441963"/>
+      </p:ext>
+    </p:extLst>
+  </p:cSld>
+  <p:clrMapOvr>
+    <a:masterClrMapping/>
+  </p:clrMapOvr>
+</p:sld>
+</file>
+
+<file path=ppt/slides/slide5.xml><?xml version="1.0" encoding="utf-8"?>
 <p:sld xmlns:a="http://schemas.openxmlformats.org/drawingml/2006/main" xmlns:r="http://schemas.openxmlformats.org/officeDocument/2006/relationships" xmlns:p="http://schemas.openxmlformats.org/presentationml/2006/main" showMasterSp="0">
   <p:cSld>
     <p:spTree>
@@ -5252,7 +5467,7 @@
               </a:rPr>
               <a:t> </a:t>
             </a:r>
-            <a:endParaRPr lang="en-US" sz="2000" b="1" spc="-85" dirty="0" smtClean="0">
+            <a:endParaRPr lang="en-US" sz="2000" b="1" spc="-85" dirty="0">
               <a:solidFill>
                 <a:srgbClr val="444748"/>
               </a:solidFill>
@@ -5267,7 +5482,7 @@
               </a:lnSpc>
             </a:pPr>
             <a:r>
-              <a:rPr lang="en-US" sz="2000" b="1" spc="-15" dirty="0" err="1" smtClean="0">
+              <a:rPr lang="en-US" sz="2000" b="1" spc="-15" dirty="0" err="1">
                 <a:solidFill>
                   <a:srgbClr val="444748"/>
                 </a:solidFill>
@@ -5335,7 +5550,7 @@
 </p:sld>
 </file>
 
-<file path=ppt/slides/slide5.xml><?xml version="1.0" encoding="utf-8"?>
+<file path=ppt/slides/slide6.xml><?xml version="1.0" encoding="utf-8"?>
 <p:sld xmlns:a="http://schemas.openxmlformats.org/drawingml/2006/main" xmlns:r="http://schemas.openxmlformats.org/officeDocument/2006/relationships" xmlns:p="http://schemas.openxmlformats.org/presentationml/2006/main" showMasterSp="0">
   <p:cSld>
     <p:spTree>
@@ -6462,7 +6677,7 @@
 </p:sld>
 </file>
 
-<file path=ppt/slides/slide6.xml><?xml version="1.0" encoding="utf-8"?>
+<file path=ppt/slides/slide7.xml><?xml version="1.0" encoding="utf-8"?>
 <p:sld xmlns:a="http://schemas.openxmlformats.org/drawingml/2006/main" xmlns:r="http://schemas.openxmlformats.org/officeDocument/2006/relationships" xmlns:p="http://schemas.openxmlformats.org/presentationml/2006/main" showMasterSp="0">
   <p:cSld>
     <p:spTree>
@@ -6607,17 +6822,7 @@
                 <a:latin typeface="Arial"/>
                 <a:cs typeface="Arial"/>
               </a:rPr>
-              <a:t>charge from user who view more than 10 service needs per a </a:t>
-            </a:r>
-            <a:r>
-              <a:rPr lang="en-US" sz="2600" dirty="0" smtClean="0">
-                <a:solidFill>
-                  <a:srgbClr val="7E7E7E"/>
-                </a:solidFill>
-                <a:latin typeface="Arial"/>
-                <a:cs typeface="Arial"/>
-              </a:rPr>
-              <a:t>Day(In find work section).</a:t>
+              <a:t>charge from user who view more than 10 service needs per a Day(In find work section).</a:t>
             </a:r>
             <a:endParaRPr sz="2600" dirty="0">
               <a:latin typeface="Arial"/>
@@ -6801,17 +7006,7 @@
                 <a:latin typeface="Calibri"/>
                 <a:cs typeface="Calibri"/>
               </a:rPr>
-              <a:t>View 50 Needs with </a:t>
-            </a:r>
-            <a:r>
-              <a:rPr lang="en-US" spc="-5" dirty="0" smtClean="0">
-                <a:solidFill>
-                  <a:srgbClr val="7E7E7E"/>
-                </a:solidFill>
-                <a:latin typeface="Calibri"/>
-                <a:cs typeface="Calibri"/>
-              </a:rPr>
-              <a:t>Rs.10</a:t>
+              <a:t>View 50 Needs with Rs.10</a:t>
             </a:r>
             <a:endParaRPr sz="1800" dirty="0">
               <a:latin typeface="Calibri"/>
@@ -7867,34 +8062,13 @@
           <a:lstStyle/>
           <a:p>
             <a:r>
-              <a:rPr lang="en-US" dirty="0" smtClean="0">
+              <a:rPr lang="en-US" dirty="0">
                 <a:solidFill>
                   <a:srgbClr val="FF0000"/>
                 </a:solidFill>
               </a:rPr>
-              <a:t>Note: Depends on type of </a:t>
-            </a:r>
-            <a:r>
-              <a:rPr lang="en-US" dirty="0">
-                <a:solidFill>
-                  <a:srgbClr val="FF0000"/>
-                </a:solidFill>
-              </a:rPr>
-              <a:t>s</a:t>
-            </a:r>
-            <a:r>
-              <a:rPr lang="en-US" dirty="0" smtClean="0">
-                <a:solidFill>
-                  <a:srgbClr val="FF0000"/>
-                </a:solidFill>
-              </a:rPr>
-              <a:t>ervice work viewed, number of views available will change.</a:t>
-            </a:r>
-            <a:endParaRPr lang="en-US" dirty="0">
-              <a:solidFill>
-                <a:srgbClr val="FF0000"/>
-              </a:solidFill>
-            </a:endParaRPr>
+              <a:t>Note: Depends on type of service work viewed, number of views available will change.</a:t>
+            </a:r>
           </a:p>
         </p:txBody>
       </p:sp>
@@ -7906,7 +8080,7 @@
 </p:sld>
 </file>
 
-<file path=ppt/slides/slide7.xml><?xml version="1.0" encoding="utf-8"?>
+<file path=ppt/slides/slide8.xml><?xml version="1.0" encoding="utf-8"?>
 <p:sld xmlns:a="http://schemas.openxmlformats.org/drawingml/2006/main" xmlns:r="http://schemas.openxmlformats.org/officeDocument/2006/relationships" xmlns:p="http://schemas.openxmlformats.org/presentationml/2006/main" showMasterSp="0">
   <p:cSld>
     <p:spTree>
@@ -8699,7 +8873,7 @@
           <a:lstStyle/>
           <a:p>
             <a:r>
-              <a:rPr lang="en-US" sz="2800" dirty="0" smtClean="0">
+              <a:rPr lang="en-US" sz="2800" dirty="0">
                 <a:solidFill>
                   <a:schemeClr val="tx2"/>
                 </a:solidFill>
@@ -8707,14 +8881,14 @@
               <a:t>      </a:t>
             </a:r>
             <a:r>
-              <a:rPr lang="en-US" sz="2800" dirty="0" err="1" smtClean="0">
+              <a:rPr lang="en-US" sz="2800" dirty="0" err="1">
                 <a:solidFill>
                   <a:schemeClr val="tx2"/>
                 </a:solidFill>
               </a:rPr>
               <a:t>Urbanclap</a:t>
             </a:r>
-            <a:endParaRPr lang="en-US" sz="2800" dirty="0" smtClean="0">
+            <a:endParaRPr lang="en-US" sz="2800" dirty="0">
               <a:solidFill>
                 <a:schemeClr val="tx2"/>
               </a:solidFill>
@@ -8722,7 +8896,7 @@
           </a:p>
           <a:p>
             <a:r>
-              <a:rPr lang="en-US" sz="2800" dirty="0" smtClean="0">
+              <a:rPr lang="en-US" sz="2800" dirty="0">
                 <a:solidFill>
                   <a:schemeClr val="tx2"/>
                 </a:solidFill>
@@ -8730,7 +8904,7 @@
               <a:t>      </a:t>
             </a:r>
             <a:r>
-              <a:rPr lang="en-US" sz="2800" dirty="0" err="1" smtClean="0">
+              <a:rPr lang="en-US" sz="2800" dirty="0" err="1">
                 <a:solidFill>
                   <a:schemeClr val="tx2"/>
                 </a:solidFill>
@@ -8738,7 +8912,7 @@
               <a:t>Ramukaka</a:t>
             </a:r>
             <a:r>
-              <a:rPr lang="en-US" sz="2800" dirty="0" smtClean="0">
+              <a:rPr lang="en-US" sz="2800" dirty="0">
                 <a:solidFill>
                   <a:schemeClr val="tx2"/>
                 </a:solidFill>
@@ -8748,7 +8922,7 @@
           </a:p>
           <a:p>
             <a:r>
-              <a:rPr lang="en-US" sz="2800" dirty="0" smtClean="0">
+              <a:rPr lang="en-US" sz="2800" dirty="0">
                 <a:solidFill>
                   <a:schemeClr val="tx2"/>
                 </a:solidFill>
@@ -9063,7 +9237,7 @@
 </p:sld>
 </file>
 
-<file path=ppt/slides/slide8.xml><?xml version="1.0" encoding="utf-8"?>
+<file path=ppt/slides/slide9.xml><?xml version="1.0" encoding="utf-8"?>
 <p:sld xmlns:a="http://schemas.openxmlformats.org/drawingml/2006/main" xmlns:r="http://schemas.openxmlformats.org/officeDocument/2006/relationships" xmlns:p="http://schemas.openxmlformats.org/presentationml/2006/main" showMasterSp="0">
   <p:cSld>
     <p:spTree>

--- a/service_images/startuppitch/myservicenned_pitch.pptx
+++ b/service_images/startuppitch/myservicenned_pitch.pptx
@@ -297,7 +297,7 @@
           <a:p>
             <a:fld id="{1D8BD707-D9CF-40AE-B4C6-C98DA3205C09}" type="datetimeFigureOut">
               <a:rPr lang="en-US"/>
-              <a:t>3/13/2017</a:t>
+              <a:t>3/16/2017</a:t>
             </a:fld>
             <a:endParaRPr lang="en-US"/>
           </a:p>
@@ -501,7 +501,7 @@
           <a:p>
             <a:fld id="{1D8BD707-D9CF-40AE-B4C6-C98DA3205C09}" type="datetimeFigureOut">
               <a:rPr lang="en-US"/>
-              <a:t>3/13/2017</a:t>
+              <a:t>3/16/2017</a:t>
             </a:fld>
             <a:endParaRPr lang="en-US"/>
           </a:p>
@@ -742,7 +742,7 @@
           <a:p>
             <a:fld id="{1D8BD707-D9CF-40AE-B4C6-C98DA3205C09}" type="datetimeFigureOut">
               <a:rPr lang="en-US"/>
-              <a:t>3/13/2017</a:t>
+              <a:t>3/16/2017</a:t>
             </a:fld>
             <a:endParaRPr lang="en-US"/>
           </a:p>
@@ -917,7 +917,7 @@
           <a:p>
             <a:fld id="{1D8BD707-D9CF-40AE-B4C6-C98DA3205C09}" type="datetimeFigureOut">
               <a:rPr lang="en-US"/>
-              <a:t>3/13/2017</a:t>
+              <a:t>3/16/2017</a:t>
             </a:fld>
             <a:endParaRPr lang="en-US"/>
           </a:p>
@@ -1063,7 +1063,7 @@
           <a:p>
             <a:fld id="{1D8BD707-D9CF-40AE-B4C6-C98DA3205C09}" type="datetimeFigureOut">
               <a:rPr lang="en-US"/>
-              <a:t>3/13/2017</a:t>
+              <a:t>3/16/2017</a:t>
             </a:fld>
             <a:endParaRPr lang="en-US"/>
           </a:p>
@@ -1312,7 +1312,7 @@
           <a:p>
             <a:fld id="{1D8BD707-D9CF-40AE-B4C6-C98DA3205C09}" type="datetimeFigureOut">
               <a:rPr lang="en-US"/>
-              <a:t>3/13/2017</a:t>
+              <a:t>3/16/2017</a:t>
             </a:fld>
             <a:endParaRPr lang="en-US"/>
           </a:p>
@@ -1944,6 +1944,10 @@
           </p:nvPr>
         </p:nvSpPr>
         <p:spPr>
+          <a:xfrm>
+            <a:off x="7095870" y="6641388"/>
+            <a:ext cx="1971675" cy="153888"/>
+          </a:xfrm>
           <a:prstGeom prst="rect">
             <a:avLst/>
           </a:prstGeom>
@@ -1960,27 +1964,8 @@
               </a:lnSpc>
             </a:pPr>
             <a:r>
-              <a:rPr dirty="0"/>
-              <a:t>Template </a:t>
-            </a:r>
-            <a:r>
-              <a:rPr spc="-5" dirty="0"/>
-              <a:t>by</a:t>
-            </a:r>
-            <a:r>
-              <a:rPr spc="-50" dirty="0"/>
-              <a:t> </a:t>
-            </a:r>
-            <a:r>
-              <a:rPr b="1" spc="-5" dirty="0">
-                <a:latin typeface="Calibri"/>
-                <a:cs typeface="Calibri"/>
-              </a:rPr>
-              <a:t>PitchDeckCoach</a:t>
-            </a:r>
-            <a:r>
-              <a:rPr spc="-5" dirty="0"/>
-              <a:t>.com</a:t>
+              <a:rPr lang="en-US" spc="-5" dirty="0"/>
+              <a:t>Myserviceneed.com</a:t>
             </a:r>
           </a:p>
         </p:txBody>
@@ -2979,6 +2964,10 @@
           </p:nvPr>
         </p:nvSpPr>
         <p:spPr>
+          <a:xfrm>
+            <a:off x="7095870" y="6641388"/>
+            <a:ext cx="1971675" cy="153888"/>
+          </a:xfrm>
           <a:prstGeom prst="rect">
             <a:avLst/>
           </a:prstGeom>
@@ -2995,27 +2984,8 @@
               </a:lnSpc>
             </a:pPr>
             <a:r>
-              <a:rPr dirty="0"/>
-              <a:t>Template </a:t>
-            </a:r>
-            <a:r>
-              <a:rPr spc="-5" dirty="0"/>
-              <a:t>by</a:t>
-            </a:r>
-            <a:r>
-              <a:rPr spc="-50" dirty="0"/>
-              <a:t> </a:t>
-            </a:r>
-            <a:r>
-              <a:rPr b="1" spc="-5" dirty="0">
-                <a:latin typeface="Calibri"/>
-                <a:cs typeface="Calibri"/>
-              </a:rPr>
-              <a:t>PitchDeckCoach</a:t>
-            </a:r>
-            <a:r>
-              <a:rPr spc="-5" dirty="0"/>
-              <a:t>.com</a:t>
+              <a:rPr lang="en-US" spc="-5" dirty="0"/>
+              <a:t>Myserviceneed.com</a:t>
             </a:r>
           </a:p>
         </p:txBody>
@@ -5337,8 +5307,8 @@
         </p:nvSpPr>
         <p:spPr>
           <a:xfrm>
-            <a:off x="7505827" y="3487928"/>
-            <a:ext cx="970280" cy="430887"/>
+            <a:off x="7505827" y="2971800"/>
+            <a:ext cx="1412518" cy="861774"/>
           </a:xfrm>
           <a:prstGeom prst="rect">
             <a:avLst/>
@@ -5360,7 +5330,7 @@
                 <a:latin typeface="Calibri"/>
                 <a:cs typeface="Calibri"/>
               </a:rPr>
-              <a:t>     ?</a:t>
+              <a:t>     1million</a:t>
             </a:r>
             <a:endParaRPr sz="2800" dirty="0">
               <a:latin typeface="Calibri"/>
@@ -5380,6 +5350,10 @@
           </p:nvPr>
         </p:nvSpPr>
         <p:spPr>
+          <a:xfrm>
+            <a:off x="7095870" y="6641388"/>
+            <a:ext cx="1971675" cy="153888"/>
+          </a:xfrm>
           <a:prstGeom prst="rect">
             <a:avLst/>
           </a:prstGeom>
@@ -5396,27 +5370,8 @@
               </a:lnSpc>
             </a:pPr>
             <a:r>
-              <a:rPr dirty="0"/>
-              <a:t>Template </a:t>
-            </a:r>
-            <a:r>
-              <a:rPr spc="-5" dirty="0"/>
-              <a:t>by</a:t>
-            </a:r>
-            <a:r>
-              <a:rPr spc="-50" dirty="0"/>
-              <a:t> </a:t>
-            </a:r>
-            <a:r>
-              <a:rPr b="1" spc="-5" dirty="0">
-                <a:latin typeface="Calibri"/>
-                <a:cs typeface="Calibri"/>
-              </a:rPr>
-              <a:t>PitchDeckCoach</a:t>
-            </a:r>
-            <a:r>
-              <a:rPr spc="-5" dirty="0"/>
-              <a:t>.com</a:t>
+              <a:rPr lang="en-US" spc="-5" dirty="0"/>
+              <a:t>Myserviceneed.com</a:t>
             </a:r>
           </a:p>
         </p:txBody>
@@ -6254,6 +6209,10 @@
           </p:nvPr>
         </p:nvSpPr>
         <p:spPr>
+          <a:xfrm>
+            <a:off x="7095870" y="6641388"/>
+            <a:ext cx="1971675" cy="153888"/>
+          </a:xfrm>
           <a:prstGeom prst="rect">
             <a:avLst/>
           </a:prstGeom>
@@ -6270,27 +6229,8 @@
               </a:lnSpc>
             </a:pPr>
             <a:r>
-              <a:rPr dirty="0"/>
-              <a:t>Template </a:t>
-            </a:r>
-            <a:r>
-              <a:rPr spc="-5" dirty="0"/>
-              <a:t>by</a:t>
-            </a:r>
-            <a:r>
-              <a:rPr spc="-50" dirty="0"/>
-              <a:t> </a:t>
-            </a:r>
-            <a:r>
-              <a:rPr b="1" spc="-5" dirty="0">
-                <a:latin typeface="Calibri"/>
-                <a:cs typeface="Calibri"/>
-              </a:rPr>
-              <a:t>PitchDeckCoach</a:t>
-            </a:r>
-            <a:r>
-              <a:rPr spc="-5" dirty="0"/>
-              <a:t>.com</a:t>
+              <a:rPr lang="en-US" spc="-5" dirty="0"/>
+              <a:t>Myserviceneed.com</a:t>
             </a:r>
           </a:p>
         </p:txBody>
@@ -7474,7 +7414,7 @@
           <a:bodyPr wrap="square" lIns="0" tIns="0" rIns="0" bIns="0" rtlCol="0"/>
           <a:lstStyle/>
           <a:p>
-            <a:endParaRPr/>
+            <a:endParaRPr dirty="0"/>
           </a:p>
         </p:txBody>
       </p:sp>
@@ -7486,8 +7426,8 @@
         </p:nvSpPr>
         <p:spPr>
           <a:xfrm>
-            <a:off x="1050137" y="3162680"/>
-            <a:ext cx="970280" cy="430887"/>
+            <a:off x="912366" y="2695964"/>
+            <a:ext cx="1297433" cy="1292662"/>
           </a:xfrm>
           <a:prstGeom prst="rect">
             <a:avLst/>
@@ -7512,7 +7452,7 @@
                 <a:latin typeface="Calibri"/>
                 <a:cs typeface="Calibri"/>
               </a:rPr>
-              <a:t>     ?</a:t>
+              <a:t>     1million/day</a:t>
             </a:r>
             <a:endParaRPr sz="2800" dirty="0">
               <a:latin typeface="Calibri"/>
@@ -7582,8 +7522,8 @@
         </p:nvSpPr>
         <p:spPr>
           <a:xfrm>
-            <a:off x="6628256" y="2999232"/>
-            <a:ext cx="1796414" cy="738664"/>
+            <a:off x="6662674" y="2181940"/>
+            <a:ext cx="2255671" cy="2215991"/>
           </a:xfrm>
           <a:prstGeom prst="rect">
             <a:avLst/>
@@ -7608,7 +7548,7 @@
                 <a:latin typeface="Calibri"/>
                 <a:cs typeface="Calibri"/>
               </a:rPr>
-              <a:t>     ?</a:t>
+              <a:t>     1crore /day</a:t>
             </a:r>
             <a:endParaRPr sz="4800" dirty="0">
               <a:latin typeface="Calibri"/>
@@ -7998,6 +7938,10 @@
           </p:nvPr>
         </p:nvSpPr>
         <p:spPr>
+          <a:xfrm>
+            <a:off x="7095870" y="6641388"/>
+            <a:ext cx="1971675" cy="153888"/>
+          </a:xfrm>
           <a:prstGeom prst="rect">
             <a:avLst/>
           </a:prstGeom>
@@ -8014,28 +7958,10 @@
               </a:lnSpc>
             </a:pPr>
             <a:r>
-              <a:rPr dirty="0"/>
-              <a:t>Template </a:t>
-            </a:r>
-            <a:r>
-              <a:rPr spc="-5" dirty="0"/>
-              <a:t>by</a:t>
-            </a:r>
-            <a:r>
-              <a:rPr spc="-50" dirty="0"/>
-              <a:t> </a:t>
-            </a:r>
-            <a:r>
-              <a:rPr b="1" spc="-5" dirty="0">
-                <a:latin typeface="Calibri"/>
-                <a:cs typeface="Calibri"/>
-              </a:rPr>
-              <a:t>PitchDeckCoach</a:t>
-            </a:r>
-            <a:r>
-              <a:rPr spc="-5" dirty="0"/>
-              <a:t>.com</a:t>
-            </a:r>
+              <a:rPr lang="en-US" spc="-5"/>
+              <a:t>Myserviceneed.com</a:t>
+            </a:r>
+            <a:endParaRPr lang="en-US" spc="-5" dirty="0"/>
           </a:p>
         </p:txBody>
       </p:sp>
@@ -9188,6 +9114,10 @@
           </p:nvPr>
         </p:nvSpPr>
         <p:spPr>
+          <a:xfrm>
+            <a:off x="7095870" y="6641388"/>
+            <a:ext cx="1971675" cy="153888"/>
+          </a:xfrm>
           <a:prstGeom prst="rect">
             <a:avLst/>
           </a:prstGeom>
@@ -9204,28 +9134,10 @@
               </a:lnSpc>
             </a:pPr>
             <a:r>
-              <a:rPr dirty="0"/>
-              <a:t>Template </a:t>
-            </a:r>
-            <a:r>
-              <a:rPr spc="-5" dirty="0"/>
-              <a:t>by</a:t>
-            </a:r>
-            <a:r>
-              <a:rPr spc="-50" dirty="0"/>
-              <a:t> </a:t>
-            </a:r>
-            <a:r>
-              <a:rPr b="1" spc="-5" dirty="0">
-                <a:latin typeface="Calibri"/>
-                <a:cs typeface="Calibri"/>
-              </a:rPr>
-              <a:t>PitchDeckCoach</a:t>
-            </a:r>
-            <a:r>
-              <a:rPr spc="-5" dirty="0"/>
-              <a:t>.com</a:t>
-            </a:r>
+              <a:rPr lang="en-US" spc="-5" dirty="0"/>
+              <a:t>Myserviceneed.com</a:t>
+            </a:r>
+            <a:endParaRPr spc="-5" dirty="0"/>
           </a:p>
         </p:txBody>
       </p:sp>
@@ -9265,6 +9177,10 @@
           </p:nvPr>
         </p:nvSpPr>
         <p:spPr>
+          <a:xfrm>
+            <a:off x="7095870" y="6641388"/>
+            <a:ext cx="1971675" cy="153888"/>
+          </a:xfrm>
           <a:prstGeom prst="rect">
             <a:avLst/>
           </a:prstGeom>
@@ -9281,28 +9197,10 @@
               </a:lnSpc>
             </a:pPr>
             <a:r>
-              <a:rPr dirty="0"/>
-              <a:t>Template </a:t>
-            </a:r>
-            <a:r>
-              <a:rPr spc="-5" dirty="0"/>
-              <a:t>by</a:t>
-            </a:r>
-            <a:r>
-              <a:rPr spc="-50" dirty="0"/>
-              <a:t> </a:t>
-            </a:r>
-            <a:r>
-              <a:rPr b="1" spc="-5" dirty="0">
-                <a:latin typeface="Calibri"/>
-                <a:cs typeface="Calibri"/>
-              </a:rPr>
-              <a:t>PitchDeckCoach</a:t>
-            </a:r>
-            <a:r>
-              <a:rPr spc="-5" dirty="0"/>
-              <a:t>.com</a:t>
-            </a:r>
+              <a:rPr lang="en-US" spc="-5"/>
+              <a:t>Myserviceneed.com</a:t>
+            </a:r>
+            <a:endParaRPr lang="en-US" spc="-5" dirty="0"/>
           </a:p>
         </p:txBody>
       </p:sp>

--- a/service_images/startuppitch/myservicenned_pitch.pptx
+++ b/service_images/startuppitch/myservicenned_pitch.pptx
@@ -6,14 +6,15 @@
   </p:sldMasterIdLst>
   <p:sldIdLst>
     <p:sldId id="256" r:id="rId2"/>
-    <p:sldId id="257" r:id="rId3"/>
-    <p:sldId id="258" r:id="rId4"/>
-    <p:sldId id="266" r:id="rId5"/>
-    <p:sldId id="260" r:id="rId6"/>
-    <p:sldId id="261" r:id="rId7"/>
-    <p:sldId id="262" r:id="rId8"/>
-    <p:sldId id="264" r:id="rId9"/>
-    <p:sldId id="265" r:id="rId10"/>
+    <p:sldId id="267" r:id="rId3"/>
+    <p:sldId id="257" r:id="rId4"/>
+    <p:sldId id="258" r:id="rId5"/>
+    <p:sldId id="266" r:id="rId6"/>
+    <p:sldId id="260" r:id="rId7"/>
+    <p:sldId id="261" r:id="rId8"/>
+    <p:sldId id="262" r:id="rId9"/>
+    <p:sldId id="264" r:id="rId10"/>
+    <p:sldId id="265" r:id="rId11"/>
   </p:sldIdLst>
   <p:sldSz cx="9144000" cy="6858000" type="screen4x3"/>
   <p:notesSz cx="9144000" cy="6858000"/>
@@ -297,7 +298,7 @@
           <a:p>
             <a:fld id="{1D8BD707-D9CF-40AE-B4C6-C98DA3205C09}" type="datetimeFigureOut">
               <a:rPr lang="en-US"/>
-              <a:t>3/16/2017</a:t>
+              <a:t>3/24/2017</a:t>
             </a:fld>
             <a:endParaRPr lang="en-US"/>
           </a:p>
@@ -501,7 +502,7 @@
           <a:p>
             <a:fld id="{1D8BD707-D9CF-40AE-B4C6-C98DA3205C09}" type="datetimeFigureOut">
               <a:rPr lang="en-US"/>
-              <a:t>3/16/2017</a:t>
+              <a:t>3/24/2017</a:t>
             </a:fld>
             <a:endParaRPr lang="en-US"/>
           </a:p>
@@ -742,7 +743,7 @@
           <a:p>
             <a:fld id="{1D8BD707-D9CF-40AE-B4C6-C98DA3205C09}" type="datetimeFigureOut">
               <a:rPr lang="en-US"/>
-              <a:t>3/16/2017</a:t>
+              <a:t>3/24/2017</a:t>
             </a:fld>
             <a:endParaRPr lang="en-US"/>
           </a:p>
@@ -917,7 +918,7 @@
           <a:p>
             <a:fld id="{1D8BD707-D9CF-40AE-B4C6-C98DA3205C09}" type="datetimeFigureOut">
               <a:rPr lang="en-US"/>
-              <a:t>3/16/2017</a:t>
+              <a:t>3/24/2017</a:t>
             </a:fld>
             <a:endParaRPr lang="en-US"/>
           </a:p>
@@ -1063,7 +1064,7 @@
           <a:p>
             <a:fld id="{1D8BD707-D9CF-40AE-B4C6-C98DA3205C09}" type="datetimeFigureOut">
               <a:rPr lang="en-US"/>
-              <a:t>3/16/2017</a:t>
+              <a:t>3/24/2017</a:t>
             </a:fld>
             <a:endParaRPr lang="en-US"/>
           </a:p>
@@ -1312,7 +1313,7 @@
           <a:p>
             <a:fld id="{1D8BD707-D9CF-40AE-B4C6-C98DA3205C09}" type="datetimeFigureOut">
               <a:rPr lang="en-US"/>
-              <a:t>3/16/2017</a:t>
+              <a:t>3/24/2017</a:t>
             </a:fld>
             <a:endParaRPr lang="en-US"/>
           </a:p>
@@ -1642,7 +1643,7 @@
                 <a:latin typeface="Arial"/>
                 <a:cs typeface="Arial"/>
               </a:rPr>
-              <a:t>Open platform to post</a:t>
+              <a:t>Social platform to post</a:t>
             </a:r>
             <a:r>
               <a:rPr sz="2000" spc="-5" dirty="0">
@@ -1916,7 +1917,7 @@
 </p:sld>
 </file>
 
-<file path=ppt/slides/slide2.xml><?xml version="1.0" encoding="utf-8"?>
+<file path=ppt/slides/slide10.xml><?xml version="1.0" encoding="utf-8"?>
 <p:sld xmlns:a="http://schemas.openxmlformats.org/drawingml/2006/main" xmlns:r="http://schemas.openxmlformats.org/officeDocument/2006/relationships" xmlns:p="http://schemas.openxmlformats.org/presentationml/2006/main" showMasterSp="0">
   <p:cSld>
     <p:spTree>
@@ -1935,7 +1936,7 @@
       </p:grpSpPr>
       <p:sp>
         <p:nvSpPr>
-          <p:cNvPr id="5" name="object 5"/>
+          <p:cNvPr id="16" name="object 16"/>
           <p:cNvSpPr txBox="1">
             <a:spLocks noGrp="1"/>
           </p:cNvSpPr>
@@ -1964,9 +1965,10 @@
               </a:lnSpc>
             </a:pPr>
             <a:r>
-              <a:rPr lang="en-US" spc="-5" dirty="0"/>
+              <a:rPr lang="en-US" spc="-5"/>
               <a:t>Myserviceneed.com</a:t>
             </a:r>
+            <a:endParaRPr lang="en-US" spc="-5" dirty="0"/>
           </a:p>
         </p:txBody>
       </p:sp>
@@ -1997,24 +1999,16 @@
               </a:lnSpc>
             </a:pPr>
             <a:r>
-              <a:rPr dirty="0"/>
-              <a:t>P</a:t>
-            </a:r>
-            <a:r>
-              <a:rPr spc="-135" dirty="0"/>
-              <a:t>r</a:t>
-            </a:r>
-            <a:r>
               <a:rPr spc="-5" dirty="0"/>
-              <a:t>o</a:t>
-            </a:r>
-            <a:r>
-              <a:rPr spc="-40" dirty="0"/>
-              <a:t>b</a:t>
-            </a:r>
-            <a:r>
-              <a:rPr spc="-5" dirty="0"/>
-              <a:t>lem</a:t>
+              <a:t>Competitive</a:t>
+            </a:r>
+            <a:r>
+              <a:rPr spc="-140" dirty="0"/>
+              <a:t> </a:t>
+            </a:r>
+            <a:r>
+              <a:rPr spc="-25" dirty="0"/>
+              <a:t>Advantages</a:t>
             </a:r>
           </a:p>
         </p:txBody>
@@ -2027,8 +2021,8 @@
         </p:nvSpPr>
         <p:spPr>
           <a:xfrm>
-            <a:off x="8663431" y="165227"/>
-            <a:ext cx="297815" cy="553720"/>
+            <a:off x="8392159" y="165227"/>
+            <a:ext cx="568325" cy="553720"/>
           </a:xfrm>
           <a:prstGeom prst="rect">
             <a:avLst/>
@@ -2046,14 +2040,14 @@
               </a:lnSpc>
             </a:pPr>
             <a:r>
-              <a:rPr sz="3600" dirty="0">
+              <a:rPr sz="3600" spc="-5" dirty="0">
                 <a:solidFill>
                   <a:srgbClr val="129CEB"/>
                 </a:solidFill>
                 <a:latin typeface="Arial Rounded MT Bold"/>
                 <a:cs typeface="Arial Rounded MT Bold"/>
               </a:rPr>
-              <a:t>2</a:t>
+              <a:t>10</a:t>
             </a:r>
             <a:endParaRPr sz="3600">
               <a:latin typeface="Arial Rounded MT Bold"/>
@@ -2070,285 +2064,302 @@
         </p:nvSpPr>
         <p:spPr>
           <a:xfrm>
-            <a:off x="912367" y="1811527"/>
-            <a:ext cx="7070090" cy="3200876"/>
+            <a:off x="516636" y="1542288"/>
+            <a:ext cx="2407920" cy="678180"/>
           </a:xfrm>
           <a:prstGeom prst="rect">
             <a:avLst/>
           </a:prstGeom>
+          <a:solidFill>
+            <a:srgbClr val="129CEB"/>
+          </a:solidFill>
         </p:spPr>
         <p:txBody>
-          <a:bodyPr vert="horz" wrap="square" lIns="0" tIns="0" rIns="0" bIns="0" rtlCol="0">
+          <a:bodyPr vert="horz" wrap="square" lIns="0" tIns="36830" rIns="0" bIns="0" rtlCol="0">
             <a:spAutoFit/>
           </a:bodyPr>
           <a:lstStyle/>
           <a:p>
-            <a:pPr marL="12700" marR="576580">
-              <a:lnSpc>
-                <a:spcPts val="3110"/>
-              </a:lnSpc>
-            </a:pPr>
-            <a:r>
-              <a:rPr sz="2600" dirty="0">
-                <a:solidFill>
-                  <a:srgbClr val="444748"/>
-                </a:solidFill>
-                <a:latin typeface="Arial Rounded MT Bold"/>
-                <a:cs typeface="Arial Rounded MT Bold"/>
-              </a:rPr>
-              <a:t>Price </a:t>
-            </a:r>
-            <a:r>
-              <a:rPr sz="2600" spc="-5" dirty="0">
-                <a:solidFill>
-                  <a:srgbClr val="7E7E7E"/>
-                </a:solidFill>
-                <a:latin typeface="Arial"/>
-                <a:cs typeface="Arial"/>
-              </a:rPr>
-              <a:t>is an important </a:t>
-            </a:r>
-            <a:r>
-              <a:rPr sz="2600" dirty="0">
-                <a:solidFill>
-                  <a:srgbClr val="7E7E7E"/>
-                </a:solidFill>
-                <a:latin typeface="Arial"/>
-                <a:cs typeface="Arial"/>
-              </a:rPr>
-              <a:t>concern for customers</a:t>
-            </a:r>
-            <a:r>
-              <a:rPr lang="en-US" sz="2600" dirty="0">
-                <a:solidFill>
-                  <a:srgbClr val="7E7E7E"/>
-                </a:solidFill>
-                <a:latin typeface="Arial"/>
-                <a:cs typeface="Arial"/>
-              </a:rPr>
-              <a:t> to get their service done</a:t>
-            </a:r>
-            <a:r>
-              <a:rPr sz="2600" spc="-5" dirty="0">
-                <a:solidFill>
-                  <a:srgbClr val="7E7E7E"/>
-                </a:solidFill>
-                <a:latin typeface="Arial"/>
-                <a:cs typeface="Arial"/>
-              </a:rPr>
-              <a:t>.</a:t>
-            </a:r>
-            <a:endParaRPr sz="2600" dirty="0">
-              <a:latin typeface="Arial"/>
-              <a:cs typeface="Arial"/>
-            </a:endParaRPr>
-          </a:p>
-          <a:p>
-            <a:pPr>
+            <a:pPr marL="419100">
               <a:lnSpc>
                 <a:spcPct val="100000"/>
               </a:lnSpc>
               <a:spcBef>
-                <a:spcPts val="35"/>
+                <a:spcPts val="290"/>
               </a:spcBef>
             </a:pPr>
-            <a:endParaRPr sz="2700" dirty="0">
-              <a:latin typeface="Times New Roman"/>
-              <a:cs typeface="Times New Roman"/>
+            <a:r>
+              <a:rPr sz="2000" b="1" dirty="0">
+                <a:solidFill>
+                  <a:srgbClr val="FFFFFF"/>
+                </a:solidFill>
+                <a:latin typeface="Calibri"/>
+                <a:cs typeface="Calibri"/>
+              </a:rPr>
+              <a:t>1</a:t>
+            </a:r>
+            <a:r>
+              <a:rPr sz="1950" b="1" baseline="25641" dirty="0">
+                <a:solidFill>
+                  <a:srgbClr val="FFFFFF"/>
+                </a:solidFill>
+                <a:latin typeface="Calibri"/>
+                <a:cs typeface="Calibri"/>
+              </a:rPr>
+              <a:t>st </a:t>
+            </a:r>
+            <a:r>
+              <a:rPr sz="2000" b="1" spc="-25" dirty="0">
+                <a:solidFill>
+                  <a:srgbClr val="FFFFFF"/>
+                </a:solidFill>
+                <a:latin typeface="Calibri"/>
+                <a:cs typeface="Calibri"/>
+              </a:rPr>
+              <a:t>TO</a:t>
+            </a:r>
+            <a:r>
+              <a:rPr sz="2000" b="1" spc="50" dirty="0">
+                <a:solidFill>
+                  <a:srgbClr val="FFFFFF"/>
+                </a:solidFill>
+                <a:latin typeface="Calibri"/>
+                <a:cs typeface="Calibri"/>
+              </a:rPr>
+              <a:t> </a:t>
+            </a:r>
+            <a:r>
+              <a:rPr sz="2000" b="1" dirty="0">
+                <a:solidFill>
+                  <a:srgbClr val="FFFFFF"/>
+                </a:solidFill>
+                <a:latin typeface="Calibri"/>
+                <a:cs typeface="Calibri"/>
+              </a:rPr>
+              <a:t>MARKET</a:t>
+            </a:r>
+            <a:endParaRPr sz="2000" dirty="0">
+              <a:latin typeface="Calibri"/>
+              <a:cs typeface="Calibri"/>
             </a:endParaRPr>
           </a:p>
-          <a:p>
-            <a:pPr marL="12700" marR="575310">
-              <a:lnSpc>
-                <a:spcPts val="3110"/>
-              </a:lnSpc>
-              <a:spcBef>
-                <a:spcPts val="5"/>
-              </a:spcBef>
-            </a:pPr>
-            <a:r>
-              <a:rPr lang="en-US" sz="2600" dirty="0">
-                <a:solidFill>
-                  <a:srgbClr val="444748"/>
-                </a:solidFill>
-                <a:latin typeface="Arial Rounded MT Bold"/>
-                <a:cs typeface="Arial Rounded MT Bold"/>
-              </a:rPr>
-              <a:t>Current </a:t>
-            </a:r>
-            <a:r>
-              <a:rPr lang="en-US" sz="2600" dirty="0">
-                <a:solidFill>
-                  <a:srgbClr val="7E7E7E"/>
-                </a:solidFill>
-                <a:latin typeface="Arial"/>
-                <a:cs typeface="Arial"/>
-              </a:rPr>
-              <a:t>platforms</a:t>
-            </a:r>
-            <a:r>
-              <a:rPr sz="2600" dirty="0">
-                <a:solidFill>
-                  <a:srgbClr val="444748"/>
-                </a:solidFill>
-                <a:latin typeface="Arial Rounded MT Bold"/>
-                <a:cs typeface="Arial Rounded MT Bold"/>
-              </a:rPr>
-              <a:t> </a:t>
-            </a:r>
-            <a:r>
-              <a:rPr sz="2600" dirty="0">
-                <a:solidFill>
-                  <a:srgbClr val="7E7E7E"/>
-                </a:solidFill>
-                <a:latin typeface="Arial"/>
-                <a:cs typeface="Arial"/>
-              </a:rPr>
-              <a:t>leave you disconnected from the </a:t>
-            </a:r>
-            <a:r>
-              <a:rPr lang="en-US" sz="2600" dirty="0">
-                <a:solidFill>
-                  <a:srgbClr val="7E7E7E"/>
-                </a:solidFill>
-                <a:latin typeface="Arial"/>
-                <a:cs typeface="Arial"/>
-              </a:rPr>
-              <a:t>service providers</a:t>
-            </a:r>
-            <a:r>
-              <a:rPr sz="2600" dirty="0">
-                <a:solidFill>
-                  <a:srgbClr val="7E7E7E"/>
-                </a:solidFill>
-                <a:latin typeface="Arial"/>
-                <a:cs typeface="Arial"/>
-              </a:rPr>
-              <a:t>  </a:t>
-            </a:r>
-            <a:r>
-              <a:rPr lang="en-US" sz="2600" dirty="0">
-                <a:solidFill>
-                  <a:srgbClr val="7E7E7E"/>
-                </a:solidFill>
-                <a:latin typeface="Arial"/>
-                <a:cs typeface="Arial"/>
-              </a:rPr>
-              <a:t>near to you</a:t>
-            </a:r>
-            <a:r>
-              <a:rPr sz="2600" dirty="0">
-                <a:solidFill>
-                  <a:srgbClr val="7E7E7E"/>
-                </a:solidFill>
-                <a:latin typeface="Arial"/>
-                <a:cs typeface="Arial"/>
-              </a:rPr>
-              <a:t>.</a:t>
-            </a:r>
-            <a:endParaRPr sz="2600" dirty="0">
-              <a:latin typeface="Arial"/>
-              <a:cs typeface="Arial"/>
-            </a:endParaRPr>
-          </a:p>
-          <a:p>
-            <a:pPr>
+        </p:txBody>
+      </p:sp>
+      <p:sp>
+        <p:nvSpPr>
+          <p:cNvPr id="10" name="object 10"/>
+          <p:cNvSpPr txBox="1"/>
+          <p:nvPr/>
+        </p:nvSpPr>
+        <p:spPr>
+          <a:xfrm>
+            <a:off x="516636" y="3941064"/>
+            <a:ext cx="2407920" cy="678180"/>
+          </a:xfrm>
+          <a:prstGeom prst="rect">
+            <a:avLst/>
+          </a:prstGeom>
+          <a:solidFill>
+            <a:srgbClr val="129CEB"/>
+          </a:solidFill>
+        </p:spPr>
+        <p:txBody>
+          <a:bodyPr vert="horz" wrap="square" lIns="0" tIns="36830" rIns="0" bIns="0" rtlCol="0">
+            <a:spAutoFit/>
+          </a:bodyPr>
+          <a:lstStyle/>
+          <a:p>
+            <a:pPr marL="538480">
               <a:lnSpc>
                 <a:spcPct val="100000"/>
               </a:lnSpc>
               <a:spcBef>
-                <a:spcPts val="40"/>
+                <a:spcPts val="290"/>
               </a:spcBef>
             </a:pPr>
-            <a:endParaRPr sz="2600" dirty="0">
-              <a:latin typeface="Times New Roman"/>
-              <a:cs typeface="Times New Roman"/>
+            <a:r>
+              <a:rPr sz="2000" b="1" spc="-10" dirty="0">
+                <a:solidFill>
+                  <a:srgbClr val="FFFFFF"/>
+                </a:solidFill>
+                <a:latin typeface="Calibri"/>
+                <a:cs typeface="Calibri"/>
+              </a:rPr>
+              <a:t>EASE </a:t>
+            </a:r>
+            <a:r>
+              <a:rPr sz="2000" b="1" spc="-5" dirty="0">
+                <a:solidFill>
+                  <a:srgbClr val="FFFFFF"/>
+                </a:solidFill>
+                <a:latin typeface="Calibri"/>
+                <a:cs typeface="Calibri"/>
+              </a:rPr>
+              <a:t>OF</a:t>
+            </a:r>
+            <a:r>
+              <a:rPr sz="2000" b="1" spc="-85" dirty="0">
+                <a:solidFill>
+                  <a:srgbClr val="FFFFFF"/>
+                </a:solidFill>
+                <a:latin typeface="Calibri"/>
+                <a:cs typeface="Calibri"/>
+              </a:rPr>
+              <a:t> </a:t>
+            </a:r>
+            <a:r>
+              <a:rPr sz="2000" b="1" dirty="0">
+                <a:solidFill>
+                  <a:srgbClr val="FFFFFF"/>
+                </a:solidFill>
+                <a:latin typeface="Calibri"/>
+                <a:cs typeface="Calibri"/>
+              </a:rPr>
+              <a:t>USE</a:t>
+            </a:r>
+            <a:endParaRPr sz="2000">
+              <a:latin typeface="Calibri"/>
+              <a:cs typeface="Calibri"/>
             </a:endParaRPr>
           </a:p>
-          <a:p>
-            <a:pPr marL="12700">
+        </p:txBody>
+      </p:sp>
+      <p:sp>
+        <p:nvSpPr>
+          <p:cNvPr id="7" name="object 4"/>
+          <p:cNvSpPr txBox="1"/>
+          <p:nvPr/>
+        </p:nvSpPr>
+        <p:spPr>
+          <a:xfrm>
+            <a:off x="5562600" y="2819400"/>
+            <a:ext cx="2295270" cy="344966"/>
+          </a:xfrm>
+          <a:prstGeom prst="rect">
+            <a:avLst/>
+          </a:prstGeom>
+          <a:solidFill>
+            <a:srgbClr val="129CEB"/>
+          </a:solidFill>
+        </p:spPr>
+        <p:txBody>
+          <a:bodyPr vert="horz" wrap="square" lIns="0" tIns="36830" rIns="0" bIns="0" rtlCol="0">
+            <a:spAutoFit/>
+          </a:bodyPr>
+          <a:lstStyle/>
+          <a:p>
+            <a:pPr marL="419100">
               <a:lnSpc>
-                <a:spcPts val="3095"/>
+                <a:spcPct val="100000"/>
               </a:lnSpc>
+              <a:spcBef>
+                <a:spcPts val="290"/>
+              </a:spcBef>
             </a:pPr>
             <a:r>
-              <a:rPr sz="2600" dirty="0">
-                <a:solidFill>
-                  <a:srgbClr val="444748"/>
-                </a:solidFill>
-                <a:latin typeface="Arial Rounded MT Bold"/>
-                <a:cs typeface="Arial Rounded MT Bold"/>
-              </a:rPr>
-              <a:t>No </a:t>
-            </a:r>
-            <a:r>
-              <a:rPr sz="2600" spc="-5" dirty="0">
-                <a:solidFill>
-                  <a:srgbClr val="444748"/>
-                </a:solidFill>
-                <a:latin typeface="Arial Rounded MT Bold"/>
-                <a:cs typeface="Arial Rounded MT Bold"/>
-              </a:rPr>
-              <a:t>easy </a:t>
-            </a:r>
-            <a:r>
-              <a:rPr sz="2600" spc="-30" dirty="0">
-                <a:solidFill>
-                  <a:srgbClr val="444748"/>
-                </a:solidFill>
-                <a:latin typeface="Arial Rounded MT Bold"/>
-                <a:cs typeface="Arial Rounded MT Bold"/>
-              </a:rPr>
-              <a:t>way </a:t>
-            </a:r>
-            <a:r>
-              <a:rPr sz="2600" spc="-5" dirty="0">
-                <a:solidFill>
-                  <a:srgbClr val="444748"/>
-                </a:solidFill>
-                <a:latin typeface="Arial Rounded MT Bold"/>
-                <a:cs typeface="Arial Rounded MT Bold"/>
-              </a:rPr>
-              <a:t>exists </a:t>
-            </a:r>
-            <a:r>
-              <a:rPr sz="2600" dirty="0">
-                <a:solidFill>
-                  <a:srgbClr val="7E7E7E"/>
-                </a:solidFill>
-                <a:latin typeface="Arial"/>
-                <a:cs typeface="Arial"/>
-              </a:rPr>
-              <a:t>to</a:t>
-            </a:r>
-            <a:r>
-              <a:rPr lang="en-US" sz="2600" dirty="0">
-                <a:solidFill>
-                  <a:srgbClr val="7E7E7E"/>
-                </a:solidFill>
-                <a:latin typeface="Arial"/>
-                <a:cs typeface="Arial"/>
-              </a:rPr>
-              <a:t> get my service done for less cost by service providers near to me</a:t>
-            </a:r>
-            <a:r>
-              <a:rPr sz="2600" dirty="0">
-                <a:solidFill>
-                  <a:srgbClr val="7E7E7E"/>
-                </a:solidFill>
-                <a:latin typeface="Arial"/>
-                <a:cs typeface="Arial"/>
-              </a:rPr>
-              <a:t>.</a:t>
-            </a:r>
-            <a:endParaRPr sz="2600" dirty="0">
-              <a:latin typeface="Arial"/>
-              <a:cs typeface="Arial"/>
+              <a:rPr lang="en-US" sz="2000" b="1" spc="-25" dirty="0">
+                <a:solidFill>
+                  <a:srgbClr val="FFFFFF"/>
+                </a:solidFill>
+                <a:latin typeface="Calibri"/>
+                <a:cs typeface="Calibri"/>
+              </a:rPr>
+              <a:t>Social</a:t>
+            </a:r>
+            <a:r>
+              <a:rPr lang="en-US" sz="2000" b="1" dirty="0">
+                <a:solidFill>
+                  <a:srgbClr val="FFFFFF"/>
+                </a:solidFill>
+                <a:latin typeface="Calibri"/>
+                <a:cs typeface="Calibri"/>
+              </a:rPr>
+              <a:t> Platform </a:t>
+            </a:r>
+            <a:endParaRPr sz="2000" dirty="0">
+              <a:latin typeface="Calibri"/>
+              <a:cs typeface="Calibri"/>
             </a:endParaRPr>
           </a:p>
         </p:txBody>
       </p:sp>
     </p:spTree>
+  </p:cSld>
+  <p:clrMapOvr>
+    <a:masterClrMapping/>
+  </p:clrMapOvr>
+</p:sld>
+</file>
+
+<file path=ppt/slides/slide2.xml><?xml version="1.0" encoding="utf-8"?>
+<p:sld xmlns:a="http://schemas.openxmlformats.org/drawingml/2006/main" xmlns:r="http://schemas.openxmlformats.org/officeDocument/2006/relationships" xmlns:p="http://schemas.openxmlformats.org/presentationml/2006/main">
+  <p:cSld>
+    <p:spTree>
+      <p:nvGrpSpPr>
+        <p:cNvPr id="1" name=""/>
+        <p:cNvGrpSpPr/>
+        <p:nvPr/>
+      </p:nvGrpSpPr>
+      <p:grpSpPr>
+        <a:xfrm>
+          <a:off x="0" y="0"/>
+          <a:ext cx="0" cy="0"/>
+          <a:chOff x="0" y="0"/>
+          <a:chExt cx="0" cy="0"/>
+        </a:xfrm>
+      </p:grpSpPr>
+      <p:sp>
+        <p:nvSpPr>
+          <p:cNvPr id="2" name="Title 1"/>
+          <p:cNvSpPr>
+            <a:spLocks noGrp="1"/>
+          </p:cNvSpPr>
+          <p:nvPr>
+            <p:ph type="title"/>
+          </p:nvPr>
+        </p:nvSpPr>
+        <p:spPr/>
+        <p:txBody>
+          <a:bodyPr/>
+          <a:lstStyle/>
+          <a:p>
+            <a:r>
+              <a:rPr lang="en-US" dirty="0"/>
+              <a:t>What Services we have?</a:t>
+            </a:r>
+          </a:p>
+        </p:txBody>
+      </p:sp>
+      <p:sp>
+        <p:nvSpPr>
+          <p:cNvPr id="3" name="Text Placeholder 2"/>
+          <p:cNvSpPr>
+            <a:spLocks noGrp="1"/>
+          </p:cNvSpPr>
+          <p:nvPr>
+            <p:ph type="body" idx="1"/>
+          </p:nvPr>
+        </p:nvSpPr>
+        <p:spPr>
+          <a:xfrm>
+            <a:off x="762000" y="990600"/>
+            <a:ext cx="7198207" cy="5410200"/>
+          </a:xfrm>
+        </p:spPr>
+        <p:txBody>
+          <a:bodyPr/>
+          <a:lstStyle/>
+          <a:p>
+            <a:endParaRPr lang="en-US" dirty="0"/>
+          </a:p>
+        </p:txBody>
+      </p:sp>
+    </p:spTree>
+    <p:extLst>
+      <p:ext uri="{BB962C8B-B14F-4D97-AF65-F5344CB8AC3E}">
+        <p14:creationId xmlns:p14="http://schemas.microsoft.com/office/powerpoint/2010/main" val="140161994"/>
+      </p:ext>
+    </p:extLst>
   </p:cSld>
   <p:clrMapOvr>
     <a:masterClrMapping/>
@@ -2375,6 +2386,446 @@
       </p:grpSpPr>
       <p:sp>
         <p:nvSpPr>
+          <p:cNvPr id="5" name="object 5"/>
+          <p:cNvSpPr txBox="1">
+            <a:spLocks noGrp="1"/>
+          </p:cNvSpPr>
+          <p:nvPr>
+            <p:ph type="ftr" sz="quarter" idx="5"/>
+          </p:nvPr>
+        </p:nvSpPr>
+        <p:spPr>
+          <a:xfrm>
+            <a:off x="7095870" y="6641388"/>
+            <a:ext cx="1971675" cy="153888"/>
+          </a:xfrm>
+          <a:prstGeom prst="rect">
+            <a:avLst/>
+          </a:prstGeom>
+        </p:spPr>
+        <p:txBody>
+          <a:bodyPr vert="horz" wrap="square" lIns="0" tIns="0" rIns="0" bIns="0" rtlCol="0">
+            <a:spAutoFit/>
+          </a:bodyPr>
+          <a:lstStyle/>
+          <a:p>
+            <a:pPr marL="12700">
+              <a:lnSpc>
+                <a:spcPts val="1150"/>
+              </a:lnSpc>
+            </a:pPr>
+            <a:r>
+              <a:rPr lang="en-US" spc="-5" dirty="0"/>
+              <a:t>Myserviceneed.com</a:t>
+            </a:r>
+          </a:p>
+        </p:txBody>
+      </p:sp>
+      <p:sp>
+        <p:nvSpPr>
+          <p:cNvPr id="2" name="object 2"/>
+          <p:cNvSpPr txBox="1">
+            <a:spLocks noGrp="1"/>
+          </p:cNvSpPr>
+          <p:nvPr>
+            <p:ph type="title"/>
+          </p:nvPr>
+        </p:nvSpPr>
+        <p:spPr>
+          <a:prstGeom prst="rect">
+            <a:avLst/>
+          </a:prstGeom>
+        </p:spPr>
+        <p:txBody>
+          <a:bodyPr vert="horz" wrap="square" lIns="0" tIns="0" rIns="0" bIns="0" rtlCol="0">
+            <a:spAutoFit/>
+          </a:bodyPr>
+          <a:lstStyle/>
+          <a:p>
+            <a:pPr marL="12700">
+              <a:lnSpc>
+                <a:spcPct val="100000"/>
+              </a:lnSpc>
+            </a:pPr>
+            <a:r>
+              <a:rPr dirty="0"/>
+              <a:t>P</a:t>
+            </a:r>
+            <a:r>
+              <a:rPr spc="-135" dirty="0"/>
+              <a:t>r</a:t>
+            </a:r>
+            <a:r>
+              <a:rPr spc="-5" dirty="0"/>
+              <a:t>o</a:t>
+            </a:r>
+            <a:r>
+              <a:rPr spc="-40" dirty="0"/>
+              <a:t>b</a:t>
+            </a:r>
+            <a:r>
+              <a:rPr spc="-5" dirty="0"/>
+              <a:t>lem</a:t>
+            </a:r>
+          </a:p>
+        </p:txBody>
+      </p:sp>
+      <p:sp>
+        <p:nvSpPr>
+          <p:cNvPr id="3" name="object 3"/>
+          <p:cNvSpPr txBox="1"/>
+          <p:nvPr/>
+        </p:nvSpPr>
+        <p:spPr>
+          <a:xfrm>
+            <a:off x="8663431" y="165227"/>
+            <a:ext cx="297815" cy="553720"/>
+          </a:xfrm>
+          <a:prstGeom prst="rect">
+            <a:avLst/>
+          </a:prstGeom>
+        </p:spPr>
+        <p:txBody>
+          <a:bodyPr vert="horz" wrap="square" lIns="0" tIns="0" rIns="0" bIns="0" rtlCol="0">
+            <a:spAutoFit/>
+          </a:bodyPr>
+          <a:lstStyle/>
+          <a:p>
+            <a:pPr marL="12700">
+              <a:lnSpc>
+                <a:spcPct val="100000"/>
+              </a:lnSpc>
+            </a:pPr>
+            <a:r>
+              <a:rPr sz="3600" dirty="0">
+                <a:solidFill>
+                  <a:srgbClr val="129CEB"/>
+                </a:solidFill>
+                <a:latin typeface="Arial Rounded MT Bold"/>
+                <a:cs typeface="Arial Rounded MT Bold"/>
+              </a:rPr>
+              <a:t>2</a:t>
+            </a:r>
+            <a:endParaRPr sz="3600">
+              <a:latin typeface="Arial Rounded MT Bold"/>
+              <a:cs typeface="Arial Rounded MT Bold"/>
+            </a:endParaRPr>
+          </a:p>
+        </p:txBody>
+      </p:sp>
+      <p:sp>
+        <p:nvSpPr>
+          <p:cNvPr id="4" name="object 4"/>
+          <p:cNvSpPr txBox="1"/>
+          <p:nvPr/>
+        </p:nvSpPr>
+        <p:spPr>
+          <a:xfrm>
+            <a:off x="912367" y="1811527"/>
+            <a:ext cx="7070090" cy="3200876"/>
+          </a:xfrm>
+          <a:prstGeom prst="rect">
+            <a:avLst/>
+          </a:prstGeom>
+        </p:spPr>
+        <p:txBody>
+          <a:bodyPr vert="horz" wrap="square" lIns="0" tIns="0" rIns="0" bIns="0" rtlCol="0">
+            <a:spAutoFit/>
+          </a:bodyPr>
+          <a:lstStyle/>
+          <a:p>
+            <a:pPr marL="12700" marR="576580">
+              <a:lnSpc>
+                <a:spcPts val="3110"/>
+              </a:lnSpc>
+            </a:pPr>
+            <a:r>
+              <a:rPr sz="2600" dirty="0">
+                <a:solidFill>
+                  <a:srgbClr val="444748"/>
+                </a:solidFill>
+                <a:latin typeface="Arial Rounded MT Bold"/>
+                <a:cs typeface="Arial Rounded MT Bold"/>
+              </a:rPr>
+              <a:t>Price </a:t>
+            </a:r>
+            <a:r>
+              <a:rPr sz="2600" spc="-5" dirty="0">
+                <a:solidFill>
+                  <a:srgbClr val="7E7E7E"/>
+                </a:solidFill>
+                <a:latin typeface="Arial"/>
+                <a:cs typeface="Arial"/>
+              </a:rPr>
+              <a:t>is an important </a:t>
+            </a:r>
+            <a:r>
+              <a:rPr sz="2600" dirty="0">
+                <a:solidFill>
+                  <a:srgbClr val="7E7E7E"/>
+                </a:solidFill>
+                <a:latin typeface="Arial"/>
+                <a:cs typeface="Arial"/>
+              </a:rPr>
+              <a:t>concern for customers</a:t>
+            </a:r>
+            <a:r>
+              <a:rPr lang="en-US" sz="2600" dirty="0">
+                <a:solidFill>
+                  <a:srgbClr val="7E7E7E"/>
+                </a:solidFill>
+                <a:latin typeface="Arial"/>
+                <a:cs typeface="Arial"/>
+              </a:rPr>
+              <a:t> to get their service done</a:t>
+            </a:r>
+            <a:r>
+              <a:rPr sz="2600" spc="-5" dirty="0">
+                <a:solidFill>
+                  <a:srgbClr val="7E7E7E"/>
+                </a:solidFill>
+                <a:latin typeface="Arial"/>
+                <a:cs typeface="Arial"/>
+              </a:rPr>
+              <a:t>.</a:t>
+            </a:r>
+            <a:endParaRPr sz="2600" dirty="0">
+              <a:latin typeface="Arial"/>
+              <a:cs typeface="Arial"/>
+            </a:endParaRPr>
+          </a:p>
+          <a:p>
+            <a:pPr>
+              <a:lnSpc>
+                <a:spcPct val="100000"/>
+              </a:lnSpc>
+              <a:spcBef>
+                <a:spcPts val="35"/>
+              </a:spcBef>
+            </a:pPr>
+            <a:endParaRPr sz="2700" dirty="0">
+              <a:latin typeface="Times New Roman"/>
+              <a:cs typeface="Times New Roman"/>
+            </a:endParaRPr>
+          </a:p>
+          <a:p>
+            <a:pPr marL="12700" marR="575310">
+              <a:lnSpc>
+                <a:spcPts val="3110"/>
+              </a:lnSpc>
+              <a:spcBef>
+                <a:spcPts val="5"/>
+              </a:spcBef>
+            </a:pPr>
+            <a:r>
+              <a:rPr lang="en-US" sz="2600" dirty="0">
+                <a:solidFill>
+                  <a:srgbClr val="444748"/>
+                </a:solidFill>
+                <a:latin typeface="Arial Rounded MT Bold"/>
+                <a:cs typeface="Arial Rounded MT Bold"/>
+              </a:rPr>
+              <a:t>Current </a:t>
+            </a:r>
+            <a:r>
+              <a:rPr lang="en-US" sz="2600" dirty="0">
+                <a:solidFill>
+                  <a:srgbClr val="7E7E7E"/>
+                </a:solidFill>
+                <a:latin typeface="Arial"/>
+                <a:cs typeface="Arial"/>
+              </a:rPr>
+              <a:t>platforms</a:t>
+            </a:r>
+            <a:r>
+              <a:rPr sz="2600" dirty="0">
+                <a:solidFill>
+                  <a:srgbClr val="444748"/>
+                </a:solidFill>
+                <a:latin typeface="Arial Rounded MT Bold"/>
+                <a:cs typeface="Arial Rounded MT Bold"/>
+              </a:rPr>
+              <a:t> </a:t>
+            </a:r>
+            <a:r>
+              <a:rPr sz="2600" dirty="0">
+                <a:solidFill>
+                  <a:srgbClr val="7E7E7E"/>
+                </a:solidFill>
+                <a:latin typeface="Arial"/>
+                <a:cs typeface="Arial"/>
+              </a:rPr>
+              <a:t>leave you disconnected from the </a:t>
+            </a:r>
+            <a:r>
+              <a:rPr lang="en-US" sz="2600" dirty="0">
+                <a:solidFill>
+                  <a:srgbClr val="7E7E7E"/>
+                </a:solidFill>
+                <a:latin typeface="Arial"/>
+                <a:cs typeface="Arial"/>
+              </a:rPr>
+              <a:t>service providers</a:t>
+            </a:r>
+            <a:r>
+              <a:rPr sz="2600" dirty="0">
+                <a:solidFill>
+                  <a:srgbClr val="7E7E7E"/>
+                </a:solidFill>
+                <a:latin typeface="Arial"/>
+                <a:cs typeface="Arial"/>
+              </a:rPr>
+              <a:t>  </a:t>
+            </a:r>
+            <a:r>
+              <a:rPr lang="en-US" sz="2600" dirty="0">
+                <a:solidFill>
+                  <a:srgbClr val="7E7E7E"/>
+                </a:solidFill>
+                <a:latin typeface="Arial"/>
+                <a:cs typeface="Arial"/>
+              </a:rPr>
+              <a:t>near to you</a:t>
+            </a:r>
+            <a:r>
+              <a:rPr sz="2600" dirty="0">
+                <a:solidFill>
+                  <a:srgbClr val="7E7E7E"/>
+                </a:solidFill>
+                <a:latin typeface="Arial"/>
+                <a:cs typeface="Arial"/>
+              </a:rPr>
+              <a:t>.</a:t>
+            </a:r>
+            <a:endParaRPr sz="2600" dirty="0">
+              <a:latin typeface="Arial"/>
+              <a:cs typeface="Arial"/>
+            </a:endParaRPr>
+          </a:p>
+          <a:p>
+            <a:pPr>
+              <a:lnSpc>
+                <a:spcPct val="100000"/>
+              </a:lnSpc>
+              <a:spcBef>
+                <a:spcPts val="40"/>
+              </a:spcBef>
+            </a:pPr>
+            <a:endParaRPr sz="2600" dirty="0">
+              <a:latin typeface="Times New Roman"/>
+              <a:cs typeface="Times New Roman"/>
+            </a:endParaRPr>
+          </a:p>
+          <a:p>
+            <a:pPr marL="12700">
+              <a:lnSpc>
+                <a:spcPts val="3095"/>
+              </a:lnSpc>
+            </a:pPr>
+            <a:r>
+              <a:rPr sz="2600" dirty="0">
+                <a:solidFill>
+                  <a:srgbClr val="444748"/>
+                </a:solidFill>
+                <a:latin typeface="Arial Rounded MT Bold"/>
+                <a:cs typeface="Arial Rounded MT Bold"/>
+              </a:rPr>
+              <a:t>No </a:t>
+            </a:r>
+            <a:r>
+              <a:rPr sz="2600" spc="-5" dirty="0">
+                <a:solidFill>
+                  <a:srgbClr val="444748"/>
+                </a:solidFill>
+                <a:latin typeface="Arial Rounded MT Bold"/>
+                <a:cs typeface="Arial Rounded MT Bold"/>
+              </a:rPr>
+              <a:t>easy </a:t>
+            </a:r>
+            <a:r>
+              <a:rPr sz="2600" spc="-30" dirty="0">
+                <a:solidFill>
+                  <a:srgbClr val="444748"/>
+                </a:solidFill>
+                <a:latin typeface="Arial Rounded MT Bold"/>
+                <a:cs typeface="Arial Rounded MT Bold"/>
+              </a:rPr>
+              <a:t>way </a:t>
+            </a:r>
+            <a:r>
+              <a:rPr sz="2600" spc="-5" dirty="0">
+                <a:solidFill>
+                  <a:srgbClr val="444748"/>
+                </a:solidFill>
+                <a:latin typeface="Arial Rounded MT Bold"/>
+                <a:cs typeface="Arial Rounded MT Bold"/>
+              </a:rPr>
+              <a:t>exists </a:t>
+            </a:r>
+            <a:r>
+              <a:rPr sz="2600" dirty="0">
+                <a:solidFill>
+                  <a:srgbClr val="7E7E7E"/>
+                </a:solidFill>
+                <a:latin typeface="Arial"/>
+                <a:cs typeface="Arial"/>
+              </a:rPr>
+              <a:t>to</a:t>
+            </a:r>
+            <a:r>
+              <a:rPr lang="en-US" sz="2600" dirty="0">
+                <a:solidFill>
+                  <a:srgbClr val="7E7E7E"/>
+                </a:solidFill>
+                <a:latin typeface="Arial"/>
+                <a:cs typeface="Arial"/>
+              </a:rPr>
+              <a:t> get my service done for less cost by service providers near to me</a:t>
+            </a:r>
+            <a:r>
+              <a:rPr sz="2600" dirty="0">
+                <a:solidFill>
+                  <a:srgbClr val="7E7E7E"/>
+                </a:solidFill>
+                <a:latin typeface="Arial"/>
+                <a:cs typeface="Arial"/>
+              </a:rPr>
+              <a:t>.</a:t>
+            </a:r>
+            <a:endParaRPr sz="2600" dirty="0">
+              <a:latin typeface="Arial"/>
+              <a:cs typeface="Arial"/>
+            </a:endParaRPr>
+          </a:p>
+        </p:txBody>
+      </p:sp>
+    </p:spTree>
+  </p:cSld>
+  <p:clrMapOvr>
+    <a:masterClrMapping/>
+  </p:clrMapOvr>
+</p:sld>
+</file>
+
+<file path=ppt/slides/slide4.xml><?xml version="1.0" encoding="utf-8"?>
+<p:sld xmlns:a="http://schemas.openxmlformats.org/drawingml/2006/main" xmlns:r="http://schemas.openxmlformats.org/officeDocument/2006/relationships" xmlns:p="http://schemas.openxmlformats.org/presentationml/2006/main" showMasterSp="0">
+  <p:cSld>
+    <p:spTree>
+      <p:nvGrpSpPr>
+        <p:cNvPr id="1" name=""/>
+        <p:cNvGrpSpPr/>
+        <p:nvPr/>
+      </p:nvGrpSpPr>
+      <p:grpSpPr>
+        <a:xfrm>
+          <a:off x="0" y="0"/>
+          <a:ext cx="0" cy="0"/>
+          <a:chOff x="0" y="0"/>
+          <a:chExt cx="0" cy="0"/>
+        </a:xfrm>
+      </p:grpSpPr>
+      <p:sp>
+        <p:nvSpPr>
           <p:cNvPr id="2" name="object 2"/>
           <p:cNvSpPr txBox="1">
             <a:spLocks noGrp="1"/>
@@ -2998,7 +3449,7 @@
 </p:sld>
 </file>
 
-<file path=ppt/slides/slide4.xml><?xml version="1.0" encoding="utf-8"?>
+<file path=ppt/slides/slide5.xml><?xml version="1.0" encoding="utf-8"?>
 <p:sld xmlns:a="http://schemas.openxmlformats.org/drawingml/2006/main" xmlns:r="http://schemas.openxmlformats.org/officeDocument/2006/relationships" xmlns:p="http://schemas.openxmlformats.org/presentationml/2006/main">
   <p:cSld>
     <p:spTree>
@@ -3028,7 +3479,7 @@
         <p:spPr>
           <a:xfrm>
             <a:off x="225652" y="162178"/>
-            <a:ext cx="8918347" cy="1107996"/>
+            <a:ext cx="8918347" cy="828422"/>
           </a:xfrm>
         </p:spPr>
         <p:txBody>
@@ -3054,7 +3505,7 @@
         </p:nvSpPr>
         <p:spPr>
           <a:xfrm>
-            <a:off x="1183792" y="2382011"/>
+            <a:off x="1183792" y="1447800"/>
             <a:ext cx="7274408" cy="307777"/>
           </a:xfrm>
         </p:spPr>
@@ -3085,7 +3536,7 @@
         </p:nvSpPr>
         <p:spPr>
           <a:xfrm>
-            <a:off x="1183792" y="3048000"/>
+            <a:off x="1183792" y="2133600"/>
             <a:ext cx="7274408" cy="1538883"/>
           </a:xfrm>
           <a:prstGeom prst="rect">
@@ -3212,7 +3663,7 @@
 </p:sld>
 </file>
 
-<file path=ppt/slides/slide5.xml><?xml version="1.0" encoding="utf-8"?>
+<file path=ppt/slides/slide6.xml><?xml version="1.0" encoding="utf-8"?>
 <p:sld xmlns:a="http://schemas.openxmlformats.org/drawingml/2006/main" xmlns:r="http://schemas.openxmlformats.org/officeDocument/2006/relationships" xmlns:p="http://schemas.openxmlformats.org/presentationml/2006/main" showMasterSp="0">
   <p:cSld>
     <p:spTree>
@@ -5505,7 +5956,7 @@
 </p:sld>
 </file>
 
-<file path=ppt/slides/slide6.xml><?xml version="1.0" encoding="utf-8"?>
+<file path=ppt/slides/slide7.xml><?xml version="1.0" encoding="utf-8"?>
 <p:sld xmlns:a="http://schemas.openxmlformats.org/drawingml/2006/main" xmlns:r="http://schemas.openxmlformats.org/officeDocument/2006/relationships" xmlns:p="http://schemas.openxmlformats.org/presentationml/2006/main" showMasterSp="0">
   <p:cSld>
     <p:spTree>
@@ -6617,1395 +7068,6 @@
 </p:sld>
 </file>
 
-<file path=ppt/slides/slide7.xml><?xml version="1.0" encoding="utf-8"?>
-<p:sld xmlns:a="http://schemas.openxmlformats.org/drawingml/2006/main" xmlns:r="http://schemas.openxmlformats.org/officeDocument/2006/relationships" xmlns:p="http://schemas.openxmlformats.org/presentationml/2006/main" showMasterSp="0">
-  <p:cSld>
-    <p:spTree>
-      <p:nvGrpSpPr>
-        <p:cNvPr id="1" name=""/>
-        <p:cNvGrpSpPr/>
-        <p:nvPr/>
-      </p:nvGrpSpPr>
-      <p:grpSpPr>
-        <a:xfrm>
-          <a:off x="0" y="0"/>
-          <a:ext cx="0" cy="0"/>
-          <a:chOff x="0" y="0"/>
-          <a:chExt cx="0" cy="0"/>
-        </a:xfrm>
-      </p:grpSpPr>
-      <p:sp>
-        <p:nvSpPr>
-          <p:cNvPr id="2" name="object 2"/>
-          <p:cNvSpPr txBox="1">
-            <a:spLocks noGrp="1"/>
-          </p:cNvSpPr>
-          <p:nvPr>
-            <p:ph type="title"/>
-          </p:nvPr>
-        </p:nvSpPr>
-        <p:spPr>
-          <a:prstGeom prst="rect">
-            <a:avLst/>
-          </a:prstGeom>
-        </p:spPr>
-        <p:txBody>
-          <a:bodyPr vert="horz" wrap="square" lIns="0" tIns="0" rIns="0" bIns="0" rtlCol="0">
-            <a:spAutoFit/>
-          </a:bodyPr>
-          <a:lstStyle/>
-          <a:p>
-            <a:pPr marL="12700">
-              <a:lnSpc>
-                <a:spcPct val="100000"/>
-              </a:lnSpc>
-            </a:pPr>
-            <a:r>
-              <a:rPr dirty="0"/>
-              <a:t>Business</a:t>
-            </a:r>
-            <a:r>
-              <a:rPr spc="-120" dirty="0"/>
-              <a:t> </a:t>
-            </a:r>
-            <a:r>
-              <a:rPr dirty="0"/>
-              <a:t>Model</a:t>
-            </a:r>
-          </a:p>
-        </p:txBody>
-      </p:sp>
-      <p:sp>
-        <p:nvSpPr>
-          <p:cNvPr id="3" name="object 3"/>
-          <p:cNvSpPr txBox="1"/>
-          <p:nvPr/>
-        </p:nvSpPr>
-        <p:spPr>
-          <a:xfrm>
-            <a:off x="8663431" y="165227"/>
-            <a:ext cx="297815" cy="553720"/>
-          </a:xfrm>
-          <a:prstGeom prst="rect">
-            <a:avLst/>
-          </a:prstGeom>
-        </p:spPr>
-        <p:txBody>
-          <a:bodyPr vert="horz" wrap="square" lIns="0" tIns="0" rIns="0" bIns="0" rtlCol="0">
-            <a:spAutoFit/>
-          </a:bodyPr>
-          <a:lstStyle/>
-          <a:p>
-            <a:pPr marL="12700">
-              <a:lnSpc>
-                <a:spcPct val="100000"/>
-              </a:lnSpc>
-            </a:pPr>
-            <a:r>
-              <a:rPr sz="3600" dirty="0">
-                <a:solidFill>
-                  <a:srgbClr val="129CEB"/>
-                </a:solidFill>
-                <a:latin typeface="Arial Rounded MT Bold"/>
-                <a:cs typeface="Arial Rounded MT Bold"/>
-              </a:rPr>
-              <a:t>7</a:t>
-            </a:r>
-            <a:endParaRPr sz="3600">
-              <a:latin typeface="Arial Rounded MT Bold"/>
-              <a:cs typeface="Arial Rounded MT Bold"/>
-            </a:endParaRPr>
-          </a:p>
-        </p:txBody>
-      </p:sp>
-      <p:sp>
-        <p:nvSpPr>
-          <p:cNvPr id="4" name="object 4"/>
-          <p:cNvSpPr txBox="1"/>
-          <p:nvPr/>
-        </p:nvSpPr>
-        <p:spPr>
-          <a:xfrm>
-            <a:off x="912367" y="1444625"/>
-            <a:ext cx="7175500" cy="800219"/>
-          </a:xfrm>
-          <a:prstGeom prst="rect">
-            <a:avLst/>
-          </a:prstGeom>
-        </p:spPr>
-        <p:txBody>
-          <a:bodyPr vert="horz" wrap="square" lIns="0" tIns="0" rIns="0" bIns="0" rtlCol="0">
-            <a:spAutoFit/>
-          </a:bodyPr>
-          <a:lstStyle/>
-          <a:p>
-            <a:pPr marL="12700">
-              <a:lnSpc>
-                <a:spcPct val="100000"/>
-              </a:lnSpc>
-            </a:pPr>
-            <a:r>
-              <a:rPr sz="2600" dirty="0">
-                <a:solidFill>
-                  <a:srgbClr val="7E7E7E"/>
-                </a:solidFill>
-                <a:latin typeface="Arial"/>
-                <a:cs typeface="Arial"/>
-              </a:rPr>
-              <a:t>We </a:t>
-            </a:r>
-            <a:r>
-              <a:rPr lang="en-US" sz="2600" dirty="0">
-                <a:solidFill>
-                  <a:srgbClr val="7E7E7E"/>
-                </a:solidFill>
-                <a:latin typeface="Arial"/>
-                <a:cs typeface="Arial"/>
-              </a:rPr>
-              <a:t>charge from user who view more than 10 service needs per a Day(In find work section).</a:t>
-            </a:r>
-            <a:endParaRPr sz="2600" dirty="0">
-              <a:latin typeface="Arial"/>
-              <a:cs typeface="Arial"/>
-            </a:endParaRPr>
-          </a:p>
-        </p:txBody>
-      </p:sp>
-      <p:sp>
-        <p:nvSpPr>
-          <p:cNvPr id="5" name="object 5"/>
-          <p:cNvSpPr txBox="1"/>
-          <p:nvPr/>
-        </p:nvSpPr>
-        <p:spPr>
-          <a:xfrm>
-            <a:off x="803554" y="4480814"/>
-            <a:ext cx="1798675" cy="636072"/>
-          </a:xfrm>
-          <a:prstGeom prst="rect">
-            <a:avLst/>
-          </a:prstGeom>
-        </p:spPr>
-        <p:txBody>
-          <a:bodyPr vert="horz" wrap="square" lIns="0" tIns="0" rIns="0" bIns="0" rtlCol="0">
-            <a:spAutoFit/>
-          </a:bodyPr>
-          <a:lstStyle/>
-          <a:p>
-            <a:pPr marL="12700">
-              <a:lnSpc>
-                <a:spcPct val="100000"/>
-              </a:lnSpc>
-            </a:pPr>
-            <a:r>
-              <a:rPr lang="en-US" sz="2000" b="1" spc="-5" dirty="0" err="1">
-                <a:solidFill>
-                  <a:srgbClr val="444748"/>
-                </a:solidFill>
-                <a:latin typeface="Calibri"/>
-                <a:cs typeface="Calibri"/>
-              </a:rPr>
-              <a:t>MyServiceNeed</a:t>
-            </a:r>
-            <a:endParaRPr sz="2000" dirty="0">
-              <a:latin typeface="Calibri"/>
-              <a:cs typeface="Calibri"/>
-            </a:endParaRPr>
-          </a:p>
-          <a:p>
-            <a:pPr marL="65405">
-              <a:lnSpc>
-                <a:spcPct val="100000"/>
-              </a:lnSpc>
-              <a:spcBef>
-                <a:spcPts val="365"/>
-              </a:spcBef>
-            </a:pPr>
-            <a:r>
-              <a:rPr sz="1800" spc="-10" dirty="0">
-                <a:solidFill>
-                  <a:srgbClr val="7E7E7E"/>
-                </a:solidFill>
-                <a:latin typeface="Calibri"/>
-                <a:cs typeface="Calibri"/>
-              </a:rPr>
-              <a:t>Share </a:t>
-            </a:r>
-            <a:r>
-              <a:rPr sz="1800" spc="-5" dirty="0">
-                <a:solidFill>
-                  <a:srgbClr val="7E7E7E"/>
-                </a:solidFill>
-                <a:latin typeface="Calibri"/>
-                <a:cs typeface="Calibri"/>
-              </a:rPr>
-              <a:t>of</a:t>
-            </a:r>
-            <a:r>
-              <a:rPr sz="1800" spc="-45" dirty="0">
-                <a:solidFill>
-                  <a:srgbClr val="7E7E7E"/>
-                </a:solidFill>
-                <a:latin typeface="Calibri"/>
-                <a:cs typeface="Calibri"/>
-              </a:rPr>
-              <a:t> </a:t>
-            </a:r>
-            <a:r>
-              <a:rPr sz="1800" spc="-15" dirty="0">
-                <a:solidFill>
-                  <a:srgbClr val="7E7E7E"/>
-                </a:solidFill>
-                <a:latin typeface="Calibri"/>
-                <a:cs typeface="Calibri"/>
-              </a:rPr>
-              <a:t>Market</a:t>
-            </a:r>
-            <a:endParaRPr sz="1800" dirty="0">
-              <a:latin typeface="Calibri"/>
-              <a:cs typeface="Calibri"/>
-            </a:endParaRPr>
-          </a:p>
-        </p:txBody>
-      </p:sp>
-      <p:sp>
-        <p:nvSpPr>
-          <p:cNvPr id="6" name="object 6"/>
-          <p:cNvSpPr txBox="1"/>
-          <p:nvPr/>
-        </p:nvSpPr>
-        <p:spPr>
-          <a:xfrm>
-            <a:off x="3585464" y="4480814"/>
-            <a:ext cx="2205736" cy="861774"/>
-          </a:xfrm>
-          <a:prstGeom prst="rect">
-            <a:avLst/>
-          </a:prstGeom>
-        </p:spPr>
-        <p:txBody>
-          <a:bodyPr vert="horz" wrap="square" lIns="0" tIns="0" rIns="0" bIns="0" rtlCol="0">
-            <a:spAutoFit/>
-          </a:bodyPr>
-          <a:lstStyle/>
-          <a:p>
-            <a:pPr marL="1270" algn="ctr">
-              <a:lnSpc>
-                <a:spcPct val="100000"/>
-              </a:lnSpc>
-            </a:pPr>
-            <a:r>
-              <a:rPr sz="2000" b="1" spc="-50" dirty="0">
-                <a:solidFill>
-                  <a:srgbClr val="444748"/>
-                </a:solidFill>
-                <a:latin typeface="Calibri"/>
-                <a:cs typeface="Calibri"/>
-              </a:rPr>
-              <a:t>AVG</a:t>
-            </a:r>
-            <a:r>
-              <a:rPr sz="2000" b="1" spc="-90" dirty="0">
-                <a:solidFill>
-                  <a:srgbClr val="444748"/>
-                </a:solidFill>
-                <a:latin typeface="Calibri"/>
-                <a:cs typeface="Calibri"/>
-              </a:rPr>
-              <a:t> </a:t>
-            </a:r>
-            <a:r>
-              <a:rPr sz="2000" b="1" dirty="0">
-                <a:solidFill>
-                  <a:srgbClr val="444748"/>
-                </a:solidFill>
-                <a:latin typeface="Calibri"/>
-                <a:cs typeface="Calibri"/>
-              </a:rPr>
-              <a:t>FEE</a:t>
-            </a:r>
-            <a:endParaRPr sz="2000" dirty="0">
-              <a:latin typeface="Calibri"/>
-              <a:cs typeface="Calibri"/>
-            </a:endParaRPr>
-          </a:p>
-          <a:p>
-            <a:pPr algn="ctr">
-              <a:lnSpc>
-                <a:spcPct val="100000"/>
-              </a:lnSpc>
-              <a:spcBef>
-                <a:spcPts val="5"/>
-              </a:spcBef>
-            </a:pPr>
-            <a:r>
-              <a:rPr lang="en-US" spc="-5" dirty="0">
-                <a:solidFill>
-                  <a:srgbClr val="7E7E7E"/>
-                </a:solidFill>
-                <a:latin typeface="Calibri"/>
-                <a:cs typeface="Calibri"/>
-              </a:rPr>
-              <a:t>View 50 Needs with Rs.10</a:t>
-            </a:r>
-            <a:endParaRPr sz="1800" dirty="0">
-              <a:latin typeface="Calibri"/>
-              <a:cs typeface="Calibri"/>
-            </a:endParaRPr>
-          </a:p>
-        </p:txBody>
-      </p:sp>
-      <p:sp>
-        <p:nvSpPr>
-          <p:cNvPr id="7" name="object 7"/>
-          <p:cNvSpPr txBox="1"/>
-          <p:nvPr/>
-        </p:nvSpPr>
-        <p:spPr>
-          <a:xfrm>
-            <a:off x="7024243" y="4480814"/>
-            <a:ext cx="1024890" cy="584775"/>
-          </a:xfrm>
-          <a:prstGeom prst="rect">
-            <a:avLst/>
-          </a:prstGeom>
-        </p:spPr>
-        <p:txBody>
-          <a:bodyPr vert="horz" wrap="square" lIns="0" tIns="0" rIns="0" bIns="0" rtlCol="0">
-            <a:spAutoFit/>
-          </a:bodyPr>
-          <a:lstStyle/>
-          <a:p>
-            <a:pPr marL="12700">
-              <a:lnSpc>
-                <a:spcPct val="100000"/>
-              </a:lnSpc>
-            </a:pPr>
-            <a:r>
-              <a:rPr sz="2000" b="1" spc="-5" dirty="0">
-                <a:solidFill>
-                  <a:srgbClr val="444748"/>
-                </a:solidFill>
-                <a:latin typeface="Calibri"/>
-                <a:cs typeface="Calibri"/>
-              </a:rPr>
-              <a:t>REVENUE</a:t>
-            </a:r>
-            <a:endParaRPr sz="2000" dirty="0">
-              <a:latin typeface="Calibri"/>
-              <a:cs typeface="Calibri"/>
-            </a:endParaRPr>
-          </a:p>
-          <a:p>
-            <a:pPr marL="12700">
-              <a:lnSpc>
-                <a:spcPct val="100000"/>
-              </a:lnSpc>
-              <a:spcBef>
-                <a:spcPts val="5"/>
-              </a:spcBef>
-            </a:pPr>
-            <a:r>
-              <a:rPr sz="1800" spc="-5" dirty="0">
-                <a:solidFill>
-                  <a:srgbClr val="7E7E7E"/>
-                </a:solidFill>
-                <a:latin typeface="Calibri"/>
-                <a:cs typeface="Calibri"/>
-              </a:rPr>
-              <a:t>20</a:t>
-            </a:r>
-            <a:r>
-              <a:rPr lang="en-US" sz="1800" spc="-5" dirty="0">
-                <a:solidFill>
-                  <a:srgbClr val="7E7E7E"/>
-                </a:solidFill>
-                <a:latin typeface="Calibri"/>
-                <a:cs typeface="Calibri"/>
-              </a:rPr>
-              <a:t>17-?</a:t>
-            </a:r>
-            <a:endParaRPr sz="1800" dirty="0">
-              <a:latin typeface="Calibri"/>
-              <a:cs typeface="Calibri"/>
-            </a:endParaRPr>
-          </a:p>
-        </p:txBody>
-      </p:sp>
-      <p:sp>
-        <p:nvSpPr>
-          <p:cNvPr id="8" name="object 8"/>
-          <p:cNvSpPr/>
-          <p:nvPr/>
-        </p:nvSpPr>
-        <p:spPr>
-          <a:xfrm>
-            <a:off x="697991" y="2561844"/>
-            <a:ext cx="1675130" cy="1675130"/>
-          </a:xfrm>
-          <a:custGeom>
-            <a:avLst/>
-            <a:gdLst/>
-            <a:ahLst/>
-            <a:cxnLst/>
-            <a:rect l="l" t="t" r="r" b="b"/>
-            <a:pathLst>
-              <a:path w="1675130" h="1675129">
-                <a:moveTo>
-                  <a:pt x="837438" y="0"/>
-                </a:moveTo>
-                <a:lnTo>
-                  <a:pt x="789916" y="1325"/>
-                </a:lnTo>
-                <a:lnTo>
-                  <a:pt x="743090" y="5255"/>
-                </a:lnTo>
-                <a:lnTo>
-                  <a:pt x="697030" y="11718"/>
-                </a:lnTo>
-                <a:lnTo>
-                  <a:pt x="651807" y="20643"/>
-                </a:lnTo>
-                <a:lnTo>
-                  <a:pt x="607492" y="31961"/>
-                </a:lnTo>
-                <a:lnTo>
-                  <a:pt x="564155" y="45600"/>
-                </a:lnTo>
-                <a:lnTo>
-                  <a:pt x="521867" y="61490"/>
-                </a:lnTo>
-                <a:lnTo>
-                  <a:pt x="480698" y="79559"/>
-                </a:lnTo>
-                <a:lnTo>
-                  <a:pt x="440720" y="99738"/>
-                </a:lnTo>
-                <a:lnTo>
-                  <a:pt x="402003" y="121956"/>
-                </a:lnTo>
-                <a:lnTo>
-                  <a:pt x="364618" y="146141"/>
-                </a:lnTo>
-                <a:lnTo>
-                  <a:pt x="328635" y="172224"/>
-                </a:lnTo>
-                <a:lnTo>
-                  <a:pt x="294126" y="200134"/>
-                </a:lnTo>
-                <a:lnTo>
-                  <a:pt x="261160" y="229799"/>
-                </a:lnTo>
-                <a:lnTo>
-                  <a:pt x="229808" y="261150"/>
-                </a:lnTo>
-                <a:lnTo>
-                  <a:pt x="200142" y="294115"/>
-                </a:lnTo>
-                <a:lnTo>
-                  <a:pt x="172232" y="328624"/>
-                </a:lnTo>
-                <a:lnTo>
-                  <a:pt x="146148" y="364607"/>
-                </a:lnTo>
-                <a:lnTo>
-                  <a:pt x="121962" y="401992"/>
-                </a:lnTo>
-                <a:lnTo>
-                  <a:pt x="99743" y="440709"/>
-                </a:lnTo>
-                <a:lnTo>
-                  <a:pt x="79563" y="480687"/>
-                </a:lnTo>
-                <a:lnTo>
-                  <a:pt x="61493" y="521856"/>
-                </a:lnTo>
-                <a:lnTo>
-                  <a:pt x="45602" y="564145"/>
-                </a:lnTo>
-                <a:lnTo>
-                  <a:pt x="31963" y="607483"/>
-                </a:lnTo>
-                <a:lnTo>
-                  <a:pt x="20645" y="651799"/>
-                </a:lnTo>
-                <a:lnTo>
-                  <a:pt x="11718" y="697024"/>
-                </a:lnTo>
-                <a:lnTo>
-                  <a:pt x="5255" y="743085"/>
-                </a:lnTo>
-                <a:lnTo>
-                  <a:pt x="1325" y="789914"/>
-                </a:lnTo>
-                <a:lnTo>
-                  <a:pt x="0" y="837438"/>
-                </a:lnTo>
-                <a:lnTo>
-                  <a:pt x="1325" y="884961"/>
-                </a:lnTo>
-                <a:lnTo>
-                  <a:pt x="5255" y="931790"/>
-                </a:lnTo>
-                <a:lnTo>
-                  <a:pt x="11718" y="977851"/>
-                </a:lnTo>
-                <a:lnTo>
-                  <a:pt x="20645" y="1023076"/>
-                </a:lnTo>
-                <a:lnTo>
-                  <a:pt x="31963" y="1067392"/>
-                </a:lnTo>
-                <a:lnTo>
-                  <a:pt x="45602" y="1110730"/>
-                </a:lnTo>
-                <a:lnTo>
-                  <a:pt x="61493" y="1153019"/>
-                </a:lnTo>
-                <a:lnTo>
-                  <a:pt x="79563" y="1194188"/>
-                </a:lnTo>
-                <a:lnTo>
-                  <a:pt x="99743" y="1234166"/>
-                </a:lnTo>
-                <a:lnTo>
-                  <a:pt x="121962" y="1272883"/>
-                </a:lnTo>
-                <a:lnTo>
-                  <a:pt x="146148" y="1310268"/>
-                </a:lnTo>
-                <a:lnTo>
-                  <a:pt x="172232" y="1346251"/>
-                </a:lnTo>
-                <a:lnTo>
-                  <a:pt x="200142" y="1380760"/>
-                </a:lnTo>
-                <a:lnTo>
-                  <a:pt x="229808" y="1413725"/>
-                </a:lnTo>
-                <a:lnTo>
-                  <a:pt x="261160" y="1445076"/>
-                </a:lnTo>
-                <a:lnTo>
-                  <a:pt x="294126" y="1474741"/>
-                </a:lnTo>
-                <a:lnTo>
-                  <a:pt x="328635" y="1502651"/>
-                </a:lnTo>
-                <a:lnTo>
-                  <a:pt x="364618" y="1528734"/>
-                </a:lnTo>
-                <a:lnTo>
-                  <a:pt x="402003" y="1552919"/>
-                </a:lnTo>
-                <a:lnTo>
-                  <a:pt x="440720" y="1575137"/>
-                </a:lnTo>
-                <a:lnTo>
-                  <a:pt x="480698" y="1595316"/>
-                </a:lnTo>
-                <a:lnTo>
-                  <a:pt x="521867" y="1613385"/>
-                </a:lnTo>
-                <a:lnTo>
-                  <a:pt x="564155" y="1629275"/>
-                </a:lnTo>
-                <a:lnTo>
-                  <a:pt x="607492" y="1642914"/>
-                </a:lnTo>
-                <a:lnTo>
-                  <a:pt x="651807" y="1654232"/>
-                </a:lnTo>
-                <a:lnTo>
-                  <a:pt x="697030" y="1663157"/>
-                </a:lnTo>
-                <a:lnTo>
-                  <a:pt x="743090" y="1669620"/>
-                </a:lnTo>
-                <a:lnTo>
-                  <a:pt x="789916" y="1673550"/>
-                </a:lnTo>
-                <a:lnTo>
-                  <a:pt x="837438" y="1674875"/>
-                </a:lnTo>
-                <a:lnTo>
-                  <a:pt x="884961" y="1673550"/>
-                </a:lnTo>
-                <a:lnTo>
-                  <a:pt x="931790" y="1669620"/>
-                </a:lnTo>
-                <a:lnTo>
-                  <a:pt x="977851" y="1663157"/>
-                </a:lnTo>
-                <a:lnTo>
-                  <a:pt x="1023076" y="1654232"/>
-                </a:lnTo>
-                <a:lnTo>
-                  <a:pt x="1067392" y="1642914"/>
-                </a:lnTo>
-                <a:lnTo>
-                  <a:pt x="1110730" y="1629275"/>
-                </a:lnTo>
-                <a:lnTo>
-                  <a:pt x="1153019" y="1613385"/>
-                </a:lnTo>
-                <a:lnTo>
-                  <a:pt x="1194188" y="1595316"/>
-                </a:lnTo>
-                <a:lnTo>
-                  <a:pt x="1234166" y="1575137"/>
-                </a:lnTo>
-                <a:lnTo>
-                  <a:pt x="1272883" y="1552919"/>
-                </a:lnTo>
-                <a:lnTo>
-                  <a:pt x="1310268" y="1528734"/>
-                </a:lnTo>
-                <a:lnTo>
-                  <a:pt x="1346251" y="1502651"/>
-                </a:lnTo>
-                <a:lnTo>
-                  <a:pt x="1380760" y="1474741"/>
-                </a:lnTo>
-                <a:lnTo>
-                  <a:pt x="1413725" y="1445076"/>
-                </a:lnTo>
-                <a:lnTo>
-                  <a:pt x="1445076" y="1413725"/>
-                </a:lnTo>
-                <a:lnTo>
-                  <a:pt x="1474741" y="1380760"/>
-                </a:lnTo>
-                <a:lnTo>
-                  <a:pt x="1502651" y="1346251"/>
-                </a:lnTo>
-                <a:lnTo>
-                  <a:pt x="1528734" y="1310268"/>
-                </a:lnTo>
-                <a:lnTo>
-                  <a:pt x="1552919" y="1272883"/>
-                </a:lnTo>
-                <a:lnTo>
-                  <a:pt x="1575137" y="1234166"/>
-                </a:lnTo>
-                <a:lnTo>
-                  <a:pt x="1595316" y="1194188"/>
-                </a:lnTo>
-                <a:lnTo>
-                  <a:pt x="1613385" y="1153019"/>
-                </a:lnTo>
-                <a:lnTo>
-                  <a:pt x="1629275" y="1110730"/>
-                </a:lnTo>
-                <a:lnTo>
-                  <a:pt x="1642914" y="1067392"/>
-                </a:lnTo>
-                <a:lnTo>
-                  <a:pt x="1654232" y="1023076"/>
-                </a:lnTo>
-                <a:lnTo>
-                  <a:pt x="1663157" y="977851"/>
-                </a:lnTo>
-                <a:lnTo>
-                  <a:pt x="1669620" y="931790"/>
-                </a:lnTo>
-                <a:lnTo>
-                  <a:pt x="1673550" y="884961"/>
-                </a:lnTo>
-                <a:lnTo>
-                  <a:pt x="1674876" y="837438"/>
-                </a:lnTo>
-                <a:lnTo>
-                  <a:pt x="1673550" y="789914"/>
-                </a:lnTo>
-                <a:lnTo>
-                  <a:pt x="1669620" y="743085"/>
-                </a:lnTo>
-                <a:lnTo>
-                  <a:pt x="1663157" y="697024"/>
-                </a:lnTo>
-                <a:lnTo>
-                  <a:pt x="1654232" y="651799"/>
-                </a:lnTo>
-                <a:lnTo>
-                  <a:pt x="1642914" y="607483"/>
-                </a:lnTo>
-                <a:lnTo>
-                  <a:pt x="1629275" y="564145"/>
-                </a:lnTo>
-                <a:lnTo>
-                  <a:pt x="1613385" y="521856"/>
-                </a:lnTo>
-                <a:lnTo>
-                  <a:pt x="1595316" y="480687"/>
-                </a:lnTo>
-                <a:lnTo>
-                  <a:pt x="1575137" y="440709"/>
-                </a:lnTo>
-                <a:lnTo>
-                  <a:pt x="1552919" y="401992"/>
-                </a:lnTo>
-                <a:lnTo>
-                  <a:pt x="1528734" y="364607"/>
-                </a:lnTo>
-                <a:lnTo>
-                  <a:pt x="1502651" y="328624"/>
-                </a:lnTo>
-                <a:lnTo>
-                  <a:pt x="1474741" y="294115"/>
-                </a:lnTo>
-                <a:lnTo>
-                  <a:pt x="1445076" y="261150"/>
-                </a:lnTo>
-                <a:lnTo>
-                  <a:pt x="1413725" y="229799"/>
-                </a:lnTo>
-                <a:lnTo>
-                  <a:pt x="1380760" y="200134"/>
-                </a:lnTo>
-                <a:lnTo>
-                  <a:pt x="1346251" y="172224"/>
-                </a:lnTo>
-                <a:lnTo>
-                  <a:pt x="1310268" y="146141"/>
-                </a:lnTo>
-                <a:lnTo>
-                  <a:pt x="1272883" y="121956"/>
-                </a:lnTo>
-                <a:lnTo>
-                  <a:pt x="1234166" y="99738"/>
-                </a:lnTo>
-                <a:lnTo>
-                  <a:pt x="1194188" y="79559"/>
-                </a:lnTo>
-                <a:lnTo>
-                  <a:pt x="1153019" y="61490"/>
-                </a:lnTo>
-                <a:lnTo>
-                  <a:pt x="1110730" y="45600"/>
-                </a:lnTo>
-                <a:lnTo>
-                  <a:pt x="1067392" y="31961"/>
-                </a:lnTo>
-                <a:lnTo>
-                  <a:pt x="1023076" y="20643"/>
-                </a:lnTo>
-                <a:lnTo>
-                  <a:pt x="977851" y="11718"/>
-                </a:lnTo>
-                <a:lnTo>
-                  <a:pt x="931790" y="5255"/>
-                </a:lnTo>
-                <a:lnTo>
-                  <a:pt x="884961" y="1325"/>
-                </a:lnTo>
-                <a:lnTo>
-                  <a:pt x="837438" y="0"/>
-                </a:lnTo>
-                <a:close/>
-              </a:path>
-            </a:pathLst>
-          </a:custGeom>
-          <a:solidFill>
-            <a:srgbClr val="129CEB"/>
-          </a:solidFill>
-        </p:spPr>
-        <p:txBody>
-          <a:bodyPr wrap="square" lIns="0" tIns="0" rIns="0" bIns="0" rtlCol="0"/>
-          <a:lstStyle/>
-          <a:p>
-            <a:endParaRPr dirty="0"/>
-          </a:p>
-        </p:txBody>
-      </p:sp>
-      <p:sp>
-        <p:nvSpPr>
-          <p:cNvPr id="9" name="object 9"/>
-          <p:cNvSpPr txBox="1"/>
-          <p:nvPr/>
-        </p:nvSpPr>
-        <p:spPr>
-          <a:xfrm>
-            <a:off x="912366" y="2695964"/>
-            <a:ext cx="1297433" cy="1292662"/>
-          </a:xfrm>
-          <a:prstGeom prst="rect">
-            <a:avLst/>
-          </a:prstGeom>
-        </p:spPr>
-        <p:txBody>
-          <a:bodyPr vert="horz" wrap="square" lIns="0" tIns="0" rIns="0" bIns="0" rtlCol="0">
-            <a:spAutoFit/>
-          </a:bodyPr>
-          <a:lstStyle/>
-          <a:p>
-            <a:pPr marL="12700">
-              <a:lnSpc>
-                <a:spcPct val="100000"/>
-              </a:lnSpc>
-            </a:pPr>
-            <a:r>
-              <a:rPr lang="en-US" sz="2800" b="1" spc="-10" dirty="0">
-                <a:solidFill>
-                  <a:srgbClr val="FFFFFF"/>
-                </a:solidFill>
-                <a:latin typeface="Calibri"/>
-                <a:cs typeface="Calibri"/>
-              </a:rPr>
-              <a:t>     1million/day</a:t>
-            </a:r>
-            <a:endParaRPr sz="2800" dirty="0">
-              <a:latin typeface="Calibri"/>
-              <a:cs typeface="Calibri"/>
-            </a:endParaRPr>
-          </a:p>
-        </p:txBody>
-      </p:sp>
-      <p:sp>
-        <p:nvSpPr>
-          <p:cNvPr id="10" name="object 10"/>
-          <p:cNvSpPr txBox="1"/>
-          <p:nvPr/>
-        </p:nvSpPr>
-        <p:spPr>
-          <a:xfrm>
-            <a:off x="3810000" y="2989834"/>
-            <a:ext cx="1403223" cy="738664"/>
-          </a:xfrm>
-          <a:prstGeom prst="rect">
-            <a:avLst/>
-          </a:prstGeom>
-        </p:spPr>
-        <p:txBody>
-          <a:bodyPr vert="horz" wrap="square" lIns="0" tIns="0" rIns="0" bIns="0" rtlCol="0">
-            <a:spAutoFit/>
-          </a:bodyPr>
-          <a:lstStyle/>
-          <a:p>
-            <a:pPr marL="12700">
-              <a:lnSpc>
-                <a:spcPct val="100000"/>
-              </a:lnSpc>
-            </a:pPr>
-            <a:r>
-              <a:rPr lang="en-US" sz="4800" b="1" dirty="0" err="1">
-                <a:solidFill>
-                  <a:srgbClr val="129CEB"/>
-                </a:solidFill>
-                <a:latin typeface="Calibri"/>
-                <a:cs typeface="Calibri"/>
-              </a:rPr>
-              <a:t>Rs</a:t>
-            </a:r>
-            <a:r>
-              <a:rPr lang="en-US" sz="4800" b="1" dirty="0">
-                <a:solidFill>
-                  <a:srgbClr val="129CEB"/>
-                </a:solidFill>
-                <a:latin typeface="Calibri"/>
-                <a:cs typeface="Calibri"/>
-              </a:rPr>
-              <a:t> 10</a:t>
-            </a:r>
-            <a:endParaRPr sz="4800" dirty="0">
-              <a:latin typeface="Calibri"/>
-              <a:cs typeface="Calibri"/>
-            </a:endParaRPr>
-          </a:p>
-        </p:txBody>
-      </p:sp>
-      <p:sp>
-        <p:nvSpPr>
-          <p:cNvPr id="11" name="object 11"/>
-          <p:cNvSpPr txBox="1"/>
-          <p:nvPr/>
-        </p:nvSpPr>
-        <p:spPr>
-          <a:xfrm>
-            <a:off x="6662674" y="2181940"/>
-            <a:ext cx="2255671" cy="2215991"/>
-          </a:xfrm>
-          <a:prstGeom prst="rect">
-            <a:avLst/>
-          </a:prstGeom>
-        </p:spPr>
-        <p:txBody>
-          <a:bodyPr vert="horz" wrap="square" lIns="0" tIns="0" rIns="0" bIns="0" rtlCol="0">
-            <a:spAutoFit/>
-          </a:bodyPr>
-          <a:lstStyle/>
-          <a:p>
-            <a:pPr marL="12700">
-              <a:lnSpc>
-                <a:spcPct val="100000"/>
-              </a:lnSpc>
-            </a:pPr>
-            <a:r>
-              <a:rPr lang="en-US" sz="4800" b="1" dirty="0">
-                <a:solidFill>
-                  <a:srgbClr val="129CEB"/>
-                </a:solidFill>
-                <a:latin typeface="Calibri"/>
-                <a:cs typeface="Calibri"/>
-              </a:rPr>
-              <a:t>     1crore /day</a:t>
-            </a:r>
-            <a:endParaRPr sz="4800" dirty="0">
-              <a:latin typeface="Calibri"/>
-              <a:cs typeface="Calibri"/>
-            </a:endParaRPr>
-          </a:p>
-        </p:txBody>
-      </p:sp>
-      <p:sp>
-        <p:nvSpPr>
-          <p:cNvPr id="12" name="object 12"/>
-          <p:cNvSpPr/>
-          <p:nvPr/>
-        </p:nvSpPr>
-        <p:spPr>
-          <a:xfrm>
-            <a:off x="2602229" y="3384677"/>
-            <a:ext cx="1219835" cy="111760"/>
-          </a:xfrm>
-          <a:custGeom>
-            <a:avLst/>
-            <a:gdLst/>
-            <a:ahLst/>
-            <a:cxnLst/>
-            <a:rect l="l" t="t" r="r" b="b"/>
-            <a:pathLst>
-              <a:path w="1219835" h="111760">
-                <a:moveTo>
-                  <a:pt x="1180356" y="55752"/>
-                </a:moveTo>
-                <a:lnTo>
-                  <a:pt x="1118743" y="91694"/>
-                </a:lnTo>
-                <a:lnTo>
-                  <a:pt x="1114044" y="94361"/>
-                </a:lnTo>
-                <a:lnTo>
-                  <a:pt x="1112393" y="100457"/>
-                </a:lnTo>
-                <a:lnTo>
-                  <a:pt x="1115186" y="105156"/>
-                </a:lnTo>
-                <a:lnTo>
-                  <a:pt x="1117981" y="109982"/>
-                </a:lnTo>
-                <a:lnTo>
-                  <a:pt x="1123949" y="111506"/>
-                </a:lnTo>
-                <a:lnTo>
-                  <a:pt x="1202595" y="65659"/>
-                </a:lnTo>
-                <a:lnTo>
-                  <a:pt x="1199895" y="65659"/>
-                </a:lnTo>
-                <a:lnTo>
-                  <a:pt x="1199895" y="64262"/>
-                </a:lnTo>
-                <a:lnTo>
-                  <a:pt x="1194943" y="64262"/>
-                </a:lnTo>
-                <a:lnTo>
-                  <a:pt x="1180356" y="55752"/>
-                </a:lnTo>
-                <a:close/>
-              </a:path>
-              <a:path w="1219835" h="111760">
-                <a:moveTo>
-                  <a:pt x="1163374" y="45847"/>
-                </a:moveTo>
-                <a:lnTo>
-                  <a:pt x="0" y="45847"/>
-                </a:lnTo>
-                <a:lnTo>
-                  <a:pt x="0" y="65659"/>
-                </a:lnTo>
-                <a:lnTo>
-                  <a:pt x="1163374" y="65659"/>
-                </a:lnTo>
-                <a:lnTo>
-                  <a:pt x="1180356" y="55752"/>
-                </a:lnTo>
-                <a:lnTo>
-                  <a:pt x="1163374" y="45847"/>
-                </a:lnTo>
-                <a:close/>
-              </a:path>
-              <a:path w="1219835" h="111760">
-                <a:moveTo>
-                  <a:pt x="1202595" y="45847"/>
-                </a:moveTo>
-                <a:lnTo>
-                  <a:pt x="1199895" y="45847"/>
-                </a:lnTo>
-                <a:lnTo>
-                  <a:pt x="1199895" y="65659"/>
-                </a:lnTo>
-                <a:lnTo>
-                  <a:pt x="1202595" y="65659"/>
-                </a:lnTo>
-                <a:lnTo>
-                  <a:pt x="1219581" y="55752"/>
-                </a:lnTo>
-                <a:lnTo>
-                  <a:pt x="1202595" y="45847"/>
-                </a:lnTo>
-                <a:close/>
-              </a:path>
-              <a:path w="1219835" h="111760">
-                <a:moveTo>
-                  <a:pt x="1194943" y="47244"/>
-                </a:moveTo>
-                <a:lnTo>
-                  <a:pt x="1180356" y="55752"/>
-                </a:lnTo>
-                <a:lnTo>
-                  <a:pt x="1194943" y="64262"/>
-                </a:lnTo>
-                <a:lnTo>
-                  <a:pt x="1194943" y="47244"/>
-                </a:lnTo>
-                <a:close/>
-              </a:path>
-              <a:path w="1219835" h="111760">
-                <a:moveTo>
-                  <a:pt x="1199895" y="47244"/>
-                </a:moveTo>
-                <a:lnTo>
-                  <a:pt x="1194943" y="47244"/>
-                </a:lnTo>
-                <a:lnTo>
-                  <a:pt x="1194943" y="64262"/>
-                </a:lnTo>
-                <a:lnTo>
-                  <a:pt x="1199895" y="64262"/>
-                </a:lnTo>
-                <a:lnTo>
-                  <a:pt x="1199895" y="47244"/>
-                </a:lnTo>
-                <a:close/>
-              </a:path>
-              <a:path w="1219835" h="111760">
-                <a:moveTo>
-                  <a:pt x="1123949" y="0"/>
-                </a:moveTo>
-                <a:lnTo>
-                  <a:pt x="1117981" y="1524"/>
-                </a:lnTo>
-                <a:lnTo>
-                  <a:pt x="1115186" y="6350"/>
-                </a:lnTo>
-                <a:lnTo>
-                  <a:pt x="1112393" y="11049"/>
-                </a:lnTo>
-                <a:lnTo>
-                  <a:pt x="1114044" y="17145"/>
-                </a:lnTo>
-                <a:lnTo>
-                  <a:pt x="1118743" y="19812"/>
-                </a:lnTo>
-                <a:lnTo>
-                  <a:pt x="1180356" y="55752"/>
-                </a:lnTo>
-                <a:lnTo>
-                  <a:pt x="1194943" y="47244"/>
-                </a:lnTo>
-                <a:lnTo>
-                  <a:pt x="1199895" y="47244"/>
-                </a:lnTo>
-                <a:lnTo>
-                  <a:pt x="1199895" y="45847"/>
-                </a:lnTo>
-                <a:lnTo>
-                  <a:pt x="1202595" y="45847"/>
-                </a:lnTo>
-                <a:lnTo>
-                  <a:pt x="1123949" y="0"/>
-                </a:lnTo>
-                <a:close/>
-              </a:path>
-            </a:pathLst>
-          </a:custGeom>
-          <a:solidFill>
-            <a:srgbClr val="444748"/>
-          </a:solidFill>
-        </p:spPr>
-        <p:txBody>
-          <a:bodyPr wrap="square" lIns="0" tIns="0" rIns="0" bIns="0" rtlCol="0"/>
-          <a:lstStyle/>
-          <a:p>
-            <a:endParaRPr/>
-          </a:p>
-        </p:txBody>
-      </p:sp>
-      <p:sp>
-        <p:nvSpPr>
-          <p:cNvPr id="13" name="object 13"/>
-          <p:cNvSpPr/>
-          <p:nvPr/>
-        </p:nvSpPr>
-        <p:spPr>
-          <a:xfrm>
-            <a:off x="5223509" y="3386201"/>
-            <a:ext cx="1219835" cy="111760"/>
-          </a:xfrm>
-          <a:custGeom>
-            <a:avLst/>
-            <a:gdLst/>
-            <a:ahLst/>
-            <a:cxnLst/>
-            <a:rect l="l" t="t" r="r" b="b"/>
-            <a:pathLst>
-              <a:path w="1219835" h="111760">
-                <a:moveTo>
-                  <a:pt x="1180356" y="55752"/>
-                </a:moveTo>
-                <a:lnTo>
-                  <a:pt x="1118742" y="91694"/>
-                </a:lnTo>
-                <a:lnTo>
-                  <a:pt x="1114043" y="94361"/>
-                </a:lnTo>
-                <a:lnTo>
-                  <a:pt x="1112392" y="100457"/>
-                </a:lnTo>
-                <a:lnTo>
-                  <a:pt x="1115187" y="105156"/>
-                </a:lnTo>
-                <a:lnTo>
-                  <a:pt x="1117980" y="109982"/>
-                </a:lnTo>
-                <a:lnTo>
-                  <a:pt x="1123950" y="111506"/>
-                </a:lnTo>
-                <a:lnTo>
-                  <a:pt x="1202595" y="65659"/>
-                </a:lnTo>
-                <a:lnTo>
-                  <a:pt x="1199895" y="65659"/>
-                </a:lnTo>
-                <a:lnTo>
-                  <a:pt x="1199895" y="64262"/>
-                </a:lnTo>
-                <a:lnTo>
-                  <a:pt x="1194942" y="64262"/>
-                </a:lnTo>
-                <a:lnTo>
-                  <a:pt x="1180356" y="55752"/>
-                </a:lnTo>
-                <a:close/>
-              </a:path>
-              <a:path w="1219835" h="111760">
-                <a:moveTo>
-                  <a:pt x="1163374" y="45847"/>
-                </a:moveTo>
-                <a:lnTo>
-                  <a:pt x="0" y="45847"/>
-                </a:lnTo>
-                <a:lnTo>
-                  <a:pt x="0" y="65659"/>
-                </a:lnTo>
-                <a:lnTo>
-                  <a:pt x="1163374" y="65659"/>
-                </a:lnTo>
-                <a:lnTo>
-                  <a:pt x="1180356" y="55752"/>
-                </a:lnTo>
-                <a:lnTo>
-                  <a:pt x="1163374" y="45847"/>
-                </a:lnTo>
-                <a:close/>
-              </a:path>
-              <a:path w="1219835" h="111760">
-                <a:moveTo>
-                  <a:pt x="1202595" y="45847"/>
-                </a:moveTo>
-                <a:lnTo>
-                  <a:pt x="1199895" y="45847"/>
-                </a:lnTo>
-                <a:lnTo>
-                  <a:pt x="1199895" y="65659"/>
-                </a:lnTo>
-                <a:lnTo>
-                  <a:pt x="1202595" y="65659"/>
-                </a:lnTo>
-                <a:lnTo>
-                  <a:pt x="1219580" y="55752"/>
-                </a:lnTo>
-                <a:lnTo>
-                  <a:pt x="1202595" y="45847"/>
-                </a:lnTo>
-                <a:close/>
-              </a:path>
-              <a:path w="1219835" h="111760">
-                <a:moveTo>
-                  <a:pt x="1194942" y="47244"/>
-                </a:moveTo>
-                <a:lnTo>
-                  <a:pt x="1180356" y="55752"/>
-                </a:lnTo>
-                <a:lnTo>
-                  <a:pt x="1194942" y="64262"/>
-                </a:lnTo>
-                <a:lnTo>
-                  <a:pt x="1194942" y="47244"/>
-                </a:lnTo>
-                <a:close/>
-              </a:path>
-              <a:path w="1219835" h="111760">
-                <a:moveTo>
-                  <a:pt x="1199895" y="47244"/>
-                </a:moveTo>
-                <a:lnTo>
-                  <a:pt x="1194942" y="47244"/>
-                </a:lnTo>
-                <a:lnTo>
-                  <a:pt x="1194942" y="64262"/>
-                </a:lnTo>
-                <a:lnTo>
-                  <a:pt x="1199895" y="64262"/>
-                </a:lnTo>
-                <a:lnTo>
-                  <a:pt x="1199895" y="47244"/>
-                </a:lnTo>
-                <a:close/>
-              </a:path>
-              <a:path w="1219835" h="111760">
-                <a:moveTo>
-                  <a:pt x="1123950" y="0"/>
-                </a:moveTo>
-                <a:lnTo>
-                  <a:pt x="1117980" y="1524"/>
-                </a:lnTo>
-                <a:lnTo>
-                  <a:pt x="1115187" y="6350"/>
-                </a:lnTo>
-                <a:lnTo>
-                  <a:pt x="1112392" y="11049"/>
-                </a:lnTo>
-                <a:lnTo>
-                  <a:pt x="1114043" y="17145"/>
-                </a:lnTo>
-                <a:lnTo>
-                  <a:pt x="1118742" y="19812"/>
-                </a:lnTo>
-                <a:lnTo>
-                  <a:pt x="1180356" y="55752"/>
-                </a:lnTo>
-                <a:lnTo>
-                  <a:pt x="1194942" y="47244"/>
-                </a:lnTo>
-                <a:lnTo>
-                  <a:pt x="1199895" y="47244"/>
-                </a:lnTo>
-                <a:lnTo>
-                  <a:pt x="1199895" y="45847"/>
-                </a:lnTo>
-                <a:lnTo>
-                  <a:pt x="1202595" y="45847"/>
-                </a:lnTo>
-                <a:lnTo>
-                  <a:pt x="1123950" y="0"/>
-                </a:lnTo>
-                <a:close/>
-              </a:path>
-            </a:pathLst>
-          </a:custGeom>
-          <a:solidFill>
-            <a:srgbClr val="444748"/>
-          </a:solidFill>
-        </p:spPr>
-        <p:txBody>
-          <a:bodyPr wrap="square" lIns="0" tIns="0" rIns="0" bIns="0" rtlCol="0"/>
-          <a:lstStyle/>
-          <a:p>
-            <a:endParaRPr/>
-          </a:p>
-        </p:txBody>
-      </p:sp>
-      <p:sp>
-        <p:nvSpPr>
-          <p:cNvPr id="14" name="object 14"/>
-          <p:cNvSpPr txBox="1">
-            <a:spLocks noGrp="1"/>
-          </p:cNvSpPr>
-          <p:nvPr>
-            <p:ph type="ftr" sz="quarter" idx="5"/>
-          </p:nvPr>
-        </p:nvSpPr>
-        <p:spPr>
-          <a:xfrm>
-            <a:off x="7095870" y="6641388"/>
-            <a:ext cx="1971675" cy="153888"/>
-          </a:xfrm>
-          <a:prstGeom prst="rect">
-            <a:avLst/>
-          </a:prstGeom>
-        </p:spPr>
-        <p:txBody>
-          <a:bodyPr vert="horz" wrap="square" lIns="0" tIns="0" rIns="0" bIns="0" rtlCol="0">
-            <a:spAutoFit/>
-          </a:bodyPr>
-          <a:lstStyle/>
-          <a:p>
-            <a:pPr marL="12700">
-              <a:lnSpc>
-                <a:spcPts val="1150"/>
-              </a:lnSpc>
-            </a:pPr>
-            <a:r>
-              <a:rPr lang="en-US" spc="-5"/>
-              <a:t>Myserviceneed.com</a:t>
-            </a:r>
-            <a:endParaRPr lang="en-US" spc="-5" dirty="0"/>
-          </a:p>
-        </p:txBody>
-      </p:sp>
-      <p:sp>
-        <p:nvSpPr>
-          <p:cNvPr id="15" name="TextBox 14"/>
-          <p:cNvSpPr txBox="1"/>
-          <p:nvPr/>
-        </p:nvSpPr>
-        <p:spPr>
-          <a:xfrm>
-            <a:off x="381000" y="5715000"/>
-            <a:ext cx="8502927" cy="369332"/>
-          </a:xfrm>
-          <a:prstGeom prst="rect">
-            <a:avLst/>
-          </a:prstGeom>
-          <a:noFill/>
-        </p:spPr>
-        <p:txBody>
-          <a:bodyPr wrap="square" rtlCol="0">
-            <a:spAutoFit/>
-          </a:bodyPr>
-          <a:lstStyle/>
-          <a:p>
-            <a:r>
-              <a:rPr lang="en-US" dirty="0">
-                <a:solidFill>
-                  <a:srgbClr val="FF0000"/>
-                </a:solidFill>
-              </a:rPr>
-              <a:t>Note: Depends on type of service work viewed, number of views available will change.</a:t>
-            </a:r>
-          </a:p>
-        </p:txBody>
-      </p:sp>
-    </p:spTree>
-  </p:cSld>
-  <p:clrMapOvr>
-    <a:masterClrMapping/>
-  </p:clrMapOvr>
-</p:sld>
-</file>
-
 <file path=ppt/slides/slide8.xml><?xml version="1.0" encoding="utf-8"?>
 <p:sld xmlns:a="http://schemas.openxmlformats.org/drawingml/2006/main" xmlns:r="http://schemas.openxmlformats.org/officeDocument/2006/relationships" xmlns:p="http://schemas.openxmlformats.org/presentationml/2006/main" showMasterSp="0">
   <p:cSld>
@@ -8051,27 +7113,15 @@
             </a:pPr>
             <a:r>
               <a:rPr dirty="0"/>
-              <a:t>C</a:t>
-            </a:r>
-            <a:r>
-              <a:rPr spc="-5" dirty="0"/>
-              <a:t>o</a:t>
-            </a:r>
-            <a:r>
-              <a:rPr spc="0" dirty="0"/>
-              <a:t>m</a:t>
-            </a:r>
-            <a:r>
-              <a:rPr spc="-5" dirty="0"/>
-              <a:t>pe</a:t>
-            </a:r>
-            <a:r>
-              <a:rPr spc="0" dirty="0"/>
-              <a:t>t</a:t>
-            </a:r>
-            <a:r>
-              <a:rPr spc="-5" dirty="0"/>
-              <a:t>ition</a:t>
+              <a:t>Business</a:t>
+            </a:r>
+            <a:r>
+              <a:rPr spc="-120" dirty="0"/>
+              <a:t> </a:t>
+            </a:r>
+            <a:r>
+              <a:rPr dirty="0"/>
+              <a:t>Model</a:t>
             </a:r>
           </a:p>
         </p:txBody>
@@ -8110,7 +7160,7 @@
                 <a:latin typeface="Arial Rounded MT Bold"/>
                 <a:cs typeface="Arial Rounded MT Bold"/>
               </a:rPr>
-              <a:t>9</a:t>
+              <a:t>7</a:t>
             </a:r>
             <a:endParaRPr sz="3600">
               <a:latin typeface="Arial Rounded MT Bold"/>
@@ -8122,13 +7172,327 @@
       <p:sp>
         <p:nvSpPr>
           <p:cNvPr id="4" name="object 4"/>
+          <p:cNvSpPr txBox="1"/>
+          <p:nvPr/>
+        </p:nvSpPr>
+        <p:spPr>
+          <a:xfrm>
+            <a:off x="912367" y="1444625"/>
+            <a:ext cx="7175500" cy="800219"/>
+          </a:xfrm>
+          <a:prstGeom prst="rect">
+            <a:avLst/>
+          </a:prstGeom>
+        </p:spPr>
+        <p:txBody>
+          <a:bodyPr vert="horz" wrap="square" lIns="0" tIns="0" rIns="0" bIns="0" rtlCol="0">
+            <a:spAutoFit/>
+          </a:bodyPr>
+          <a:lstStyle/>
+          <a:p>
+            <a:pPr marL="12700">
+              <a:lnSpc>
+                <a:spcPct val="100000"/>
+              </a:lnSpc>
+            </a:pPr>
+            <a:r>
+              <a:rPr sz="2600" dirty="0">
+                <a:solidFill>
+                  <a:srgbClr val="7E7E7E"/>
+                </a:solidFill>
+                <a:latin typeface="Arial"/>
+                <a:cs typeface="Arial"/>
+              </a:rPr>
+              <a:t>We </a:t>
+            </a:r>
+            <a:r>
+              <a:rPr lang="en-US" sz="2600" dirty="0">
+                <a:solidFill>
+                  <a:srgbClr val="7E7E7E"/>
+                </a:solidFill>
+                <a:latin typeface="Arial"/>
+                <a:cs typeface="Arial"/>
+              </a:rPr>
+              <a:t>charge from user who view more than 10 service needs per a Day(In find work section).</a:t>
+            </a:r>
+            <a:endParaRPr sz="2600" dirty="0">
+              <a:latin typeface="Arial"/>
+              <a:cs typeface="Arial"/>
+            </a:endParaRPr>
+          </a:p>
+        </p:txBody>
+      </p:sp>
+      <p:sp>
+        <p:nvSpPr>
+          <p:cNvPr id="5" name="object 5"/>
+          <p:cNvSpPr txBox="1"/>
+          <p:nvPr/>
+        </p:nvSpPr>
+        <p:spPr>
+          <a:xfrm>
+            <a:off x="803554" y="4480814"/>
+            <a:ext cx="1798675" cy="636072"/>
+          </a:xfrm>
+          <a:prstGeom prst="rect">
+            <a:avLst/>
+          </a:prstGeom>
+        </p:spPr>
+        <p:txBody>
+          <a:bodyPr vert="horz" wrap="square" lIns="0" tIns="0" rIns="0" bIns="0" rtlCol="0">
+            <a:spAutoFit/>
+          </a:bodyPr>
+          <a:lstStyle/>
+          <a:p>
+            <a:pPr marL="12700">
+              <a:lnSpc>
+                <a:spcPct val="100000"/>
+              </a:lnSpc>
+            </a:pPr>
+            <a:r>
+              <a:rPr lang="en-US" sz="2000" b="1" spc="-5" dirty="0" err="1">
+                <a:solidFill>
+                  <a:srgbClr val="444748"/>
+                </a:solidFill>
+                <a:latin typeface="Calibri"/>
+                <a:cs typeface="Calibri"/>
+              </a:rPr>
+              <a:t>MyServiceNeed</a:t>
+            </a:r>
+            <a:endParaRPr sz="2000" dirty="0">
+              <a:latin typeface="Calibri"/>
+              <a:cs typeface="Calibri"/>
+            </a:endParaRPr>
+          </a:p>
+          <a:p>
+            <a:pPr marL="65405">
+              <a:lnSpc>
+                <a:spcPct val="100000"/>
+              </a:lnSpc>
+              <a:spcBef>
+                <a:spcPts val="365"/>
+              </a:spcBef>
+            </a:pPr>
+            <a:r>
+              <a:rPr sz="1800" spc="-10" dirty="0">
+                <a:solidFill>
+                  <a:srgbClr val="7E7E7E"/>
+                </a:solidFill>
+                <a:latin typeface="Calibri"/>
+                <a:cs typeface="Calibri"/>
+              </a:rPr>
+              <a:t>Share </a:t>
+            </a:r>
+            <a:r>
+              <a:rPr sz="1800" spc="-5" dirty="0">
+                <a:solidFill>
+                  <a:srgbClr val="7E7E7E"/>
+                </a:solidFill>
+                <a:latin typeface="Calibri"/>
+                <a:cs typeface="Calibri"/>
+              </a:rPr>
+              <a:t>of</a:t>
+            </a:r>
+            <a:r>
+              <a:rPr sz="1800" spc="-45" dirty="0">
+                <a:solidFill>
+                  <a:srgbClr val="7E7E7E"/>
+                </a:solidFill>
+                <a:latin typeface="Calibri"/>
+                <a:cs typeface="Calibri"/>
+              </a:rPr>
+              <a:t> </a:t>
+            </a:r>
+            <a:r>
+              <a:rPr sz="1800" spc="-15" dirty="0">
+                <a:solidFill>
+                  <a:srgbClr val="7E7E7E"/>
+                </a:solidFill>
+                <a:latin typeface="Calibri"/>
+                <a:cs typeface="Calibri"/>
+              </a:rPr>
+              <a:t>Market</a:t>
+            </a:r>
+            <a:endParaRPr sz="1800" dirty="0">
+              <a:latin typeface="Calibri"/>
+              <a:cs typeface="Calibri"/>
+            </a:endParaRPr>
+          </a:p>
+        </p:txBody>
+      </p:sp>
+      <p:sp>
+        <p:nvSpPr>
+          <p:cNvPr id="6" name="object 6"/>
+          <p:cNvSpPr txBox="1"/>
+          <p:nvPr/>
+        </p:nvSpPr>
+        <p:spPr>
+          <a:xfrm>
+            <a:off x="3585464" y="4480814"/>
+            <a:ext cx="2205736" cy="861774"/>
+          </a:xfrm>
+          <a:prstGeom prst="rect">
+            <a:avLst/>
+          </a:prstGeom>
+        </p:spPr>
+        <p:txBody>
+          <a:bodyPr vert="horz" wrap="square" lIns="0" tIns="0" rIns="0" bIns="0" rtlCol="0">
+            <a:spAutoFit/>
+          </a:bodyPr>
+          <a:lstStyle/>
+          <a:p>
+            <a:pPr marL="1270" algn="ctr">
+              <a:lnSpc>
+                <a:spcPct val="100000"/>
+              </a:lnSpc>
+            </a:pPr>
+            <a:r>
+              <a:rPr sz="2000" b="1" spc="-50" dirty="0">
+                <a:solidFill>
+                  <a:srgbClr val="444748"/>
+                </a:solidFill>
+                <a:latin typeface="Calibri"/>
+                <a:cs typeface="Calibri"/>
+              </a:rPr>
+              <a:t>AVG</a:t>
+            </a:r>
+            <a:r>
+              <a:rPr sz="2000" b="1" spc="-90" dirty="0">
+                <a:solidFill>
+                  <a:srgbClr val="444748"/>
+                </a:solidFill>
+                <a:latin typeface="Calibri"/>
+                <a:cs typeface="Calibri"/>
+              </a:rPr>
+              <a:t> </a:t>
+            </a:r>
+            <a:r>
+              <a:rPr sz="2000" b="1" dirty="0">
+                <a:solidFill>
+                  <a:srgbClr val="444748"/>
+                </a:solidFill>
+                <a:latin typeface="Calibri"/>
+                <a:cs typeface="Calibri"/>
+              </a:rPr>
+              <a:t>FEE</a:t>
+            </a:r>
+            <a:endParaRPr sz="2000" dirty="0">
+              <a:latin typeface="Calibri"/>
+              <a:cs typeface="Calibri"/>
+            </a:endParaRPr>
+          </a:p>
+          <a:p>
+            <a:pPr algn="ctr">
+              <a:lnSpc>
+                <a:spcPct val="100000"/>
+              </a:lnSpc>
+              <a:spcBef>
+                <a:spcPts val="5"/>
+              </a:spcBef>
+            </a:pPr>
+            <a:r>
+              <a:rPr lang="en-US" spc="-5" dirty="0">
+                <a:solidFill>
+                  <a:srgbClr val="7E7E7E"/>
+                </a:solidFill>
+                <a:latin typeface="Calibri"/>
+                <a:cs typeface="Calibri"/>
+              </a:rPr>
+              <a:t>View 50 Needs with Rs.10</a:t>
+            </a:r>
+            <a:endParaRPr sz="1800" dirty="0">
+              <a:latin typeface="Calibri"/>
+              <a:cs typeface="Calibri"/>
+            </a:endParaRPr>
+          </a:p>
+        </p:txBody>
+      </p:sp>
+      <p:sp>
+        <p:nvSpPr>
+          <p:cNvPr id="7" name="object 7"/>
+          <p:cNvSpPr txBox="1"/>
+          <p:nvPr/>
+        </p:nvSpPr>
+        <p:spPr>
+          <a:xfrm>
+            <a:off x="7024243" y="4480814"/>
+            <a:ext cx="1024890" cy="584775"/>
+          </a:xfrm>
+          <a:prstGeom prst="rect">
+            <a:avLst/>
+          </a:prstGeom>
+        </p:spPr>
+        <p:txBody>
+          <a:bodyPr vert="horz" wrap="square" lIns="0" tIns="0" rIns="0" bIns="0" rtlCol="0">
+            <a:spAutoFit/>
+          </a:bodyPr>
+          <a:lstStyle/>
+          <a:p>
+            <a:pPr marL="12700">
+              <a:lnSpc>
+                <a:spcPct val="100000"/>
+              </a:lnSpc>
+            </a:pPr>
+            <a:r>
+              <a:rPr sz="2000" b="1" spc="-5" dirty="0">
+                <a:solidFill>
+                  <a:srgbClr val="444748"/>
+                </a:solidFill>
+                <a:latin typeface="Calibri"/>
+                <a:cs typeface="Calibri"/>
+              </a:rPr>
+              <a:t>REVENUE</a:t>
+            </a:r>
+            <a:endParaRPr sz="2000" dirty="0">
+              <a:latin typeface="Calibri"/>
+              <a:cs typeface="Calibri"/>
+            </a:endParaRPr>
+          </a:p>
+          <a:p>
+            <a:pPr marL="12700">
+              <a:lnSpc>
+                <a:spcPct val="100000"/>
+              </a:lnSpc>
+              <a:spcBef>
+                <a:spcPts val="5"/>
+              </a:spcBef>
+            </a:pPr>
+            <a:r>
+              <a:rPr sz="1800" spc="-5" dirty="0">
+                <a:solidFill>
+                  <a:srgbClr val="7E7E7E"/>
+                </a:solidFill>
+                <a:latin typeface="Calibri"/>
+                <a:cs typeface="Calibri"/>
+              </a:rPr>
+              <a:t>20</a:t>
+            </a:r>
+            <a:r>
+              <a:rPr lang="en-US" sz="1800" spc="-5" dirty="0">
+                <a:solidFill>
+                  <a:srgbClr val="7E7E7E"/>
+                </a:solidFill>
+                <a:latin typeface="Calibri"/>
+                <a:cs typeface="Calibri"/>
+              </a:rPr>
+              <a:t>17-?</a:t>
+            </a:r>
+            <a:endParaRPr sz="1800" dirty="0">
+              <a:latin typeface="Calibri"/>
+              <a:cs typeface="Calibri"/>
+            </a:endParaRPr>
+          </a:p>
+        </p:txBody>
+      </p:sp>
+      <p:sp>
+        <p:nvSpPr>
+          <p:cNvPr id="8" name="object 8"/>
           <p:cNvSpPr/>
           <p:nvPr/>
         </p:nvSpPr>
         <p:spPr>
           <a:xfrm>
-            <a:off x="1102550" y="3383407"/>
-            <a:ext cx="6906259" cy="120650"/>
+            <a:off x="697991" y="2561844"/>
+            <a:ext cx="1675130" cy="1675130"/>
           </a:xfrm>
           <a:custGeom>
             <a:avLst/>
@@ -8137,285 +7501,357 @@
             <a:cxnLst/>
             <a:rect l="l" t="t" r="r" b="b"/>
             <a:pathLst>
-              <a:path w="6906259" h="120650">
+              <a:path w="1675130" h="1675129">
                 <a:moveTo>
-                  <a:pt x="103085" y="0"/>
+                  <a:pt x="837438" y="0"/>
                 </a:moveTo>
                 <a:lnTo>
-                  <a:pt x="0" y="60070"/>
-                </a:lnTo>
-                <a:lnTo>
-                  <a:pt x="103085" y="120141"/>
-                </a:lnTo>
-                <a:lnTo>
-                  <a:pt x="111023" y="118109"/>
-                </a:lnTo>
-                <a:lnTo>
-                  <a:pt x="114630" y="111887"/>
-                </a:lnTo>
-                <a:lnTo>
-                  <a:pt x="118224" y="105790"/>
-                </a:lnTo>
-                <a:lnTo>
-                  <a:pt x="116141" y="97789"/>
-                </a:lnTo>
-                <a:lnTo>
-                  <a:pt x="73611" y="73025"/>
-                </a:lnTo>
-                <a:lnTo>
-                  <a:pt x="25603" y="73025"/>
-                </a:lnTo>
-                <a:lnTo>
-                  <a:pt x="25603" y="47116"/>
-                </a:lnTo>
-                <a:lnTo>
-                  <a:pt x="73611" y="47116"/>
-                </a:lnTo>
-                <a:lnTo>
-                  <a:pt x="116141" y="22351"/>
-                </a:lnTo>
-                <a:lnTo>
-                  <a:pt x="118224" y="14350"/>
-                </a:lnTo>
-                <a:lnTo>
-                  <a:pt x="114630" y="8254"/>
-                </a:lnTo>
-                <a:lnTo>
-                  <a:pt x="111023" y="2031"/>
-                </a:lnTo>
-                <a:lnTo>
-                  <a:pt x="103085" y="0"/>
-                </a:lnTo>
-                <a:close/>
-              </a:path>
-              <a:path w="6906259" h="120650">
-                <a:moveTo>
-                  <a:pt x="6854652" y="60070"/>
-                </a:moveTo>
-                <a:lnTo>
-                  <a:pt x="6796087" y="94233"/>
-                </a:lnTo>
-                <a:lnTo>
-                  <a:pt x="6789864" y="97789"/>
-                </a:lnTo>
-                <a:lnTo>
-                  <a:pt x="6787832" y="105790"/>
-                </a:lnTo>
-                <a:lnTo>
-                  <a:pt x="6791388" y="111887"/>
-                </a:lnTo>
-                <a:lnTo>
-                  <a:pt x="6794944" y="118109"/>
-                </a:lnTo>
-                <a:lnTo>
-                  <a:pt x="6802945" y="120141"/>
-                </a:lnTo>
-                <a:lnTo>
-                  <a:pt x="6883731" y="73025"/>
-                </a:lnTo>
-                <a:lnTo>
-                  <a:pt x="6880288" y="73025"/>
-                </a:lnTo>
-                <a:lnTo>
-                  <a:pt x="6880288" y="71246"/>
-                </a:lnTo>
-                <a:lnTo>
-                  <a:pt x="6873811" y="71246"/>
-                </a:lnTo>
-                <a:lnTo>
-                  <a:pt x="6854652" y="60070"/>
-                </a:lnTo>
-                <a:close/>
-              </a:path>
-              <a:path w="6906259" h="120650">
-                <a:moveTo>
-                  <a:pt x="73611" y="47116"/>
-                </a:moveTo>
-                <a:lnTo>
-                  <a:pt x="25603" y="47116"/>
-                </a:lnTo>
-                <a:lnTo>
-                  <a:pt x="25603" y="73025"/>
-                </a:lnTo>
-                <a:lnTo>
-                  <a:pt x="73611" y="73025"/>
-                </a:lnTo>
-                <a:lnTo>
-                  <a:pt x="70563" y="71246"/>
-                </a:lnTo>
-                <a:lnTo>
-                  <a:pt x="32245" y="71246"/>
-                </a:lnTo>
-                <a:lnTo>
-                  <a:pt x="32245" y="48894"/>
-                </a:lnTo>
-                <a:lnTo>
-                  <a:pt x="70563" y="48894"/>
-                </a:lnTo>
-                <a:lnTo>
-                  <a:pt x="73611" y="47116"/>
-                </a:lnTo>
-                <a:close/>
-              </a:path>
-              <a:path w="6906259" h="120650">
-                <a:moveTo>
-                  <a:pt x="6832445" y="47116"/>
-                </a:moveTo>
-                <a:lnTo>
-                  <a:pt x="73611" y="47116"/>
-                </a:lnTo>
-                <a:lnTo>
-                  <a:pt x="51404" y="60070"/>
-                </a:lnTo>
-                <a:lnTo>
-                  <a:pt x="73611" y="73025"/>
-                </a:lnTo>
-                <a:lnTo>
-                  <a:pt x="6832445" y="73025"/>
-                </a:lnTo>
-                <a:lnTo>
-                  <a:pt x="6854652" y="60070"/>
-                </a:lnTo>
-                <a:lnTo>
-                  <a:pt x="6832445" y="47116"/>
-                </a:lnTo>
-                <a:close/>
-              </a:path>
-              <a:path w="6906259" h="120650">
-                <a:moveTo>
-                  <a:pt x="6883731" y="47116"/>
-                </a:moveTo>
-                <a:lnTo>
-                  <a:pt x="6880288" y="47116"/>
-                </a:lnTo>
-                <a:lnTo>
-                  <a:pt x="6880288" y="73025"/>
-                </a:lnTo>
-                <a:lnTo>
-                  <a:pt x="6883731" y="73025"/>
-                </a:lnTo>
-                <a:lnTo>
-                  <a:pt x="6905942" y="60070"/>
-                </a:lnTo>
-                <a:lnTo>
-                  <a:pt x="6883731" y="47116"/>
-                </a:lnTo>
-                <a:close/>
-              </a:path>
-              <a:path w="6906259" h="120650">
-                <a:moveTo>
-                  <a:pt x="32245" y="48894"/>
-                </a:moveTo>
-                <a:lnTo>
-                  <a:pt x="32245" y="71246"/>
-                </a:lnTo>
-                <a:lnTo>
-                  <a:pt x="51404" y="60070"/>
-                </a:lnTo>
-                <a:lnTo>
-                  <a:pt x="32245" y="48894"/>
-                </a:lnTo>
-                <a:close/>
-              </a:path>
-              <a:path w="6906259" h="120650">
-                <a:moveTo>
-                  <a:pt x="51404" y="60070"/>
-                </a:moveTo>
-                <a:lnTo>
-                  <a:pt x="32245" y="71246"/>
-                </a:lnTo>
-                <a:lnTo>
-                  <a:pt x="70563" y="71246"/>
-                </a:lnTo>
-                <a:lnTo>
-                  <a:pt x="51404" y="60070"/>
-                </a:lnTo>
-                <a:close/>
-              </a:path>
-              <a:path w="6906259" h="120650">
-                <a:moveTo>
-                  <a:pt x="6873811" y="48894"/>
-                </a:moveTo>
-                <a:lnTo>
-                  <a:pt x="6854652" y="60070"/>
-                </a:lnTo>
-                <a:lnTo>
-                  <a:pt x="6873811" y="71246"/>
-                </a:lnTo>
-                <a:lnTo>
-                  <a:pt x="6873811" y="48894"/>
-                </a:lnTo>
-                <a:close/>
-              </a:path>
-              <a:path w="6906259" h="120650">
-                <a:moveTo>
-                  <a:pt x="6880288" y="48894"/>
-                </a:moveTo>
-                <a:lnTo>
-                  <a:pt x="6873811" y="48894"/>
-                </a:lnTo>
-                <a:lnTo>
-                  <a:pt x="6873811" y="71246"/>
-                </a:lnTo>
-                <a:lnTo>
-                  <a:pt x="6880288" y="71246"/>
-                </a:lnTo>
-                <a:lnTo>
-                  <a:pt x="6880288" y="48894"/>
-                </a:lnTo>
-                <a:close/>
-              </a:path>
-              <a:path w="6906259" h="120650">
-                <a:moveTo>
-                  <a:pt x="70563" y="48894"/>
-                </a:moveTo>
-                <a:lnTo>
-                  <a:pt x="32245" y="48894"/>
-                </a:lnTo>
-                <a:lnTo>
-                  <a:pt x="51404" y="60070"/>
-                </a:lnTo>
-                <a:lnTo>
-                  <a:pt x="70563" y="48894"/>
-                </a:lnTo>
-                <a:close/>
-              </a:path>
-              <a:path w="6906259" h="120650">
-                <a:moveTo>
-                  <a:pt x="6802945" y="0"/>
-                </a:moveTo>
-                <a:lnTo>
-                  <a:pt x="6794944" y="2031"/>
-                </a:lnTo>
-                <a:lnTo>
-                  <a:pt x="6791388" y="8254"/>
-                </a:lnTo>
-                <a:lnTo>
-                  <a:pt x="6787832" y="14350"/>
-                </a:lnTo>
-                <a:lnTo>
-                  <a:pt x="6789864" y="22351"/>
-                </a:lnTo>
-                <a:lnTo>
-                  <a:pt x="6796087" y="25907"/>
-                </a:lnTo>
-                <a:lnTo>
-                  <a:pt x="6854652" y="60070"/>
-                </a:lnTo>
-                <a:lnTo>
-                  <a:pt x="6873811" y="48894"/>
-                </a:lnTo>
-                <a:lnTo>
-                  <a:pt x="6880288" y="48894"/>
-                </a:lnTo>
-                <a:lnTo>
-                  <a:pt x="6880288" y="47116"/>
-                </a:lnTo>
-                <a:lnTo>
-                  <a:pt x="6883731" y="47116"/>
-                </a:lnTo>
-                <a:lnTo>
-                  <a:pt x="6802945" y="0"/>
+                  <a:pt x="789916" y="1325"/>
+                </a:lnTo>
+                <a:lnTo>
+                  <a:pt x="743090" y="5255"/>
+                </a:lnTo>
+                <a:lnTo>
+                  <a:pt x="697030" y="11718"/>
+                </a:lnTo>
+                <a:lnTo>
+                  <a:pt x="651807" y="20643"/>
+                </a:lnTo>
+                <a:lnTo>
+                  <a:pt x="607492" y="31961"/>
+                </a:lnTo>
+                <a:lnTo>
+                  <a:pt x="564155" y="45600"/>
+                </a:lnTo>
+                <a:lnTo>
+                  <a:pt x="521867" y="61490"/>
+                </a:lnTo>
+                <a:lnTo>
+                  <a:pt x="480698" y="79559"/>
+                </a:lnTo>
+                <a:lnTo>
+                  <a:pt x="440720" y="99738"/>
+                </a:lnTo>
+                <a:lnTo>
+                  <a:pt x="402003" y="121956"/>
+                </a:lnTo>
+                <a:lnTo>
+                  <a:pt x="364618" y="146141"/>
+                </a:lnTo>
+                <a:lnTo>
+                  <a:pt x="328635" y="172224"/>
+                </a:lnTo>
+                <a:lnTo>
+                  <a:pt x="294126" y="200134"/>
+                </a:lnTo>
+                <a:lnTo>
+                  <a:pt x="261160" y="229799"/>
+                </a:lnTo>
+                <a:lnTo>
+                  <a:pt x="229808" y="261150"/>
+                </a:lnTo>
+                <a:lnTo>
+                  <a:pt x="200142" y="294115"/>
+                </a:lnTo>
+                <a:lnTo>
+                  <a:pt x="172232" y="328624"/>
+                </a:lnTo>
+                <a:lnTo>
+                  <a:pt x="146148" y="364607"/>
+                </a:lnTo>
+                <a:lnTo>
+                  <a:pt x="121962" y="401992"/>
+                </a:lnTo>
+                <a:lnTo>
+                  <a:pt x="99743" y="440709"/>
+                </a:lnTo>
+                <a:lnTo>
+                  <a:pt x="79563" y="480687"/>
+                </a:lnTo>
+                <a:lnTo>
+                  <a:pt x="61493" y="521856"/>
+                </a:lnTo>
+                <a:lnTo>
+                  <a:pt x="45602" y="564145"/>
+                </a:lnTo>
+                <a:lnTo>
+                  <a:pt x="31963" y="607483"/>
+                </a:lnTo>
+                <a:lnTo>
+                  <a:pt x="20645" y="651799"/>
+                </a:lnTo>
+                <a:lnTo>
+                  <a:pt x="11718" y="697024"/>
+                </a:lnTo>
+                <a:lnTo>
+                  <a:pt x="5255" y="743085"/>
+                </a:lnTo>
+                <a:lnTo>
+                  <a:pt x="1325" y="789914"/>
+                </a:lnTo>
+                <a:lnTo>
+                  <a:pt x="0" y="837438"/>
+                </a:lnTo>
+                <a:lnTo>
+                  <a:pt x="1325" y="884961"/>
+                </a:lnTo>
+                <a:lnTo>
+                  <a:pt x="5255" y="931790"/>
+                </a:lnTo>
+                <a:lnTo>
+                  <a:pt x="11718" y="977851"/>
+                </a:lnTo>
+                <a:lnTo>
+                  <a:pt x="20645" y="1023076"/>
+                </a:lnTo>
+                <a:lnTo>
+                  <a:pt x="31963" y="1067392"/>
+                </a:lnTo>
+                <a:lnTo>
+                  <a:pt x="45602" y="1110730"/>
+                </a:lnTo>
+                <a:lnTo>
+                  <a:pt x="61493" y="1153019"/>
+                </a:lnTo>
+                <a:lnTo>
+                  <a:pt x="79563" y="1194188"/>
+                </a:lnTo>
+                <a:lnTo>
+                  <a:pt x="99743" y="1234166"/>
+                </a:lnTo>
+                <a:lnTo>
+                  <a:pt x="121962" y="1272883"/>
+                </a:lnTo>
+                <a:lnTo>
+                  <a:pt x="146148" y="1310268"/>
+                </a:lnTo>
+                <a:lnTo>
+                  <a:pt x="172232" y="1346251"/>
+                </a:lnTo>
+                <a:lnTo>
+                  <a:pt x="200142" y="1380760"/>
+                </a:lnTo>
+                <a:lnTo>
+                  <a:pt x="229808" y="1413725"/>
+                </a:lnTo>
+                <a:lnTo>
+                  <a:pt x="261160" y="1445076"/>
+                </a:lnTo>
+                <a:lnTo>
+                  <a:pt x="294126" y="1474741"/>
+                </a:lnTo>
+                <a:lnTo>
+                  <a:pt x="328635" y="1502651"/>
+                </a:lnTo>
+                <a:lnTo>
+                  <a:pt x="364618" y="1528734"/>
+                </a:lnTo>
+                <a:lnTo>
+                  <a:pt x="402003" y="1552919"/>
+                </a:lnTo>
+                <a:lnTo>
+                  <a:pt x="440720" y="1575137"/>
+                </a:lnTo>
+                <a:lnTo>
+                  <a:pt x="480698" y="1595316"/>
+                </a:lnTo>
+                <a:lnTo>
+                  <a:pt x="521867" y="1613385"/>
+                </a:lnTo>
+                <a:lnTo>
+                  <a:pt x="564155" y="1629275"/>
+                </a:lnTo>
+                <a:lnTo>
+                  <a:pt x="607492" y="1642914"/>
+                </a:lnTo>
+                <a:lnTo>
+                  <a:pt x="651807" y="1654232"/>
+                </a:lnTo>
+                <a:lnTo>
+                  <a:pt x="697030" y="1663157"/>
+                </a:lnTo>
+                <a:lnTo>
+                  <a:pt x="743090" y="1669620"/>
+                </a:lnTo>
+                <a:lnTo>
+                  <a:pt x="789916" y="1673550"/>
+                </a:lnTo>
+                <a:lnTo>
+                  <a:pt x="837438" y="1674875"/>
+                </a:lnTo>
+                <a:lnTo>
+                  <a:pt x="884961" y="1673550"/>
+                </a:lnTo>
+                <a:lnTo>
+                  <a:pt x="931790" y="1669620"/>
+                </a:lnTo>
+                <a:lnTo>
+                  <a:pt x="977851" y="1663157"/>
+                </a:lnTo>
+                <a:lnTo>
+                  <a:pt x="1023076" y="1654232"/>
+                </a:lnTo>
+                <a:lnTo>
+                  <a:pt x="1067392" y="1642914"/>
+                </a:lnTo>
+                <a:lnTo>
+                  <a:pt x="1110730" y="1629275"/>
+                </a:lnTo>
+                <a:lnTo>
+                  <a:pt x="1153019" y="1613385"/>
+                </a:lnTo>
+                <a:lnTo>
+                  <a:pt x="1194188" y="1595316"/>
+                </a:lnTo>
+                <a:lnTo>
+                  <a:pt x="1234166" y="1575137"/>
+                </a:lnTo>
+                <a:lnTo>
+                  <a:pt x="1272883" y="1552919"/>
+                </a:lnTo>
+                <a:lnTo>
+                  <a:pt x="1310268" y="1528734"/>
+                </a:lnTo>
+                <a:lnTo>
+                  <a:pt x="1346251" y="1502651"/>
+                </a:lnTo>
+                <a:lnTo>
+                  <a:pt x="1380760" y="1474741"/>
+                </a:lnTo>
+                <a:lnTo>
+                  <a:pt x="1413725" y="1445076"/>
+                </a:lnTo>
+                <a:lnTo>
+                  <a:pt x="1445076" y="1413725"/>
+                </a:lnTo>
+                <a:lnTo>
+                  <a:pt x="1474741" y="1380760"/>
+                </a:lnTo>
+                <a:lnTo>
+                  <a:pt x="1502651" y="1346251"/>
+                </a:lnTo>
+                <a:lnTo>
+                  <a:pt x="1528734" y="1310268"/>
+                </a:lnTo>
+                <a:lnTo>
+                  <a:pt x="1552919" y="1272883"/>
+                </a:lnTo>
+                <a:lnTo>
+                  <a:pt x="1575137" y="1234166"/>
+                </a:lnTo>
+                <a:lnTo>
+                  <a:pt x="1595316" y="1194188"/>
+                </a:lnTo>
+                <a:lnTo>
+                  <a:pt x="1613385" y="1153019"/>
+                </a:lnTo>
+                <a:lnTo>
+                  <a:pt x="1629275" y="1110730"/>
+                </a:lnTo>
+                <a:lnTo>
+                  <a:pt x="1642914" y="1067392"/>
+                </a:lnTo>
+                <a:lnTo>
+                  <a:pt x="1654232" y="1023076"/>
+                </a:lnTo>
+                <a:lnTo>
+                  <a:pt x="1663157" y="977851"/>
+                </a:lnTo>
+                <a:lnTo>
+                  <a:pt x="1669620" y="931790"/>
+                </a:lnTo>
+                <a:lnTo>
+                  <a:pt x="1673550" y="884961"/>
+                </a:lnTo>
+                <a:lnTo>
+                  <a:pt x="1674876" y="837438"/>
+                </a:lnTo>
+                <a:lnTo>
+                  <a:pt x="1673550" y="789914"/>
+                </a:lnTo>
+                <a:lnTo>
+                  <a:pt x="1669620" y="743085"/>
+                </a:lnTo>
+                <a:lnTo>
+                  <a:pt x="1663157" y="697024"/>
+                </a:lnTo>
+                <a:lnTo>
+                  <a:pt x="1654232" y="651799"/>
+                </a:lnTo>
+                <a:lnTo>
+                  <a:pt x="1642914" y="607483"/>
+                </a:lnTo>
+                <a:lnTo>
+                  <a:pt x="1629275" y="564145"/>
+                </a:lnTo>
+                <a:lnTo>
+                  <a:pt x="1613385" y="521856"/>
+                </a:lnTo>
+                <a:lnTo>
+                  <a:pt x="1595316" y="480687"/>
+                </a:lnTo>
+                <a:lnTo>
+                  <a:pt x="1575137" y="440709"/>
+                </a:lnTo>
+                <a:lnTo>
+                  <a:pt x="1552919" y="401992"/>
+                </a:lnTo>
+                <a:lnTo>
+                  <a:pt x="1528734" y="364607"/>
+                </a:lnTo>
+                <a:lnTo>
+                  <a:pt x="1502651" y="328624"/>
+                </a:lnTo>
+                <a:lnTo>
+                  <a:pt x="1474741" y="294115"/>
+                </a:lnTo>
+                <a:lnTo>
+                  <a:pt x="1445076" y="261150"/>
+                </a:lnTo>
+                <a:lnTo>
+                  <a:pt x="1413725" y="229799"/>
+                </a:lnTo>
+                <a:lnTo>
+                  <a:pt x="1380760" y="200134"/>
+                </a:lnTo>
+                <a:lnTo>
+                  <a:pt x="1346251" y="172224"/>
+                </a:lnTo>
+                <a:lnTo>
+                  <a:pt x="1310268" y="146141"/>
+                </a:lnTo>
+                <a:lnTo>
+                  <a:pt x="1272883" y="121956"/>
+                </a:lnTo>
+                <a:lnTo>
+                  <a:pt x="1234166" y="99738"/>
+                </a:lnTo>
+                <a:lnTo>
+                  <a:pt x="1194188" y="79559"/>
+                </a:lnTo>
+                <a:lnTo>
+                  <a:pt x="1153019" y="61490"/>
+                </a:lnTo>
+                <a:lnTo>
+                  <a:pt x="1110730" y="45600"/>
+                </a:lnTo>
+                <a:lnTo>
+                  <a:pt x="1067392" y="31961"/>
+                </a:lnTo>
+                <a:lnTo>
+                  <a:pt x="1023076" y="20643"/>
+                </a:lnTo>
+                <a:lnTo>
+                  <a:pt x="977851" y="11718"/>
+                </a:lnTo>
+                <a:lnTo>
+                  <a:pt x="931790" y="5255"/>
+                </a:lnTo>
+                <a:lnTo>
+                  <a:pt x="884961" y="1325"/>
+                </a:lnTo>
+                <a:lnTo>
+                  <a:pt x="837438" y="0"/>
                 </a:lnTo>
                 <a:close/>
               </a:path>
@@ -8429,20 +7865,159 @@
           <a:bodyPr wrap="square" lIns="0" tIns="0" rIns="0" bIns="0" rtlCol="0"/>
           <a:lstStyle/>
           <a:p>
-            <a:endParaRPr/>
-          </a:p>
-        </p:txBody>
-      </p:sp>
-      <p:sp>
-        <p:nvSpPr>
-          <p:cNvPr id="5" name="object 5"/>
+            <a:endParaRPr dirty="0"/>
+          </a:p>
+        </p:txBody>
+      </p:sp>
+      <p:sp>
+        <p:nvSpPr>
+          <p:cNvPr id="9" name="object 9"/>
+          <p:cNvSpPr txBox="1"/>
+          <p:nvPr/>
+        </p:nvSpPr>
+        <p:spPr>
+          <a:xfrm>
+            <a:off x="912366" y="2695964"/>
+            <a:ext cx="1297433" cy="1292662"/>
+          </a:xfrm>
+          <a:prstGeom prst="rect">
+            <a:avLst/>
+          </a:prstGeom>
+        </p:spPr>
+        <p:txBody>
+          <a:bodyPr vert="horz" wrap="square" lIns="0" tIns="0" rIns="0" bIns="0" rtlCol="0">
+            <a:spAutoFit/>
+          </a:bodyPr>
+          <a:lstStyle/>
+          <a:p>
+            <a:pPr marL="12700">
+              <a:lnSpc>
+                <a:spcPct val="100000"/>
+              </a:lnSpc>
+            </a:pPr>
+            <a:r>
+              <a:rPr lang="en-US" sz="2800" b="1" spc="-10" dirty="0">
+                <a:solidFill>
+                  <a:srgbClr val="FFFFFF"/>
+                </a:solidFill>
+                <a:latin typeface="Calibri"/>
+                <a:cs typeface="Calibri"/>
+              </a:rPr>
+              <a:t>     1million/day</a:t>
+            </a:r>
+            <a:endParaRPr sz="2800" dirty="0">
+              <a:latin typeface="Calibri"/>
+              <a:cs typeface="Calibri"/>
+            </a:endParaRPr>
+          </a:p>
+        </p:txBody>
+      </p:sp>
+      <p:sp>
+        <p:nvSpPr>
+          <p:cNvPr id="10" name="object 10"/>
+          <p:cNvSpPr txBox="1"/>
+          <p:nvPr/>
+        </p:nvSpPr>
+        <p:spPr>
+          <a:xfrm>
+            <a:off x="3810000" y="2989834"/>
+            <a:ext cx="1403223" cy="738664"/>
+          </a:xfrm>
+          <a:prstGeom prst="rect">
+            <a:avLst/>
+          </a:prstGeom>
+        </p:spPr>
+        <p:txBody>
+          <a:bodyPr vert="horz" wrap="square" lIns="0" tIns="0" rIns="0" bIns="0" rtlCol="0">
+            <a:spAutoFit/>
+          </a:bodyPr>
+          <a:lstStyle/>
+          <a:p>
+            <a:pPr marL="12700">
+              <a:lnSpc>
+                <a:spcPct val="100000"/>
+              </a:lnSpc>
+            </a:pPr>
+            <a:r>
+              <a:rPr lang="en-US" sz="4800" b="1" dirty="0" err="1">
+                <a:solidFill>
+                  <a:srgbClr val="129CEB"/>
+                </a:solidFill>
+                <a:latin typeface="Calibri"/>
+                <a:cs typeface="Calibri"/>
+              </a:rPr>
+              <a:t>Rs</a:t>
+            </a:r>
+            <a:r>
+              <a:rPr lang="en-US" sz="4800" b="1" dirty="0">
+                <a:solidFill>
+                  <a:srgbClr val="129CEB"/>
+                </a:solidFill>
+                <a:latin typeface="Calibri"/>
+                <a:cs typeface="Calibri"/>
+              </a:rPr>
+              <a:t> 10</a:t>
+            </a:r>
+            <a:endParaRPr sz="4800" dirty="0">
+              <a:latin typeface="Calibri"/>
+              <a:cs typeface="Calibri"/>
+            </a:endParaRPr>
+          </a:p>
+        </p:txBody>
+      </p:sp>
+      <p:sp>
+        <p:nvSpPr>
+          <p:cNvPr id="11" name="object 11"/>
+          <p:cNvSpPr txBox="1"/>
+          <p:nvPr/>
+        </p:nvSpPr>
+        <p:spPr>
+          <a:xfrm>
+            <a:off x="6662674" y="2181940"/>
+            <a:ext cx="2255671" cy="2215991"/>
+          </a:xfrm>
+          <a:prstGeom prst="rect">
+            <a:avLst/>
+          </a:prstGeom>
+        </p:spPr>
+        <p:txBody>
+          <a:bodyPr vert="horz" wrap="square" lIns="0" tIns="0" rIns="0" bIns="0" rtlCol="0">
+            <a:spAutoFit/>
+          </a:bodyPr>
+          <a:lstStyle/>
+          <a:p>
+            <a:pPr marL="12700">
+              <a:lnSpc>
+                <a:spcPct val="100000"/>
+              </a:lnSpc>
+            </a:pPr>
+            <a:r>
+              <a:rPr lang="en-US" sz="4800" b="1" dirty="0">
+                <a:solidFill>
+                  <a:srgbClr val="129CEB"/>
+                </a:solidFill>
+                <a:latin typeface="Calibri"/>
+                <a:cs typeface="Calibri"/>
+              </a:rPr>
+              <a:t>     1crore /day</a:t>
+            </a:r>
+            <a:endParaRPr sz="4800" dirty="0">
+              <a:latin typeface="Calibri"/>
+              <a:cs typeface="Calibri"/>
+            </a:endParaRPr>
+          </a:p>
+        </p:txBody>
+      </p:sp>
+      <p:sp>
+        <p:nvSpPr>
+          <p:cNvPr id="12" name="object 12"/>
           <p:cNvSpPr/>
           <p:nvPr/>
         </p:nvSpPr>
         <p:spPr>
           <a:xfrm>
-            <a:off x="4506595" y="986789"/>
-            <a:ext cx="120650" cy="5127625"/>
+            <a:off x="2602229" y="3384677"/>
+            <a:ext cx="1219835" cy="111760"/>
           </a:xfrm>
           <a:custGeom>
             <a:avLst/>
@@ -8451,286 +8026,163 @@
             <a:cxnLst/>
             <a:rect l="l" t="t" r="r" b="b"/>
             <a:pathLst>
-              <a:path w="120650" h="5127625">
+              <a:path w="1219835" h="111760">
                 <a:moveTo>
-                  <a:pt x="14350" y="5009134"/>
+                  <a:pt x="1180356" y="55752"/>
                 </a:moveTo>
                 <a:lnTo>
-                  <a:pt x="2031" y="5016334"/>
-                </a:lnTo>
-                <a:lnTo>
-                  <a:pt x="0" y="5024272"/>
-                </a:lnTo>
-                <a:lnTo>
-                  <a:pt x="3555" y="5030444"/>
-                </a:lnTo>
-                <a:lnTo>
-                  <a:pt x="60070" y="5127358"/>
-                </a:lnTo>
-                <a:lnTo>
-                  <a:pt x="75008" y="5101742"/>
-                </a:lnTo>
-                <a:lnTo>
-                  <a:pt x="47116" y="5101742"/>
-                </a:lnTo>
-                <a:lnTo>
-                  <a:pt x="47116" y="5053753"/>
-                </a:lnTo>
-                <a:lnTo>
-                  <a:pt x="25907" y="5017389"/>
-                </a:lnTo>
-                <a:lnTo>
-                  <a:pt x="22351" y="5011216"/>
-                </a:lnTo>
-                <a:lnTo>
-                  <a:pt x="14350" y="5009134"/>
+                  <a:pt x="1118743" y="91694"/>
+                </a:lnTo>
+                <a:lnTo>
+                  <a:pt x="1114044" y="94361"/>
+                </a:lnTo>
+                <a:lnTo>
+                  <a:pt x="1112393" y="100457"/>
+                </a:lnTo>
+                <a:lnTo>
+                  <a:pt x="1115186" y="105156"/>
+                </a:lnTo>
+                <a:lnTo>
+                  <a:pt x="1117981" y="109982"/>
+                </a:lnTo>
+                <a:lnTo>
+                  <a:pt x="1123949" y="111506"/>
+                </a:lnTo>
+                <a:lnTo>
+                  <a:pt x="1202595" y="65659"/>
+                </a:lnTo>
+                <a:lnTo>
+                  <a:pt x="1199895" y="65659"/>
+                </a:lnTo>
+                <a:lnTo>
+                  <a:pt x="1199895" y="64262"/>
+                </a:lnTo>
+                <a:lnTo>
+                  <a:pt x="1194943" y="64262"/>
+                </a:lnTo>
+                <a:lnTo>
+                  <a:pt x="1180356" y="55752"/>
                 </a:lnTo>
                 <a:close/>
               </a:path>
-              <a:path w="120650" h="5127625">
+              <a:path w="1219835" h="111760">
                 <a:moveTo>
-                  <a:pt x="47116" y="5053753"/>
+                  <a:pt x="1163374" y="45847"/>
                 </a:moveTo>
                 <a:lnTo>
-                  <a:pt x="47116" y="5101742"/>
-                </a:lnTo>
-                <a:lnTo>
-                  <a:pt x="73025" y="5101742"/>
-                </a:lnTo>
-                <a:lnTo>
-                  <a:pt x="73025" y="5095125"/>
-                </a:lnTo>
-                <a:lnTo>
-                  <a:pt x="48894" y="5095125"/>
-                </a:lnTo>
-                <a:lnTo>
-                  <a:pt x="60070" y="5075963"/>
-                </a:lnTo>
-                <a:lnTo>
-                  <a:pt x="47116" y="5053753"/>
+                  <a:pt x="0" y="45847"/>
+                </a:lnTo>
+                <a:lnTo>
+                  <a:pt x="0" y="65659"/>
+                </a:lnTo>
+                <a:lnTo>
+                  <a:pt x="1163374" y="65659"/>
+                </a:lnTo>
+                <a:lnTo>
+                  <a:pt x="1180356" y="55752"/>
+                </a:lnTo>
+                <a:lnTo>
+                  <a:pt x="1163374" y="45847"/>
                 </a:lnTo>
                 <a:close/>
               </a:path>
-              <a:path w="120650" h="5127625">
+              <a:path w="1219835" h="111760">
                 <a:moveTo>
-                  <a:pt x="105790" y="5009134"/>
+                  <a:pt x="1202595" y="45847"/>
                 </a:moveTo>
                 <a:lnTo>
-                  <a:pt x="97789" y="5011216"/>
-                </a:lnTo>
-                <a:lnTo>
-                  <a:pt x="94233" y="5017389"/>
-                </a:lnTo>
-                <a:lnTo>
-                  <a:pt x="73025" y="5053753"/>
-                </a:lnTo>
-                <a:lnTo>
-                  <a:pt x="73025" y="5101742"/>
-                </a:lnTo>
-                <a:lnTo>
-                  <a:pt x="75008" y="5101742"/>
-                </a:lnTo>
-                <a:lnTo>
-                  <a:pt x="116585" y="5030444"/>
-                </a:lnTo>
-                <a:lnTo>
-                  <a:pt x="120141" y="5024272"/>
-                </a:lnTo>
-                <a:lnTo>
-                  <a:pt x="118109" y="5016334"/>
-                </a:lnTo>
-                <a:lnTo>
-                  <a:pt x="105790" y="5009134"/>
+                  <a:pt x="1199895" y="45847"/>
+                </a:lnTo>
+                <a:lnTo>
+                  <a:pt x="1199895" y="65659"/>
+                </a:lnTo>
+                <a:lnTo>
+                  <a:pt x="1202595" y="65659"/>
+                </a:lnTo>
+                <a:lnTo>
+                  <a:pt x="1219581" y="55752"/>
+                </a:lnTo>
+                <a:lnTo>
+                  <a:pt x="1202595" y="45847"/>
                 </a:lnTo>
                 <a:close/>
               </a:path>
-              <a:path w="120650" h="5127625">
+              <a:path w="1219835" h="111760">
                 <a:moveTo>
-                  <a:pt x="60070" y="5075963"/>
+                  <a:pt x="1194943" y="47244"/>
                 </a:moveTo>
                 <a:lnTo>
-                  <a:pt x="48894" y="5095125"/>
-                </a:lnTo>
-                <a:lnTo>
-                  <a:pt x="71246" y="5095125"/>
-                </a:lnTo>
-                <a:lnTo>
-                  <a:pt x="60070" y="5075963"/>
+                  <a:pt x="1180356" y="55752"/>
+                </a:lnTo>
+                <a:lnTo>
+                  <a:pt x="1194943" y="64262"/>
+                </a:lnTo>
+                <a:lnTo>
+                  <a:pt x="1194943" y="47244"/>
                 </a:lnTo>
                 <a:close/>
               </a:path>
-              <a:path w="120650" h="5127625">
+              <a:path w="1219835" h="111760">
                 <a:moveTo>
-                  <a:pt x="73025" y="5053753"/>
+                  <a:pt x="1199895" y="47244"/>
                 </a:moveTo>
                 <a:lnTo>
-                  <a:pt x="60070" y="5075963"/>
-                </a:lnTo>
-                <a:lnTo>
-                  <a:pt x="71246" y="5095125"/>
-                </a:lnTo>
-                <a:lnTo>
-                  <a:pt x="73025" y="5095125"/>
-                </a:lnTo>
-                <a:lnTo>
-                  <a:pt x="73025" y="5053753"/>
+                  <a:pt x="1194943" y="47244"/>
+                </a:lnTo>
+                <a:lnTo>
+                  <a:pt x="1194943" y="64262"/>
+                </a:lnTo>
+                <a:lnTo>
+                  <a:pt x="1199895" y="64262"/>
+                </a:lnTo>
+                <a:lnTo>
+                  <a:pt x="1199895" y="47244"/>
                 </a:lnTo>
                 <a:close/>
               </a:path>
-              <a:path w="120650" h="5127625">
+              <a:path w="1219835" h="111760">
                 <a:moveTo>
-                  <a:pt x="60070" y="51289"/>
+                  <a:pt x="1123949" y="0"/>
                 </a:moveTo>
                 <a:lnTo>
-                  <a:pt x="47116" y="73496"/>
-                </a:lnTo>
-                <a:lnTo>
-                  <a:pt x="47116" y="5053753"/>
-                </a:lnTo>
-                <a:lnTo>
-                  <a:pt x="60070" y="5075963"/>
-                </a:lnTo>
-                <a:lnTo>
-                  <a:pt x="73025" y="5053753"/>
-                </a:lnTo>
-                <a:lnTo>
-                  <a:pt x="73025" y="73496"/>
-                </a:lnTo>
-                <a:lnTo>
-                  <a:pt x="60070" y="51289"/>
-                </a:lnTo>
-                <a:close/>
-              </a:path>
-              <a:path w="120650" h="5127625">
-                <a:moveTo>
-                  <a:pt x="60070" y="0"/>
-                </a:moveTo>
-                <a:lnTo>
-                  <a:pt x="0" y="102997"/>
-                </a:lnTo>
-                <a:lnTo>
-                  <a:pt x="2031" y="110998"/>
-                </a:lnTo>
-                <a:lnTo>
-                  <a:pt x="8254" y="114554"/>
-                </a:lnTo>
-                <a:lnTo>
-                  <a:pt x="14350" y="118110"/>
-                </a:lnTo>
-                <a:lnTo>
-                  <a:pt x="22351" y="116077"/>
-                </a:lnTo>
-                <a:lnTo>
-                  <a:pt x="25907" y="109855"/>
-                </a:lnTo>
-                <a:lnTo>
-                  <a:pt x="47116" y="73496"/>
-                </a:lnTo>
-                <a:lnTo>
-                  <a:pt x="47116" y="25654"/>
-                </a:lnTo>
-                <a:lnTo>
-                  <a:pt x="75033" y="25654"/>
-                </a:lnTo>
-                <a:lnTo>
-                  <a:pt x="60070" y="0"/>
-                </a:lnTo>
-                <a:close/>
-              </a:path>
-              <a:path w="120650" h="5127625">
-                <a:moveTo>
-                  <a:pt x="75033" y="25654"/>
-                </a:moveTo>
-                <a:lnTo>
-                  <a:pt x="73025" y="25654"/>
-                </a:lnTo>
-                <a:lnTo>
-                  <a:pt x="73025" y="73496"/>
-                </a:lnTo>
-                <a:lnTo>
-                  <a:pt x="94233" y="109855"/>
-                </a:lnTo>
-                <a:lnTo>
-                  <a:pt x="97789" y="116077"/>
-                </a:lnTo>
-                <a:lnTo>
-                  <a:pt x="105790" y="118110"/>
-                </a:lnTo>
-                <a:lnTo>
-                  <a:pt x="111887" y="114554"/>
-                </a:lnTo>
-                <a:lnTo>
-                  <a:pt x="118109" y="110998"/>
-                </a:lnTo>
-                <a:lnTo>
-                  <a:pt x="120141" y="102997"/>
-                </a:lnTo>
-                <a:lnTo>
-                  <a:pt x="75033" y="25654"/>
-                </a:lnTo>
-                <a:close/>
-              </a:path>
-              <a:path w="120650" h="5127625">
-                <a:moveTo>
-                  <a:pt x="73025" y="25654"/>
-                </a:moveTo>
-                <a:lnTo>
-                  <a:pt x="47116" y="25654"/>
-                </a:lnTo>
-                <a:lnTo>
-                  <a:pt x="47116" y="73496"/>
-                </a:lnTo>
-                <a:lnTo>
-                  <a:pt x="60070" y="51289"/>
-                </a:lnTo>
-                <a:lnTo>
-                  <a:pt x="48894" y="32131"/>
-                </a:lnTo>
-                <a:lnTo>
-                  <a:pt x="73025" y="32131"/>
-                </a:lnTo>
-                <a:lnTo>
-                  <a:pt x="73025" y="25654"/>
-                </a:lnTo>
-                <a:close/>
-              </a:path>
-              <a:path w="120650" h="5127625">
-                <a:moveTo>
-                  <a:pt x="73025" y="32131"/>
-                </a:moveTo>
-                <a:lnTo>
-                  <a:pt x="71246" y="32131"/>
-                </a:lnTo>
-                <a:lnTo>
-                  <a:pt x="60070" y="51289"/>
-                </a:lnTo>
-                <a:lnTo>
-                  <a:pt x="73025" y="73496"/>
-                </a:lnTo>
-                <a:lnTo>
-                  <a:pt x="73025" y="32131"/>
-                </a:lnTo>
-                <a:close/>
-              </a:path>
-              <a:path w="120650" h="5127625">
-                <a:moveTo>
-                  <a:pt x="71246" y="32131"/>
-                </a:moveTo>
-                <a:lnTo>
-                  <a:pt x="48894" y="32131"/>
-                </a:lnTo>
-                <a:lnTo>
-                  <a:pt x="60070" y="51289"/>
-                </a:lnTo>
-                <a:lnTo>
-                  <a:pt x="71246" y="32131"/>
+                  <a:pt x="1117981" y="1524"/>
+                </a:lnTo>
+                <a:lnTo>
+                  <a:pt x="1115186" y="6350"/>
+                </a:lnTo>
+                <a:lnTo>
+                  <a:pt x="1112393" y="11049"/>
+                </a:lnTo>
+                <a:lnTo>
+                  <a:pt x="1114044" y="17145"/>
+                </a:lnTo>
+                <a:lnTo>
+                  <a:pt x="1118743" y="19812"/>
+                </a:lnTo>
+                <a:lnTo>
+                  <a:pt x="1180356" y="55752"/>
+                </a:lnTo>
+                <a:lnTo>
+                  <a:pt x="1194943" y="47244"/>
+                </a:lnTo>
+                <a:lnTo>
+                  <a:pt x="1199895" y="47244"/>
+                </a:lnTo>
+                <a:lnTo>
+                  <a:pt x="1199895" y="45847"/>
+                </a:lnTo>
+                <a:lnTo>
+                  <a:pt x="1202595" y="45847"/>
+                </a:lnTo>
+                <a:lnTo>
+                  <a:pt x="1123949" y="0"/>
                 </a:lnTo>
                 <a:close/>
               </a:path>
             </a:pathLst>
           </a:custGeom>
           <a:solidFill>
-            <a:srgbClr val="129CEB"/>
+            <a:srgbClr val="444748"/>
           </a:solidFill>
         </p:spPr>
         <p:txBody>
@@ -8743,14 +8195,14 @@
       </p:sp>
       <p:sp>
         <p:nvSpPr>
-          <p:cNvPr id="6" name="object 6"/>
+          <p:cNvPr id="13" name="object 13"/>
           <p:cNvSpPr/>
           <p:nvPr/>
         </p:nvSpPr>
         <p:spPr>
           <a:xfrm>
-            <a:off x="3276600" y="2585212"/>
-            <a:ext cx="2998470" cy="1596389"/>
+            <a:off x="5223509" y="3386201"/>
+            <a:ext cx="1219835" cy="111760"/>
           </a:xfrm>
           <a:custGeom>
             <a:avLst/>
@@ -8759,353 +8211,176 @@
             <a:cxnLst/>
             <a:rect l="l" t="t" r="r" b="b"/>
             <a:pathLst>
-              <a:path w="5097780" h="3435350">
+              <a:path w="1219835" h="111760">
                 <a:moveTo>
-                  <a:pt x="0" y="3435096"/>
+                  <a:pt x="1180356" y="55752"/>
                 </a:moveTo>
                 <a:lnTo>
-                  <a:pt x="5097780" y="3435096"/>
-                </a:lnTo>
-                <a:lnTo>
-                  <a:pt x="5097780" y="0"/>
-                </a:lnTo>
-                <a:lnTo>
-                  <a:pt x="0" y="0"/>
-                </a:lnTo>
-                <a:lnTo>
-                  <a:pt x="0" y="3435096"/>
+                  <a:pt x="1118742" y="91694"/>
+                </a:lnTo>
+                <a:lnTo>
+                  <a:pt x="1114043" y="94361"/>
+                </a:lnTo>
+                <a:lnTo>
+                  <a:pt x="1112392" y="100457"/>
+                </a:lnTo>
+                <a:lnTo>
+                  <a:pt x="1115187" y="105156"/>
+                </a:lnTo>
+                <a:lnTo>
+                  <a:pt x="1117980" y="109982"/>
+                </a:lnTo>
+                <a:lnTo>
+                  <a:pt x="1123950" y="111506"/>
+                </a:lnTo>
+                <a:lnTo>
+                  <a:pt x="1202595" y="65659"/>
+                </a:lnTo>
+                <a:lnTo>
+                  <a:pt x="1199895" y="65659"/>
+                </a:lnTo>
+                <a:lnTo>
+                  <a:pt x="1199895" y="64262"/>
+                </a:lnTo>
+                <a:lnTo>
+                  <a:pt x="1194942" y="64262"/>
+                </a:lnTo>
+                <a:lnTo>
+                  <a:pt x="1180356" y="55752"/>
+                </a:lnTo>
+                <a:close/>
+              </a:path>
+              <a:path w="1219835" h="111760">
+                <a:moveTo>
+                  <a:pt x="1163374" y="45847"/>
+                </a:moveTo>
+                <a:lnTo>
+                  <a:pt x="0" y="45847"/>
+                </a:lnTo>
+                <a:lnTo>
+                  <a:pt x="0" y="65659"/>
+                </a:lnTo>
+                <a:lnTo>
+                  <a:pt x="1163374" y="65659"/>
+                </a:lnTo>
+                <a:lnTo>
+                  <a:pt x="1180356" y="55752"/>
+                </a:lnTo>
+                <a:lnTo>
+                  <a:pt x="1163374" y="45847"/>
+                </a:lnTo>
+                <a:close/>
+              </a:path>
+              <a:path w="1219835" h="111760">
+                <a:moveTo>
+                  <a:pt x="1202595" y="45847"/>
+                </a:moveTo>
+                <a:lnTo>
+                  <a:pt x="1199895" y="45847"/>
+                </a:lnTo>
+                <a:lnTo>
+                  <a:pt x="1199895" y="65659"/>
+                </a:lnTo>
+                <a:lnTo>
+                  <a:pt x="1202595" y="65659"/>
+                </a:lnTo>
+                <a:lnTo>
+                  <a:pt x="1219580" y="55752"/>
+                </a:lnTo>
+                <a:lnTo>
+                  <a:pt x="1202595" y="45847"/>
+                </a:lnTo>
+                <a:close/>
+              </a:path>
+              <a:path w="1219835" h="111760">
+                <a:moveTo>
+                  <a:pt x="1194942" y="47244"/>
+                </a:moveTo>
+                <a:lnTo>
+                  <a:pt x="1180356" y="55752"/>
+                </a:lnTo>
+                <a:lnTo>
+                  <a:pt x="1194942" y="64262"/>
+                </a:lnTo>
+                <a:lnTo>
+                  <a:pt x="1194942" y="47244"/>
+                </a:lnTo>
+                <a:close/>
+              </a:path>
+              <a:path w="1219835" h="111760">
+                <a:moveTo>
+                  <a:pt x="1199895" y="47244"/>
+                </a:moveTo>
+                <a:lnTo>
+                  <a:pt x="1194942" y="47244"/>
+                </a:lnTo>
+                <a:lnTo>
+                  <a:pt x="1194942" y="64262"/>
+                </a:lnTo>
+                <a:lnTo>
+                  <a:pt x="1199895" y="64262"/>
+                </a:lnTo>
+                <a:lnTo>
+                  <a:pt x="1199895" y="47244"/>
+                </a:lnTo>
+                <a:close/>
+              </a:path>
+              <a:path w="1219835" h="111760">
+                <a:moveTo>
+                  <a:pt x="1123950" y="0"/>
+                </a:moveTo>
+                <a:lnTo>
+                  <a:pt x="1117980" y="1524"/>
+                </a:lnTo>
+                <a:lnTo>
+                  <a:pt x="1115187" y="6350"/>
+                </a:lnTo>
+                <a:lnTo>
+                  <a:pt x="1112392" y="11049"/>
+                </a:lnTo>
+                <a:lnTo>
+                  <a:pt x="1114043" y="17145"/>
+                </a:lnTo>
+                <a:lnTo>
+                  <a:pt x="1118742" y="19812"/>
+                </a:lnTo>
+                <a:lnTo>
+                  <a:pt x="1180356" y="55752"/>
+                </a:lnTo>
+                <a:lnTo>
+                  <a:pt x="1194942" y="47244"/>
+                </a:lnTo>
+                <a:lnTo>
+                  <a:pt x="1199895" y="47244"/>
+                </a:lnTo>
+                <a:lnTo>
+                  <a:pt x="1199895" y="45847"/>
+                </a:lnTo>
+                <a:lnTo>
+                  <a:pt x="1202595" y="45847"/>
+                </a:lnTo>
+                <a:lnTo>
+                  <a:pt x="1123950" y="0"/>
                 </a:lnTo>
                 <a:close/>
               </a:path>
             </a:pathLst>
           </a:custGeom>
+          <a:solidFill>
+            <a:srgbClr val="444748"/>
+          </a:solidFill>
         </p:spPr>
-        <p:style>
-          <a:lnRef idx="2">
-            <a:schemeClr val="accent4"/>
-          </a:lnRef>
-          <a:fillRef idx="1">
-            <a:schemeClr val="lt1"/>
-          </a:fillRef>
-          <a:effectRef idx="0">
-            <a:schemeClr val="accent4"/>
-          </a:effectRef>
-          <a:fontRef idx="minor">
-            <a:schemeClr val="dk1"/>
-          </a:fontRef>
-        </p:style>
         <p:txBody>
           <a:bodyPr wrap="square" lIns="0" tIns="0" rIns="0" bIns="0" rtlCol="0"/>
           <a:lstStyle/>
           <a:p>
-            <a:r>
-              <a:rPr lang="en-US" sz="2800" dirty="0">
-                <a:solidFill>
-                  <a:schemeClr val="tx2"/>
-                </a:solidFill>
-              </a:rPr>
-              <a:t>      </a:t>
-            </a:r>
-            <a:r>
-              <a:rPr lang="en-US" sz="2800" dirty="0" err="1">
-                <a:solidFill>
-                  <a:schemeClr val="tx2"/>
-                </a:solidFill>
-              </a:rPr>
-              <a:t>Urbanclap</a:t>
-            </a:r>
-            <a:endParaRPr lang="en-US" sz="2800" dirty="0">
-              <a:solidFill>
-                <a:schemeClr val="tx2"/>
-              </a:solidFill>
-            </a:endParaRPr>
-          </a:p>
-          <a:p>
-            <a:r>
-              <a:rPr lang="en-US" sz="2800" dirty="0">
-                <a:solidFill>
-                  <a:schemeClr val="tx2"/>
-                </a:solidFill>
-              </a:rPr>
-              <a:t>      </a:t>
-            </a:r>
-            <a:r>
-              <a:rPr lang="en-US" sz="2800" dirty="0" err="1">
-                <a:solidFill>
-                  <a:schemeClr val="tx2"/>
-                </a:solidFill>
-              </a:rPr>
-              <a:t>Ramukaka</a:t>
-            </a:r>
-            <a:r>
-              <a:rPr lang="en-US" sz="2800" dirty="0">
-                <a:solidFill>
-                  <a:schemeClr val="tx2"/>
-                </a:solidFill>
-              </a:rPr>
-              <a:t> </a:t>
-            </a:r>
-          </a:p>
-          <a:p>
-            <a:r>
-              <a:rPr lang="en-US" sz="2800" dirty="0">
-                <a:solidFill>
-                  <a:schemeClr val="tx2"/>
-                </a:solidFill>
-              </a:rPr>
-              <a:t>      Other sites</a:t>
-            </a:r>
-          </a:p>
-          <a:p>
-            <a:endParaRPr dirty="0"/>
-          </a:p>
-        </p:txBody>
-      </p:sp>
-      <p:sp>
-        <p:nvSpPr>
-          <p:cNvPr id="7" name="object 7"/>
-          <p:cNvSpPr txBox="1"/>
-          <p:nvPr/>
-        </p:nvSpPr>
-        <p:spPr>
-          <a:xfrm>
-            <a:off x="4020058" y="585342"/>
-            <a:ext cx="1105535" cy="266700"/>
-          </a:xfrm>
-          <a:prstGeom prst="rect">
-            <a:avLst/>
-          </a:prstGeom>
-        </p:spPr>
-        <p:txBody>
-          <a:bodyPr vert="horz" wrap="square" lIns="0" tIns="0" rIns="0" bIns="0" rtlCol="0">
-            <a:spAutoFit/>
-          </a:bodyPr>
-          <a:lstStyle/>
-          <a:p>
-            <a:pPr marL="12700">
-              <a:lnSpc>
-                <a:spcPct val="100000"/>
-              </a:lnSpc>
-            </a:pPr>
-            <a:r>
-              <a:rPr sz="1600" spc="-10" dirty="0">
-                <a:solidFill>
-                  <a:srgbClr val="129CEB"/>
-                </a:solidFill>
-                <a:latin typeface="Calibri"/>
-                <a:cs typeface="Calibri"/>
-              </a:rPr>
-              <a:t>AFFORDABLE</a:t>
-            </a:r>
-            <a:endParaRPr sz="1600">
-              <a:latin typeface="Calibri"/>
-              <a:cs typeface="Calibri"/>
-            </a:endParaRPr>
-          </a:p>
-        </p:txBody>
-      </p:sp>
-      <p:sp>
-        <p:nvSpPr>
-          <p:cNvPr id="8" name="object 8"/>
-          <p:cNvSpPr txBox="1"/>
-          <p:nvPr/>
-        </p:nvSpPr>
-        <p:spPr>
-          <a:xfrm>
-            <a:off x="4106417" y="6183274"/>
-            <a:ext cx="922655" cy="266700"/>
-          </a:xfrm>
-          <a:prstGeom prst="rect">
-            <a:avLst/>
-          </a:prstGeom>
-        </p:spPr>
-        <p:txBody>
-          <a:bodyPr vert="horz" wrap="square" lIns="0" tIns="0" rIns="0" bIns="0" rtlCol="0">
-            <a:spAutoFit/>
-          </a:bodyPr>
-          <a:lstStyle/>
-          <a:p>
-            <a:pPr marL="12700">
-              <a:lnSpc>
-                <a:spcPct val="100000"/>
-              </a:lnSpc>
-            </a:pPr>
-            <a:r>
-              <a:rPr sz="1600" spc="-10" dirty="0">
-                <a:solidFill>
-                  <a:srgbClr val="129CEB"/>
-                </a:solidFill>
-                <a:latin typeface="Calibri"/>
-                <a:cs typeface="Calibri"/>
-              </a:rPr>
-              <a:t>EXP</a:t>
-            </a:r>
-            <a:r>
-              <a:rPr sz="1600" spc="-5" dirty="0">
-                <a:solidFill>
-                  <a:srgbClr val="129CEB"/>
-                </a:solidFill>
-                <a:latin typeface="Calibri"/>
-                <a:cs typeface="Calibri"/>
-              </a:rPr>
-              <a:t>ENSI</a:t>
-            </a:r>
-            <a:r>
-              <a:rPr sz="1600" spc="-15" dirty="0">
-                <a:solidFill>
-                  <a:srgbClr val="129CEB"/>
-                </a:solidFill>
-                <a:latin typeface="Calibri"/>
-                <a:cs typeface="Calibri"/>
-              </a:rPr>
-              <a:t>V</a:t>
-            </a:r>
-            <a:r>
-              <a:rPr sz="1600" spc="-5" dirty="0">
-                <a:solidFill>
-                  <a:srgbClr val="129CEB"/>
-                </a:solidFill>
-                <a:latin typeface="Calibri"/>
-                <a:cs typeface="Calibri"/>
-              </a:rPr>
-              <a:t>E</a:t>
-            </a:r>
-            <a:endParaRPr sz="1600">
-              <a:latin typeface="Calibri"/>
-              <a:cs typeface="Calibri"/>
-            </a:endParaRPr>
-          </a:p>
-        </p:txBody>
-      </p:sp>
-      <p:sp>
-        <p:nvSpPr>
-          <p:cNvPr id="9" name="object 9"/>
-          <p:cNvSpPr txBox="1"/>
-          <p:nvPr/>
-        </p:nvSpPr>
-        <p:spPr>
-          <a:xfrm>
-            <a:off x="6994017" y="3060953"/>
-            <a:ext cx="1896110" cy="266700"/>
-          </a:xfrm>
-          <a:prstGeom prst="rect">
-            <a:avLst/>
-          </a:prstGeom>
-        </p:spPr>
-        <p:txBody>
-          <a:bodyPr vert="horz" wrap="square" lIns="0" tIns="0" rIns="0" bIns="0" rtlCol="0">
-            <a:spAutoFit/>
-          </a:bodyPr>
-          <a:lstStyle/>
-          <a:p>
-            <a:pPr marL="12700">
-              <a:lnSpc>
-                <a:spcPct val="100000"/>
-              </a:lnSpc>
-            </a:pPr>
-            <a:r>
-              <a:rPr sz="1600" spc="-5" dirty="0">
-                <a:solidFill>
-                  <a:srgbClr val="129CEB"/>
-                </a:solidFill>
-                <a:latin typeface="Calibri"/>
-                <a:cs typeface="Calibri"/>
-              </a:rPr>
-              <a:t>ONLINE</a:t>
-            </a:r>
-            <a:r>
-              <a:rPr sz="1600" spc="-35" dirty="0">
-                <a:solidFill>
-                  <a:srgbClr val="129CEB"/>
-                </a:solidFill>
-                <a:latin typeface="Calibri"/>
-                <a:cs typeface="Calibri"/>
-              </a:rPr>
-              <a:t> </a:t>
-            </a:r>
-            <a:r>
-              <a:rPr sz="1600" spc="-10" dirty="0">
-                <a:solidFill>
-                  <a:srgbClr val="129CEB"/>
-                </a:solidFill>
-                <a:latin typeface="Calibri"/>
-                <a:cs typeface="Calibri"/>
-              </a:rPr>
-              <a:t>TRANSACTION</a:t>
-            </a:r>
-            <a:endParaRPr sz="1600" dirty="0">
-              <a:latin typeface="Calibri"/>
-              <a:cs typeface="Calibri"/>
-            </a:endParaRPr>
-          </a:p>
-        </p:txBody>
-      </p:sp>
-      <p:sp>
-        <p:nvSpPr>
-          <p:cNvPr id="10" name="object 10"/>
-          <p:cNvSpPr txBox="1"/>
-          <p:nvPr/>
-        </p:nvSpPr>
-        <p:spPr>
-          <a:xfrm>
-            <a:off x="175056" y="3060953"/>
-            <a:ext cx="1950720" cy="266700"/>
-          </a:xfrm>
-          <a:prstGeom prst="rect">
-            <a:avLst/>
-          </a:prstGeom>
-        </p:spPr>
-        <p:txBody>
-          <a:bodyPr vert="horz" wrap="square" lIns="0" tIns="0" rIns="0" bIns="0" rtlCol="0">
-            <a:spAutoFit/>
-          </a:bodyPr>
-          <a:lstStyle/>
-          <a:p>
-            <a:pPr marL="12700">
-              <a:lnSpc>
-                <a:spcPct val="100000"/>
-              </a:lnSpc>
-            </a:pPr>
-            <a:r>
-              <a:rPr sz="1600" spc="-5" dirty="0">
-                <a:solidFill>
-                  <a:srgbClr val="129CEB"/>
-                </a:solidFill>
-                <a:latin typeface="Calibri"/>
-                <a:cs typeface="Calibri"/>
-              </a:rPr>
-              <a:t>OFFLINE</a:t>
-            </a:r>
-            <a:r>
-              <a:rPr sz="1600" spc="-40" dirty="0">
-                <a:solidFill>
-                  <a:srgbClr val="129CEB"/>
-                </a:solidFill>
-                <a:latin typeface="Calibri"/>
-                <a:cs typeface="Calibri"/>
-              </a:rPr>
-              <a:t> </a:t>
-            </a:r>
-            <a:r>
-              <a:rPr sz="1600" spc="-10" dirty="0">
-                <a:solidFill>
-                  <a:srgbClr val="129CEB"/>
-                </a:solidFill>
-                <a:latin typeface="Calibri"/>
-                <a:cs typeface="Calibri"/>
-              </a:rPr>
-              <a:t>TRANSACTION</a:t>
-            </a:r>
-            <a:endParaRPr sz="1600" dirty="0">
-              <a:latin typeface="Calibri"/>
-              <a:cs typeface="Calibri"/>
-            </a:endParaRPr>
-          </a:p>
-        </p:txBody>
-      </p:sp>
-      <p:sp>
-        <p:nvSpPr>
-          <p:cNvPr id="19" name="object 19"/>
+            <a:endParaRPr/>
+          </a:p>
+        </p:txBody>
+      </p:sp>
+      <p:sp>
+        <p:nvSpPr>
+          <p:cNvPr id="14" name="object 14"/>
           <p:cNvSpPr txBox="1">
             <a:spLocks noGrp="1"/>
           </p:cNvSpPr>
@@ -9134,10 +8409,43 @@
               </a:lnSpc>
             </a:pPr>
             <a:r>
-              <a:rPr lang="en-US" spc="-5" dirty="0"/>
+              <a:rPr lang="en-US" spc="-5"/>
               <a:t>Myserviceneed.com</a:t>
             </a:r>
-            <a:endParaRPr spc="-5" dirty="0"/>
+            <a:endParaRPr lang="en-US" spc="-5" dirty="0"/>
+          </a:p>
+        </p:txBody>
+      </p:sp>
+      <p:sp>
+        <p:nvSpPr>
+          <p:cNvPr id="15" name="TextBox 14"/>
+          <p:cNvSpPr txBox="1"/>
+          <p:nvPr/>
+        </p:nvSpPr>
+        <p:spPr>
+          <a:xfrm>
+            <a:off x="381000" y="5715000"/>
+            <a:ext cx="8502927" cy="369332"/>
+          </a:xfrm>
+          <a:prstGeom prst="rect">
+            <a:avLst/>
+          </a:prstGeom>
+          <a:noFill/>
+        </p:spPr>
+        <p:txBody>
+          <a:bodyPr wrap="square" rtlCol="0">
+            <a:spAutoFit/>
+          </a:bodyPr>
+          <a:lstStyle/>
+          <a:p>
+            <a:r>
+              <a:rPr lang="en-US" dirty="0">
+                <a:solidFill>
+                  <a:srgbClr val="FF0000"/>
+                </a:solidFill>
+              </a:rPr>
+              <a:t>Note: Depends on type of service work viewed, number of views available will change.</a:t>
+            </a:r>
           </a:p>
         </p:txBody>
       </p:sp>
@@ -9168,7 +8476,1143 @@
       </p:grpSpPr>
       <p:sp>
         <p:nvSpPr>
-          <p:cNvPr id="16" name="object 16"/>
+          <p:cNvPr id="2" name="object 2"/>
+          <p:cNvSpPr txBox="1">
+            <a:spLocks noGrp="1"/>
+          </p:cNvSpPr>
+          <p:nvPr>
+            <p:ph type="title"/>
+          </p:nvPr>
+        </p:nvSpPr>
+        <p:spPr>
+          <a:prstGeom prst="rect">
+            <a:avLst/>
+          </a:prstGeom>
+        </p:spPr>
+        <p:txBody>
+          <a:bodyPr vert="horz" wrap="square" lIns="0" tIns="0" rIns="0" bIns="0" rtlCol="0">
+            <a:spAutoFit/>
+          </a:bodyPr>
+          <a:lstStyle/>
+          <a:p>
+            <a:pPr marL="12700">
+              <a:lnSpc>
+                <a:spcPct val="100000"/>
+              </a:lnSpc>
+            </a:pPr>
+            <a:r>
+              <a:rPr dirty="0"/>
+              <a:t>C</a:t>
+            </a:r>
+            <a:r>
+              <a:rPr spc="-5" dirty="0"/>
+              <a:t>o</a:t>
+            </a:r>
+            <a:r>
+              <a:rPr spc="0" dirty="0"/>
+              <a:t>m</a:t>
+            </a:r>
+            <a:r>
+              <a:rPr spc="-5" dirty="0"/>
+              <a:t>pe</a:t>
+            </a:r>
+            <a:r>
+              <a:rPr spc="0" dirty="0"/>
+              <a:t>t</a:t>
+            </a:r>
+            <a:r>
+              <a:rPr spc="-5" dirty="0"/>
+              <a:t>ition</a:t>
+            </a:r>
+          </a:p>
+        </p:txBody>
+      </p:sp>
+      <p:sp>
+        <p:nvSpPr>
+          <p:cNvPr id="3" name="object 3"/>
+          <p:cNvSpPr txBox="1"/>
+          <p:nvPr/>
+        </p:nvSpPr>
+        <p:spPr>
+          <a:xfrm>
+            <a:off x="8663431" y="165227"/>
+            <a:ext cx="297815" cy="553720"/>
+          </a:xfrm>
+          <a:prstGeom prst="rect">
+            <a:avLst/>
+          </a:prstGeom>
+        </p:spPr>
+        <p:txBody>
+          <a:bodyPr vert="horz" wrap="square" lIns="0" tIns="0" rIns="0" bIns="0" rtlCol="0">
+            <a:spAutoFit/>
+          </a:bodyPr>
+          <a:lstStyle/>
+          <a:p>
+            <a:pPr marL="12700">
+              <a:lnSpc>
+                <a:spcPct val="100000"/>
+              </a:lnSpc>
+            </a:pPr>
+            <a:r>
+              <a:rPr sz="3600" dirty="0">
+                <a:solidFill>
+                  <a:srgbClr val="129CEB"/>
+                </a:solidFill>
+                <a:latin typeface="Arial Rounded MT Bold"/>
+                <a:cs typeface="Arial Rounded MT Bold"/>
+              </a:rPr>
+              <a:t>9</a:t>
+            </a:r>
+            <a:endParaRPr sz="3600">
+              <a:latin typeface="Arial Rounded MT Bold"/>
+              <a:cs typeface="Arial Rounded MT Bold"/>
+            </a:endParaRPr>
+          </a:p>
+        </p:txBody>
+      </p:sp>
+      <p:sp>
+        <p:nvSpPr>
+          <p:cNvPr id="4" name="object 4"/>
+          <p:cNvSpPr/>
+          <p:nvPr/>
+        </p:nvSpPr>
+        <p:spPr>
+          <a:xfrm>
+            <a:off x="1102550" y="3383407"/>
+            <a:ext cx="7050850" cy="101599"/>
+          </a:xfrm>
+          <a:custGeom>
+            <a:avLst/>
+            <a:gdLst/>
+            <a:ahLst/>
+            <a:cxnLst/>
+            <a:rect l="l" t="t" r="r" b="b"/>
+            <a:pathLst>
+              <a:path w="6906259" h="120650">
+                <a:moveTo>
+                  <a:pt x="103085" y="0"/>
+                </a:moveTo>
+                <a:lnTo>
+                  <a:pt x="0" y="60070"/>
+                </a:lnTo>
+                <a:lnTo>
+                  <a:pt x="103085" y="120141"/>
+                </a:lnTo>
+                <a:lnTo>
+                  <a:pt x="111023" y="118109"/>
+                </a:lnTo>
+                <a:lnTo>
+                  <a:pt x="114630" y="111887"/>
+                </a:lnTo>
+                <a:lnTo>
+                  <a:pt x="118224" y="105790"/>
+                </a:lnTo>
+                <a:lnTo>
+                  <a:pt x="116141" y="97789"/>
+                </a:lnTo>
+                <a:lnTo>
+                  <a:pt x="73611" y="73025"/>
+                </a:lnTo>
+                <a:lnTo>
+                  <a:pt x="25603" y="73025"/>
+                </a:lnTo>
+                <a:lnTo>
+                  <a:pt x="25603" y="47116"/>
+                </a:lnTo>
+                <a:lnTo>
+                  <a:pt x="73611" y="47116"/>
+                </a:lnTo>
+                <a:lnTo>
+                  <a:pt x="116141" y="22351"/>
+                </a:lnTo>
+                <a:lnTo>
+                  <a:pt x="118224" y="14350"/>
+                </a:lnTo>
+                <a:lnTo>
+                  <a:pt x="114630" y="8254"/>
+                </a:lnTo>
+                <a:lnTo>
+                  <a:pt x="111023" y="2031"/>
+                </a:lnTo>
+                <a:lnTo>
+                  <a:pt x="103085" y="0"/>
+                </a:lnTo>
+                <a:close/>
+              </a:path>
+              <a:path w="6906259" h="120650">
+                <a:moveTo>
+                  <a:pt x="6854652" y="60070"/>
+                </a:moveTo>
+                <a:lnTo>
+                  <a:pt x="6796087" y="94233"/>
+                </a:lnTo>
+                <a:lnTo>
+                  <a:pt x="6789864" y="97789"/>
+                </a:lnTo>
+                <a:lnTo>
+                  <a:pt x="6787832" y="105790"/>
+                </a:lnTo>
+                <a:lnTo>
+                  <a:pt x="6791388" y="111887"/>
+                </a:lnTo>
+                <a:lnTo>
+                  <a:pt x="6794944" y="118109"/>
+                </a:lnTo>
+                <a:lnTo>
+                  <a:pt x="6802945" y="120141"/>
+                </a:lnTo>
+                <a:lnTo>
+                  <a:pt x="6883731" y="73025"/>
+                </a:lnTo>
+                <a:lnTo>
+                  <a:pt x="6880288" y="73025"/>
+                </a:lnTo>
+                <a:lnTo>
+                  <a:pt x="6880288" y="71246"/>
+                </a:lnTo>
+                <a:lnTo>
+                  <a:pt x="6873811" y="71246"/>
+                </a:lnTo>
+                <a:lnTo>
+                  <a:pt x="6854652" y="60070"/>
+                </a:lnTo>
+                <a:close/>
+              </a:path>
+              <a:path w="6906259" h="120650">
+                <a:moveTo>
+                  <a:pt x="73611" y="47116"/>
+                </a:moveTo>
+                <a:lnTo>
+                  <a:pt x="25603" y="47116"/>
+                </a:lnTo>
+                <a:lnTo>
+                  <a:pt x="25603" y="73025"/>
+                </a:lnTo>
+                <a:lnTo>
+                  <a:pt x="73611" y="73025"/>
+                </a:lnTo>
+                <a:lnTo>
+                  <a:pt x="70563" y="71246"/>
+                </a:lnTo>
+                <a:lnTo>
+                  <a:pt x="32245" y="71246"/>
+                </a:lnTo>
+                <a:lnTo>
+                  <a:pt x="32245" y="48894"/>
+                </a:lnTo>
+                <a:lnTo>
+                  <a:pt x="70563" y="48894"/>
+                </a:lnTo>
+                <a:lnTo>
+                  <a:pt x="73611" y="47116"/>
+                </a:lnTo>
+                <a:close/>
+              </a:path>
+              <a:path w="6906259" h="120650">
+                <a:moveTo>
+                  <a:pt x="6832445" y="47116"/>
+                </a:moveTo>
+                <a:lnTo>
+                  <a:pt x="73611" y="47116"/>
+                </a:lnTo>
+                <a:lnTo>
+                  <a:pt x="51404" y="60070"/>
+                </a:lnTo>
+                <a:lnTo>
+                  <a:pt x="73611" y="73025"/>
+                </a:lnTo>
+                <a:lnTo>
+                  <a:pt x="6832445" y="73025"/>
+                </a:lnTo>
+                <a:lnTo>
+                  <a:pt x="6854652" y="60070"/>
+                </a:lnTo>
+                <a:lnTo>
+                  <a:pt x="6832445" y="47116"/>
+                </a:lnTo>
+                <a:close/>
+              </a:path>
+              <a:path w="6906259" h="120650">
+                <a:moveTo>
+                  <a:pt x="6883731" y="47116"/>
+                </a:moveTo>
+                <a:lnTo>
+                  <a:pt x="6880288" y="47116"/>
+                </a:lnTo>
+                <a:lnTo>
+                  <a:pt x="6880288" y="73025"/>
+                </a:lnTo>
+                <a:lnTo>
+                  <a:pt x="6883731" y="73025"/>
+                </a:lnTo>
+                <a:lnTo>
+                  <a:pt x="6905942" y="60070"/>
+                </a:lnTo>
+                <a:lnTo>
+                  <a:pt x="6883731" y="47116"/>
+                </a:lnTo>
+                <a:close/>
+              </a:path>
+              <a:path w="6906259" h="120650">
+                <a:moveTo>
+                  <a:pt x="32245" y="48894"/>
+                </a:moveTo>
+                <a:lnTo>
+                  <a:pt x="32245" y="71246"/>
+                </a:lnTo>
+                <a:lnTo>
+                  <a:pt x="51404" y="60070"/>
+                </a:lnTo>
+                <a:lnTo>
+                  <a:pt x="32245" y="48894"/>
+                </a:lnTo>
+                <a:close/>
+              </a:path>
+              <a:path w="6906259" h="120650">
+                <a:moveTo>
+                  <a:pt x="51404" y="60070"/>
+                </a:moveTo>
+                <a:lnTo>
+                  <a:pt x="32245" y="71246"/>
+                </a:lnTo>
+                <a:lnTo>
+                  <a:pt x="70563" y="71246"/>
+                </a:lnTo>
+                <a:lnTo>
+                  <a:pt x="51404" y="60070"/>
+                </a:lnTo>
+                <a:close/>
+              </a:path>
+              <a:path w="6906259" h="120650">
+                <a:moveTo>
+                  <a:pt x="6873811" y="48894"/>
+                </a:moveTo>
+                <a:lnTo>
+                  <a:pt x="6854652" y="60070"/>
+                </a:lnTo>
+                <a:lnTo>
+                  <a:pt x="6873811" y="71246"/>
+                </a:lnTo>
+                <a:lnTo>
+                  <a:pt x="6873811" y="48894"/>
+                </a:lnTo>
+                <a:close/>
+              </a:path>
+              <a:path w="6906259" h="120650">
+                <a:moveTo>
+                  <a:pt x="6880288" y="48894"/>
+                </a:moveTo>
+                <a:lnTo>
+                  <a:pt x="6873811" y="48894"/>
+                </a:lnTo>
+                <a:lnTo>
+                  <a:pt x="6873811" y="71246"/>
+                </a:lnTo>
+                <a:lnTo>
+                  <a:pt x="6880288" y="71246"/>
+                </a:lnTo>
+                <a:lnTo>
+                  <a:pt x="6880288" y="48894"/>
+                </a:lnTo>
+                <a:close/>
+              </a:path>
+              <a:path w="6906259" h="120650">
+                <a:moveTo>
+                  <a:pt x="70563" y="48894"/>
+                </a:moveTo>
+                <a:lnTo>
+                  <a:pt x="32245" y="48894"/>
+                </a:lnTo>
+                <a:lnTo>
+                  <a:pt x="51404" y="60070"/>
+                </a:lnTo>
+                <a:lnTo>
+                  <a:pt x="70563" y="48894"/>
+                </a:lnTo>
+                <a:close/>
+              </a:path>
+              <a:path w="6906259" h="120650">
+                <a:moveTo>
+                  <a:pt x="6802945" y="0"/>
+                </a:moveTo>
+                <a:lnTo>
+                  <a:pt x="6794944" y="2031"/>
+                </a:lnTo>
+                <a:lnTo>
+                  <a:pt x="6791388" y="8254"/>
+                </a:lnTo>
+                <a:lnTo>
+                  <a:pt x="6787832" y="14350"/>
+                </a:lnTo>
+                <a:lnTo>
+                  <a:pt x="6789864" y="22351"/>
+                </a:lnTo>
+                <a:lnTo>
+                  <a:pt x="6796087" y="25907"/>
+                </a:lnTo>
+                <a:lnTo>
+                  <a:pt x="6854652" y="60070"/>
+                </a:lnTo>
+                <a:lnTo>
+                  <a:pt x="6873811" y="48894"/>
+                </a:lnTo>
+                <a:lnTo>
+                  <a:pt x="6880288" y="48894"/>
+                </a:lnTo>
+                <a:lnTo>
+                  <a:pt x="6880288" y="47116"/>
+                </a:lnTo>
+                <a:lnTo>
+                  <a:pt x="6883731" y="47116"/>
+                </a:lnTo>
+                <a:lnTo>
+                  <a:pt x="6802945" y="0"/>
+                </a:lnTo>
+                <a:close/>
+              </a:path>
+            </a:pathLst>
+          </a:custGeom>
+          <a:solidFill>
+            <a:srgbClr val="129CEB"/>
+          </a:solidFill>
+        </p:spPr>
+        <p:txBody>
+          <a:bodyPr wrap="square" lIns="0" tIns="0" rIns="0" bIns="0" rtlCol="0"/>
+          <a:lstStyle/>
+          <a:p>
+            <a:endParaRPr dirty="0"/>
+          </a:p>
+        </p:txBody>
+      </p:sp>
+      <p:sp>
+        <p:nvSpPr>
+          <p:cNvPr id="5" name="object 5"/>
+          <p:cNvSpPr/>
+          <p:nvPr/>
+        </p:nvSpPr>
+        <p:spPr>
+          <a:xfrm>
+            <a:off x="4571999" y="1139062"/>
+            <a:ext cx="55245" cy="4975352"/>
+          </a:xfrm>
+          <a:custGeom>
+            <a:avLst/>
+            <a:gdLst/>
+            <a:ahLst/>
+            <a:cxnLst/>
+            <a:rect l="l" t="t" r="r" b="b"/>
+            <a:pathLst>
+              <a:path w="120650" h="5127625">
+                <a:moveTo>
+                  <a:pt x="14350" y="5009134"/>
+                </a:moveTo>
+                <a:lnTo>
+                  <a:pt x="2031" y="5016334"/>
+                </a:lnTo>
+                <a:lnTo>
+                  <a:pt x="0" y="5024272"/>
+                </a:lnTo>
+                <a:lnTo>
+                  <a:pt x="3555" y="5030444"/>
+                </a:lnTo>
+                <a:lnTo>
+                  <a:pt x="60070" y="5127358"/>
+                </a:lnTo>
+                <a:lnTo>
+                  <a:pt x="75008" y="5101742"/>
+                </a:lnTo>
+                <a:lnTo>
+                  <a:pt x="47116" y="5101742"/>
+                </a:lnTo>
+                <a:lnTo>
+                  <a:pt x="47116" y="5053753"/>
+                </a:lnTo>
+                <a:lnTo>
+                  <a:pt x="25907" y="5017389"/>
+                </a:lnTo>
+                <a:lnTo>
+                  <a:pt x="22351" y="5011216"/>
+                </a:lnTo>
+                <a:lnTo>
+                  <a:pt x="14350" y="5009134"/>
+                </a:lnTo>
+                <a:close/>
+              </a:path>
+              <a:path w="120650" h="5127625">
+                <a:moveTo>
+                  <a:pt x="47116" y="5053753"/>
+                </a:moveTo>
+                <a:lnTo>
+                  <a:pt x="47116" y="5101742"/>
+                </a:lnTo>
+                <a:lnTo>
+                  <a:pt x="73025" y="5101742"/>
+                </a:lnTo>
+                <a:lnTo>
+                  <a:pt x="73025" y="5095125"/>
+                </a:lnTo>
+                <a:lnTo>
+                  <a:pt x="48894" y="5095125"/>
+                </a:lnTo>
+                <a:lnTo>
+                  <a:pt x="60070" y="5075963"/>
+                </a:lnTo>
+                <a:lnTo>
+                  <a:pt x="47116" y="5053753"/>
+                </a:lnTo>
+                <a:close/>
+              </a:path>
+              <a:path w="120650" h="5127625">
+                <a:moveTo>
+                  <a:pt x="105790" y="5009134"/>
+                </a:moveTo>
+                <a:lnTo>
+                  <a:pt x="97789" y="5011216"/>
+                </a:lnTo>
+                <a:lnTo>
+                  <a:pt x="94233" y="5017389"/>
+                </a:lnTo>
+                <a:lnTo>
+                  <a:pt x="73025" y="5053753"/>
+                </a:lnTo>
+                <a:lnTo>
+                  <a:pt x="73025" y="5101742"/>
+                </a:lnTo>
+                <a:lnTo>
+                  <a:pt x="75008" y="5101742"/>
+                </a:lnTo>
+                <a:lnTo>
+                  <a:pt x="116585" y="5030444"/>
+                </a:lnTo>
+                <a:lnTo>
+                  <a:pt x="120141" y="5024272"/>
+                </a:lnTo>
+                <a:lnTo>
+                  <a:pt x="118109" y="5016334"/>
+                </a:lnTo>
+                <a:lnTo>
+                  <a:pt x="105790" y="5009134"/>
+                </a:lnTo>
+                <a:close/>
+              </a:path>
+              <a:path w="120650" h="5127625">
+                <a:moveTo>
+                  <a:pt x="60070" y="5075963"/>
+                </a:moveTo>
+                <a:lnTo>
+                  <a:pt x="48894" y="5095125"/>
+                </a:lnTo>
+                <a:lnTo>
+                  <a:pt x="71246" y="5095125"/>
+                </a:lnTo>
+                <a:lnTo>
+                  <a:pt x="60070" y="5075963"/>
+                </a:lnTo>
+                <a:close/>
+              </a:path>
+              <a:path w="120650" h="5127625">
+                <a:moveTo>
+                  <a:pt x="73025" y="5053753"/>
+                </a:moveTo>
+                <a:lnTo>
+                  <a:pt x="60070" y="5075963"/>
+                </a:lnTo>
+                <a:lnTo>
+                  <a:pt x="71246" y="5095125"/>
+                </a:lnTo>
+                <a:lnTo>
+                  <a:pt x="73025" y="5095125"/>
+                </a:lnTo>
+                <a:lnTo>
+                  <a:pt x="73025" y="5053753"/>
+                </a:lnTo>
+                <a:close/>
+              </a:path>
+              <a:path w="120650" h="5127625">
+                <a:moveTo>
+                  <a:pt x="60070" y="51289"/>
+                </a:moveTo>
+                <a:lnTo>
+                  <a:pt x="47116" y="73496"/>
+                </a:lnTo>
+                <a:lnTo>
+                  <a:pt x="47116" y="5053753"/>
+                </a:lnTo>
+                <a:lnTo>
+                  <a:pt x="60070" y="5075963"/>
+                </a:lnTo>
+                <a:lnTo>
+                  <a:pt x="73025" y="5053753"/>
+                </a:lnTo>
+                <a:lnTo>
+                  <a:pt x="73025" y="73496"/>
+                </a:lnTo>
+                <a:lnTo>
+                  <a:pt x="60070" y="51289"/>
+                </a:lnTo>
+                <a:close/>
+              </a:path>
+              <a:path w="120650" h="5127625">
+                <a:moveTo>
+                  <a:pt x="60070" y="0"/>
+                </a:moveTo>
+                <a:lnTo>
+                  <a:pt x="0" y="102997"/>
+                </a:lnTo>
+                <a:lnTo>
+                  <a:pt x="2031" y="110998"/>
+                </a:lnTo>
+                <a:lnTo>
+                  <a:pt x="8254" y="114554"/>
+                </a:lnTo>
+                <a:lnTo>
+                  <a:pt x="14350" y="118110"/>
+                </a:lnTo>
+                <a:lnTo>
+                  <a:pt x="22351" y="116077"/>
+                </a:lnTo>
+                <a:lnTo>
+                  <a:pt x="25907" y="109855"/>
+                </a:lnTo>
+                <a:lnTo>
+                  <a:pt x="47116" y="73496"/>
+                </a:lnTo>
+                <a:lnTo>
+                  <a:pt x="47116" y="25654"/>
+                </a:lnTo>
+                <a:lnTo>
+                  <a:pt x="75033" y="25654"/>
+                </a:lnTo>
+                <a:lnTo>
+                  <a:pt x="60070" y="0"/>
+                </a:lnTo>
+                <a:close/>
+              </a:path>
+              <a:path w="120650" h="5127625">
+                <a:moveTo>
+                  <a:pt x="75033" y="25654"/>
+                </a:moveTo>
+                <a:lnTo>
+                  <a:pt x="73025" y="25654"/>
+                </a:lnTo>
+                <a:lnTo>
+                  <a:pt x="73025" y="73496"/>
+                </a:lnTo>
+                <a:lnTo>
+                  <a:pt x="94233" y="109855"/>
+                </a:lnTo>
+                <a:lnTo>
+                  <a:pt x="97789" y="116077"/>
+                </a:lnTo>
+                <a:lnTo>
+                  <a:pt x="105790" y="118110"/>
+                </a:lnTo>
+                <a:lnTo>
+                  <a:pt x="111887" y="114554"/>
+                </a:lnTo>
+                <a:lnTo>
+                  <a:pt x="118109" y="110998"/>
+                </a:lnTo>
+                <a:lnTo>
+                  <a:pt x="120141" y="102997"/>
+                </a:lnTo>
+                <a:lnTo>
+                  <a:pt x="75033" y="25654"/>
+                </a:lnTo>
+                <a:close/>
+              </a:path>
+              <a:path w="120650" h="5127625">
+                <a:moveTo>
+                  <a:pt x="73025" y="25654"/>
+                </a:moveTo>
+                <a:lnTo>
+                  <a:pt x="47116" y="25654"/>
+                </a:lnTo>
+                <a:lnTo>
+                  <a:pt x="47116" y="73496"/>
+                </a:lnTo>
+                <a:lnTo>
+                  <a:pt x="60070" y="51289"/>
+                </a:lnTo>
+                <a:lnTo>
+                  <a:pt x="48894" y="32131"/>
+                </a:lnTo>
+                <a:lnTo>
+                  <a:pt x="73025" y="32131"/>
+                </a:lnTo>
+                <a:lnTo>
+                  <a:pt x="73025" y="25654"/>
+                </a:lnTo>
+                <a:close/>
+              </a:path>
+              <a:path w="120650" h="5127625">
+                <a:moveTo>
+                  <a:pt x="73025" y="32131"/>
+                </a:moveTo>
+                <a:lnTo>
+                  <a:pt x="71246" y="32131"/>
+                </a:lnTo>
+                <a:lnTo>
+                  <a:pt x="60070" y="51289"/>
+                </a:lnTo>
+                <a:lnTo>
+                  <a:pt x="73025" y="73496"/>
+                </a:lnTo>
+                <a:lnTo>
+                  <a:pt x="73025" y="32131"/>
+                </a:lnTo>
+                <a:close/>
+              </a:path>
+              <a:path w="120650" h="5127625">
+                <a:moveTo>
+                  <a:pt x="71246" y="32131"/>
+                </a:moveTo>
+                <a:lnTo>
+                  <a:pt x="48894" y="32131"/>
+                </a:lnTo>
+                <a:lnTo>
+                  <a:pt x="60070" y="51289"/>
+                </a:lnTo>
+                <a:lnTo>
+                  <a:pt x="71246" y="32131"/>
+                </a:lnTo>
+                <a:close/>
+              </a:path>
+            </a:pathLst>
+          </a:custGeom>
+          <a:solidFill>
+            <a:srgbClr val="129CEB"/>
+          </a:solidFill>
+        </p:spPr>
+        <p:txBody>
+          <a:bodyPr wrap="square" lIns="0" tIns="0" rIns="0" bIns="0" rtlCol="0"/>
+          <a:lstStyle/>
+          <a:p>
+            <a:endParaRPr/>
+          </a:p>
+        </p:txBody>
+      </p:sp>
+      <p:sp>
+        <p:nvSpPr>
+          <p:cNvPr id="6" name="object 6"/>
+          <p:cNvSpPr/>
+          <p:nvPr/>
+        </p:nvSpPr>
+        <p:spPr>
+          <a:xfrm>
+            <a:off x="2590800" y="2514600"/>
+            <a:ext cx="4267200" cy="2514600"/>
+          </a:xfrm>
+          <a:custGeom>
+            <a:avLst/>
+            <a:gdLst/>
+            <a:ahLst/>
+            <a:cxnLst/>
+            <a:rect l="l" t="t" r="r" b="b"/>
+            <a:pathLst>
+              <a:path w="5097780" h="3435350">
+                <a:moveTo>
+                  <a:pt x="0" y="3435096"/>
+                </a:moveTo>
+                <a:lnTo>
+                  <a:pt x="5097780" y="3435096"/>
+                </a:lnTo>
+                <a:lnTo>
+                  <a:pt x="5097780" y="0"/>
+                </a:lnTo>
+                <a:lnTo>
+                  <a:pt x="0" y="0"/>
+                </a:lnTo>
+                <a:lnTo>
+                  <a:pt x="0" y="3435096"/>
+                </a:lnTo>
+                <a:close/>
+              </a:path>
+            </a:pathLst>
+          </a:custGeom>
+        </p:spPr>
+        <p:style>
+          <a:lnRef idx="2">
+            <a:schemeClr val="accent4"/>
+          </a:lnRef>
+          <a:fillRef idx="1">
+            <a:schemeClr val="lt1"/>
+          </a:fillRef>
+          <a:effectRef idx="0">
+            <a:schemeClr val="accent4"/>
+          </a:effectRef>
+          <a:fontRef idx="minor">
+            <a:schemeClr val="dk1"/>
+          </a:fontRef>
+        </p:style>
+        <p:txBody>
+          <a:bodyPr wrap="square" lIns="0" tIns="0" rIns="0" bIns="0" rtlCol="0"/>
+          <a:lstStyle/>
+          <a:p>
+            <a:r>
+              <a:rPr lang="en-US" sz="2800" dirty="0">
+                <a:solidFill>
+                  <a:schemeClr val="tx2"/>
+                </a:solidFill>
+              </a:rPr>
+              <a:t>           </a:t>
+            </a:r>
+            <a:r>
+              <a:rPr lang="en-US" sz="2800" dirty="0" err="1">
+                <a:solidFill>
+                  <a:schemeClr val="tx2"/>
+                </a:solidFill>
+              </a:rPr>
+              <a:t>Urbanclap</a:t>
+            </a:r>
+            <a:endParaRPr lang="en-US" sz="2800" dirty="0">
+              <a:solidFill>
+                <a:schemeClr val="tx2"/>
+              </a:solidFill>
+            </a:endParaRPr>
+          </a:p>
+          <a:p>
+            <a:r>
+              <a:rPr lang="en-US" sz="2800" dirty="0">
+                <a:solidFill>
+                  <a:schemeClr val="tx2"/>
+                </a:solidFill>
+              </a:rPr>
+              <a:t>           </a:t>
+            </a:r>
+            <a:r>
+              <a:rPr lang="en-US" sz="2800" dirty="0" err="1">
+                <a:solidFill>
+                  <a:schemeClr val="tx2"/>
+                </a:solidFill>
+              </a:rPr>
+              <a:t>Ramukaka</a:t>
+            </a:r>
+            <a:r>
+              <a:rPr lang="en-US" sz="2800" dirty="0">
+                <a:solidFill>
+                  <a:schemeClr val="tx2"/>
+                </a:solidFill>
+              </a:rPr>
+              <a:t> </a:t>
+            </a:r>
+          </a:p>
+          <a:p>
+            <a:r>
+              <a:rPr lang="en-US" sz="2800" dirty="0">
+                <a:solidFill>
+                  <a:schemeClr val="tx2"/>
+                </a:solidFill>
+              </a:rPr>
+              <a:t>           </a:t>
+            </a:r>
+            <a:r>
+              <a:rPr lang="en-US" sz="2800" dirty="0" err="1">
+                <a:solidFill>
+                  <a:schemeClr val="tx2"/>
+                </a:solidFill>
+              </a:rPr>
+              <a:t>Sulekha</a:t>
+            </a:r>
+            <a:endParaRPr lang="en-US" sz="2800" dirty="0">
+              <a:solidFill>
+                <a:schemeClr val="tx2"/>
+              </a:solidFill>
+            </a:endParaRPr>
+          </a:p>
+          <a:p>
+            <a:r>
+              <a:rPr lang="en-US" sz="2800" dirty="0">
+                <a:solidFill>
+                  <a:schemeClr val="tx2"/>
+                </a:solidFill>
+              </a:rPr>
+              <a:t>           </a:t>
+            </a:r>
+            <a:r>
+              <a:rPr lang="en-US" sz="2800" dirty="0" err="1">
+                <a:solidFill>
+                  <a:schemeClr val="tx2"/>
+                </a:solidFill>
+              </a:rPr>
+              <a:t>Quikr</a:t>
+            </a:r>
+            <a:endParaRPr lang="en-US" sz="2800" dirty="0">
+              <a:solidFill>
+                <a:schemeClr val="tx2"/>
+              </a:solidFill>
+            </a:endParaRPr>
+          </a:p>
+          <a:p>
+            <a:r>
+              <a:rPr lang="en-US" sz="2800" dirty="0">
+                <a:solidFill>
+                  <a:schemeClr val="tx2"/>
+                </a:solidFill>
+              </a:rPr>
+              <a:t>           Other sites </a:t>
+            </a:r>
+          </a:p>
+          <a:p>
+            <a:r>
+              <a:rPr lang="en-US" sz="2000" dirty="0">
+                <a:solidFill>
+                  <a:schemeClr val="tx2"/>
+                </a:solidFill>
+              </a:rPr>
+              <a:t>  (exist in some areas we are providing)</a:t>
+            </a:r>
+          </a:p>
+          <a:p>
+            <a:endParaRPr dirty="0"/>
+          </a:p>
+        </p:txBody>
+      </p:sp>
+      <p:sp>
+        <p:nvSpPr>
+          <p:cNvPr id="7" name="object 7"/>
+          <p:cNvSpPr txBox="1"/>
+          <p:nvPr/>
+        </p:nvSpPr>
+        <p:spPr>
+          <a:xfrm>
+            <a:off x="4020058" y="876300"/>
+            <a:ext cx="1105535" cy="266700"/>
+          </a:xfrm>
+          <a:prstGeom prst="rect">
+            <a:avLst/>
+          </a:prstGeom>
+        </p:spPr>
+        <p:txBody>
+          <a:bodyPr vert="horz" wrap="square" lIns="0" tIns="0" rIns="0" bIns="0" rtlCol="0">
+            <a:spAutoFit/>
+          </a:bodyPr>
+          <a:lstStyle/>
+          <a:p>
+            <a:pPr marL="12700">
+              <a:lnSpc>
+                <a:spcPct val="100000"/>
+              </a:lnSpc>
+            </a:pPr>
+            <a:r>
+              <a:rPr sz="1600" spc="-10" dirty="0">
+                <a:solidFill>
+                  <a:srgbClr val="129CEB"/>
+                </a:solidFill>
+                <a:latin typeface="Calibri"/>
+                <a:cs typeface="Calibri"/>
+              </a:rPr>
+              <a:t>AFFORDABLE</a:t>
+            </a:r>
+            <a:endParaRPr sz="1600" dirty="0">
+              <a:latin typeface="Calibri"/>
+              <a:cs typeface="Calibri"/>
+            </a:endParaRPr>
+          </a:p>
+        </p:txBody>
+      </p:sp>
+      <p:sp>
+        <p:nvSpPr>
+          <p:cNvPr id="8" name="object 8"/>
+          <p:cNvSpPr txBox="1"/>
+          <p:nvPr/>
+        </p:nvSpPr>
+        <p:spPr>
+          <a:xfrm>
+            <a:off x="4106417" y="6172200"/>
+            <a:ext cx="922655" cy="266700"/>
+          </a:xfrm>
+          <a:prstGeom prst="rect">
+            <a:avLst/>
+          </a:prstGeom>
+        </p:spPr>
+        <p:txBody>
+          <a:bodyPr vert="horz" wrap="square" lIns="0" tIns="0" rIns="0" bIns="0" rtlCol="0">
+            <a:spAutoFit/>
+          </a:bodyPr>
+          <a:lstStyle/>
+          <a:p>
+            <a:pPr marL="12700">
+              <a:lnSpc>
+                <a:spcPct val="100000"/>
+              </a:lnSpc>
+            </a:pPr>
+            <a:r>
+              <a:rPr sz="1600" spc="-10" dirty="0">
+                <a:solidFill>
+                  <a:srgbClr val="129CEB"/>
+                </a:solidFill>
+                <a:latin typeface="Calibri"/>
+                <a:cs typeface="Calibri"/>
+              </a:rPr>
+              <a:t>EXP</a:t>
+            </a:r>
+            <a:r>
+              <a:rPr sz="1600" spc="-5" dirty="0">
+                <a:solidFill>
+                  <a:srgbClr val="129CEB"/>
+                </a:solidFill>
+                <a:latin typeface="Calibri"/>
+                <a:cs typeface="Calibri"/>
+              </a:rPr>
+              <a:t>ENSI</a:t>
+            </a:r>
+            <a:r>
+              <a:rPr sz="1600" spc="-15" dirty="0">
+                <a:solidFill>
+                  <a:srgbClr val="129CEB"/>
+                </a:solidFill>
+                <a:latin typeface="Calibri"/>
+                <a:cs typeface="Calibri"/>
+              </a:rPr>
+              <a:t>V</a:t>
+            </a:r>
+            <a:r>
+              <a:rPr sz="1600" spc="-5" dirty="0">
+                <a:solidFill>
+                  <a:srgbClr val="129CEB"/>
+                </a:solidFill>
+                <a:latin typeface="Calibri"/>
+                <a:cs typeface="Calibri"/>
+              </a:rPr>
+              <a:t>E</a:t>
+            </a:r>
+            <a:endParaRPr sz="1600" dirty="0">
+              <a:latin typeface="Calibri"/>
+              <a:cs typeface="Calibri"/>
+            </a:endParaRPr>
+          </a:p>
+        </p:txBody>
+      </p:sp>
+      <p:sp>
+        <p:nvSpPr>
+          <p:cNvPr id="9" name="object 9"/>
+          <p:cNvSpPr txBox="1"/>
+          <p:nvPr/>
+        </p:nvSpPr>
+        <p:spPr>
+          <a:xfrm>
+            <a:off x="6994017" y="3060953"/>
+            <a:ext cx="1896110" cy="266700"/>
+          </a:xfrm>
+          <a:prstGeom prst="rect">
+            <a:avLst/>
+          </a:prstGeom>
+        </p:spPr>
+        <p:txBody>
+          <a:bodyPr vert="horz" wrap="square" lIns="0" tIns="0" rIns="0" bIns="0" rtlCol="0">
+            <a:spAutoFit/>
+          </a:bodyPr>
+          <a:lstStyle/>
+          <a:p>
+            <a:pPr marL="12700">
+              <a:lnSpc>
+                <a:spcPct val="100000"/>
+              </a:lnSpc>
+            </a:pPr>
+            <a:r>
+              <a:rPr sz="1600" spc="-5" dirty="0">
+                <a:solidFill>
+                  <a:srgbClr val="129CEB"/>
+                </a:solidFill>
+                <a:latin typeface="Calibri"/>
+                <a:cs typeface="Calibri"/>
+              </a:rPr>
+              <a:t>ONLINE</a:t>
+            </a:r>
+            <a:r>
+              <a:rPr sz="1600" spc="-35" dirty="0">
+                <a:solidFill>
+                  <a:srgbClr val="129CEB"/>
+                </a:solidFill>
+                <a:latin typeface="Calibri"/>
+                <a:cs typeface="Calibri"/>
+              </a:rPr>
+              <a:t> </a:t>
+            </a:r>
+            <a:r>
+              <a:rPr sz="1600" spc="-10" dirty="0">
+                <a:solidFill>
+                  <a:srgbClr val="129CEB"/>
+                </a:solidFill>
+                <a:latin typeface="Calibri"/>
+                <a:cs typeface="Calibri"/>
+              </a:rPr>
+              <a:t>TRANSACTION</a:t>
+            </a:r>
+            <a:endParaRPr sz="1600" dirty="0">
+              <a:latin typeface="Calibri"/>
+              <a:cs typeface="Calibri"/>
+            </a:endParaRPr>
+          </a:p>
+        </p:txBody>
+      </p:sp>
+      <p:sp>
+        <p:nvSpPr>
+          <p:cNvPr id="10" name="object 10"/>
+          <p:cNvSpPr txBox="1"/>
+          <p:nvPr/>
+        </p:nvSpPr>
+        <p:spPr>
+          <a:xfrm>
+            <a:off x="175056" y="3060953"/>
+            <a:ext cx="1950720" cy="266700"/>
+          </a:xfrm>
+          <a:prstGeom prst="rect">
+            <a:avLst/>
+          </a:prstGeom>
+        </p:spPr>
+        <p:txBody>
+          <a:bodyPr vert="horz" wrap="square" lIns="0" tIns="0" rIns="0" bIns="0" rtlCol="0">
+            <a:spAutoFit/>
+          </a:bodyPr>
+          <a:lstStyle/>
+          <a:p>
+            <a:pPr marL="12700">
+              <a:lnSpc>
+                <a:spcPct val="100000"/>
+              </a:lnSpc>
+            </a:pPr>
+            <a:r>
+              <a:rPr sz="1600" spc="-5" dirty="0">
+                <a:solidFill>
+                  <a:srgbClr val="129CEB"/>
+                </a:solidFill>
+                <a:latin typeface="Calibri"/>
+                <a:cs typeface="Calibri"/>
+              </a:rPr>
+              <a:t>OFFLINE</a:t>
+            </a:r>
+            <a:r>
+              <a:rPr sz="1600" spc="-40" dirty="0">
+                <a:solidFill>
+                  <a:srgbClr val="129CEB"/>
+                </a:solidFill>
+                <a:latin typeface="Calibri"/>
+                <a:cs typeface="Calibri"/>
+              </a:rPr>
+              <a:t> </a:t>
+            </a:r>
+            <a:r>
+              <a:rPr sz="1600" spc="-10" dirty="0">
+                <a:solidFill>
+                  <a:srgbClr val="129CEB"/>
+                </a:solidFill>
+                <a:latin typeface="Calibri"/>
+                <a:cs typeface="Calibri"/>
+              </a:rPr>
+              <a:t>TRANSACTION</a:t>
+            </a:r>
+            <a:endParaRPr sz="1600" dirty="0">
+              <a:latin typeface="Calibri"/>
+              <a:cs typeface="Calibri"/>
+            </a:endParaRPr>
+          </a:p>
+        </p:txBody>
+      </p:sp>
+      <p:sp>
+        <p:nvSpPr>
+          <p:cNvPr id="19" name="object 19"/>
           <p:cNvSpPr txBox="1">
             <a:spLocks noGrp="1"/>
           </p:cNvSpPr>
@@ -9197,262 +9641,10 @@
               </a:lnSpc>
             </a:pPr>
             <a:r>
-              <a:rPr lang="en-US" spc="-5"/>
+              <a:rPr lang="en-US" spc="-5" dirty="0"/>
               <a:t>Myserviceneed.com</a:t>
             </a:r>
-            <a:endParaRPr lang="en-US" spc="-5" dirty="0"/>
-          </a:p>
-        </p:txBody>
-      </p:sp>
-      <p:sp>
-        <p:nvSpPr>
-          <p:cNvPr id="2" name="object 2"/>
-          <p:cNvSpPr txBox="1">
-            <a:spLocks noGrp="1"/>
-          </p:cNvSpPr>
-          <p:nvPr>
-            <p:ph type="title"/>
-          </p:nvPr>
-        </p:nvSpPr>
-        <p:spPr>
-          <a:prstGeom prst="rect">
-            <a:avLst/>
-          </a:prstGeom>
-        </p:spPr>
-        <p:txBody>
-          <a:bodyPr vert="horz" wrap="square" lIns="0" tIns="0" rIns="0" bIns="0" rtlCol="0">
-            <a:spAutoFit/>
-          </a:bodyPr>
-          <a:lstStyle/>
-          <a:p>
-            <a:pPr marL="12700">
-              <a:lnSpc>
-                <a:spcPct val="100000"/>
-              </a:lnSpc>
-            </a:pPr>
-            <a:r>
-              <a:rPr spc="-5" dirty="0"/>
-              <a:t>Competitive</a:t>
-            </a:r>
-            <a:r>
-              <a:rPr spc="-140" dirty="0"/>
-              <a:t> </a:t>
-            </a:r>
-            <a:r>
-              <a:rPr spc="-25" dirty="0"/>
-              <a:t>Advantages</a:t>
-            </a:r>
-          </a:p>
-        </p:txBody>
-      </p:sp>
-      <p:sp>
-        <p:nvSpPr>
-          <p:cNvPr id="3" name="object 3"/>
-          <p:cNvSpPr txBox="1"/>
-          <p:nvPr/>
-        </p:nvSpPr>
-        <p:spPr>
-          <a:xfrm>
-            <a:off x="8392159" y="165227"/>
-            <a:ext cx="568325" cy="553720"/>
-          </a:xfrm>
-          <a:prstGeom prst="rect">
-            <a:avLst/>
-          </a:prstGeom>
-        </p:spPr>
-        <p:txBody>
-          <a:bodyPr vert="horz" wrap="square" lIns="0" tIns="0" rIns="0" bIns="0" rtlCol="0">
-            <a:spAutoFit/>
-          </a:bodyPr>
-          <a:lstStyle/>
-          <a:p>
-            <a:pPr marL="12700">
-              <a:lnSpc>
-                <a:spcPct val="100000"/>
-              </a:lnSpc>
-            </a:pPr>
-            <a:r>
-              <a:rPr sz="3600" spc="-5" dirty="0">
-                <a:solidFill>
-                  <a:srgbClr val="129CEB"/>
-                </a:solidFill>
-                <a:latin typeface="Arial Rounded MT Bold"/>
-                <a:cs typeface="Arial Rounded MT Bold"/>
-              </a:rPr>
-              <a:t>10</a:t>
-            </a:r>
-            <a:endParaRPr sz="3600">
-              <a:latin typeface="Arial Rounded MT Bold"/>
-              <a:cs typeface="Arial Rounded MT Bold"/>
-            </a:endParaRPr>
-          </a:p>
-        </p:txBody>
-      </p:sp>
-      <p:sp>
-        <p:nvSpPr>
-          <p:cNvPr id="4" name="object 4"/>
-          <p:cNvSpPr txBox="1"/>
-          <p:nvPr/>
-        </p:nvSpPr>
-        <p:spPr>
-          <a:xfrm>
-            <a:off x="516636" y="1542288"/>
-            <a:ext cx="2407920" cy="678180"/>
-          </a:xfrm>
-          <a:prstGeom prst="rect">
-            <a:avLst/>
-          </a:prstGeom>
-          <a:solidFill>
-            <a:srgbClr val="129CEB"/>
-          </a:solidFill>
-        </p:spPr>
-        <p:txBody>
-          <a:bodyPr vert="horz" wrap="square" lIns="0" tIns="36830" rIns="0" bIns="0" rtlCol="0">
-            <a:spAutoFit/>
-          </a:bodyPr>
-          <a:lstStyle/>
-          <a:p>
-            <a:pPr marL="419100">
-              <a:lnSpc>
-                <a:spcPct val="100000"/>
-              </a:lnSpc>
-              <a:spcBef>
-                <a:spcPts val="290"/>
-              </a:spcBef>
-            </a:pPr>
-            <a:r>
-              <a:rPr sz="2000" b="1" dirty="0">
-                <a:solidFill>
-                  <a:srgbClr val="FFFFFF"/>
-                </a:solidFill>
-                <a:latin typeface="Calibri"/>
-                <a:cs typeface="Calibri"/>
-              </a:rPr>
-              <a:t>1</a:t>
-            </a:r>
-            <a:r>
-              <a:rPr sz="1950" b="1" baseline="25641" dirty="0">
-                <a:solidFill>
-                  <a:srgbClr val="FFFFFF"/>
-                </a:solidFill>
-                <a:latin typeface="Calibri"/>
-                <a:cs typeface="Calibri"/>
-              </a:rPr>
-              <a:t>st </a:t>
-            </a:r>
-            <a:r>
-              <a:rPr sz="2000" b="1" spc="-25" dirty="0">
-                <a:solidFill>
-                  <a:srgbClr val="FFFFFF"/>
-                </a:solidFill>
-                <a:latin typeface="Calibri"/>
-                <a:cs typeface="Calibri"/>
-              </a:rPr>
-              <a:t>TO</a:t>
-            </a:r>
-            <a:r>
-              <a:rPr sz="2000" b="1" spc="50" dirty="0">
-                <a:solidFill>
-                  <a:srgbClr val="FFFFFF"/>
-                </a:solidFill>
-                <a:latin typeface="Calibri"/>
-                <a:cs typeface="Calibri"/>
-              </a:rPr>
-              <a:t> </a:t>
-            </a:r>
-            <a:r>
-              <a:rPr sz="2000" b="1" dirty="0">
-                <a:solidFill>
-                  <a:srgbClr val="FFFFFF"/>
-                </a:solidFill>
-                <a:latin typeface="Calibri"/>
-                <a:cs typeface="Calibri"/>
-              </a:rPr>
-              <a:t>MARKET</a:t>
-            </a:r>
-            <a:endParaRPr sz="2000">
-              <a:latin typeface="Calibri"/>
-              <a:cs typeface="Calibri"/>
-            </a:endParaRPr>
-          </a:p>
-        </p:txBody>
-      </p:sp>
-      <p:sp>
-        <p:nvSpPr>
-          <p:cNvPr id="10" name="object 10"/>
-          <p:cNvSpPr txBox="1"/>
-          <p:nvPr/>
-        </p:nvSpPr>
-        <p:spPr>
-          <a:xfrm>
-            <a:off x="516636" y="3941064"/>
-            <a:ext cx="2407920" cy="678180"/>
-          </a:xfrm>
-          <a:prstGeom prst="rect">
-            <a:avLst/>
-          </a:prstGeom>
-          <a:solidFill>
-            <a:srgbClr val="129CEB"/>
-          </a:solidFill>
-        </p:spPr>
-        <p:txBody>
-          <a:bodyPr vert="horz" wrap="square" lIns="0" tIns="36830" rIns="0" bIns="0" rtlCol="0">
-            <a:spAutoFit/>
-          </a:bodyPr>
-          <a:lstStyle/>
-          <a:p>
-            <a:pPr marL="538480">
-              <a:lnSpc>
-                <a:spcPct val="100000"/>
-              </a:lnSpc>
-              <a:spcBef>
-                <a:spcPts val="290"/>
-              </a:spcBef>
-            </a:pPr>
-            <a:r>
-              <a:rPr sz="2000" b="1" spc="-10" dirty="0">
-                <a:solidFill>
-                  <a:srgbClr val="FFFFFF"/>
-                </a:solidFill>
-                <a:latin typeface="Calibri"/>
-                <a:cs typeface="Calibri"/>
-              </a:rPr>
-              <a:t>EASE </a:t>
-            </a:r>
-            <a:r>
-              <a:rPr sz="2000" b="1" spc="-5" dirty="0">
-                <a:solidFill>
-                  <a:srgbClr val="FFFFFF"/>
-                </a:solidFill>
-                <a:latin typeface="Calibri"/>
-                <a:cs typeface="Calibri"/>
-              </a:rPr>
-              <a:t>OF</a:t>
-            </a:r>
-            <a:r>
-              <a:rPr sz="2000" b="1" spc="-85" dirty="0">
-                <a:solidFill>
-                  <a:srgbClr val="FFFFFF"/>
-                </a:solidFill>
-                <a:latin typeface="Calibri"/>
-                <a:cs typeface="Calibri"/>
-              </a:rPr>
-              <a:t> </a:t>
-            </a:r>
-            <a:r>
-              <a:rPr sz="2000" b="1" dirty="0">
-                <a:solidFill>
-                  <a:srgbClr val="FFFFFF"/>
-                </a:solidFill>
-                <a:latin typeface="Calibri"/>
-                <a:cs typeface="Calibri"/>
-              </a:rPr>
-              <a:t>USE</a:t>
-            </a:r>
-            <a:endParaRPr sz="2000">
-              <a:latin typeface="Calibri"/>
-              <a:cs typeface="Calibri"/>
-            </a:endParaRPr>
+            <a:endParaRPr spc="-5" dirty="0"/>
           </a:p>
         </p:txBody>
       </p:sp>

--- a/service_images/startuppitch/myservicenned_pitch.pptx
+++ b/service_images/startuppitch/myservicenned_pitch.pptx
@@ -115,7 +115,7 @@
   </p:defaultTextStyle>
   <p:extLst>
     <p:ext uri="{EFAFB233-063F-42B5-8137-9DF3F51BA10A}">
-      <p15:sldGuideLst xmlns:p15="http://schemas.microsoft.com/office/powerpoint/2012/main">
+      <p15:sldGuideLst xmlns:p15="http://schemas.microsoft.com/office/powerpoint/2012/main" xmlns="">
         <p15:guide id="1" orient="horz" pos="2880">
           <p15:clr>
             <a:srgbClr val="A4A3A4"/>
@@ -298,7 +298,7 @@
           <a:p>
             <a:fld id="{1D8BD707-D9CF-40AE-B4C6-C98DA3205C09}" type="datetimeFigureOut">
               <a:rPr lang="en-US"/>
-              <a:t>3/24/2017</a:t>
+              <a:t>3/25/2017</a:t>
             </a:fld>
             <a:endParaRPr lang="en-US"/>
           </a:p>
@@ -502,7 +502,7 @@
           <a:p>
             <a:fld id="{1D8BD707-D9CF-40AE-B4C6-C98DA3205C09}" type="datetimeFigureOut">
               <a:rPr lang="en-US"/>
-              <a:t>3/24/2017</a:t>
+              <a:t>3/25/2017</a:t>
             </a:fld>
             <a:endParaRPr lang="en-US"/>
           </a:p>
@@ -743,7 +743,7 @@
           <a:p>
             <a:fld id="{1D8BD707-D9CF-40AE-B4C6-C98DA3205C09}" type="datetimeFigureOut">
               <a:rPr lang="en-US"/>
-              <a:t>3/24/2017</a:t>
+              <a:t>3/25/2017</a:t>
             </a:fld>
             <a:endParaRPr lang="en-US"/>
           </a:p>
@@ -918,7 +918,7 @@
           <a:p>
             <a:fld id="{1D8BD707-D9CF-40AE-B4C6-C98DA3205C09}" type="datetimeFigureOut">
               <a:rPr lang="en-US"/>
-              <a:t>3/24/2017</a:t>
+              <a:t>3/25/2017</a:t>
             </a:fld>
             <a:endParaRPr lang="en-US"/>
           </a:p>
@@ -1064,7 +1064,7 @@
           <a:p>
             <a:fld id="{1D8BD707-D9CF-40AE-B4C6-C98DA3205C09}" type="datetimeFigureOut">
               <a:rPr lang="en-US"/>
-              <a:t>3/24/2017</a:t>
+              <a:t>3/25/2017</a:t>
             </a:fld>
             <a:endParaRPr lang="en-US"/>
           </a:p>
@@ -1313,7 +1313,7 @@
           <a:p>
             <a:fld id="{1D8BD707-D9CF-40AE-B4C6-C98DA3205C09}" type="datetimeFigureOut">
               <a:rPr lang="en-US"/>
-              <a:t>3/24/2017</a:t>
+              <a:t>3/25/2017</a:t>
             </a:fld>
             <a:endParaRPr lang="en-US"/>
           </a:p>
@@ -1708,7 +1708,7 @@
               </a:rPr>
               <a:t>1</a:t>
             </a:r>
-            <a:endParaRPr sz="3600">
+            <a:endParaRPr sz="3600" dirty="0">
               <a:latin typeface="Arial Rounded MT Bold"/>
               <a:cs typeface="Arial Rounded MT Bold"/>
             </a:endParaRPr>
@@ -2325,8 +2325,13 @@
           <a:p>
             <a:r>
               <a:rPr lang="en-US" dirty="0"/>
-              <a:t>What Services we have?</a:t>
-            </a:r>
+              <a:t>What Services </a:t>
+            </a:r>
+            <a:r>
+              <a:rPr lang="en-US" dirty="0" smtClean="0"/>
+              <a:t>people can share?</a:t>
+            </a:r>
+            <a:endParaRPr lang="en-US" dirty="0"/>
           </a:p>
         </p:txBody>
       </p:sp>
@@ -2342,15 +2347,204 @@
         </p:nvSpPr>
         <p:spPr>
           <a:xfrm>
-            <a:off x="762000" y="990600"/>
-            <a:ext cx="7198207" cy="5410200"/>
+            <a:off x="381000" y="838200"/>
+            <a:ext cx="8153400" cy="4678204"/>
           </a:xfrm>
         </p:spPr>
         <p:txBody>
           <a:bodyPr/>
           <a:lstStyle/>
           <a:p>
-            <a:endParaRPr lang="en-US" dirty="0"/>
+            <a:endParaRPr lang="en-US" sz="2400" dirty="0" smtClean="0">
+              <a:latin typeface="Arial" panose="020B0604020202020204" pitchFamily="34" charset="0"/>
+              <a:cs typeface="Arial" panose="020B0604020202020204" pitchFamily="34" charset="0"/>
+            </a:endParaRPr>
+          </a:p>
+          <a:p>
+            <a:endParaRPr lang="en-US" sz="2400" dirty="0">
+              <a:latin typeface="Arial" panose="020B0604020202020204" pitchFamily="34" charset="0"/>
+              <a:cs typeface="Arial" panose="020B0604020202020204" pitchFamily="34" charset="0"/>
+            </a:endParaRPr>
+          </a:p>
+          <a:p>
+            <a:r>
+              <a:rPr lang="en-US" sz="2600" kern="1200" spc="-5" dirty="0">
+                <a:solidFill>
+                  <a:srgbClr val="7E7E7E"/>
+                </a:solidFill>
+                <a:latin typeface="Arial"/>
+                <a:cs typeface="Arial"/>
+              </a:rPr>
+              <a:t>1</a:t>
+            </a:r>
+            <a:r>
+              <a:rPr lang="en-US" sz="2600" kern="1200" spc="-5" dirty="0">
+                <a:solidFill>
+                  <a:srgbClr val="7E7E7E"/>
+                </a:solidFill>
+                <a:latin typeface="Arial"/>
+                <a:cs typeface="Arial"/>
+              </a:rPr>
+              <a:t>) Event Services</a:t>
+            </a:r>
+          </a:p>
+          <a:p>
+            <a:r>
+              <a:rPr lang="en-US" sz="2600" kern="1200" spc="-5" dirty="0">
+                <a:solidFill>
+                  <a:srgbClr val="7E7E7E"/>
+                </a:solidFill>
+                <a:latin typeface="Arial"/>
+                <a:cs typeface="Arial"/>
+              </a:rPr>
+              <a:t>2) House/Construction Work</a:t>
+            </a:r>
+          </a:p>
+          <a:p>
+            <a:r>
+              <a:rPr lang="en-US" sz="2600" kern="1200" spc="-5" dirty="0">
+                <a:solidFill>
+                  <a:srgbClr val="7E7E7E"/>
+                </a:solidFill>
+                <a:latin typeface="Arial"/>
+                <a:cs typeface="Arial"/>
+              </a:rPr>
+              <a:t>3) Appliance Repair Services </a:t>
+            </a:r>
+          </a:p>
+          <a:p>
+            <a:r>
+              <a:rPr lang="en-US" sz="2600" kern="1200" spc="-5" dirty="0">
+                <a:solidFill>
+                  <a:srgbClr val="7E7E7E"/>
+                </a:solidFill>
+                <a:latin typeface="Arial"/>
+                <a:cs typeface="Arial"/>
+              </a:rPr>
+              <a:t>4) Vehicle Services </a:t>
+            </a:r>
+          </a:p>
+          <a:p>
+            <a:r>
+              <a:rPr lang="en-US" sz="2600" kern="1200" spc="-5" dirty="0">
+                <a:solidFill>
+                  <a:srgbClr val="7E7E7E"/>
+                </a:solidFill>
+                <a:latin typeface="Arial"/>
+                <a:cs typeface="Arial"/>
+              </a:rPr>
+              <a:t>5) Health Services </a:t>
+            </a:r>
+          </a:p>
+          <a:p>
+            <a:r>
+              <a:rPr lang="en-US" sz="2600" kern="1200" spc="-5" dirty="0">
+                <a:solidFill>
+                  <a:srgbClr val="7E7E7E"/>
+                </a:solidFill>
+                <a:latin typeface="Arial"/>
+                <a:cs typeface="Arial"/>
+              </a:rPr>
+              <a:t>6) Agriculture Services</a:t>
+            </a:r>
+          </a:p>
+          <a:p>
+            <a:r>
+              <a:rPr lang="en-US" sz="2600" kern="1200" spc="-5" dirty="0">
+                <a:solidFill>
+                  <a:srgbClr val="7E7E7E"/>
+                </a:solidFill>
+                <a:latin typeface="Arial"/>
+                <a:cs typeface="Arial"/>
+              </a:rPr>
+              <a:t>7) Social Services </a:t>
+            </a:r>
+          </a:p>
+          <a:p>
+            <a:r>
+              <a:rPr lang="en-US" sz="2600" kern="1200" spc="-5" dirty="0">
+                <a:solidFill>
+                  <a:srgbClr val="7E7E7E"/>
+                </a:solidFill>
+                <a:latin typeface="Arial"/>
+                <a:cs typeface="Arial"/>
+              </a:rPr>
+              <a:t>8) Sports Services </a:t>
+            </a:r>
+            <a:r>
+              <a:rPr lang="en-US" sz="2600" kern="1200" spc="-5" dirty="0">
+                <a:solidFill>
+                  <a:srgbClr val="7E7E7E"/>
+                </a:solidFill>
+                <a:latin typeface="Arial"/>
+                <a:cs typeface="Arial"/>
+              </a:rPr>
+              <a:t>and more</a:t>
+            </a:r>
+          </a:p>
+          <a:p>
+            <a:endParaRPr lang="en-US" sz="2400" dirty="0">
+              <a:latin typeface="Arial" panose="020B0604020202020204" pitchFamily="34" charset="0"/>
+              <a:cs typeface="Arial" panose="020B0604020202020204" pitchFamily="34" charset="0"/>
+            </a:endParaRPr>
+          </a:p>
+          <a:p>
+            <a:r>
+              <a:rPr lang="en-US" sz="2400" dirty="0" smtClean="0">
+                <a:solidFill>
+                  <a:srgbClr val="FFC000"/>
+                </a:solidFill>
+                <a:latin typeface="Arial" panose="020B0604020202020204" pitchFamily="34" charset="0"/>
+                <a:cs typeface="Arial" panose="020B0604020202020204" pitchFamily="34" charset="0"/>
+              </a:rPr>
+              <a:t>List will get added with more services</a:t>
+            </a:r>
+            <a:endParaRPr lang="en-US" sz="2400" dirty="0">
+              <a:solidFill>
+                <a:srgbClr val="FFC000"/>
+              </a:solidFill>
+              <a:latin typeface="Arial" panose="020B0604020202020204" pitchFamily="34" charset="0"/>
+              <a:cs typeface="Arial" panose="020B0604020202020204" pitchFamily="34" charset="0"/>
+            </a:endParaRPr>
+          </a:p>
+        </p:txBody>
+      </p:sp>
+      <p:sp>
+        <p:nvSpPr>
+          <p:cNvPr id="4" name="TextBox 3"/>
+          <p:cNvSpPr txBox="1"/>
+          <p:nvPr/>
+        </p:nvSpPr>
+        <p:spPr>
+          <a:xfrm>
+            <a:off x="8610600" y="381000"/>
+            <a:ext cx="458780" cy="553998"/>
+          </a:xfrm>
+          <a:prstGeom prst="rect">
+            <a:avLst/>
+          </a:prstGeom>
+        </p:spPr>
+        <p:txBody>
+          <a:bodyPr wrap="square" lIns="0" tIns="0" rIns="0" bIns="0">
+            <a:spAutoFit/>
+          </a:bodyPr>
+          <a:lstStyle>
+            <a:lvl1pPr>
+              <a:defRPr sz="3600" b="1" i="0">
+                <a:solidFill>
+                  <a:srgbClr val="129CEB"/>
+                </a:solidFill>
+                <a:latin typeface="Arial Rounded MT Bold"/>
+                <a:ea typeface="+mj-ea"/>
+                <a:cs typeface="Arial Rounded MT Bold"/>
+              </a:defRPr>
+            </a:lvl1pPr>
+          </a:lstStyle>
+          <a:p>
+            <a:r>
+              <a:rPr lang="en-US" dirty="0"/>
+              <a:t>2</a:t>
+            </a:r>
           </a:p>
         </p:txBody>
       </p:sp>
@@ -2497,16 +2691,16 @@
               </a:lnSpc>
             </a:pPr>
             <a:r>
-              <a:rPr sz="3600" dirty="0">
+              <a:rPr lang="en-US" sz="3600" dirty="0">
                 <a:solidFill>
                   <a:srgbClr val="129CEB"/>
                 </a:solidFill>
                 <a:latin typeface="Arial Rounded MT Bold"/>
                 <a:cs typeface="Arial Rounded MT Bold"/>
               </a:rPr>
-              <a:t>2</a:t>
-            </a:r>
-            <a:endParaRPr sz="3600">
+              <a:t>3</a:t>
+            </a:r>
+            <a:endParaRPr sz="3600" dirty="0">
               <a:latin typeface="Arial Rounded MT Bold"/>
               <a:cs typeface="Arial Rounded MT Bold"/>
             </a:endParaRPr>
@@ -2896,16 +3090,16 @@
               </a:lnSpc>
             </a:pPr>
             <a:r>
-              <a:rPr sz="3600" dirty="0">
+              <a:rPr lang="en-US" sz="3600" dirty="0">
                 <a:solidFill>
                   <a:srgbClr val="129CEB"/>
                 </a:solidFill>
                 <a:latin typeface="Arial Rounded MT Bold"/>
                 <a:cs typeface="Arial Rounded MT Bold"/>
               </a:rPr>
-              <a:t>3</a:t>
-            </a:r>
-            <a:endParaRPr sz="3600">
+              <a:t>4</a:t>
+            </a:r>
+            <a:endParaRPr sz="3600" dirty="0">
               <a:latin typeface="Arial Rounded MT Bold"/>
               <a:cs typeface="Arial Rounded MT Bold"/>
             </a:endParaRPr>
@@ -3478,8 +3672,8 @@
         </p:nvSpPr>
         <p:spPr>
           <a:xfrm>
-            <a:off x="225652" y="162178"/>
-            <a:ext cx="8918347" cy="828422"/>
+            <a:off x="225653" y="162178"/>
+            <a:ext cx="8232548" cy="828422"/>
           </a:xfrm>
         </p:spPr>
         <p:txBody>
@@ -3487,9 +3681,10 @@
           <a:lstStyle/>
           <a:p>
             <a:r>
-              <a:rPr lang="en-US" dirty="0"/>
+              <a:rPr lang="en-US" dirty="0" smtClean="0"/>
               <a:t>Establishing Network: Our First Priority</a:t>
             </a:r>
+            <a:endParaRPr lang="en-US" dirty="0"/>
           </a:p>
         </p:txBody>
       </p:sp>
@@ -3650,6 +3845,48 @@
           </a:p>
         </p:txBody>
       </p:sp>
+      <p:sp>
+        <p:nvSpPr>
+          <p:cNvPr id="5" name="TextBox 4"/>
+          <p:cNvSpPr txBox="1"/>
+          <p:nvPr/>
+        </p:nvSpPr>
+        <p:spPr>
+          <a:xfrm>
+            <a:off x="8730669" y="228600"/>
+            <a:ext cx="458780" cy="923330"/>
+          </a:xfrm>
+          <a:prstGeom prst="rect">
+            <a:avLst/>
+          </a:prstGeom>
+          <a:noFill/>
+        </p:spPr>
+        <p:txBody>
+          <a:bodyPr wrap="none" rtlCol="0">
+            <a:spAutoFit/>
+          </a:bodyPr>
+          <a:lstStyle/>
+          <a:p>
+            <a:r>
+              <a:rPr lang="en-US" sz="3600" dirty="0" smtClean="0">
+                <a:solidFill>
+                  <a:srgbClr val="129CEB"/>
+                </a:solidFill>
+                <a:latin typeface="Arial Rounded MT Bold"/>
+                <a:cs typeface="Arial Rounded MT Bold"/>
+              </a:rPr>
+              <a:t>5</a:t>
+            </a:r>
+            <a:endParaRPr lang="en-US" sz="3600" dirty="0">
+              <a:latin typeface="Arial Rounded MT Bold"/>
+              <a:cs typeface="Arial Rounded MT Bold"/>
+            </a:endParaRPr>
+          </a:p>
+          <a:p>
+            <a:endParaRPr lang="en-US" dirty="0"/>
+          </a:p>
+        </p:txBody>
+      </p:sp>
     </p:spTree>
     <p:extLst>
       <p:ext uri="{BB962C8B-B14F-4D97-AF65-F5344CB8AC3E}">
@@ -3748,16 +3985,16 @@
               </a:lnSpc>
             </a:pPr>
             <a:r>
-              <a:rPr sz="3600" dirty="0">
+              <a:rPr lang="en-US" sz="3600" dirty="0">
                 <a:solidFill>
                   <a:srgbClr val="129CEB"/>
                 </a:solidFill>
                 <a:latin typeface="Arial Rounded MT Bold"/>
                 <a:cs typeface="Arial Rounded MT Bold"/>
               </a:rPr>
-              <a:t>5</a:t>
-            </a:r>
-            <a:endParaRPr sz="3600">
+              <a:t>6</a:t>
+            </a:r>
+            <a:endParaRPr sz="3600" dirty="0">
               <a:latin typeface="Arial Rounded MT Bold"/>
               <a:cs typeface="Arial Rounded MT Bold"/>
             </a:endParaRPr>
@@ -5781,7 +6018,14 @@
                 <a:latin typeface="Calibri"/>
                 <a:cs typeface="Calibri"/>
               </a:rPr>
-              <a:t>     1million</a:t>
+              <a:t>     </a:t>
+            </a:r>
+            <a:r>
+              <a:rPr lang="en-US" sz="2800" dirty="0" smtClean="0">
+                <a:latin typeface="Calibri"/>
+                <a:cs typeface="Calibri"/>
+              </a:rPr>
+              <a:t>1Million</a:t>
             </a:r>
             <a:endParaRPr sz="2800" dirty="0">
               <a:latin typeface="Calibri"/>
@@ -6049,16 +6293,16 @@
               </a:lnSpc>
             </a:pPr>
             <a:r>
-              <a:rPr sz="3600" dirty="0">
+              <a:rPr lang="en-US" sz="3600" dirty="0">
                 <a:solidFill>
                   <a:srgbClr val="129CEB"/>
                 </a:solidFill>
                 <a:latin typeface="Arial Rounded MT Bold"/>
                 <a:cs typeface="Arial Rounded MT Bold"/>
               </a:rPr>
-              <a:t>6</a:t>
-            </a:r>
-            <a:endParaRPr sz="3600">
+              <a:t>7</a:t>
+            </a:r>
+            <a:endParaRPr sz="3600" dirty="0">
               <a:latin typeface="Arial Rounded MT Bold"/>
               <a:cs typeface="Arial Rounded MT Bold"/>
             </a:endParaRPr>
@@ -7153,16 +7397,16 @@
               </a:lnSpc>
             </a:pPr>
             <a:r>
-              <a:rPr sz="3600" dirty="0">
+              <a:rPr lang="en-US" sz="3600" dirty="0">
                 <a:solidFill>
                   <a:srgbClr val="129CEB"/>
                 </a:solidFill>
                 <a:latin typeface="Arial Rounded MT Bold"/>
                 <a:cs typeface="Arial Rounded MT Bold"/>
               </a:rPr>
-              <a:t>7</a:t>
-            </a:r>
-            <a:endParaRPr sz="3600">
+              <a:t>8</a:t>
+            </a:r>
+            <a:endParaRPr sz="3600" dirty="0">
               <a:latin typeface="Arial Rounded MT Bold"/>
               <a:cs typeface="Arial Rounded MT Bold"/>
             </a:endParaRPr>
@@ -8578,8 +8822,8 @@
         </p:nvSpPr>
         <p:spPr>
           <a:xfrm>
-            <a:off x="1102550" y="3383407"/>
-            <a:ext cx="7050850" cy="101599"/>
+            <a:off x="1150416" y="3434206"/>
+            <a:ext cx="7002984" cy="50800"/>
           </a:xfrm>
           <a:custGeom>
             <a:avLst/>
@@ -9200,8 +9444,8 @@
         </p:nvSpPr>
         <p:spPr>
           <a:xfrm>
-            <a:off x="2590800" y="2514600"/>
-            <a:ext cx="4267200" cy="2514600"/>
+            <a:off x="2119745" y="2299855"/>
+            <a:ext cx="4953000" cy="2895600"/>
           </a:xfrm>
           <a:custGeom>
             <a:avLst/>
@@ -9250,7 +9494,7 @@
           <a:lstStyle/>
           <a:p>
             <a:r>
-              <a:rPr lang="en-US" sz="2800" dirty="0">
+              <a:rPr lang="en-US" sz="2400" dirty="0">
                 <a:solidFill>
                   <a:schemeClr val="tx2"/>
                 </a:solidFill>
@@ -9258,14 +9502,14 @@
               <a:t>           </a:t>
             </a:r>
             <a:r>
-              <a:rPr lang="en-US" sz="2800" dirty="0" err="1">
+              <a:rPr lang="en-US" sz="2400" dirty="0" err="1">
                 <a:solidFill>
                   <a:schemeClr val="tx2"/>
                 </a:solidFill>
               </a:rPr>
               <a:t>Urbanclap</a:t>
             </a:r>
-            <a:endParaRPr lang="en-US" sz="2800" dirty="0">
+            <a:endParaRPr lang="en-US" sz="2400" dirty="0">
               <a:solidFill>
                 <a:schemeClr val="tx2"/>
               </a:solidFill>
@@ -9273,7 +9517,7 @@
           </a:p>
           <a:p>
             <a:r>
-              <a:rPr lang="en-US" sz="2800" dirty="0">
+              <a:rPr lang="en-US" sz="2400" dirty="0">
                 <a:solidFill>
                   <a:schemeClr val="tx2"/>
                 </a:solidFill>
@@ -9281,7 +9525,7 @@
               <a:t>           </a:t>
             </a:r>
             <a:r>
-              <a:rPr lang="en-US" sz="2800" dirty="0" err="1">
+              <a:rPr lang="en-US" sz="2400" dirty="0" err="1">
                 <a:solidFill>
                   <a:schemeClr val="tx2"/>
                 </a:solidFill>
@@ -9289,7 +9533,7 @@
               <a:t>Ramukaka</a:t>
             </a:r>
             <a:r>
-              <a:rPr lang="en-US" sz="2800" dirty="0">
+              <a:rPr lang="en-US" sz="2400" dirty="0">
                 <a:solidFill>
                   <a:schemeClr val="tx2"/>
                 </a:solidFill>
@@ -9299,7 +9543,7 @@
           </a:p>
           <a:p>
             <a:r>
-              <a:rPr lang="en-US" sz="2800" dirty="0">
+              <a:rPr lang="en-US" sz="2400" dirty="0">
                 <a:solidFill>
                   <a:schemeClr val="tx2"/>
                 </a:solidFill>
@@ -9307,14 +9551,14 @@
               <a:t>           </a:t>
             </a:r>
             <a:r>
-              <a:rPr lang="en-US" sz="2800" dirty="0" err="1">
+              <a:rPr lang="en-US" sz="2400" dirty="0" err="1">
                 <a:solidFill>
                   <a:schemeClr val="tx2"/>
                 </a:solidFill>
               </a:rPr>
               <a:t>Sulekha</a:t>
             </a:r>
-            <a:endParaRPr lang="en-US" sz="2800" dirty="0">
+            <a:endParaRPr lang="en-US" sz="2400" dirty="0">
               <a:solidFill>
                 <a:schemeClr val="tx2"/>
               </a:solidFill>
@@ -9322,7 +9566,7 @@
           </a:p>
           <a:p>
             <a:r>
-              <a:rPr lang="en-US" sz="2800" dirty="0">
+              <a:rPr lang="en-US" sz="2400" dirty="0">
                 <a:solidFill>
                   <a:schemeClr val="tx2"/>
                 </a:solidFill>
@@ -9330,14 +9574,14 @@
               <a:t>           </a:t>
             </a:r>
             <a:r>
-              <a:rPr lang="en-US" sz="2800" dirty="0" err="1">
+              <a:rPr lang="en-US" sz="2400" dirty="0" err="1" smtClean="0">
                 <a:solidFill>
                   <a:schemeClr val="tx2"/>
                 </a:solidFill>
               </a:rPr>
               <a:t>Quikr</a:t>
             </a:r>
-            <a:endParaRPr lang="en-US" sz="2800" dirty="0">
+            <a:endParaRPr lang="en-US" sz="2400" dirty="0" smtClean="0">
               <a:solidFill>
                 <a:schemeClr val="tx2"/>
               </a:solidFill>
@@ -9345,12 +9589,35 @@
           </a:p>
           <a:p>
             <a:r>
+              <a:rPr lang="en-US" sz="2400" dirty="0" smtClean="0">
+                <a:solidFill>
+                  <a:schemeClr val="tx2"/>
+                </a:solidFill>
+              </a:rPr>
+              <a:t>           Freelancer</a:t>
+            </a:r>
+            <a:endParaRPr lang="en-US" sz="2400" dirty="0">
+              <a:solidFill>
+                <a:schemeClr val="tx2"/>
+              </a:solidFill>
+            </a:endParaRPr>
+          </a:p>
+          <a:p>
+            <a:r>
+              <a:rPr lang="en-US" sz="2400" dirty="0">
+                <a:solidFill>
+                  <a:schemeClr val="tx2"/>
+                </a:solidFill>
+              </a:rPr>
+              <a:t>           Other sites</a:t>
+            </a:r>
+            <a:r>
               <a:rPr lang="en-US" sz="2800" dirty="0">
                 <a:solidFill>
                   <a:schemeClr val="tx2"/>
                 </a:solidFill>
               </a:rPr>
-              <a:t>           Other sites </a:t>
+              <a:t> </a:t>
             </a:r>
           </a:p>
           <a:p>
@@ -9360,8 +9627,53 @@
                   <a:schemeClr val="tx2"/>
                 </a:solidFill>
               </a:rPr>
-              <a:t>  (exist in some areas we are providing)</a:t>
-            </a:r>
+              <a:t>  (</a:t>
+            </a:r>
+            <a:r>
+              <a:rPr lang="en-US" sz="2000" dirty="0">
+                <a:solidFill>
+                  <a:srgbClr val="FF0000"/>
+                </a:solidFill>
+              </a:rPr>
+              <a:t>exist in some </a:t>
+            </a:r>
+            <a:r>
+              <a:rPr lang="en-US" sz="2000" dirty="0" smtClean="0">
+                <a:solidFill>
+                  <a:srgbClr val="FF0000"/>
+                </a:solidFill>
+              </a:rPr>
+              <a:t>service areas  we </a:t>
+            </a:r>
+            <a:r>
+              <a:rPr lang="en-US" sz="2000" dirty="0">
+                <a:solidFill>
+                  <a:srgbClr val="FF0000"/>
+                </a:solidFill>
+              </a:rPr>
+              <a:t>are </a:t>
+            </a:r>
+            <a:r>
+              <a:rPr lang="en-US" sz="2000" dirty="0" smtClean="0">
+                <a:solidFill>
+                  <a:srgbClr val="FF0000"/>
+                </a:solidFill>
+              </a:rPr>
+              <a:t>allowing as social platform</a:t>
+            </a:r>
+            <a:r>
+              <a:rPr lang="en-US" sz="2000" dirty="0" smtClean="0">
+                <a:solidFill>
+                  <a:schemeClr val="tx2"/>
+                </a:solidFill>
+              </a:rPr>
+              <a:t>)</a:t>
+            </a:r>
+            <a:endParaRPr lang="en-US" sz="2000" dirty="0">
+              <a:solidFill>
+                <a:schemeClr val="tx2"/>
+              </a:solidFill>
+            </a:endParaRPr>
           </a:p>
           <a:p>
             <a:endParaRPr dirty="0"/>
@@ -9492,7 +9804,7 @@
         </p:nvSpPr>
         <p:spPr>
           <a:xfrm>
-            <a:off x="6994017" y="3060953"/>
+            <a:off x="7171690" y="3060953"/>
             <a:ext cx="1896110" cy="266700"/>
           </a:xfrm>
           <a:prstGeom prst="rect">
@@ -9555,7 +9867,7 @@
         </p:nvSpPr>
         <p:spPr>
           <a:xfrm>
-            <a:off x="175056" y="3060953"/>
+            <a:off x="-45720" y="3060953"/>
             <a:ext cx="1950720" cy="266700"/>
           </a:xfrm>
           <a:prstGeom prst="rect">

--- a/service_images/startuppitch/myservicenned_pitch.pptx
+++ b/service_images/startuppitch/myservicenned_pitch.pptx
@@ -15,6 +15,7 @@
     <p:sldId id="262" r:id="rId9"/>
     <p:sldId id="264" r:id="rId10"/>
     <p:sldId id="265" r:id="rId11"/>
+    <p:sldId id="268" r:id="rId12"/>
   </p:sldIdLst>
   <p:sldSz cx="9144000" cy="6858000" type="screen4x3"/>
   <p:notesSz cx="9144000" cy="6858000"/>
@@ -115,7 +116,7 @@
   </p:defaultTextStyle>
   <p:extLst>
     <p:ext uri="{EFAFB233-063F-42B5-8137-9DF3F51BA10A}">
-      <p15:sldGuideLst xmlns:p15="http://schemas.microsoft.com/office/powerpoint/2012/main" xmlns="">
+      <p15:sldGuideLst xmlns:p15="http://schemas.microsoft.com/office/powerpoint/2012/main">
         <p15:guide id="1" orient="horz" pos="2880">
           <p15:clr>
             <a:srgbClr val="A4A3A4"/>
@@ -298,7 +299,7 @@
           <a:p>
             <a:fld id="{1D8BD707-D9CF-40AE-B4C6-C98DA3205C09}" type="datetimeFigureOut">
               <a:rPr lang="en-US"/>
-              <a:t>3/25/2017</a:t>
+              <a:t>4/4/2017</a:t>
             </a:fld>
             <a:endParaRPr lang="en-US"/>
           </a:p>
@@ -502,7 +503,7 @@
           <a:p>
             <a:fld id="{1D8BD707-D9CF-40AE-B4C6-C98DA3205C09}" type="datetimeFigureOut">
               <a:rPr lang="en-US"/>
-              <a:t>3/25/2017</a:t>
+              <a:t>4/4/2017</a:t>
             </a:fld>
             <a:endParaRPr lang="en-US"/>
           </a:p>
@@ -743,7 +744,7 @@
           <a:p>
             <a:fld id="{1D8BD707-D9CF-40AE-B4C6-C98DA3205C09}" type="datetimeFigureOut">
               <a:rPr lang="en-US"/>
-              <a:t>3/25/2017</a:t>
+              <a:t>4/4/2017</a:t>
             </a:fld>
             <a:endParaRPr lang="en-US"/>
           </a:p>
@@ -918,7 +919,7 @@
           <a:p>
             <a:fld id="{1D8BD707-D9CF-40AE-B4C6-C98DA3205C09}" type="datetimeFigureOut">
               <a:rPr lang="en-US"/>
-              <a:t>3/25/2017</a:t>
+              <a:t>4/4/2017</a:t>
             </a:fld>
             <a:endParaRPr lang="en-US"/>
           </a:p>
@@ -1064,7 +1065,7 @@
           <a:p>
             <a:fld id="{1D8BD707-D9CF-40AE-B4C6-C98DA3205C09}" type="datetimeFigureOut">
               <a:rPr lang="en-US"/>
-              <a:t>3/25/2017</a:t>
+              <a:t>4/4/2017</a:t>
             </a:fld>
             <a:endParaRPr lang="en-US"/>
           </a:p>
@@ -1313,7 +1314,7 @@
           <a:p>
             <a:fld id="{1D8BD707-D9CF-40AE-B4C6-C98DA3205C09}" type="datetimeFigureOut">
               <a:rPr lang="en-US"/>
-              <a:t>3/25/2017</a:t>
+              <a:t>4/4/2017</a:t>
             </a:fld>
             <a:endParaRPr lang="en-US"/>
           </a:p>
@@ -2291,6 +2292,143 @@
 </p:sld>
 </file>
 
+<file path=ppt/slides/slide11.xml><?xml version="1.0" encoding="utf-8"?>
+<p:sld xmlns:a="http://schemas.openxmlformats.org/drawingml/2006/main" xmlns:r="http://schemas.openxmlformats.org/officeDocument/2006/relationships" xmlns:p="http://schemas.openxmlformats.org/presentationml/2006/main">
+  <p:cSld>
+    <p:spTree>
+      <p:nvGrpSpPr>
+        <p:cNvPr id="1" name=""/>
+        <p:cNvGrpSpPr/>
+        <p:nvPr/>
+      </p:nvGrpSpPr>
+      <p:grpSpPr>
+        <a:xfrm>
+          <a:off x="0" y="0"/>
+          <a:ext cx="0" cy="0"/>
+          <a:chOff x="0" y="0"/>
+          <a:chExt cx="0" cy="0"/>
+        </a:xfrm>
+      </p:grpSpPr>
+      <p:sp>
+        <p:nvSpPr>
+          <p:cNvPr id="2" name="Title 1"/>
+          <p:cNvSpPr>
+            <a:spLocks noGrp="1"/>
+          </p:cNvSpPr>
+          <p:nvPr>
+            <p:ph type="title"/>
+          </p:nvPr>
+        </p:nvSpPr>
+        <p:spPr/>
+        <p:txBody>
+          <a:bodyPr/>
+          <a:lstStyle/>
+          <a:p>
+            <a:r>
+              <a:rPr lang="en-US" dirty="0"/>
+              <a:t>Challenges</a:t>
+            </a:r>
+          </a:p>
+        </p:txBody>
+      </p:sp>
+      <p:sp>
+        <p:nvSpPr>
+          <p:cNvPr id="3" name="Text Placeholder 2"/>
+          <p:cNvSpPr>
+            <a:spLocks noGrp="1"/>
+          </p:cNvSpPr>
+          <p:nvPr>
+            <p:ph type="body" idx="1"/>
+          </p:nvPr>
+        </p:nvSpPr>
+        <p:spPr>
+          <a:xfrm>
+            <a:off x="990600" y="1066801"/>
+            <a:ext cx="6969607" cy="4124206"/>
+          </a:xfrm>
+        </p:spPr>
+        <p:txBody>
+          <a:bodyPr/>
+          <a:lstStyle/>
+          <a:p>
+            <a:pPr marL="971550" lvl="1" indent="-514350">
+              <a:buAutoNum type="arabicParenR"/>
+            </a:pPr>
+            <a:r>
+              <a:rPr lang="en-US" sz="2600" kern="1200" dirty="0">
+                <a:solidFill>
+                  <a:srgbClr val="7E7E7E"/>
+                </a:solidFill>
+                <a:latin typeface="Arial"/>
+                <a:cs typeface="Arial"/>
+              </a:rPr>
+              <a:t>High marketing costs.</a:t>
+            </a:r>
+          </a:p>
+          <a:p>
+            <a:pPr lvl="1"/>
+            <a:endParaRPr lang="en-US" sz="2600" kern="1200" dirty="0">
+              <a:solidFill>
+                <a:srgbClr val="7E7E7E"/>
+              </a:solidFill>
+              <a:latin typeface="Arial"/>
+              <a:cs typeface="Arial"/>
+            </a:endParaRPr>
+          </a:p>
+          <a:p>
+            <a:pPr lvl="1"/>
+            <a:r>
+              <a:rPr lang="en-US" sz="2600" kern="1200" dirty="0">
+                <a:solidFill>
+                  <a:srgbClr val="7E7E7E"/>
+                </a:solidFill>
+                <a:latin typeface="Arial"/>
+                <a:cs typeface="Arial"/>
+              </a:rPr>
+              <a:t>2)  Consumer acceptance and brand recognition.</a:t>
+            </a:r>
+          </a:p>
+          <a:p>
+            <a:pPr lvl="1"/>
+            <a:endParaRPr lang="en-US" sz="2600" kern="1200" dirty="0">
+              <a:solidFill>
+                <a:srgbClr val="7E7E7E"/>
+              </a:solidFill>
+              <a:latin typeface="Arial"/>
+              <a:cs typeface="Arial"/>
+            </a:endParaRPr>
+          </a:p>
+          <a:p>
+            <a:pPr lvl="1"/>
+            <a:r>
+              <a:rPr lang="en-US" sz="2600" kern="1200" dirty="0">
+                <a:solidFill>
+                  <a:srgbClr val="7E7E7E"/>
+                </a:solidFill>
+                <a:latin typeface="Arial"/>
+                <a:cs typeface="Arial"/>
+              </a:rPr>
+              <a:t>3)  Identity of the service provider. (since we are making it as open platform for finding service works).</a:t>
+            </a:r>
+          </a:p>
+          <a:p>
+            <a:endParaRPr lang="en-US" dirty="0"/>
+          </a:p>
+        </p:txBody>
+      </p:sp>
+    </p:spTree>
+    <p:extLst>
+      <p:ext uri="{BB962C8B-B14F-4D97-AF65-F5344CB8AC3E}">
+        <p14:creationId xmlns:p14="http://schemas.microsoft.com/office/powerpoint/2010/main" val="3661397385"/>
+      </p:ext>
+    </p:extLst>
+  </p:cSld>
+  <p:clrMapOvr>
+    <a:masterClrMapping/>
+  </p:clrMapOvr>
+</p:sld>
+</file>
+
 <file path=ppt/slides/slide2.xml><?xml version="1.0" encoding="utf-8"?>
 <p:sld xmlns:a="http://schemas.openxmlformats.org/drawingml/2006/main" xmlns:r="http://schemas.openxmlformats.org/officeDocument/2006/relationships" xmlns:p="http://schemas.openxmlformats.org/presentationml/2006/main">
   <p:cSld>
@@ -2325,13 +2463,8 @@
           <a:p>
             <a:r>
               <a:rPr lang="en-US" dirty="0"/>
-              <a:t>What Services </a:t>
-            </a:r>
-            <a:r>
-              <a:rPr lang="en-US" dirty="0" smtClean="0"/>
-              <a:t>people can share?</a:t>
-            </a:r>
-            <a:endParaRPr lang="en-US" dirty="0"/>
+              <a:t>What Services people can share?</a:t>
+            </a:r>
           </a:p>
         </p:txBody>
       </p:sp>
@@ -2348,18 +2481,12 @@
         <p:spPr>
           <a:xfrm>
             <a:off x="381000" y="838200"/>
-            <a:ext cx="8153400" cy="4678204"/>
+            <a:ext cx="8153400" cy="5109091"/>
           </a:xfrm>
         </p:spPr>
         <p:txBody>
           <a:bodyPr/>
           <a:lstStyle/>
-          <a:p>
-            <a:endParaRPr lang="en-US" sz="2400" dirty="0" smtClean="0">
-              <a:latin typeface="Arial" panose="020B0604020202020204" pitchFamily="34" charset="0"/>
-              <a:cs typeface="Arial" panose="020B0604020202020204" pitchFamily="34" charset="0"/>
-            </a:endParaRPr>
-          </a:p>
           <a:p>
             <a:endParaRPr lang="en-US" sz="2400" dirty="0">
               <a:latin typeface="Arial" panose="020B0604020202020204" pitchFamily="34" charset="0"/>
@@ -2375,8 +2502,10 @@
                 <a:latin typeface="Arial"/>
                 <a:cs typeface="Arial"/>
               </a:rPr>
-              <a:t>1</a:t>
-            </a:r>
+              <a:t>1)  Event Services</a:t>
+            </a:r>
+          </a:p>
+          <a:p>
             <a:r>
               <a:rPr lang="en-US" sz="2600" kern="1200" spc="-5" dirty="0">
                 <a:solidFill>
@@ -2385,7 +2514,7 @@
                 <a:latin typeface="Arial"/>
                 <a:cs typeface="Arial"/>
               </a:rPr>
-              <a:t>) Event Services</a:t>
+              <a:t>2)  House/Construction Work</a:t>
             </a:r>
           </a:p>
           <a:p>
@@ -2397,7 +2526,7 @@
                 <a:latin typeface="Arial"/>
                 <a:cs typeface="Arial"/>
               </a:rPr>
-              <a:t>2) House/Construction Work</a:t>
+              <a:t>3)  Repair Services </a:t>
             </a:r>
           </a:p>
           <a:p>
@@ -2409,7 +2538,7 @@
                 <a:latin typeface="Arial"/>
                 <a:cs typeface="Arial"/>
               </a:rPr>
-              <a:t>3) Appliance Repair Services </a:t>
+              <a:t>4)  Vehicle Services </a:t>
             </a:r>
           </a:p>
           <a:p>
@@ -2421,7 +2550,7 @@
                 <a:latin typeface="Arial"/>
                 <a:cs typeface="Arial"/>
               </a:rPr>
-              <a:t>4) Vehicle Services </a:t>
+              <a:t>5)  Health Services </a:t>
             </a:r>
           </a:p>
           <a:p>
@@ -2433,7 +2562,7 @@
                 <a:latin typeface="Arial"/>
                 <a:cs typeface="Arial"/>
               </a:rPr>
-              <a:t>5) Health Services </a:t>
+              <a:t>6)  Agriculture Services</a:t>
             </a:r>
           </a:p>
           <a:p>
@@ -2445,7 +2574,7 @@
                 <a:latin typeface="Arial"/>
                 <a:cs typeface="Arial"/>
               </a:rPr>
-              <a:t>6) Agriculture Services</a:t>
+              <a:t>7)  Social Services </a:t>
             </a:r>
           </a:p>
           <a:p>
@@ -2457,7 +2586,7 @@
                 <a:latin typeface="Arial"/>
                 <a:cs typeface="Arial"/>
               </a:rPr>
-              <a:t>7) Social Services </a:t>
+              <a:t>8)  Sports Services </a:t>
             </a:r>
           </a:p>
           <a:p>
@@ -2469,8 +2598,10 @@
                 <a:latin typeface="Arial"/>
                 <a:cs typeface="Arial"/>
               </a:rPr>
-              <a:t>8) Sports Services </a:t>
-            </a:r>
+              <a:t>9)  Business Services</a:t>
+            </a:r>
+          </a:p>
+          <a:p>
             <a:r>
               <a:rPr lang="en-US" sz="2600" kern="1200" spc="-5" dirty="0">
                 <a:solidFill>
@@ -2479,7 +2610,7 @@
                 <a:latin typeface="Arial"/>
                 <a:cs typeface="Arial"/>
               </a:rPr>
-              <a:t>and more</a:t>
+              <a:t>10)Personal Services and more</a:t>
             </a:r>
           </a:p>
           <a:p>
@@ -2490,7 +2621,7 @@
           </a:p>
           <a:p>
             <a:r>
-              <a:rPr lang="en-US" sz="2400" dirty="0" smtClean="0">
+              <a:rPr lang="en-US" sz="2400" dirty="0">
                 <a:solidFill>
                   <a:srgbClr val="FFC000"/>
                 </a:solidFill>
@@ -2499,13 +2630,6 @@
               </a:rPr>
               <a:t>List will get added with more services</a:t>
             </a:r>
-            <a:endParaRPr lang="en-US" sz="2400" dirty="0">
-              <a:solidFill>
-                <a:srgbClr val="FFC000"/>
-              </a:solidFill>
-              <a:latin typeface="Arial" panose="020B0604020202020204" pitchFamily="34" charset="0"/>
-              <a:cs typeface="Arial" panose="020B0604020202020204" pitchFamily="34" charset="0"/>
-            </a:endParaRPr>
           </a:p>
         </p:txBody>
       </p:sp>
@@ -3635,6 +3759,72 @@
           </a:p>
         </p:txBody>
       </p:sp>
+      <p:sp>
+        <p:nvSpPr>
+          <p:cNvPr id="11" name="TextBox 10"/>
+          <p:cNvSpPr txBox="1"/>
+          <p:nvPr/>
+        </p:nvSpPr>
+        <p:spPr>
+          <a:xfrm>
+            <a:off x="1219200" y="5105400"/>
+            <a:ext cx="1864036" cy="369332"/>
+          </a:xfrm>
+          <a:prstGeom prst="rect">
+            <a:avLst/>
+          </a:prstGeom>
+          <a:noFill/>
+        </p:spPr>
+        <p:txBody>
+          <a:bodyPr wrap="none" rtlCol="0">
+            <a:spAutoFit/>
+          </a:bodyPr>
+          <a:lstStyle/>
+          <a:p>
+            <a:r>
+              <a:rPr lang="en-US" dirty="0">
+                <a:solidFill>
+                  <a:srgbClr val="92D050"/>
+                </a:solidFill>
+              </a:rPr>
+              <a:t>Service Requester</a:t>
+            </a:r>
+          </a:p>
+        </p:txBody>
+      </p:sp>
+      <p:sp>
+        <p:nvSpPr>
+          <p:cNvPr id="13" name="TextBox 12"/>
+          <p:cNvSpPr txBox="1"/>
+          <p:nvPr/>
+        </p:nvSpPr>
+        <p:spPr>
+          <a:xfrm>
+            <a:off x="6172200" y="5105400"/>
+            <a:ext cx="1701684" cy="369332"/>
+          </a:xfrm>
+          <a:prstGeom prst="rect">
+            <a:avLst/>
+          </a:prstGeom>
+          <a:noFill/>
+        </p:spPr>
+        <p:txBody>
+          <a:bodyPr wrap="none" rtlCol="0">
+            <a:spAutoFit/>
+          </a:bodyPr>
+          <a:lstStyle/>
+          <a:p>
+            <a:r>
+              <a:rPr lang="en-US" dirty="0">
+                <a:solidFill>
+                  <a:srgbClr val="92D050"/>
+                </a:solidFill>
+              </a:rPr>
+              <a:t>Service Provider</a:t>
+            </a:r>
+          </a:p>
+        </p:txBody>
+      </p:sp>
     </p:spTree>
   </p:cSld>
   <p:clrMapOvr>
@@ -3681,10 +3871,9 @@
           <a:lstStyle/>
           <a:p>
             <a:r>
-              <a:rPr lang="en-US" dirty="0" smtClean="0"/>
+              <a:rPr lang="en-US" dirty="0"/>
               <a:t>Establishing Network: Our First Priority</a:t>
             </a:r>
-            <a:endParaRPr lang="en-US" dirty="0"/>
           </a:p>
         </p:txBody>
       </p:sp>
@@ -3868,7 +4057,7 @@
           <a:lstStyle/>
           <a:p>
             <a:r>
-              <a:rPr lang="en-US" sz="3600" dirty="0" smtClean="0">
+              <a:rPr lang="en-US" sz="3600" dirty="0">
                 <a:solidFill>
                   <a:srgbClr val="129CEB"/>
                 </a:solidFill>
@@ -6018,14 +6207,7 @@
                 <a:latin typeface="Calibri"/>
                 <a:cs typeface="Calibri"/>
               </a:rPr>
-              <a:t>     </a:t>
-            </a:r>
-            <a:r>
-              <a:rPr lang="en-US" sz="2800" dirty="0" smtClean="0">
-                <a:latin typeface="Calibri"/>
-                <a:cs typeface="Calibri"/>
-              </a:rPr>
-              <a:t>1Million</a:t>
+              <a:t>     1Million</a:t>
             </a:r>
             <a:endParaRPr sz="2800" dirty="0">
               <a:latin typeface="Calibri"/>
@@ -9444,7 +9626,7 @@
         </p:nvSpPr>
         <p:spPr>
           <a:xfrm>
-            <a:off x="2119745" y="2299855"/>
+            <a:off x="2057400" y="2299855"/>
             <a:ext cx="4953000" cy="2895600"/>
           </a:xfrm>
           <a:custGeom>
@@ -9493,6 +9675,7 @@
           <a:bodyPr wrap="square" lIns="0" tIns="0" rIns="0" bIns="0" rtlCol="0"/>
           <a:lstStyle/>
           <a:p>
+            <a:pPr lvl="3"/>
             <a:r>
               <a:rPr lang="en-US" sz="2400" dirty="0">
                 <a:solidFill>
@@ -9516,6 +9699,7 @@
             </a:endParaRPr>
           </a:p>
           <a:p>
+            <a:pPr lvl="3"/>
             <a:r>
               <a:rPr lang="en-US" sz="2400" dirty="0">
                 <a:solidFill>
@@ -9542,6 +9726,7 @@
             </a:r>
           </a:p>
           <a:p>
+            <a:pPr lvl="3"/>
             <a:r>
               <a:rPr lang="en-US" sz="2400" dirty="0">
                 <a:solidFill>
@@ -9565,6 +9750,7 @@
             </a:endParaRPr>
           </a:p>
           <a:p>
+            <a:pPr lvl="3"/>
             <a:r>
               <a:rPr lang="en-US" sz="2400" dirty="0">
                 <a:solidFill>
@@ -9574,27 +9760,12 @@
               <a:t>           </a:t>
             </a:r>
             <a:r>
-              <a:rPr lang="en-US" sz="2400" dirty="0" err="1" smtClean="0">
+              <a:rPr lang="en-US" sz="2400" dirty="0" err="1">
                 <a:solidFill>
                   <a:schemeClr val="tx2"/>
                 </a:solidFill>
               </a:rPr>
               <a:t>Quikr</a:t>
-            </a:r>
-            <a:endParaRPr lang="en-US" sz="2400" dirty="0" smtClean="0">
-              <a:solidFill>
-                <a:schemeClr val="tx2"/>
-              </a:solidFill>
-            </a:endParaRPr>
-          </a:p>
-          <a:p>
-            <a:r>
-              <a:rPr lang="en-US" sz="2400" dirty="0" smtClean="0">
-                <a:solidFill>
-                  <a:schemeClr val="tx2"/>
-                </a:solidFill>
-              </a:rPr>
-              <a:t>           Freelancer</a:t>
             </a:r>
             <a:endParaRPr lang="en-US" sz="2400" dirty="0">
               <a:solidFill>
@@ -9603,12 +9774,24 @@
             </a:endParaRPr>
           </a:p>
           <a:p>
+            <a:pPr lvl="3"/>
             <a:r>
               <a:rPr lang="en-US" sz="2400" dirty="0">
                 <a:solidFill>
                   <a:schemeClr val="tx2"/>
                 </a:solidFill>
               </a:rPr>
+              <a:t>           Freelancer</a:t>
+            </a:r>
+          </a:p>
+          <a:p>
+            <a:pPr lvl="3"/>
+            <a:r>
+              <a:rPr lang="en-US" sz="2400" dirty="0">
+                <a:solidFill>
+                  <a:schemeClr val="tx2"/>
+                </a:solidFill>
+              </a:rPr>
               <a:t>           Other sites</a:t>
             </a:r>
             <a:r>
@@ -9621,13 +9804,14 @@
             </a:r>
           </a:p>
           <a:p>
+            <a:pPr lvl="3"/>
             <a:r>
               <a:rPr lang="en-US" sz="2000" dirty="0">
                 <a:solidFill>
                   <a:schemeClr val="tx2"/>
                 </a:solidFill>
               </a:rPr>
-              <a:t>  (</a:t>
+              <a:t>       (</a:t>
             </a:r>
             <a:r>
               <a:rPr lang="en-US" sz="2000" dirty="0">
@@ -9635,45 +9819,16 @@
                   <a:srgbClr val="FF0000"/>
                 </a:solidFill>
               </a:rPr>
-              <a:t>exist in some </a:t>
-            </a:r>
-            <a:r>
-              <a:rPr lang="en-US" sz="2000" dirty="0" smtClean="0">
-                <a:solidFill>
-                  <a:srgbClr val="FF0000"/>
-                </a:solidFill>
-              </a:rPr>
-              <a:t>service areas  we </a:t>
+              <a:t>exist in urban  areas.</a:t>
             </a:r>
             <a:r>
               <a:rPr lang="en-US" sz="2000" dirty="0">
                 <a:solidFill>
-                  <a:srgbClr val="FF0000"/>
-                </a:solidFill>
-              </a:rPr>
-              <a:t>are </a:t>
-            </a:r>
-            <a:r>
-              <a:rPr lang="en-US" sz="2000" dirty="0" smtClean="0">
-                <a:solidFill>
-                  <a:srgbClr val="FF0000"/>
-                </a:solidFill>
-              </a:rPr>
-              <a:t>allowing as social platform</a:t>
-            </a:r>
-            <a:r>
-              <a:rPr lang="en-US" sz="2000" dirty="0" smtClean="0">
-                <a:solidFill>
                   <a:schemeClr val="tx2"/>
                 </a:solidFill>
               </a:rPr>
               <a:t>)</a:t>
             </a:r>
-            <a:endParaRPr lang="en-US" sz="2000" dirty="0">
-              <a:solidFill>
-                <a:schemeClr val="tx2"/>
-              </a:solidFill>
-            </a:endParaRPr>
           </a:p>
           <a:p>
             <a:endParaRPr dirty="0"/>

--- a/service_images/startuppitch/myservicenned_pitch.pptx
+++ b/service_images/startuppitch/myservicenned_pitch.pptx
@@ -116,7 +116,7 @@
   </p:defaultTextStyle>
   <p:extLst>
     <p:ext uri="{EFAFB233-063F-42B5-8137-9DF3F51BA10A}">
-      <p15:sldGuideLst xmlns:p15="http://schemas.microsoft.com/office/powerpoint/2012/main">
+      <p15:sldGuideLst xmlns:p15="http://schemas.microsoft.com/office/powerpoint/2012/main" xmlns="">
         <p15:guide id="1" orient="horz" pos="2880">
           <p15:clr>
             <a:srgbClr val="A4A3A4"/>
@@ -299,7 +299,7 @@
           <a:p>
             <a:fld id="{1D8BD707-D9CF-40AE-B4C6-C98DA3205C09}" type="datetimeFigureOut">
               <a:rPr lang="en-US"/>
-              <a:t>4/4/2017</a:t>
+              <a:t>4/7/2017</a:t>
             </a:fld>
             <a:endParaRPr lang="en-US"/>
           </a:p>
@@ -503,7 +503,7 @@
           <a:p>
             <a:fld id="{1D8BD707-D9CF-40AE-B4C6-C98DA3205C09}" type="datetimeFigureOut">
               <a:rPr lang="en-US"/>
-              <a:t>4/4/2017</a:t>
+              <a:t>4/7/2017</a:t>
             </a:fld>
             <a:endParaRPr lang="en-US"/>
           </a:p>
@@ -744,7 +744,7 @@
           <a:p>
             <a:fld id="{1D8BD707-D9CF-40AE-B4C6-C98DA3205C09}" type="datetimeFigureOut">
               <a:rPr lang="en-US"/>
-              <a:t>4/4/2017</a:t>
+              <a:t>4/7/2017</a:t>
             </a:fld>
             <a:endParaRPr lang="en-US"/>
           </a:p>
@@ -919,7 +919,7 @@
           <a:p>
             <a:fld id="{1D8BD707-D9CF-40AE-B4C6-C98DA3205C09}" type="datetimeFigureOut">
               <a:rPr lang="en-US"/>
-              <a:t>4/4/2017</a:t>
+              <a:t>4/7/2017</a:t>
             </a:fld>
             <a:endParaRPr lang="en-US"/>
           </a:p>
@@ -1065,7 +1065,7 @@
           <a:p>
             <a:fld id="{1D8BD707-D9CF-40AE-B4C6-C98DA3205C09}" type="datetimeFigureOut">
               <a:rPr lang="en-US"/>
-              <a:t>4/4/2017</a:t>
+              <a:t>4/7/2017</a:t>
             </a:fld>
             <a:endParaRPr lang="en-US"/>
           </a:p>
@@ -1314,7 +1314,7 @@
           <a:p>
             <a:fld id="{1D8BD707-D9CF-40AE-B4C6-C98DA3205C09}" type="datetimeFigureOut">
               <a:rPr lang="en-US"/>
-              <a:t>4/4/2017</a:t>
+              <a:t>4/7/2017</a:t>
             </a:fld>
             <a:endParaRPr lang="en-US"/>
           </a:p>
@@ -1915,6 +1915,13 @@
   <p:clrMapOvr>
     <a:masterClrMapping/>
   </p:clrMapOvr>
+  <p:timing>
+    <p:tnLst>
+      <p:par>
+        <p:cTn id="1" dur="indefinite" restart="never" nodeType="tmRoot"/>
+      </p:par>
+    </p:tnLst>
+  </p:timing>
 </p:sld>
 </file>
 
@@ -2289,6 +2296,13 @@
   <p:clrMapOvr>
     <a:masterClrMapping/>
   </p:clrMapOvr>
+  <p:timing>
+    <p:tnLst>
+      <p:par>
+        <p:cTn id="1" dur="indefinite" restart="never" nodeType="tmRoot"/>
+      </p:par>
+    </p:tnLst>
+  </p:timing>
 </p:sld>
 </file>
 
@@ -2344,7 +2358,7 @@
         <p:spPr>
           <a:xfrm>
             <a:off x="990600" y="1066801"/>
-            <a:ext cx="6969607" cy="4124206"/>
+            <a:ext cx="6969607" cy="3724096"/>
           </a:xfrm>
         </p:spPr>
         <p:txBody>
@@ -2355,7 +2369,7 @@
               <a:buAutoNum type="arabicParenR"/>
             </a:pPr>
             <a:r>
-              <a:rPr lang="en-US" sz="2600" kern="1200" dirty="0">
+              <a:rPr lang="en-US" sz="2600" b="1" kern="1200" dirty="0">
                 <a:solidFill>
                   <a:srgbClr val="7E7E7E"/>
                 </a:solidFill>
@@ -2385,8 +2399,35 @@
                 <a:latin typeface="Arial"/>
                 <a:cs typeface="Arial"/>
               </a:rPr>
-              <a:t>2)  Consumer acceptance and brand recognition.</a:t>
-            </a:r>
+              <a:t>2)  </a:t>
+            </a:r>
+            <a:r>
+              <a:rPr lang="en-US" sz="2600" b="1" kern="1200" dirty="0">
+                <a:solidFill>
+                  <a:srgbClr val="7E7E7E"/>
+                </a:solidFill>
+                <a:latin typeface="Arial"/>
+                <a:cs typeface="Arial"/>
+              </a:rPr>
+              <a:t>Consumer </a:t>
+            </a:r>
+            <a:r>
+              <a:rPr lang="en-US" sz="2600" b="1" kern="1200" dirty="0" smtClean="0">
+                <a:solidFill>
+                  <a:srgbClr val="7E7E7E"/>
+                </a:solidFill>
+                <a:latin typeface="Arial"/>
+                <a:cs typeface="Arial"/>
+              </a:rPr>
+              <a:t>acceptance.</a:t>
+            </a:r>
+            <a:endParaRPr lang="en-US" sz="2600" b="1" kern="1200" dirty="0">
+              <a:solidFill>
+                <a:srgbClr val="7E7E7E"/>
+              </a:solidFill>
+              <a:latin typeface="Arial"/>
+              <a:cs typeface="Arial"/>
+            </a:endParaRPr>
           </a:p>
           <a:p>
             <a:pPr lvl="1"/>
@@ -2399,16 +2440,101 @@
             </a:endParaRPr>
           </a:p>
           <a:p>
-            <a:pPr lvl="1"/>
-            <a:r>
-              <a:rPr lang="en-US" sz="2600" kern="1200" dirty="0">
+            <a:pPr marL="971550" lvl="1" indent="-514350">
+              <a:buAutoNum type="arabicParenR" startAt="3"/>
+            </a:pPr>
+            <a:r>
+              <a:rPr lang="en-US" sz="2600" b="1" kern="1200" dirty="0" smtClean="0">
                 <a:solidFill>
                   <a:srgbClr val="7E7E7E"/>
                 </a:solidFill>
                 <a:latin typeface="Arial"/>
                 <a:cs typeface="Arial"/>
               </a:rPr>
-              <a:t>3)  Identity of the service provider. (since we are making it as open platform for finding service works).</a:t>
+              <a:t>Identity </a:t>
+            </a:r>
+            <a:r>
+              <a:rPr lang="en-US" sz="2600" b="1" kern="1200" dirty="0">
+                <a:solidFill>
+                  <a:srgbClr val="7E7E7E"/>
+                </a:solidFill>
+                <a:latin typeface="Arial"/>
+                <a:cs typeface="Arial"/>
+              </a:rPr>
+              <a:t>of the service provider</a:t>
+            </a:r>
+            <a:r>
+              <a:rPr lang="en-US" sz="2600" b="1" kern="1200" dirty="0" smtClean="0">
+                <a:solidFill>
+                  <a:srgbClr val="7E7E7E"/>
+                </a:solidFill>
+                <a:latin typeface="Arial"/>
+                <a:cs typeface="Arial"/>
+              </a:rPr>
+              <a:t>.</a:t>
+            </a:r>
+          </a:p>
+          <a:p>
+            <a:pPr lvl="1"/>
+            <a:r>
+              <a:rPr lang="en-US" sz="2600" b="1" kern="1200" dirty="0" smtClean="0">
+                <a:solidFill>
+                  <a:srgbClr val="7E7E7E"/>
+                </a:solidFill>
+                <a:latin typeface="Arial"/>
+                <a:cs typeface="Arial"/>
+              </a:rPr>
+              <a:t>      </a:t>
+            </a:r>
+            <a:r>
+              <a:rPr lang="en-US" sz="2600" kern="1200" dirty="0" smtClean="0">
+                <a:solidFill>
+                  <a:srgbClr val="7E7E7E"/>
+                </a:solidFill>
+                <a:latin typeface="Arial"/>
+                <a:cs typeface="Arial"/>
+              </a:rPr>
+              <a:t>(</a:t>
+            </a:r>
+            <a:r>
+              <a:rPr lang="en-US" sz="2600" i="1" kern="1200" dirty="0">
+                <a:solidFill>
+                  <a:srgbClr val="7E7E7E"/>
+                </a:solidFill>
+                <a:latin typeface="Arial"/>
+                <a:cs typeface="Arial"/>
+              </a:rPr>
+              <a:t>since we are making it as open platform </a:t>
+            </a:r>
+            <a:r>
+              <a:rPr lang="en-US" sz="2600" i="1" kern="1200" dirty="0" smtClean="0">
+                <a:solidFill>
+                  <a:srgbClr val="7E7E7E"/>
+                </a:solidFill>
+                <a:latin typeface="Arial"/>
+                <a:cs typeface="Arial"/>
+              </a:rPr>
+              <a:t>      for </a:t>
+            </a:r>
+            <a:r>
+              <a:rPr lang="en-US" sz="2600" i="1" kern="1200" dirty="0">
+                <a:solidFill>
+                  <a:srgbClr val="7E7E7E"/>
+                </a:solidFill>
+                <a:latin typeface="Arial"/>
+                <a:cs typeface="Arial"/>
+              </a:rPr>
+              <a:t>finding service works</a:t>
+            </a:r>
+            <a:r>
+              <a:rPr lang="en-US" sz="2600" kern="1200" dirty="0">
+                <a:solidFill>
+                  <a:srgbClr val="7E7E7E"/>
+                </a:solidFill>
+                <a:latin typeface="Arial"/>
+                <a:cs typeface="Arial"/>
+              </a:rPr>
+              <a:t>).</a:t>
             </a:r>
           </a:p>
           <a:p>
@@ -2426,6 +2552,13 @@
   <p:clrMapOvr>
     <a:masterClrMapping/>
   </p:clrMapOvr>
+  <p:timing>
+    <p:tnLst>
+      <p:par>
+        <p:cTn id="1" dur="indefinite" restart="never" nodeType="tmRoot"/>
+      </p:par>
+    </p:tnLst>
+  </p:timing>
 </p:sld>
 </file>
 
@@ -2628,8 +2761,25 @@
                 <a:latin typeface="Arial" panose="020B0604020202020204" pitchFamily="34" charset="0"/>
                 <a:cs typeface="Arial" panose="020B0604020202020204" pitchFamily="34" charset="0"/>
               </a:rPr>
-              <a:t>List will get added with more services</a:t>
-            </a:r>
+              <a:t>List will get added with </a:t>
+            </a:r>
+            <a:r>
+              <a:rPr lang="en-US" sz="2400" dirty="0" smtClean="0">
+                <a:solidFill>
+                  <a:srgbClr val="FFC000"/>
+                </a:solidFill>
+                <a:latin typeface="Arial" panose="020B0604020202020204" pitchFamily="34" charset="0"/>
+                <a:cs typeface="Arial" panose="020B0604020202020204" pitchFamily="34" charset="0"/>
+              </a:rPr>
+              <a:t>more.</a:t>
+            </a:r>
+            <a:endParaRPr lang="en-US" sz="2400" dirty="0">
+              <a:solidFill>
+                <a:srgbClr val="FFC000"/>
+              </a:solidFill>
+              <a:latin typeface="Arial" panose="020B0604020202020204" pitchFamily="34" charset="0"/>
+              <a:cs typeface="Arial" panose="020B0604020202020204" pitchFamily="34" charset="0"/>
+            </a:endParaRPr>
           </a:p>
         </p:txBody>
       </p:sp>
@@ -2682,6 +2832,13 @@
   <p:clrMapOvr>
     <a:masterClrMapping/>
   </p:clrMapOvr>
+  <p:timing>
+    <p:tnLst>
+      <p:par>
+        <p:cTn id="1" dur="indefinite" restart="never" nodeType="tmRoot"/>
+      </p:par>
+    </p:tnLst>
+  </p:timing>
 </p:sld>
 </file>
 
@@ -3122,6 +3279,13 @@
   <p:clrMapOvr>
     <a:masterClrMapping/>
   </p:clrMapOvr>
+  <p:timing>
+    <p:tnLst>
+      <p:par>
+        <p:cTn id="1" dur="indefinite" restart="never" nodeType="tmRoot"/>
+      </p:par>
+    </p:tnLst>
+  </p:timing>
 </p:sld>
 </file>
 
@@ -3830,6 +3994,13 @@
   <p:clrMapOvr>
     <a:masterClrMapping/>
   </p:clrMapOvr>
+  <p:timing>
+    <p:tnLst>
+      <p:par>
+        <p:cTn id="1" dur="indefinite" restart="never" nodeType="tmRoot"/>
+      </p:par>
+    </p:tnLst>
+  </p:timing>
 </p:sld>
 </file>
 
@@ -4086,6 +4257,13 @@
   <p:clrMapOvr>
     <a:masterClrMapping/>
   </p:clrMapOvr>
+  <p:timing>
+    <p:tnLst>
+      <p:par>
+        <p:cTn id="1" dur="indefinite" restart="never" nodeType="tmRoot"/>
+      </p:par>
+    </p:tnLst>
+  </p:timing>
 </p:sld>
 </file>
 
@@ -6379,6 +6557,13 @@
   <p:clrMapOvr>
     <a:masterClrMapping/>
   </p:clrMapOvr>
+  <p:timing>
+    <p:tnLst>
+      <p:par>
+        <p:cTn id="1" dur="indefinite" restart="never" nodeType="tmRoot"/>
+      </p:par>
+    </p:tnLst>
+  </p:timing>
 </p:sld>
 </file>
 
@@ -7491,6 +7676,13 @@
   <p:clrMapOvr>
     <a:masterClrMapping/>
   </p:clrMapOvr>
+  <p:timing>
+    <p:tnLst>
+      <p:par>
+        <p:cTn id="1" dur="indefinite" restart="never" nodeType="tmRoot"/>
+      </p:par>
+    </p:tnLst>
+  </p:timing>
 </p:sld>
 </file>
 
@@ -7639,7 +7831,37 @@
                 <a:latin typeface="Arial"/>
                 <a:cs typeface="Arial"/>
               </a:rPr>
-              <a:t>charge from user who view more than 10 service needs per a Day(In find work section).</a:t>
+              <a:t>charge from user who view more than </a:t>
+            </a:r>
+            <a:r>
+              <a:rPr lang="en-US" sz="2600" dirty="0">
+                <a:solidFill>
+                  <a:srgbClr val="7E7E7E"/>
+                </a:solidFill>
+                <a:latin typeface="Arial"/>
+                <a:cs typeface="Arial"/>
+              </a:rPr>
+              <a:t>5</a:t>
+            </a:r>
+            <a:r>
+              <a:rPr lang="en-US" sz="2600" dirty="0" smtClean="0">
+                <a:solidFill>
+                  <a:srgbClr val="7E7E7E"/>
+                </a:solidFill>
+                <a:latin typeface="Arial"/>
+                <a:cs typeface="Arial"/>
+              </a:rPr>
+              <a:t> </a:t>
+            </a:r>
+            <a:r>
+              <a:rPr lang="en-US" sz="2600" dirty="0">
+                <a:solidFill>
+                  <a:srgbClr val="7E7E7E"/>
+                </a:solidFill>
+                <a:latin typeface="Arial"/>
+                <a:cs typeface="Arial"/>
+              </a:rPr>
+              <a:t>service needs per a Day(In find work section).</a:t>
             </a:r>
             <a:endParaRPr sz="2600" dirty="0">
               <a:latin typeface="Arial"/>
@@ -7823,7 +8045,17 @@
                 <a:latin typeface="Calibri"/>
                 <a:cs typeface="Calibri"/>
               </a:rPr>
-              <a:t>View 50 Needs with Rs.10</a:t>
+              <a:t>View 50 Needs with </a:t>
+            </a:r>
+            <a:r>
+              <a:rPr lang="en-US" spc="-5" dirty="0" smtClean="0">
+                <a:solidFill>
+                  <a:srgbClr val="7E7E7E"/>
+                </a:solidFill>
+                <a:latin typeface="Calibri"/>
+                <a:cs typeface="Calibri"/>
+              </a:rPr>
+              <a:t>Rs.20</a:t>
             </a:r>
             <a:endParaRPr sz="1800" dirty="0">
               <a:latin typeface="Calibri"/>
@@ -7917,7 +8149,7 @@
         </p:nvSpPr>
         <p:spPr>
           <a:xfrm>
-            <a:off x="697991" y="2561844"/>
+            <a:off x="697991" y="2590800"/>
             <a:ext cx="1675130" cy="1675130"/>
           </a:xfrm>
           <a:custGeom>
@@ -8303,8 +8535,8 @@
         </p:nvSpPr>
         <p:spPr>
           <a:xfrm>
-            <a:off x="912366" y="2695964"/>
-            <a:ext cx="1297433" cy="1292662"/>
+            <a:off x="803554" y="2695964"/>
+            <a:ext cx="1406245" cy="1292662"/>
           </a:xfrm>
           <a:prstGeom prst="rect">
             <a:avLst/>
@@ -8329,7 +8561,31 @@
                 <a:latin typeface="Calibri"/>
                 <a:cs typeface="Calibri"/>
               </a:rPr>
-              <a:t>     1million/day</a:t>
+              <a:t>     </a:t>
+            </a:r>
+            <a:endParaRPr lang="en-US" sz="2800" b="1" spc="-10" dirty="0" smtClean="0">
+              <a:solidFill>
+                <a:srgbClr val="FFFFFF"/>
+              </a:solidFill>
+              <a:latin typeface="Calibri"/>
+              <a:cs typeface="Calibri"/>
+            </a:endParaRPr>
+          </a:p>
+          <a:p>
+            <a:pPr marL="12700">
+              <a:lnSpc>
+                <a:spcPct val="100000"/>
+              </a:lnSpc>
+            </a:pPr>
+            <a:r>
+              <a:rPr lang="en-US" sz="2800" b="1" spc="-10" dirty="0" smtClean="0">
+                <a:solidFill>
+                  <a:srgbClr val="FFFFFF"/>
+                </a:solidFill>
+                <a:latin typeface="Calibri"/>
+                <a:cs typeface="Calibri"/>
+              </a:rPr>
+              <a:t>50k users                   /   a day</a:t>
             </a:r>
             <a:endParaRPr sz="2800" dirty="0">
               <a:latin typeface="Calibri"/>
@@ -8382,7 +8638,17 @@
                 <a:latin typeface="Calibri"/>
                 <a:cs typeface="Calibri"/>
               </a:rPr>
-              <a:t> 10</a:t>
+              <a:t> </a:t>
+            </a:r>
+            <a:r>
+              <a:rPr lang="en-US" sz="4800" b="1" dirty="0" smtClean="0">
+                <a:solidFill>
+                  <a:srgbClr val="129CEB"/>
+                </a:solidFill>
+                <a:latin typeface="Calibri"/>
+                <a:cs typeface="Calibri"/>
+              </a:rPr>
+              <a:t>20</a:t>
             </a:r>
             <a:endParaRPr sz="4800" dirty="0">
               <a:latin typeface="Calibri"/>
@@ -8399,8 +8665,8 @@
         </p:nvSpPr>
         <p:spPr>
           <a:xfrm>
-            <a:off x="6662674" y="2181940"/>
-            <a:ext cx="2255671" cy="2215991"/>
+            <a:off x="6443344" y="2743200"/>
+            <a:ext cx="2475001" cy="1477328"/>
           </a:xfrm>
           <a:prstGeom prst="rect">
             <a:avLst/>
@@ -8425,7 +8691,17 @@
                 <a:latin typeface="Calibri"/>
                 <a:cs typeface="Calibri"/>
               </a:rPr>
-              <a:t>     1crore /day</a:t>
+              <a:t>   </a:t>
+            </a:r>
+            <a:r>
+              <a:rPr lang="en-US" sz="4800" b="1" dirty="0" smtClean="0">
+                <a:solidFill>
+                  <a:srgbClr val="129CEB"/>
+                </a:solidFill>
+                <a:latin typeface="Calibri"/>
+                <a:cs typeface="Calibri"/>
+              </a:rPr>
+              <a:t>10 lacs     	/ day</a:t>
             </a:r>
             <a:endParaRPr sz="4800" dirty="0">
               <a:latin typeface="Calibri"/>
@@ -8844,14 +9120,14 @@
       </p:sp>
       <p:sp>
         <p:nvSpPr>
-          <p:cNvPr id="15" name="TextBox 14"/>
+          <p:cNvPr id="16" name="TextBox 15"/>
           <p:cNvSpPr txBox="1"/>
           <p:nvPr/>
         </p:nvSpPr>
         <p:spPr>
           <a:xfrm>
-            <a:off x="381000" y="5715000"/>
-            <a:ext cx="8502927" cy="369332"/>
+            <a:off x="1143000" y="5943600"/>
+            <a:ext cx="7162800" cy="369332"/>
           </a:xfrm>
           <a:prstGeom prst="rect">
             <a:avLst/>
@@ -8865,13 +9141,10 @@
           <a:lstStyle/>
           <a:p>
             <a:r>
-              <a:rPr lang="en-US" dirty="0">
-                <a:solidFill>
-                  <a:srgbClr val="FF0000"/>
-                </a:solidFill>
-              </a:rPr>
-              <a:t>Note: Depends on type of service work viewed, number of views available will change.</a:t>
-            </a:r>
+              <a:rPr lang="en-US" dirty="0" smtClean="0"/>
+              <a:t>We are planning to have advertisement as major revenue source</a:t>
+            </a:r>
+            <a:endParaRPr lang="en-US" dirty="0"/>
           </a:p>
         </p:txBody>
       </p:sp>
@@ -8880,6 +9153,13 @@
   <p:clrMapOvr>
     <a:masterClrMapping/>
   </p:clrMapOvr>
+  <p:timing>
+    <p:tnLst>
+      <p:par>
+        <p:cTn id="1" dur="indefinite" restart="never" nodeType="tmRoot"/>
+      </p:par>
+    </p:tnLst>
+  </p:timing>
 </p:sld>
 </file>
 
@@ -10120,6 +10400,13 @@
   <p:clrMapOvr>
     <a:masterClrMapping/>
   </p:clrMapOvr>
+  <p:timing>
+    <p:tnLst>
+      <p:par>
+        <p:cTn id="1" dur="indefinite" restart="never" nodeType="tmRoot"/>
+      </p:par>
+    </p:tnLst>
+  </p:timing>
 </p:sld>
 </file>
 
